--- a/成果発表会発表資料.pptx
+++ b/成果発表会発表資料.pptx
@@ -260,8 +260,11 @@
     </a:lvl9pPr>
   </p:defaultTextStyle>
   <p:extLst>
+    <p:ext uri="{EFAFB233-063F-42B5-8137-9DF3F51BA10A}">
+      <p15:sldGuideLst xmlns:p15="http://schemas.microsoft.com/office/powerpoint/2012/main"/>
+    </p:ext>
     <p:ext uri="http://customooxmlschemas.google.com/">
-      <go:slidesCustomData xmlns:go="http://customooxmlschemas.google.com/" xmlns:p15="http://schemas.microsoft.com/office/powerpoint/2012/main" xmlns:p14="http://schemas.microsoft.com/office/powerpoint/2010/main" xmlns:com="http://schemas.openxmlformats.org/drawingml/2006/compatibility" xmlns:pvml="urn:schemas-microsoft-com:office:powerpoint" xmlns:v="urn:schemas-microsoft-com:vml" xmlns:o="urn:schemas-microsoft-com:office:office" xmlns:dgm="http://schemas.openxmlformats.org/drawingml/2006/diagram" xmlns:c="http://schemas.openxmlformats.org/drawingml/2006/chart" xmlns:mv="urn:schemas-microsoft-com:mac:vml" xmlns:mc="http://schemas.openxmlformats.org/markup-compatibility/2006" xmlns="" r:id="rId25" roundtripDataSignature="AMtx7mhSD1MLApTgUqu6n1YFMsXsJD0f0w=="/>
+      <go:slidesCustomData xmlns="" xmlns:mc="http://schemas.openxmlformats.org/markup-compatibility/2006" xmlns:mv="urn:schemas-microsoft-com:mac:vml" xmlns:c="http://schemas.openxmlformats.org/drawingml/2006/chart" xmlns:dgm="http://schemas.openxmlformats.org/drawingml/2006/diagram" xmlns:o="urn:schemas-microsoft-com:office:office" xmlns:v="urn:schemas-microsoft-com:vml" xmlns:pvml="urn:schemas-microsoft-com:office:powerpoint" xmlns:com="http://schemas.openxmlformats.org/drawingml/2006/compatibility" xmlns:p14="http://schemas.microsoft.com/office/powerpoint/2010/main" xmlns:p15="http://schemas.microsoft.com/office/powerpoint/2012/main" xmlns:go="http://customooxmlschemas.google.com/" r:id="rId25" roundtripDataSignature="AMtx7mhSD1MLApTgUqu6n1YFMsXsJD0f0w=="/>
     </p:ext>
   </p:extLst>
 </p:presentation>
@@ -1711,8 +1714,8 @@
         </p:nvSpPr>
         <p:spPr>
           <a:xfrm>
-            <a:off x="1143225" y="685800"/>
-            <a:ext cx="4572300" cy="3429000"/>
+            <a:off x="381000" y="685800"/>
+            <a:ext cx="6096000" cy="3429000"/>
           </a:xfrm>
           <a:custGeom>
             <a:avLst/>
@@ -33880,8 +33883,8 @@
         </p:nvSpPr>
         <p:spPr>
           <a:xfrm>
-            <a:off x="5990275" y="2203588"/>
-            <a:ext cx="5775000" cy="2990100"/>
+            <a:off x="5990274" y="2203588"/>
+            <a:ext cx="6127439" cy="2990100"/>
           </a:xfrm>
           <a:prstGeom prst="rect">
             <a:avLst/>
@@ -33907,7 +33910,7 @@
               <a:buNone/>
             </a:pPr>
             <a:r>
-              <a:rPr lang="ja-JP" sz="3000" b="1">
+              <a:rPr lang="ja-JP" sz="3000" b="1" dirty="0">
                 <a:solidFill>
                   <a:srgbClr val="3C78D8"/>
                 </a:solidFill>
@@ -33918,7 +33921,7 @@
               </a:rPr>
               <a:t>ビジネス面</a:t>
             </a:r>
-            <a:endParaRPr sz="3000" b="1">
+            <a:endParaRPr sz="3000" b="1" dirty="0">
               <a:solidFill>
                 <a:srgbClr val="3C78D8"/>
               </a:solidFill>
@@ -33941,7 +33944,7 @@
               <a:buChar char="●"/>
             </a:pPr>
             <a:r>
-              <a:rPr lang="ja-JP" sz="2200" b="1">
+              <a:rPr lang="ja-JP" sz="2200" b="1" dirty="0">
                 <a:latin typeface="Calibri"/>
                 <a:ea typeface="Calibri"/>
                 <a:cs typeface="Calibri"/>
@@ -33949,7 +33952,7 @@
               </a:rPr>
               <a:t>社会人としての学び</a:t>
             </a:r>
-            <a:endParaRPr sz="2200" b="1">
+            <a:endParaRPr sz="2200" b="1" dirty="0">
               <a:latin typeface="Calibri"/>
               <a:ea typeface="Calibri"/>
               <a:cs typeface="Calibri"/>
@@ -33967,7 +33970,7 @@
               <a:buNone/>
             </a:pPr>
             <a:r>
-              <a:rPr lang="ja-JP" sz="2300">
+              <a:rPr lang="ja-JP" sz="2300" dirty="0">
                 <a:latin typeface="Calibri"/>
                 <a:ea typeface="Calibri"/>
                 <a:cs typeface="Calibri"/>
@@ -33975,7 +33978,7 @@
               </a:rPr>
               <a:t>・報連相の大切さ</a:t>
             </a:r>
-            <a:endParaRPr sz="2300">
+            <a:endParaRPr sz="2300" dirty="0">
               <a:latin typeface="Calibri"/>
               <a:ea typeface="Calibri"/>
               <a:cs typeface="Calibri"/>
@@ -33993,7 +33996,7 @@
               <a:buNone/>
             </a:pPr>
             <a:r>
-              <a:rPr lang="ja-JP" sz="2300">
+              <a:rPr lang="ja-JP" sz="2300" dirty="0">
                 <a:latin typeface="Calibri"/>
                 <a:ea typeface="Calibri"/>
                 <a:cs typeface="Calibri"/>
@@ -34001,7 +34004,7 @@
               </a:rPr>
               <a:t>・個人で行うことの限界</a:t>
             </a:r>
-            <a:endParaRPr sz="2300">
+            <a:endParaRPr sz="2300" dirty="0">
               <a:latin typeface="Calibri"/>
               <a:ea typeface="Calibri"/>
               <a:cs typeface="Calibri"/>
@@ -34018,7 +34021,7 @@
               </a:spcAft>
               <a:buNone/>
             </a:pPr>
-            <a:endParaRPr sz="2000">
+            <a:endParaRPr sz="2000" dirty="0">
               <a:latin typeface="Calibri"/>
               <a:ea typeface="Calibri"/>
               <a:cs typeface="Calibri"/>
@@ -34038,7 +34041,7 @@
               <a:buChar char="●"/>
             </a:pPr>
             <a:r>
-              <a:rPr lang="ja-JP" sz="2200" b="1">
+              <a:rPr lang="ja-JP" sz="2200" b="1" dirty="0">
                 <a:latin typeface="Calibri"/>
                 <a:ea typeface="Calibri"/>
                 <a:cs typeface="Calibri"/>
@@ -34046,7 +34049,7 @@
               </a:rPr>
               <a:t>今後目指す人財</a:t>
             </a:r>
-            <a:endParaRPr sz="2200" b="1">
+            <a:endParaRPr sz="2200" b="1" dirty="0">
               <a:latin typeface="Calibri"/>
               <a:ea typeface="Calibri"/>
               <a:cs typeface="Calibri"/>
@@ -34064,16 +34067,19 @@
               <a:buNone/>
             </a:pPr>
             <a:r>
-              <a:rPr lang="ja-JP" sz="2200" b="1">
+              <a:rPr lang="en-US" altLang="ja-JP" sz="2200" b="1" dirty="0">
+                <a:solidFill>
+                  <a:srgbClr val="CC0000"/>
+                </a:solidFill>
                 <a:latin typeface="Calibri"/>
                 <a:ea typeface="Calibri"/>
                 <a:cs typeface="Calibri"/>
                 <a:sym typeface="Calibri"/>
               </a:rPr>
-              <a:t>	</a:t>
+              <a:t>         </a:t>
             </a:r>
             <a:r>
-              <a:rPr lang="ja-JP" sz="2400" b="1">
+              <a:rPr lang="ja-JP" sz="2400" b="1" dirty="0">
                 <a:solidFill>
                   <a:srgbClr val="CC0000"/>
                 </a:solidFill>
@@ -34084,7 +34090,7 @@
               </a:rPr>
               <a:t>壁にぶつかってもあきらめない人財</a:t>
             </a:r>
-            <a:endParaRPr sz="2400" b="1">
+            <a:endParaRPr sz="2400" b="1" dirty="0">
               <a:solidFill>
                 <a:srgbClr val="CC0000"/>
               </a:solidFill>
@@ -34109,7 +34115,7 @@
               <a:buFont typeface="Arial"/>
               <a:buNone/>
             </a:pPr>
-            <a:endParaRPr sz="2300">
+            <a:endParaRPr sz="2300" dirty="0">
               <a:latin typeface="Calibri"/>
               <a:ea typeface="Calibri"/>
               <a:cs typeface="Calibri"/>

--- a/成果発表会発表資料.pptx
+++ b/成果発表会発表資料.pptx
@@ -264,7 +264,7 @@
       <p15:sldGuideLst xmlns:p15="http://schemas.microsoft.com/office/powerpoint/2012/main"/>
     </p:ext>
     <p:ext uri="http://customooxmlschemas.google.com/">
-      <go:slidesCustomData xmlns="" xmlns:mc="http://schemas.openxmlformats.org/markup-compatibility/2006" xmlns:mv="urn:schemas-microsoft-com:mac:vml" xmlns:c="http://schemas.openxmlformats.org/drawingml/2006/chart" xmlns:dgm="http://schemas.openxmlformats.org/drawingml/2006/diagram" xmlns:o="urn:schemas-microsoft-com:office:office" xmlns:v="urn:schemas-microsoft-com:vml" xmlns:pvml="urn:schemas-microsoft-com:office:powerpoint" xmlns:com="http://schemas.openxmlformats.org/drawingml/2006/compatibility" xmlns:p14="http://schemas.microsoft.com/office/powerpoint/2010/main" xmlns:p15="http://schemas.microsoft.com/office/powerpoint/2012/main" xmlns:go="http://customooxmlschemas.google.com/" r:id="rId25" roundtripDataSignature="AMtx7mhSD1MLApTgUqu6n1YFMsXsJD0f0w=="/>
+      <go:slidesCustomData xmlns:go="http://customooxmlschemas.google.com/" xmlns:p15="http://schemas.microsoft.com/office/powerpoint/2012/main" xmlns:p14="http://schemas.microsoft.com/office/powerpoint/2010/main" xmlns:com="http://schemas.openxmlformats.org/drawingml/2006/compatibility" xmlns:pvml="urn:schemas-microsoft-com:office:powerpoint" xmlns:v="urn:schemas-microsoft-com:vml" xmlns:o="urn:schemas-microsoft-com:office:office" xmlns:dgm="http://schemas.openxmlformats.org/drawingml/2006/diagram" xmlns:c="http://schemas.openxmlformats.org/drawingml/2006/chart" xmlns:mv="urn:schemas-microsoft-com:mac:vml" xmlns:mc="http://schemas.openxmlformats.org/markup-compatibility/2006" xmlns="" r:id="rId25" roundtripDataSignature="AMtx7mhSD1MLApTgUqu6n1YFMsXsJD0f0w=="/>
     </p:ext>
   </p:extLst>
 </p:presentation>
@@ -19034,7 +19034,7 @@
               <a:buNone/>
             </a:pPr>
             <a:r>
-              <a:rPr lang="ja-JP" sz="2500" b="1">
+              <a:rPr lang="ja-JP" sz="2500" b="1" dirty="0">
                 <a:solidFill>
                   <a:srgbClr val="3D85C6"/>
                 </a:solidFill>
@@ -19046,7 +19046,7 @@
               <a:t>問題とその影響</a:t>
             </a:r>
             <a:br>
-              <a:rPr lang="ja-JP" sz="2500" b="1">
+              <a:rPr lang="ja-JP" sz="2500" b="1" dirty="0">
                 <a:solidFill>
                   <a:srgbClr val="0B5394"/>
                 </a:solidFill>
@@ -19056,7 +19056,7 @@
                 <a:sym typeface="Calibri"/>
               </a:rPr>
             </a:br>
-            <a:endParaRPr sz="2500" b="1">
+            <a:endParaRPr sz="2500" b="1" dirty="0">
               <a:solidFill>
                 <a:srgbClr val="0B5394"/>
               </a:solidFill>
@@ -21077,14 +21077,26 @@
                 <a:cs typeface="Calibri"/>
                 <a:sym typeface="Calibri"/>
               </a:rPr>
-              <a:t>　　問題解決への取り組み</a:t>
+              <a:t>　　</a:t>
+            </a:r>
+            <a:r>
+              <a:rPr lang="ja-JP" sz="2500" b="1" dirty="0">
+                <a:solidFill>
+                  <a:srgbClr val="3D85C6"/>
+                </a:solidFill>
+                <a:latin typeface="メイリオ" panose="020B0604030504040204" pitchFamily="50" charset="-128"/>
+                <a:ea typeface="メイリオ" panose="020B0604030504040204" pitchFamily="50" charset="-128"/>
+                <a:cs typeface="Calibri"/>
+                <a:sym typeface="Calibri"/>
+              </a:rPr>
+              <a:t>問題解決への取り組み</a:t>
             </a:r>
             <a:endParaRPr sz="2500" b="1" dirty="0">
               <a:solidFill>
                 <a:srgbClr val="3D85C6"/>
               </a:solidFill>
-              <a:latin typeface="Calibri"/>
-              <a:ea typeface="Calibri"/>
+              <a:latin typeface="メイリオ" panose="020B0604030504040204" pitchFamily="50" charset="-128"/>
+              <a:ea typeface="メイリオ" panose="020B0604030504040204" pitchFamily="50" charset="-128"/>
               <a:cs typeface="Calibri"/>
               <a:sym typeface="Calibri"/>
             </a:endParaRPr>
@@ -21449,14 +21461,26 @@
                 <a:cs typeface="Calibri"/>
                 <a:sym typeface="Calibri"/>
               </a:rPr>
-              <a:t>　　期待される効果</a:t>
+              <a:t>　　</a:t>
+            </a:r>
+            <a:r>
+              <a:rPr lang="ja-JP" sz="2500" b="1" dirty="0">
+                <a:solidFill>
+                  <a:srgbClr val="3D85C6"/>
+                </a:solidFill>
+                <a:latin typeface="メイリオ" panose="020B0604030504040204" pitchFamily="50" charset="-128"/>
+                <a:ea typeface="メイリオ" panose="020B0604030504040204" pitchFamily="50" charset="-128"/>
+                <a:cs typeface="Calibri"/>
+                <a:sym typeface="Calibri"/>
+              </a:rPr>
+              <a:t>期待される効果</a:t>
             </a:r>
             <a:endParaRPr sz="2500" b="1" dirty="0">
               <a:solidFill>
                 <a:srgbClr val="3D85C6"/>
               </a:solidFill>
-              <a:latin typeface="Calibri"/>
-              <a:ea typeface="Calibri"/>
+              <a:latin typeface="メイリオ" panose="020B0604030504040204" pitchFamily="50" charset="-128"/>
+              <a:ea typeface="メイリオ" panose="020B0604030504040204" pitchFamily="50" charset="-128"/>
               <a:cs typeface="Calibri"/>
               <a:sym typeface="Calibri"/>
             </a:endParaRPr>
@@ -26412,7 +26436,7 @@
               <a:buChar char="●"/>
             </a:pPr>
             <a:r>
-              <a:rPr lang="ja-JP" sz="2400">
+              <a:rPr lang="ja-JP" sz="2400" dirty="0">
                 <a:latin typeface="Calibri"/>
                 <a:ea typeface="Calibri"/>
                 <a:cs typeface="Calibri"/>
@@ -26420,7 +26444,7 @@
               </a:rPr>
               <a:t>実績</a:t>
             </a:r>
-            <a:endParaRPr sz="2400">
+            <a:endParaRPr sz="2400" dirty="0">
               <a:latin typeface="Calibri"/>
               <a:ea typeface="Calibri"/>
               <a:cs typeface="Calibri"/>
@@ -26441,7 +26465,7 @@
               <a:buNone/>
             </a:pPr>
             <a:r>
-              <a:rPr lang="ja-JP" sz="2000" b="1">
+              <a:rPr lang="ja-JP" sz="2000" b="1" dirty="0">
                 <a:latin typeface="Calibri"/>
                 <a:ea typeface="Calibri"/>
                 <a:cs typeface="Calibri"/>
@@ -26450,7 +26474,7 @@
               <a:t>データベース</a:t>
             </a:r>
             <a:r>
-              <a:rPr lang="ja-JP" sz="2000">
+              <a:rPr lang="ja-JP" sz="2000" dirty="0">
                 <a:latin typeface="Calibri"/>
                 <a:ea typeface="Calibri"/>
                 <a:cs typeface="Calibri"/>
@@ -26458,7 +26482,7 @@
               </a:rPr>
               <a:t>　実装/導入</a:t>
             </a:r>
-            <a:endParaRPr sz="2000">
+            <a:endParaRPr sz="2000" dirty="0">
               <a:latin typeface="Calibri"/>
               <a:ea typeface="Calibri"/>
               <a:cs typeface="Calibri"/>
@@ -26481,7 +26505,7 @@
               <a:buChar char="○"/>
             </a:pPr>
             <a:r>
-              <a:rPr lang="ja-JP" sz="2000">
+              <a:rPr lang="ja-JP" sz="2000" dirty="0">
                 <a:latin typeface="Calibri"/>
                 <a:ea typeface="Calibri"/>
                 <a:cs typeface="Calibri"/>
@@ -26490,7 +26514,7 @@
               <a:t>データを格納する制約付きの</a:t>
             </a:r>
             <a:br>
-              <a:rPr lang="ja-JP" sz="2000">
+              <a:rPr lang="ja-JP" sz="2000" dirty="0">
                 <a:latin typeface="Calibri"/>
                 <a:ea typeface="Calibri"/>
                 <a:cs typeface="Calibri"/>
@@ -26498,7 +26522,7 @@
               </a:rPr>
             </a:br>
             <a:r>
-              <a:rPr lang="ja-JP" sz="2000">
+              <a:rPr lang="ja-JP" sz="2000" dirty="0">
                 <a:latin typeface="Calibri"/>
                 <a:ea typeface="Calibri"/>
                 <a:cs typeface="Calibri"/>
@@ -26506,7 +26530,7 @@
               </a:rPr>
               <a:t>テーブルの作成</a:t>
             </a:r>
-            <a:endParaRPr sz="2000">
+            <a:endParaRPr sz="2000" dirty="0">
               <a:latin typeface="Calibri"/>
               <a:ea typeface="Calibri"/>
               <a:cs typeface="Calibri"/>
@@ -26529,7 +26553,7 @@
               <a:buChar char="○"/>
             </a:pPr>
             <a:r>
-              <a:rPr lang="ja-JP" sz="2000">
+              <a:rPr lang="ja-JP" sz="2000" dirty="0">
                 <a:latin typeface="Calibri"/>
                 <a:ea typeface="Calibri"/>
                 <a:cs typeface="Calibri"/>
@@ -26537,7 +26561,7 @@
               </a:rPr>
               <a:t>DBへアクセスするDAOの作成</a:t>
             </a:r>
-            <a:endParaRPr sz="2200">
+            <a:endParaRPr sz="2200" dirty="0">
               <a:latin typeface="Calibri"/>
               <a:ea typeface="Calibri"/>
               <a:cs typeface="Calibri"/>
@@ -26560,7 +26584,7 @@
               <a:buChar char="●"/>
             </a:pPr>
             <a:r>
-              <a:rPr lang="ja-JP" sz="2400">
+              <a:rPr lang="ja-JP" sz="2400" dirty="0">
                 <a:latin typeface="Calibri"/>
                 <a:ea typeface="Calibri"/>
                 <a:cs typeface="Calibri"/>
@@ -26568,7 +26592,7 @@
               </a:rPr>
               <a:t>課題</a:t>
             </a:r>
-            <a:endParaRPr sz="2400">
+            <a:endParaRPr sz="2400" dirty="0">
               <a:latin typeface="Calibri"/>
               <a:ea typeface="Calibri"/>
               <a:cs typeface="Calibri"/>
@@ -26591,7 +26615,7 @@
               <a:buChar char="○"/>
             </a:pPr>
             <a:r>
-              <a:rPr lang="ja-JP" sz="2000" b="1">
+              <a:rPr lang="ja-JP" sz="2000" b="1" dirty="0">
                 <a:latin typeface="Calibri"/>
                 <a:ea typeface="Calibri"/>
                 <a:cs typeface="Calibri"/>
@@ -26600,7 +26624,7 @@
               <a:t>知識不足</a:t>
             </a:r>
             <a:r>
-              <a:rPr lang="ja-JP" sz="2000">
+              <a:rPr lang="ja-JP" sz="2000" dirty="0">
                 <a:latin typeface="Calibri"/>
                 <a:ea typeface="Calibri"/>
                 <a:cs typeface="Calibri"/>
@@ -26609,7 +26633,7 @@
               <a:t>によるエラーを生むようなコードミス</a:t>
             </a:r>
             <a:br>
-              <a:rPr lang="ja-JP" sz="2000">
+              <a:rPr lang="ja-JP" sz="2000" dirty="0">
                 <a:latin typeface="Calibri"/>
                 <a:ea typeface="Calibri"/>
                 <a:cs typeface="Calibri"/>
@@ -26617,7 +26641,7 @@
               </a:rPr>
             </a:br>
             <a:r>
-              <a:rPr lang="ja-JP" sz="2000">
+              <a:rPr lang="ja-JP" sz="2000" dirty="0">
                 <a:latin typeface="Calibri"/>
                 <a:ea typeface="Calibri"/>
                 <a:cs typeface="Calibri"/>
@@ -26625,7 +26649,7 @@
               </a:rPr>
               <a:t>→正確に知識をつける</a:t>
             </a:r>
-            <a:endParaRPr sz="2000">
+            <a:endParaRPr sz="2000" dirty="0">
               <a:latin typeface="Calibri"/>
               <a:ea typeface="Calibri"/>
               <a:cs typeface="Calibri"/>
@@ -29441,7 +29465,7 @@
               <a:buNone/>
             </a:pPr>
             <a:r>
-              <a:rPr lang="ja-JP" sz="2100">
+              <a:rPr lang="ja-JP" sz="2100" dirty="0">
                 <a:latin typeface="Calibri"/>
                 <a:ea typeface="Calibri"/>
                 <a:cs typeface="Calibri"/>
@@ -29449,7 +29473,7 @@
               </a:rPr>
               <a:t>〇実績</a:t>
             </a:r>
-            <a:endParaRPr sz="2100">
+            <a:endParaRPr sz="2100" dirty="0">
               <a:latin typeface="Calibri"/>
               <a:ea typeface="Calibri"/>
               <a:cs typeface="Calibri"/>
@@ -29466,7 +29490,7 @@
               </a:spcAft>
               <a:buNone/>
             </a:pPr>
-            <a:endParaRPr sz="700">
+            <a:endParaRPr sz="700" dirty="0">
               <a:latin typeface="Calibri"/>
               <a:ea typeface="Calibri"/>
               <a:cs typeface="Calibri"/>
@@ -29484,7 +29508,7 @@
               <a:buNone/>
             </a:pPr>
             <a:r>
-              <a:rPr lang="ja-JP" sz="2100">
+              <a:rPr lang="ja-JP" sz="2100" dirty="0">
                 <a:latin typeface="Calibri"/>
                 <a:ea typeface="Calibri"/>
                 <a:cs typeface="Calibri"/>
@@ -29493,7 +29517,7 @@
               <a:t>・</a:t>
             </a:r>
             <a:r>
-              <a:rPr lang="ja-JP" sz="2100" b="1">
+              <a:rPr lang="ja-JP" sz="2100" b="1" dirty="0">
                 <a:latin typeface="Meiryo"/>
                 <a:ea typeface="Meiryo"/>
                 <a:cs typeface="Meiryo"/>
@@ -29501,7 +29525,7 @@
               </a:rPr>
               <a:t>DBの導入/実装</a:t>
             </a:r>
-            <a:endParaRPr sz="2100">
+            <a:endParaRPr sz="2100" dirty="0">
               <a:latin typeface="Meiryo"/>
               <a:ea typeface="Meiryo"/>
               <a:cs typeface="Meiryo"/>
@@ -29519,7 +29543,7 @@
               <a:buNone/>
             </a:pPr>
             <a:r>
-              <a:rPr lang="ja-JP" sz="2100">
+              <a:rPr lang="ja-JP" sz="2100" dirty="0">
                 <a:latin typeface="Meiryo"/>
                 <a:ea typeface="Meiryo"/>
                 <a:cs typeface="Meiryo"/>
@@ -29527,7 +29551,7 @@
               </a:rPr>
               <a:t>DBへアクセスするDAOの作成</a:t>
             </a:r>
-            <a:endParaRPr sz="2100">
+            <a:endParaRPr sz="2100" dirty="0">
               <a:latin typeface="Meiryo"/>
               <a:ea typeface="Meiryo"/>
               <a:cs typeface="Meiryo"/>
@@ -29544,7 +29568,7 @@
               </a:spcAft>
               <a:buNone/>
             </a:pPr>
-            <a:endParaRPr sz="800">
+            <a:endParaRPr sz="800" dirty="0">
               <a:latin typeface="Meiryo"/>
               <a:ea typeface="Meiryo"/>
               <a:cs typeface="Meiryo"/>
@@ -29562,7 +29586,7 @@
               <a:buNone/>
             </a:pPr>
             <a:r>
-              <a:rPr lang="ja-JP" sz="2100" b="1">
+              <a:rPr lang="ja-JP" sz="2100" b="1" dirty="0">
                 <a:latin typeface="Meiryo"/>
                 <a:ea typeface="Meiryo"/>
                 <a:cs typeface="Meiryo"/>
@@ -29570,7 +29594,7 @@
               </a:rPr>
               <a:t>・システムテストの実施</a:t>
             </a:r>
-            <a:endParaRPr sz="2100" b="1">
+            <a:endParaRPr sz="2100" b="1" dirty="0">
               <a:latin typeface="Meiryo"/>
               <a:ea typeface="Meiryo"/>
               <a:cs typeface="Meiryo"/>
@@ -29587,7 +29611,7 @@
               </a:spcAft>
               <a:buNone/>
             </a:pPr>
-            <a:endParaRPr sz="3000" b="1">
+            <a:endParaRPr sz="3000" b="1" dirty="0">
               <a:latin typeface="Meiryo"/>
               <a:ea typeface="Meiryo"/>
               <a:cs typeface="Meiryo"/>
@@ -29605,7 +29629,7 @@
               <a:buNone/>
             </a:pPr>
             <a:r>
-              <a:rPr lang="ja-JP" sz="2100">
+              <a:rPr lang="ja-JP" sz="2100" dirty="0">
                 <a:latin typeface="Meiryo"/>
                 <a:ea typeface="Meiryo"/>
                 <a:cs typeface="Meiryo"/>
@@ -29613,7 +29637,7 @@
               </a:rPr>
               <a:t>〇課題/改善策</a:t>
             </a:r>
-            <a:endParaRPr sz="2100">
+            <a:endParaRPr sz="2100" dirty="0">
               <a:latin typeface="Meiryo"/>
               <a:ea typeface="Meiryo"/>
               <a:cs typeface="Meiryo"/>
@@ -29630,7 +29654,7 @@
               </a:spcAft>
               <a:buNone/>
             </a:pPr>
-            <a:endParaRPr sz="700">
+            <a:endParaRPr sz="700" dirty="0">
               <a:latin typeface="Meiryo"/>
               <a:ea typeface="Meiryo"/>
               <a:cs typeface="Meiryo"/>
@@ -29648,7 +29672,7 @@
               <a:buNone/>
             </a:pPr>
             <a:r>
-              <a:rPr lang="ja-JP" sz="2100">
+              <a:rPr lang="ja-JP" sz="2100" dirty="0">
                 <a:solidFill>
                   <a:schemeClr val="dk1"/>
                 </a:solidFill>
@@ -29660,7 +29684,7 @@
               <a:t>・</a:t>
             </a:r>
             <a:r>
-              <a:rPr lang="ja-JP" sz="2100" b="1">
+              <a:rPr lang="ja-JP" sz="2100" b="1" dirty="0">
                 <a:solidFill>
                   <a:schemeClr val="dk1"/>
                 </a:solidFill>
@@ -29671,7 +29695,7 @@
               </a:rPr>
               <a:t>作業目的や内容の共有</a:t>
             </a:r>
-            <a:endParaRPr sz="2100" b="1">
+            <a:endParaRPr sz="2100" b="1" dirty="0">
               <a:solidFill>
                 <a:schemeClr val="dk1"/>
               </a:solidFill>
@@ -29696,7 +29720,7 @@
               <a:buFont typeface="Arial"/>
               <a:buNone/>
             </a:pPr>
-            <a:endParaRPr sz="700" b="1">
+            <a:endParaRPr sz="700" b="1" dirty="0">
               <a:solidFill>
                 <a:schemeClr val="dk1"/>
               </a:solidFill>
@@ -29722,7 +29746,7 @@
               <a:buNone/>
             </a:pPr>
             <a:r>
-              <a:rPr lang="ja-JP" sz="2100" b="1">
+              <a:rPr lang="ja-JP" sz="2100" b="1" dirty="0">
                 <a:solidFill>
                   <a:schemeClr val="dk1"/>
                 </a:solidFill>
@@ -29734,7 +29758,7 @@
               <a:t>　</a:t>
             </a:r>
             <a:r>
-              <a:rPr lang="ja-JP" sz="2100">
+              <a:rPr lang="ja-JP" sz="2100" dirty="0">
                 <a:solidFill>
                   <a:schemeClr val="dk1"/>
                 </a:solidFill>
@@ -29745,7 +29769,7 @@
               </a:rPr>
               <a:t>→目的理解とモデル精度の向上</a:t>
             </a:r>
-            <a:endParaRPr sz="2100">
+            <a:endParaRPr sz="2100" dirty="0">
               <a:latin typeface="Meiryo"/>
               <a:ea typeface="Meiryo"/>
               <a:cs typeface="Meiryo"/>
@@ -31430,7 +31454,7 @@
               <a:buNone/>
             </a:pPr>
             <a:r>
-              <a:rPr lang="ja-JP" sz="2400" b="1">
+              <a:rPr lang="ja-JP" sz="2400" b="1" dirty="0">
                 <a:solidFill>
                   <a:srgbClr val="3C78D8"/>
                 </a:solidFill>
@@ -31441,7 +31465,7 @@
               </a:rPr>
               <a:t>技術面</a:t>
             </a:r>
-            <a:endParaRPr sz="2400" b="1">
+            <a:endParaRPr sz="2400" b="1" dirty="0">
               <a:solidFill>
                 <a:srgbClr val="3C78D8"/>
               </a:solidFill>
@@ -31461,7 +31485,7 @@
               </a:spcAft>
               <a:buNone/>
             </a:pPr>
-            <a:endParaRPr sz="2400" b="1">
+            <a:endParaRPr sz="2400" b="1" dirty="0">
               <a:latin typeface="Meiryo"/>
               <a:ea typeface="Meiryo"/>
               <a:cs typeface="Meiryo"/>
@@ -31479,7 +31503,7 @@
               <a:buNone/>
             </a:pPr>
             <a:r>
-              <a:rPr lang="ja-JP" sz="2000" b="1">
+              <a:rPr lang="ja-JP" sz="2000" b="1" dirty="0">
                 <a:latin typeface="Meiryo"/>
                 <a:ea typeface="Meiryo"/>
                 <a:cs typeface="Meiryo"/>
@@ -31487,7 +31511,7 @@
               </a:rPr>
               <a:t>実績</a:t>
             </a:r>
-            <a:endParaRPr sz="2000" b="1">
+            <a:endParaRPr sz="2000" b="1" dirty="0">
               <a:latin typeface="Meiryo"/>
               <a:ea typeface="Meiryo"/>
               <a:cs typeface="Meiryo"/>
@@ -31505,7 +31529,7 @@
               <a:buNone/>
             </a:pPr>
             <a:r>
-              <a:rPr lang="ja-JP" sz="2000">
+              <a:rPr lang="ja-JP" sz="2000" dirty="0">
                 <a:latin typeface="Meiryo"/>
                 <a:ea typeface="Meiryo"/>
                 <a:cs typeface="Meiryo"/>
@@ -31514,7 +31538,7 @@
               <a:t>・Swingによる</a:t>
             </a:r>
             <a:r>
-              <a:rPr lang="ja-JP" sz="2000">
+              <a:rPr lang="ja-JP" sz="2000" dirty="0">
                 <a:solidFill>
                   <a:srgbClr val="FF0000"/>
                 </a:solidFill>
@@ -31526,7 +31550,7 @@
               <a:t>GUI</a:t>
             </a:r>
             <a:r>
-              <a:rPr lang="ja-JP" sz="2000">
+              <a:rPr lang="ja-JP" sz="2000" dirty="0">
                 <a:latin typeface="Meiryo"/>
                 <a:ea typeface="Meiryo"/>
                 <a:cs typeface="Meiryo"/>
@@ -31534,7 +31558,7 @@
               </a:rPr>
               <a:t>の実現</a:t>
             </a:r>
-            <a:endParaRPr sz="2000">
+            <a:endParaRPr sz="2000" dirty="0">
               <a:latin typeface="Meiryo"/>
               <a:ea typeface="Meiryo"/>
               <a:cs typeface="Meiryo"/>
@@ -31551,7 +31575,7 @@
               </a:spcAft>
               <a:buNone/>
             </a:pPr>
-            <a:endParaRPr sz="2000">
+            <a:endParaRPr sz="2000" dirty="0">
               <a:latin typeface="Meiryo"/>
               <a:ea typeface="Meiryo"/>
               <a:cs typeface="Meiryo"/>
@@ -31568,7 +31592,7 @@
               </a:spcAft>
               <a:buNone/>
             </a:pPr>
-            <a:endParaRPr sz="2000">
+            <a:endParaRPr sz="2000" dirty="0">
               <a:latin typeface="Meiryo"/>
               <a:ea typeface="Meiryo"/>
               <a:cs typeface="Meiryo"/>
@@ -31586,7 +31610,7 @@
               <a:buNone/>
             </a:pPr>
             <a:r>
-              <a:rPr lang="ja-JP" sz="2000" b="1">
+              <a:rPr lang="ja-JP" sz="2000" b="1" dirty="0">
                 <a:latin typeface="Meiryo"/>
                 <a:ea typeface="Meiryo"/>
                 <a:cs typeface="Meiryo"/>
@@ -31594,7 +31618,7 @@
               </a:rPr>
               <a:t>課題</a:t>
             </a:r>
-            <a:endParaRPr sz="2000" b="1">
+            <a:endParaRPr sz="2000" b="1" dirty="0">
               <a:latin typeface="Meiryo"/>
               <a:ea typeface="Meiryo"/>
               <a:cs typeface="Meiryo"/>
@@ -31612,7 +31636,7 @@
               <a:buNone/>
             </a:pPr>
             <a:r>
-              <a:rPr lang="ja-JP" sz="2000">
+              <a:rPr lang="ja-JP" sz="2000" dirty="0">
                 <a:latin typeface="Meiryo"/>
                 <a:ea typeface="Meiryo"/>
                 <a:cs typeface="Meiryo"/>
@@ -31621,7 +31645,7 @@
               <a:t>・</a:t>
             </a:r>
             <a:r>
-              <a:rPr lang="ja-JP" sz="2000">
+              <a:rPr lang="ja-JP" sz="2000" dirty="0">
                 <a:solidFill>
                   <a:srgbClr val="FF0000"/>
                 </a:solidFill>
@@ -31633,7 +31657,7 @@
               <a:t>分析と設計の知識不足</a:t>
             </a:r>
             <a:r>
-              <a:rPr lang="ja-JP" sz="2000">
+              <a:rPr lang="ja-JP" sz="2000" dirty="0">
                 <a:latin typeface="Meiryo"/>
                 <a:ea typeface="Meiryo"/>
                 <a:cs typeface="Meiryo"/>
@@ -31641,7 +31665,7 @@
               </a:rPr>
               <a:t>から、　チームメンバーに質問や相談　をすることが多かった。</a:t>
             </a:r>
-            <a:endParaRPr sz="2000">
+            <a:endParaRPr sz="2000" dirty="0">
               <a:latin typeface="Meiryo"/>
               <a:ea typeface="Meiryo"/>
               <a:cs typeface="Meiryo"/>
@@ -31659,7 +31683,7 @@
               <a:buNone/>
             </a:pPr>
             <a:r>
-              <a:rPr lang="ja-JP" sz="2000">
+              <a:rPr lang="ja-JP" sz="2000" dirty="0">
                 <a:latin typeface="Meiryo"/>
                 <a:ea typeface="Meiryo"/>
                 <a:cs typeface="Meiryo"/>
@@ -31667,7 +31691,7 @@
               </a:rPr>
               <a:t>→さらなる知識の習得を目指す</a:t>
             </a:r>
-            <a:endParaRPr sz="2000">
+            <a:endParaRPr sz="2000" dirty="0">
               <a:latin typeface="Meiryo"/>
               <a:ea typeface="Meiryo"/>
               <a:cs typeface="Meiryo"/>
@@ -33395,23 +33419,23 @@
               <a:buNone/>
             </a:pPr>
             <a:r>
-              <a:rPr lang="ja-JP" sz="3000" b="1">
+              <a:rPr lang="ja-JP" sz="3000" b="1" dirty="0">
                 <a:solidFill>
                   <a:srgbClr val="3C78D8"/>
                 </a:solidFill>
-                <a:latin typeface="Calibri"/>
-                <a:ea typeface="Calibri"/>
+                <a:latin typeface="メイリオ" panose="020B0604030504040204" pitchFamily="50" charset="-128"/>
+                <a:ea typeface="メイリオ" panose="020B0604030504040204" pitchFamily="50" charset="-128"/>
                 <a:cs typeface="Calibri"/>
                 <a:sym typeface="Calibri"/>
               </a:rPr>
               <a:t>技術面</a:t>
             </a:r>
-            <a:endParaRPr sz="3000" b="1">
+            <a:endParaRPr sz="3000" b="1" dirty="0">
               <a:solidFill>
                 <a:srgbClr val="3C78D8"/>
               </a:solidFill>
-              <a:latin typeface="Calibri"/>
-              <a:ea typeface="Calibri"/>
+              <a:latin typeface="メイリオ" panose="020B0604030504040204" pitchFamily="50" charset="-128"/>
+              <a:ea typeface="メイリオ" panose="020B0604030504040204" pitchFamily="50" charset="-128"/>
               <a:cs typeface="Calibri"/>
               <a:sym typeface="Calibri"/>
             </a:endParaRPr>
@@ -33432,18 +33456,371 @@
               <a:buChar char="●"/>
             </a:pPr>
             <a:r>
-              <a:rPr lang="ja-JP" sz="2200" b="1">
+              <a:rPr lang="ja-JP" sz="2200" b="1" dirty="0">
                 <a:solidFill>
                   <a:schemeClr val="dk1"/>
                 </a:solidFill>
-                <a:latin typeface="Calibri"/>
-                <a:ea typeface="Calibri"/>
+                <a:latin typeface="メイリオ" panose="020B0604030504040204" pitchFamily="50" charset="-128"/>
+                <a:ea typeface="メイリオ" panose="020B0604030504040204" pitchFamily="50" charset="-128"/>
                 <a:cs typeface="Calibri"/>
                 <a:sym typeface="Calibri"/>
               </a:rPr>
               <a:t>実績</a:t>
             </a:r>
-            <a:endParaRPr sz="2200" b="1">
+            <a:endParaRPr sz="2200" b="1" dirty="0">
+              <a:solidFill>
+                <a:schemeClr val="dk1"/>
+              </a:solidFill>
+              <a:latin typeface="メイリオ" panose="020B0604030504040204" pitchFamily="50" charset="-128"/>
+              <a:ea typeface="メイリオ" panose="020B0604030504040204" pitchFamily="50" charset="-128"/>
+              <a:cs typeface="Calibri"/>
+              <a:sym typeface="Calibri"/>
+            </a:endParaRPr>
+          </a:p>
+          <a:p>
+            <a:pPr marL="0" lvl="0" indent="457200" algn="l" rtl="0">
+              <a:spcBef>
+                <a:spcPts val="0"/>
+              </a:spcBef>
+              <a:spcAft>
+                <a:spcPts val="0"/>
+              </a:spcAft>
+              <a:buClr>
+                <a:schemeClr val="dk1"/>
+              </a:buClr>
+              <a:buSzPts val="1100"/>
+              <a:buFont typeface="Arial"/>
+              <a:buNone/>
+            </a:pPr>
+            <a:r>
+              <a:rPr lang="ja-JP" sz="2300" dirty="0">
+                <a:solidFill>
+                  <a:schemeClr val="dk1"/>
+                </a:solidFill>
+                <a:latin typeface="メイリオ" panose="020B0604030504040204" pitchFamily="50" charset="-128"/>
+                <a:ea typeface="メイリオ" panose="020B0604030504040204" pitchFamily="50" charset="-128"/>
+                <a:cs typeface="Calibri"/>
+                <a:sym typeface="Calibri"/>
+              </a:rPr>
+              <a:t>・Swingを利用したGUIの実装</a:t>
+            </a:r>
+            <a:endParaRPr sz="2300" dirty="0">
+              <a:solidFill>
+                <a:schemeClr val="dk1"/>
+              </a:solidFill>
+              <a:latin typeface="メイリオ" panose="020B0604030504040204" pitchFamily="50" charset="-128"/>
+              <a:ea typeface="メイリオ" panose="020B0604030504040204" pitchFamily="50" charset="-128"/>
+              <a:cs typeface="Calibri"/>
+              <a:sym typeface="Calibri"/>
+            </a:endParaRPr>
+          </a:p>
+          <a:p>
+            <a:pPr marL="0" lvl="0" indent="0" algn="l" rtl="0">
+              <a:spcBef>
+                <a:spcPts val="0"/>
+              </a:spcBef>
+              <a:spcAft>
+                <a:spcPts val="0"/>
+              </a:spcAft>
+              <a:buClr>
+                <a:schemeClr val="dk1"/>
+              </a:buClr>
+              <a:buSzPts val="1100"/>
+              <a:buFont typeface="Arial"/>
+              <a:buNone/>
+            </a:pPr>
+            <a:endParaRPr sz="2000" dirty="0">
+              <a:solidFill>
+                <a:schemeClr val="dk1"/>
+              </a:solidFill>
+              <a:latin typeface="メイリオ" panose="020B0604030504040204" pitchFamily="50" charset="-128"/>
+              <a:ea typeface="メイリオ" panose="020B0604030504040204" pitchFamily="50" charset="-128"/>
+              <a:cs typeface="Calibri"/>
+              <a:sym typeface="Calibri"/>
+            </a:endParaRPr>
+          </a:p>
+          <a:p>
+            <a:pPr marL="457200" lvl="0" indent="-368300" algn="l" rtl="0">
+              <a:spcBef>
+                <a:spcPts val="0"/>
+              </a:spcBef>
+              <a:spcAft>
+                <a:spcPts val="0"/>
+              </a:spcAft>
+              <a:buClr>
+                <a:schemeClr val="dk1"/>
+              </a:buClr>
+              <a:buSzPts val="2200"/>
+              <a:buFont typeface="Calibri"/>
+              <a:buChar char="●"/>
+            </a:pPr>
+            <a:r>
+              <a:rPr lang="ja-JP" sz="2200" b="1" dirty="0">
+                <a:solidFill>
+                  <a:schemeClr val="dk1"/>
+                </a:solidFill>
+                <a:latin typeface="メイリオ" panose="020B0604030504040204" pitchFamily="50" charset="-128"/>
+                <a:ea typeface="メイリオ" panose="020B0604030504040204" pitchFamily="50" charset="-128"/>
+                <a:cs typeface="Calibri"/>
+                <a:sym typeface="Calibri"/>
+              </a:rPr>
+              <a:t>課題</a:t>
+            </a:r>
+            <a:endParaRPr sz="2200" b="1" dirty="0">
+              <a:solidFill>
+                <a:schemeClr val="dk1"/>
+              </a:solidFill>
+              <a:latin typeface="メイリオ" panose="020B0604030504040204" pitchFamily="50" charset="-128"/>
+              <a:ea typeface="メイリオ" panose="020B0604030504040204" pitchFamily="50" charset="-128"/>
+              <a:cs typeface="Calibri"/>
+              <a:sym typeface="Calibri"/>
+            </a:endParaRPr>
+          </a:p>
+          <a:p>
+            <a:pPr marL="0" lvl="0" indent="457200" algn="l" rtl="0">
+              <a:spcBef>
+                <a:spcPts val="0"/>
+              </a:spcBef>
+              <a:spcAft>
+                <a:spcPts val="0"/>
+              </a:spcAft>
+              <a:buClr>
+                <a:schemeClr val="dk1"/>
+              </a:buClr>
+              <a:buSzPts val="1100"/>
+              <a:buFont typeface="Arial"/>
+              <a:buNone/>
+            </a:pPr>
+            <a:r>
+              <a:rPr lang="ja-JP" sz="2300" dirty="0">
+                <a:solidFill>
+                  <a:schemeClr val="dk1"/>
+                </a:solidFill>
+                <a:latin typeface="メイリオ" panose="020B0604030504040204" pitchFamily="50" charset="-128"/>
+                <a:ea typeface="メイリオ" panose="020B0604030504040204" pitchFamily="50" charset="-128"/>
+                <a:cs typeface="Calibri"/>
+                <a:sym typeface="Calibri"/>
+              </a:rPr>
+              <a:t>・UML図(分析・設計)の記述</a:t>
+            </a:r>
+            <a:endParaRPr sz="2300" dirty="0">
+              <a:solidFill>
+                <a:schemeClr val="dk1"/>
+              </a:solidFill>
+              <a:latin typeface="メイリオ" panose="020B0604030504040204" pitchFamily="50" charset="-128"/>
+              <a:ea typeface="メイリオ" panose="020B0604030504040204" pitchFamily="50" charset="-128"/>
+              <a:cs typeface="Calibri"/>
+              <a:sym typeface="Calibri"/>
+            </a:endParaRPr>
+          </a:p>
+          <a:p>
+            <a:pPr marL="0" lvl="0" indent="457200" algn="l" rtl="0">
+              <a:spcBef>
+                <a:spcPts val="0"/>
+              </a:spcBef>
+              <a:spcAft>
+                <a:spcPts val="0"/>
+              </a:spcAft>
+              <a:buClr>
+                <a:schemeClr val="dk1"/>
+              </a:buClr>
+              <a:buSzPts val="1100"/>
+              <a:buFont typeface="Arial"/>
+              <a:buNone/>
+            </a:pPr>
+            <a:r>
+              <a:rPr lang="ja-JP" sz="2300" dirty="0">
+                <a:solidFill>
+                  <a:schemeClr val="dk1"/>
+                </a:solidFill>
+                <a:latin typeface="メイリオ" panose="020B0604030504040204" pitchFamily="50" charset="-128"/>
+                <a:ea typeface="メイリオ" panose="020B0604030504040204" pitchFamily="50" charset="-128"/>
+                <a:cs typeface="Calibri"/>
+                <a:sym typeface="Calibri"/>
+              </a:rPr>
+              <a:t>・情報の取捨選択</a:t>
+            </a:r>
+            <a:endParaRPr sz="2300" dirty="0">
+              <a:solidFill>
+                <a:schemeClr val="dk1"/>
+              </a:solidFill>
+              <a:latin typeface="メイリオ" panose="020B0604030504040204" pitchFamily="50" charset="-128"/>
+              <a:ea typeface="メイリオ" panose="020B0604030504040204" pitchFamily="50" charset="-128"/>
+              <a:cs typeface="Calibri"/>
+              <a:sym typeface="Calibri"/>
+            </a:endParaRPr>
+          </a:p>
+          <a:p>
+            <a:pPr marL="0" lvl="0" indent="0" algn="l" rtl="0">
+              <a:spcBef>
+                <a:spcPts val="0"/>
+              </a:spcBef>
+              <a:spcAft>
+                <a:spcPts val="0"/>
+              </a:spcAft>
+              <a:buClr>
+                <a:schemeClr val="dk1"/>
+              </a:buClr>
+              <a:buSzPts val="1100"/>
+              <a:buFont typeface="Arial"/>
+              <a:buNone/>
+            </a:pPr>
+            <a:endParaRPr sz="2000" dirty="0">
+              <a:solidFill>
+                <a:schemeClr val="dk1"/>
+              </a:solidFill>
+              <a:latin typeface="メイリオ" panose="020B0604030504040204" pitchFamily="50" charset="-128"/>
+              <a:ea typeface="メイリオ" panose="020B0604030504040204" pitchFamily="50" charset="-128"/>
+              <a:cs typeface="Calibri"/>
+              <a:sym typeface="Calibri"/>
+            </a:endParaRPr>
+          </a:p>
+          <a:p>
+            <a:pPr marL="457200" lvl="0" indent="-368300" algn="l" rtl="0">
+              <a:spcBef>
+                <a:spcPts val="0"/>
+              </a:spcBef>
+              <a:spcAft>
+                <a:spcPts val="0"/>
+              </a:spcAft>
+              <a:buClr>
+                <a:schemeClr val="dk1"/>
+              </a:buClr>
+              <a:buSzPts val="2200"/>
+              <a:buFont typeface="Calibri"/>
+              <a:buChar char="●"/>
+            </a:pPr>
+            <a:r>
+              <a:rPr lang="ja-JP" sz="2200" b="1" dirty="0">
+                <a:solidFill>
+                  <a:schemeClr val="dk1"/>
+                </a:solidFill>
+                <a:latin typeface="メイリオ" panose="020B0604030504040204" pitchFamily="50" charset="-128"/>
+                <a:ea typeface="メイリオ" panose="020B0604030504040204" pitchFamily="50" charset="-128"/>
+                <a:cs typeface="Calibri"/>
+                <a:sym typeface="Calibri"/>
+              </a:rPr>
+              <a:t>対策</a:t>
+            </a:r>
+            <a:endParaRPr sz="2200" b="1" dirty="0">
+              <a:solidFill>
+                <a:schemeClr val="dk1"/>
+              </a:solidFill>
+              <a:latin typeface="メイリオ" panose="020B0604030504040204" pitchFamily="50" charset="-128"/>
+              <a:ea typeface="メイリオ" panose="020B0604030504040204" pitchFamily="50" charset="-128"/>
+              <a:cs typeface="Calibri"/>
+              <a:sym typeface="Calibri"/>
+            </a:endParaRPr>
+          </a:p>
+          <a:p>
+            <a:pPr marL="0" lvl="0" indent="457200" algn="l" rtl="0">
+              <a:spcBef>
+                <a:spcPts val="0"/>
+              </a:spcBef>
+              <a:spcAft>
+                <a:spcPts val="0"/>
+              </a:spcAft>
+              <a:buClr>
+                <a:schemeClr val="dk1"/>
+              </a:buClr>
+              <a:buSzPts val="1100"/>
+              <a:buFont typeface="Arial"/>
+              <a:buNone/>
+            </a:pPr>
+            <a:r>
+              <a:rPr lang="ja-JP" sz="2300" dirty="0">
+                <a:solidFill>
+                  <a:schemeClr val="dk1"/>
+                </a:solidFill>
+                <a:latin typeface="メイリオ" panose="020B0604030504040204" pitchFamily="50" charset="-128"/>
+                <a:ea typeface="メイリオ" panose="020B0604030504040204" pitchFamily="50" charset="-128"/>
+                <a:cs typeface="Calibri"/>
+                <a:sym typeface="Calibri"/>
+              </a:rPr>
+              <a:t>・参考書を活用する　：　</a:t>
+            </a:r>
+            <a:r>
+              <a:rPr lang="ja-JP" sz="2300" b="1" dirty="0">
+                <a:solidFill>
+                  <a:srgbClr val="4A86E8"/>
+                </a:solidFill>
+                <a:latin typeface="メイリオ" panose="020B0604030504040204" pitchFamily="50" charset="-128"/>
+                <a:ea typeface="メイリオ" panose="020B0604030504040204" pitchFamily="50" charset="-128"/>
+                <a:cs typeface="Calibri"/>
+                <a:sym typeface="Calibri"/>
+              </a:rPr>
+              <a:t>未達成</a:t>
+            </a:r>
+            <a:endParaRPr sz="2300" b="1" dirty="0">
+              <a:solidFill>
+                <a:srgbClr val="4A86E8"/>
+              </a:solidFill>
+              <a:latin typeface="メイリオ" panose="020B0604030504040204" pitchFamily="50" charset="-128"/>
+              <a:ea typeface="メイリオ" panose="020B0604030504040204" pitchFamily="50" charset="-128"/>
+              <a:cs typeface="Calibri"/>
+              <a:sym typeface="Calibri"/>
+            </a:endParaRPr>
+          </a:p>
+          <a:p>
+            <a:pPr marL="0" lvl="0" indent="457200" algn="l" rtl="0">
+              <a:spcBef>
+                <a:spcPts val="0"/>
+              </a:spcBef>
+              <a:spcAft>
+                <a:spcPts val="0"/>
+              </a:spcAft>
+              <a:buNone/>
+            </a:pPr>
+            <a:r>
+              <a:rPr lang="ja-JP" sz="2300" dirty="0">
+                <a:solidFill>
+                  <a:schemeClr val="dk1"/>
+                </a:solidFill>
+                <a:latin typeface="メイリオ" panose="020B0604030504040204" pitchFamily="50" charset="-128"/>
+                <a:ea typeface="メイリオ" panose="020B0604030504040204" pitchFamily="50" charset="-128"/>
+                <a:cs typeface="Calibri"/>
+                <a:sym typeface="Calibri"/>
+              </a:rPr>
+              <a:t>・研修内容を振り返る：　</a:t>
+            </a:r>
+            <a:r>
+              <a:rPr lang="ja-JP" sz="2300" b="1" dirty="0">
+                <a:solidFill>
+                  <a:srgbClr val="FF0000"/>
+                </a:solidFill>
+                <a:latin typeface="メイリオ" panose="020B0604030504040204" pitchFamily="50" charset="-128"/>
+                <a:ea typeface="メイリオ" panose="020B0604030504040204" pitchFamily="50" charset="-128"/>
+                <a:cs typeface="Calibri"/>
+                <a:sym typeface="Calibri"/>
+              </a:rPr>
+              <a:t>継続中</a:t>
+            </a:r>
+            <a:endParaRPr sz="2300" b="1" dirty="0">
+              <a:solidFill>
+                <a:srgbClr val="FF0000"/>
+              </a:solidFill>
+              <a:latin typeface="メイリオ" panose="020B0604030504040204" pitchFamily="50" charset="-128"/>
+              <a:ea typeface="メイリオ" panose="020B0604030504040204" pitchFamily="50" charset="-128"/>
+              <a:cs typeface="Calibri"/>
+              <a:sym typeface="Calibri"/>
+            </a:endParaRPr>
+          </a:p>
+          <a:p>
+            <a:pPr marL="0" lvl="0" indent="457200" algn="l" rtl="0">
+              <a:spcBef>
+                <a:spcPts val="0"/>
+              </a:spcBef>
+              <a:spcAft>
+                <a:spcPts val="0"/>
+              </a:spcAft>
+              <a:buClr>
+                <a:schemeClr val="dk1"/>
+              </a:buClr>
+              <a:buSzPts val="1100"/>
+              <a:buFont typeface="Arial"/>
+              <a:buNone/>
+            </a:pPr>
+            <a:endParaRPr sz="2000" dirty="0">
               <a:solidFill>
                 <a:schemeClr val="dk1"/>
               </a:solidFill>
@@ -33454,7 +33831,7 @@
             </a:endParaRPr>
           </a:p>
           <a:p>
-            <a:pPr marL="0" lvl="0" indent="457200" algn="l" rtl="0">
+            <a:pPr marL="0" lvl="0" indent="0" algn="l" rtl="0">
               <a:spcBef>
                 <a:spcPts val="0"/>
               </a:spcBef>
@@ -33468,19 +33845,7 @@
               <a:buFont typeface="Arial"/>
               <a:buNone/>
             </a:pPr>
-            <a:r>
-              <a:rPr lang="ja-JP" sz="2300">
-                <a:solidFill>
-                  <a:schemeClr val="dk1"/>
-                </a:solidFill>
-                <a:latin typeface="Calibri"/>
-                <a:ea typeface="Calibri"/>
-                <a:cs typeface="Calibri"/>
-                <a:sym typeface="Calibri"/>
-              </a:rPr>
-              <a:t>・Swingを利用したGUIの実装</a:t>
-            </a:r>
-            <a:endParaRPr sz="2300">
+            <a:endParaRPr sz="2000" dirty="0">
               <a:solidFill>
                 <a:schemeClr val="dk1"/>
               </a:solidFill>
@@ -33505,7 +33870,7 @@
               <a:buFont typeface="Arial"/>
               <a:buNone/>
             </a:pPr>
-            <a:endParaRPr sz="2000">
+            <a:endParaRPr dirty="0">
               <a:solidFill>
                 <a:schemeClr val="dk1"/>
               </a:solidFill>
@@ -33516,357 +33881,16 @@
             </a:endParaRPr>
           </a:p>
           <a:p>
-            <a:pPr marL="457200" lvl="0" indent="-368300" algn="l" rtl="0">
-              <a:spcBef>
-                <a:spcPts val="0"/>
-              </a:spcBef>
-              <a:spcAft>
-                <a:spcPts val="0"/>
-              </a:spcAft>
-              <a:buClr>
-                <a:schemeClr val="dk1"/>
-              </a:buClr>
-              <a:buSzPts val="2200"/>
-              <a:buFont typeface="Calibri"/>
-              <a:buChar char="●"/>
+            <a:pPr marL="0" lvl="0" indent="0" algn="l" rtl="0">
+              <a:spcBef>
+                <a:spcPts val="0"/>
+              </a:spcBef>
+              <a:spcAft>
+                <a:spcPts val="0"/>
+              </a:spcAft>
+              <a:buNone/>
             </a:pPr>
-            <a:r>
-              <a:rPr lang="ja-JP" sz="2200" b="1">
-                <a:solidFill>
-                  <a:schemeClr val="dk1"/>
-                </a:solidFill>
-                <a:latin typeface="Calibri"/>
-                <a:ea typeface="Calibri"/>
-                <a:cs typeface="Calibri"/>
-                <a:sym typeface="Calibri"/>
-              </a:rPr>
-              <a:t>課題</a:t>
-            </a:r>
-            <a:endParaRPr sz="2200" b="1">
-              <a:solidFill>
-                <a:schemeClr val="dk1"/>
-              </a:solidFill>
-              <a:latin typeface="Calibri"/>
-              <a:ea typeface="Calibri"/>
-              <a:cs typeface="Calibri"/>
-              <a:sym typeface="Calibri"/>
-            </a:endParaRPr>
-          </a:p>
-          <a:p>
-            <a:pPr marL="0" lvl="0" indent="457200" algn="l" rtl="0">
-              <a:spcBef>
-                <a:spcPts val="0"/>
-              </a:spcBef>
-              <a:spcAft>
-                <a:spcPts val="0"/>
-              </a:spcAft>
-              <a:buClr>
-                <a:schemeClr val="dk1"/>
-              </a:buClr>
-              <a:buSzPts val="1100"/>
-              <a:buFont typeface="Arial"/>
-              <a:buNone/>
-            </a:pPr>
-            <a:r>
-              <a:rPr lang="ja-JP" sz="2300">
-                <a:solidFill>
-                  <a:schemeClr val="dk1"/>
-                </a:solidFill>
-                <a:latin typeface="Calibri"/>
-                <a:ea typeface="Calibri"/>
-                <a:cs typeface="Calibri"/>
-                <a:sym typeface="Calibri"/>
-              </a:rPr>
-              <a:t>・UML図(分析・設計)の記述</a:t>
-            </a:r>
-            <a:endParaRPr sz="2300">
-              <a:solidFill>
-                <a:schemeClr val="dk1"/>
-              </a:solidFill>
-              <a:latin typeface="Calibri"/>
-              <a:ea typeface="Calibri"/>
-              <a:cs typeface="Calibri"/>
-              <a:sym typeface="Calibri"/>
-            </a:endParaRPr>
-          </a:p>
-          <a:p>
-            <a:pPr marL="0" lvl="0" indent="457200" algn="l" rtl="0">
-              <a:spcBef>
-                <a:spcPts val="0"/>
-              </a:spcBef>
-              <a:spcAft>
-                <a:spcPts val="0"/>
-              </a:spcAft>
-              <a:buClr>
-                <a:schemeClr val="dk1"/>
-              </a:buClr>
-              <a:buSzPts val="1100"/>
-              <a:buFont typeface="Arial"/>
-              <a:buNone/>
-            </a:pPr>
-            <a:r>
-              <a:rPr lang="ja-JP" sz="2300">
-                <a:solidFill>
-                  <a:schemeClr val="dk1"/>
-                </a:solidFill>
-                <a:latin typeface="Calibri"/>
-                <a:ea typeface="Calibri"/>
-                <a:cs typeface="Calibri"/>
-                <a:sym typeface="Calibri"/>
-              </a:rPr>
-              <a:t>・情報の取捨選択</a:t>
-            </a:r>
-            <a:endParaRPr sz="2300">
-              <a:solidFill>
-                <a:schemeClr val="dk1"/>
-              </a:solidFill>
-              <a:latin typeface="Calibri"/>
-              <a:ea typeface="Calibri"/>
-              <a:cs typeface="Calibri"/>
-              <a:sym typeface="Calibri"/>
-            </a:endParaRPr>
-          </a:p>
-          <a:p>
-            <a:pPr marL="0" lvl="0" indent="0" algn="l" rtl="0">
-              <a:spcBef>
-                <a:spcPts val="0"/>
-              </a:spcBef>
-              <a:spcAft>
-                <a:spcPts val="0"/>
-              </a:spcAft>
-              <a:buClr>
-                <a:schemeClr val="dk1"/>
-              </a:buClr>
-              <a:buSzPts val="1100"/>
-              <a:buFont typeface="Arial"/>
-              <a:buNone/>
-            </a:pPr>
-            <a:endParaRPr sz="2000">
-              <a:solidFill>
-                <a:schemeClr val="dk1"/>
-              </a:solidFill>
-              <a:latin typeface="Calibri"/>
-              <a:ea typeface="Calibri"/>
-              <a:cs typeface="Calibri"/>
-              <a:sym typeface="Calibri"/>
-            </a:endParaRPr>
-          </a:p>
-          <a:p>
-            <a:pPr marL="457200" lvl="0" indent="-368300" algn="l" rtl="0">
-              <a:spcBef>
-                <a:spcPts val="0"/>
-              </a:spcBef>
-              <a:spcAft>
-                <a:spcPts val="0"/>
-              </a:spcAft>
-              <a:buClr>
-                <a:schemeClr val="dk1"/>
-              </a:buClr>
-              <a:buSzPts val="2200"/>
-              <a:buFont typeface="Calibri"/>
-              <a:buChar char="●"/>
-            </a:pPr>
-            <a:r>
-              <a:rPr lang="ja-JP" sz="2200" b="1">
-                <a:solidFill>
-                  <a:schemeClr val="dk1"/>
-                </a:solidFill>
-                <a:latin typeface="Calibri"/>
-                <a:ea typeface="Calibri"/>
-                <a:cs typeface="Calibri"/>
-                <a:sym typeface="Calibri"/>
-              </a:rPr>
-              <a:t>対策</a:t>
-            </a:r>
-            <a:endParaRPr sz="2200" b="1">
-              <a:solidFill>
-                <a:schemeClr val="dk1"/>
-              </a:solidFill>
-              <a:latin typeface="Calibri"/>
-              <a:ea typeface="Calibri"/>
-              <a:cs typeface="Calibri"/>
-              <a:sym typeface="Calibri"/>
-            </a:endParaRPr>
-          </a:p>
-          <a:p>
-            <a:pPr marL="0" lvl="0" indent="457200" algn="l" rtl="0">
-              <a:spcBef>
-                <a:spcPts val="0"/>
-              </a:spcBef>
-              <a:spcAft>
-                <a:spcPts val="0"/>
-              </a:spcAft>
-              <a:buClr>
-                <a:schemeClr val="dk1"/>
-              </a:buClr>
-              <a:buSzPts val="1100"/>
-              <a:buFont typeface="Arial"/>
-              <a:buNone/>
-            </a:pPr>
-            <a:r>
-              <a:rPr lang="ja-JP" sz="2300">
-                <a:solidFill>
-                  <a:schemeClr val="dk1"/>
-                </a:solidFill>
-                <a:latin typeface="Calibri"/>
-                <a:ea typeface="Calibri"/>
-                <a:cs typeface="Calibri"/>
-                <a:sym typeface="Calibri"/>
-              </a:rPr>
-              <a:t>・参考書を活用する　：　</a:t>
-            </a:r>
-            <a:r>
-              <a:rPr lang="ja-JP" sz="2300" b="1">
-                <a:solidFill>
-                  <a:srgbClr val="4A86E8"/>
-                </a:solidFill>
-                <a:latin typeface="Calibri"/>
-                <a:ea typeface="Calibri"/>
-                <a:cs typeface="Calibri"/>
-                <a:sym typeface="Calibri"/>
-              </a:rPr>
-              <a:t>未達成</a:t>
-            </a:r>
-            <a:endParaRPr sz="2300" b="1">
-              <a:solidFill>
-                <a:srgbClr val="4A86E8"/>
-              </a:solidFill>
-              <a:latin typeface="Calibri"/>
-              <a:ea typeface="Calibri"/>
-              <a:cs typeface="Calibri"/>
-              <a:sym typeface="Calibri"/>
-            </a:endParaRPr>
-          </a:p>
-          <a:p>
-            <a:pPr marL="0" lvl="0" indent="457200" algn="l" rtl="0">
-              <a:spcBef>
-                <a:spcPts val="0"/>
-              </a:spcBef>
-              <a:spcAft>
-                <a:spcPts val="0"/>
-              </a:spcAft>
-              <a:buNone/>
-            </a:pPr>
-            <a:r>
-              <a:rPr lang="ja-JP" sz="2300">
-                <a:solidFill>
-                  <a:schemeClr val="dk1"/>
-                </a:solidFill>
-                <a:latin typeface="Calibri"/>
-                <a:ea typeface="Calibri"/>
-                <a:cs typeface="Calibri"/>
-                <a:sym typeface="Calibri"/>
-              </a:rPr>
-              <a:t>・研修内容を振り返る：　</a:t>
-            </a:r>
-            <a:r>
-              <a:rPr lang="ja-JP" sz="2300" b="1">
-                <a:solidFill>
-                  <a:srgbClr val="FF0000"/>
-                </a:solidFill>
-                <a:latin typeface="Calibri"/>
-                <a:ea typeface="Calibri"/>
-                <a:cs typeface="Calibri"/>
-                <a:sym typeface="Calibri"/>
-              </a:rPr>
-              <a:t>継続中</a:t>
-            </a:r>
-            <a:endParaRPr sz="2300" b="1">
-              <a:solidFill>
-                <a:srgbClr val="FF0000"/>
-              </a:solidFill>
-              <a:latin typeface="Calibri"/>
-              <a:ea typeface="Calibri"/>
-              <a:cs typeface="Calibri"/>
-              <a:sym typeface="Calibri"/>
-            </a:endParaRPr>
-          </a:p>
-          <a:p>
-            <a:pPr marL="0" lvl="0" indent="457200" algn="l" rtl="0">
-              <a:spcBef>
-                <a:spcPts val="0"/>
-              </a:spcBef>
-              <a:spcAft>
-                <a:spcPts val="0"/>
-              </a:spcAft>
-              <a:buClr>
-                <a:schemeClr val="dk1"/>
-              </a:buClr>
-              <a:buSzPts val="1100"/>
-              <a:buFont typeface="Arial"/>
-              <a:buNone/>
-            </a:pPr>
-            <a:endParaRPr sz="2000">
-              <a:solidFill>
-                <a:schemeClr val="dk1"/>
-              </a:solidFill>
-              <a:latin typeface="Calibri"/>
-              <a:ea typeface="Calibri"/>
-              <a:cs typeface="Calibri"/>
-              <a:sym typeface="Calibri"/>
-            </a:endParaRPr>
-          </a:p>
-          <a:p>
-            <a:pPr marL="0" lvl="0" indent="0" algn="l" rtl="0">
-              <a:spcBef>
-                <a:spcPts val="0"/>
-              </a:spcBef>
-              <a:spcAft>
-                <a:spcPts val="0"/>
-              </a:spcAft>
-              <a:buClr>
-                <a:schemeClr val="dk1"/>
-              </a:buClr>
-              <a:buSzPts val="1100"/>
-              <a:buFont typeface="Arial"/>
-              <a:buNone/>
-            </a:pPr>
-            <a:endParaRPr sz="2000">
-              <a:solidFill>
-                <a:schemeClr val="dk1"/>
-              </a:solidFill>
-              <a:latin typeface="Calibri"/>
-              <a:ea typeface="Calibri"/>
-              <a:cs typeface="Calibri"/>
-              <a:sym typeface="Calibri"/>
-            </a:endParaRPr>
-          </a:p>
-          <a:p>
-            <a:pPr marL="0" lvl="0" indent="0" algn="l" rtl="0">
-              <a:spcBef>
-                <a:spcPts val="0"/>
-              </a:spcBef>
-              <a:spcAft>
-                <a:spcPts val="0"/>
-              </a:spcAft>
-              <a:buClr>
-                <a:schemeClr val="dk1"/>
-              </a:buClr>
-              <a:buSzPts val="1100"/>
-              <a:buFont typeface="Arial"/>
-              <a:buNone/>
-            </a:pPr>
-            <a:endParaRPr>
-              <a:solidFill>
-                <a:schemeClr val="dk1"/>
-              </a:solidFill>
-              <a:latin typeface="Calibri"/>
-              <a:ea typeface="Calibri"/>
-              <a:cs typeface="Calibri"/>
-              <a:sym typeface="Calibri"/>
-            </a:endParaRPr>
-          </a:p>
-          <a:p>
-            <a:pPr marL="0" lvl="0" indent="0" algn="l" rtl="0">
-              <a:spcBef>
-                <a:spcPts val="0"/>
-              </a:spcBef>
-              <a:spcAft>
-                <a:spcPts val="0"/>
-              </a:spcAft>
-              <a:buNone/>
-            </a:pPr>
-            <a:endParaRPr>
+            <a:endParaRPr dirty="0">
               <a:latin typeface="Calibri"/>
               <a:ea typeface="Calibri"/>
               <a:cs typeface="Calibri"/>
@@ -33914,8 +33938,8 @@
                 <a:solidFill>
                   <a:srgbClr val="3C78D8"/>
                 </a:solidFill>
-                <a:latin typeface="Calibri"/>
-                <a:ea typeface="Calibri"/>
+                <a:latin typeface="メイリオ" panose="020B0604030504040204" pitchFamily="50" charset="-128"/>
+                <a:ea typeface="メイリオ" panose="020B0604030504040204" pitchFamily="50" charset="-128"/>
                 <a:cs typeface="Calibri"/>
                 <a:sym typeface="Calibri"/>
               </a:rPr>
@@ -33925,8 +33949,8 @@
               <a:solidFill>
                 <a:srgbClr val="3C78D8"/>
               </a:solidFill>
-              <a:latin typeface="Calibri"/>
-              <a:ea typeface="Calibri"/>
+              <a:latin typeface="メイリオ" panose="020B0604030504040204" pitchFamily="50" charset="-128"/>
+              <a:ea typeface="メイリオ" panose="020B0604030504040204" pitchFamily="50" charset="-128"/>
               <a:cs typeface="Calibri"/>
               <a:sym typeface="Calibri"/>
             </a:endParaRPr>
@@ -33945,16 +33969,16 @@
             </a:pPr>
             <a:r>
               <a:rPr lang="ja-JP" sz="2200" b="1" dirty="0">
-                <a:latin typeface="Calibri"/>
-                <a:ea typeface="Calibri"/>
+                <a:latin typeface="メイリオ" panose="020B0604030504040204" pitchFamily="50" charset="-128"/>
+                <a:ea typeface="メイリオ" panose="020B0604030504040204" pitchFamily="50" charset="-128"/>
                 <a:cs typeface="Calibri"/>
                 <a:sym typeface="Calibri"/>
               </a:rPr>
               <a:t>社会人としての学び</a:t>
             </a:r>
             <a:endParaRPr sz="2200" b="1" dirty="0">
-              <a:latin typeface="Calibri"/>
-              <a:ea typeface="Calibri"/>
+              <a:latin typeface="メイリオ" panose="020B0604030504040204" pitchFamily="50" charset="-128"/>
+              <a:ea typeface="メイリオ" panose="020B0604030504040204" pitchFamily="50" charset="-128"/>
               <a:cs typeface="Calibri"/>
               <a:sym typeface="Calibri"/>
             </a:endParaRPr>
@@ -33971,16 +33995,16 @@
             </a:pPr>
             <a:r>
               <a:rPr lang="ja-JP" sz="2300" dirty="0">
-                <a:latin typeface="Calibri"/>
-                <a:ea typeface="Calibri"/>
+                <a:latin typeface="メイリオ" panose="020B0604030504040204" pitchFamily="50" charset="-128"/>
+                <a:ea typeface="メイリオ" panose="020B0604030504040204" pitchFamily="50" charset="-128"/>
                 <a:cs typeface="Calibri"/>
                 <a:sym typeface="Calibri"/>
               </a:rPr>
               <a:t>・報連相の大切さ</a:t>
             </a:r>
             <a:endParaRPr sz="2300" dirty="0">
-              <a:latin typeface="Calibri"/>
-              <a:ea typeface="Calibri"/>
+              <a:latin typeface="メイリオ" panose="020B0604030504040204" pitchFamily="50" charset="-128"/>
+              <a:ea typeface="メイリオ" panose="020B0604030504040204" pitchFamily="50" charset="-128"/>
               <a:cs typeface="Calibri"/>
               <a:sym typeface="Calibri"/>
             </a:endParaRPr>
@@ -33997,16 +34021,16 @@
             </a:pPr>
             <a:r>
               <a:rPr lang="ja-JP" sz="2300" dirty="0">
-                <a:latin typeface="Calibri"/>
-                <a:ea typeface="Calibri"/>
+                <a:latin typeface="メイリオ" panose="020B0604030504040204" pitchFamily="50" charset="-128"/>
+                <a:ea typeface="メイリオ" panose="020B0604030504040204" pitchFamily="50" charset="-128"/>
                 <a:cs typeface="Calibri"/>
                 <a:sym typeface="Calibri"/>
               </a:rPr>
               <a:t>・個人で行うことの限界</a:t>
             </a:r>
             <a:endParaRPr sz="2300" dirty="0">
-              <a:latin typeface="Calibri"/>
-              <a:ea typeface="Calibri"/>
+              <a:latin typeface="メイリオ" panose="020B0604030504040204" pitchFamily="50" charset="-128"/>
+              <a:ea typeface="メイリオ" panose="020B0604030504040204" pitchFamily="50" charset="-128"/>
               <a:cs typeface="Calibri"/>
               <a:sym typeface="Calibri"/>
             </a:endParaRPr>
@@ -34022,8 +34046,8 @@
               <a:buNone/>
             </a:pPr>
             <a:endParaRPr sz="2000" dirty="0">
-              <a:latin typeface="Calibri"/>
-              <a:ea typeface="Calibri"/>
+              <a:latin typeface="メイリオ" panose="020B0604030504040204" pitchFamily="50" charset="-128"/>
+              <a:ea typeface="メイリオ" panose="020B0604030504040204" pitchFamily="50" charset="-128"/>
               <a:cs typeface="Calibri"/>
               <a:sym typeface="Calibri"/>
             </a:endParaRPr>
@@ -34042,16 +34066,16 @@
             </a:pPr>
             <a:r>
               <a:rPr lang="ja-JP" sz="2200" b="1" dirty="0">
-                <a:latin typeface="Calibri"/>
-                <a:ea typeface="Calibri"/>
+                <a:latin typeface="メイリオ" panose="020B0604030504040204" pitchFamily="50" charset="-128"/>
+                <a:ea typeface="メイリオ" panose="020B0604030504040204" pitchFamily="50" charset="-128"/>
                 <a:cs typeface="Calibri"/>
                 <a:sym typeface="Calibri"/>
               </a:rPr>
               <a:t>今後目指す人財</a:t>
             </a:r>
             <a:endParaRPr sz="2200" b="1" dirty="0">
-              <a:latin typeface="Calibri"/>
-              <a:ea typeface="Calibri"/>
+              <a:latin typeface="メイリオ" panose="020B0604030504040204" pitchFamily="50" charset="-128"/>
+              <a:ea typeface="メイリオ" panose="020B0604030504040204" pitchFamily="50" charset="-128"/>
               <a:cs typeface="Calibri"/>
               <a:sym typeface="Calibri"/>
             </a:endParaRPr>
@@ -34071,8 +34095,8 @@
                 <a:solidFill>
                   <a:srgbClr val="CC0000"/>
                 </a:solidFill>
-                <a:latin typeface="Calibri"/>
-                <a:ea typeface="Calibri"/>
+                <a:latin typeface="メイリオ" panose="020B0604030504040204" pitchFamily="50" charset="-128"/>
+                <a:ea typeface="メイリオ" panose="020B0604030504040204" pitchFamily="50" charset="-128"/>
                 <a:cs typeface="Calibri"/>
                 <a:sym typeface="Calibri"/>
               </a:rPr>
@@ -34083,8 +34107,8 @@
                 <a:solidFill>
                   <a:srgbClr val="CC0000"/>
                 </a:solidFill>
-                <a:latin typeface="Calibri"/>
-                <a:ea typeface="Calibri"/>
+                <a:latin typeface="メイリオ" panose="020B0604030504040204" pitchFamily="50" charset="-128"/>
+                <a:ea typeface="メイリオ" panose="020B0604030504040204" pitchFamily="50" charset="-128"/>
                 <a:cs typeface="Calibri"/>
                 <a:sym typeface="Calibri"/>
               </a:rPr>
@@ -34094,8 +34118,8 @@
               <a:solidFill>
                 <a:srgbClr val="CC0000"/>
               </a:solidFill>
-              <a:latin typeface="Calibri"/>
-              <a:ea typeface="Calibri"/>
+              <a:latin typeface="メイリオ" panose="020B0604030504040204" pitchFamily="50" charset="-128"/>
+              <a:ea typeface="メイリオ" panose="020B0604030504040204" pitchFamily="50" charset="-128"/>
               <a:cs typeface="Calibri"/>
               <a:sym typeface="Calibri"/>
             </a:endParaRPr>
@@ -37863,7 +37887,7 @@
               <a:buNone/>
             </a:pPr>
             <a:r>
-              <a:rPr lang="ja-JP" sz="2000">
+              <a:rPr lang="ja-JP" sz="2000" dirty="0">
                 <a:latin typeface="Calibri"/>
                 <a:ea typeface="Calibri"/>
                 <a:cs typeface="Calibri"/>
@@ -37872,7 +37896,7 @@
               <a:t>・</a:t>
             </a:r>
             <a:r>
-              <a:rPr lang="ja-JP" sz="2000">
+              <a:rPr lang="ja-JP" sz="2000" dirty="0">
                 <a:latin typeface="Meiryo"/>
                 <a:ea typeface="Meiryo"/>
                 <a:cs typeface="Meiryo"/>
@@ -37880,7 +37904,7 @@
               </a:rPr>
               <a:t>ログイン機能</a:t>
             </a:r>
-            <a:endParaRPr sz="2000">
+            <a:endParaRPr sz="2000" dirty="0">
               <a:latin typeface="Meiryo"/>
               <a:ea typeface="Meiryo"/>
               <a:cs typeface="Meiryo"/>
@@ -37900,7 +37924,7 @@
               </a:spcAft>
               <a:buNone/>
             </a:pPr>
-            <a:endParaRPr sz="500">
+            <a:endParaRPr sz="500" dirty="0">
               <a:latin typeface="Meiryo"/>
               <a:ea typeface="Meiryo"/>
               <a:cs typeface="Meiryo"/>
@@ -37921,7 +37945,7 @@
               <a:buNone/>
             </a:pPr>
             <a:r>
-              <a:rPr lang="ja-JP" sz="2000">
+              <a:rPr lang="ja-JP" sz="2000" dirty="0">
                 <a:latin typeface="Meiryo"/>
                 <a:ea typeface="Meiryo"/>
                 <a:cs typeface="Meiryo"/>
@@ -37929,7 +37953,7 @@
               </a:rPr>
               <a:t>・チケットの一覧表示</a:t>
             </a:r>
-            <a:endParaRPr sz="2000">
+            <a:endParaRPr sz="2000" dirty="0">
               <a:latin typeface="Meiryo"/>
               <a:ea typeface="Meiryo"/>
               <a:cs typeface="Meiryo"/>
@@ -37949,7 +37973,7 @@
               </a:spcAft>
               <a:buNone/>
             </a:pPr>
-            <a:endParaRPr sz="500">
+            <a:endParaRPr sz="500" dirty="0">
               <a:latin typeface="Meiryo"/>
               <a:ea typeface="Meiryo"/>
               <a:cs typeface="Meiryo"/>
@@ -37970,7 +37994,7 @@
               <a:buNone/>
             </a:pPr>
             <a:r>
-              <a:rPr lang="ja-JP" sz="2000">
+              <a:rPr lang="ja-JP" sz="2000" dirty="0">
                 <a:latin typeface="Meiryo"/>
                 <a:ea typeface="Meiryo"/>
                 <a:cs typeface="Meiryo"/>
@@ -37978,7 +38002,7 @@
               </a:rPr>
               <a:t>・チケットの予約（枚数指定）</a:t>
             </a:r>
-            <a:endParaRPr sz="2000">
+            <a:endParaRPr sz="2000" dirty="0">
               <a:latin typeface="Meiryo"/>
               <a:ea typeface="Meiryo"/>
               <a:cs typeface="Meiryo"/>
@@ -37998,7 +38022,7 @@
               </a:spcAft>
               <a:buNone/>
             </a:pPr>
-            <a:endParaRPr sz="500">
+            <a:endParaRPr sz="500" dirty="0">
               <a:latin typeface="Meiryo"/>
               <a:ea typeface="Meiryo"/>
               <a:cs typeface="Meiryo"/>
@@ -38019,7 +38043,7 @@
               <a:buNone/>
             </a:pPr>
             <a:r>
-              <a:rPr lang="ja-JP" sz="2000">
+              <a:rPr lang="ja-JP" sz="2000" dirty="0">
                 <a:latin typeface="Meiryo"/>
                 <a:ea typeface="Meiryo"/>
                 <a:cs typeface="Meiryo"/>
@@ -38027,7 +38051,7 @@
               </a:rPr>
               <a:t>・予約の一覧表示</a:t>
             </a:r>
-            <a:endParaRPr sz="2000">
+            <a:endParaRPr sz="2000" dirty="0">
               <a:latin typeface="Meiryo"/>
               <a:ea typeface="Meiryo"/>
               <a:cs typeface="Meiryo"/>
@@ -38047,7 +38071,7 @@
               </a:spcAft>
               <a:buNone/>
             </a:pPr>
-            <a:endParaRPr sz="500">
+            <a:endParaRPr sz="500" dirty="0">
               <a:latin typeface="Meiryo"/>
               <a:ea typeface="Meiryo"/>
               <a:cs typeface="Meiryo"/>
@@ -38068,7 +38092,7 @@
               <a:buNone/>
             </a:pPr>
             <a:r>
-              <a:rPr lang="ja-JP" sz="2000">
+              <a:rPr lang="ja-JP" sz="2000" dirty="0">
                 <a:latin typeface="Meiryo"/>
                 <a:ea typeface="Meiryo"/>
                 <a:cs typeface="Meiryo"/>
@@ -38076,7 +38100,7 @@
               </a:rPr>
               <a:t>・予約のキャンセル</a:t>
             </a:r>
-            <a:endParaRPr sz="2000">
+            <a:endParaRPr sz="2000" dirty="0">
               <a:latin typeface="Meiryo"/>
               <a:ea typeface="Meiryo"/>
               <a:cs typeface="Meiryo"/>
@@ -41722,7 +41746,7 @@
               <a:buAutoNum type="arabicPeriod"/>
             </a:pPr>
             <a:r>
-              <a:rPr lang="ja-JP" sz="2400">
+              <a:rPr lang="ja-JP" sz="2400" dirty="0">
                 <a:latin typeface="Meiryo"/>
                 <a:ea typeface="Meiryo"/>
                 <a:cs typeface="Meiryo"/>
@@ -41730,7 +41754,7 @@
               </a:rPr>
               <a:t>ログイン</a:t>
             </a:r>
-            <a:endParaRPr sz="2400">
+            <a:endParaRPr sz="2400" dirty="0">
               <a:latin typeface="Meiryo"/>
               <a:ea typeface="Meiryo"/>
               <a:cs typeface="Meiryo"/>
@@ -41753,7 +41777,7 @@
               <a:buAutoNum type="arabicPeriod"/>
             </a:pPr>
             <a:r>
-              <a:rPr lang="ja-JP" sz="2400">
+              <a:rPr lang="ja-JP" sz="2400" dirty="0">
                 <a:latin typeface="Meiryo"/>
                 <a:ea typeface="Meiryo"/>
                 <a:cs typeface="Meiryo"/>
@@ -41761,7 +41785,7 @@
               </a:rPr>
               <a:t>チケットの閲覧、予約</a:t>
             </a:r>
-            <a:endParaRPr sz="2400">
+            <a:endParaRPr sz="2400" dirty="0">
               <a:latin typeface="Meiryo"/>
               <a:ea typeface="Meiryo"/>
               <a:cs typeface="Meiryo"/>
@@ -41784,7 +41808,7 @@
               <a:buAutoNum type="arabicPeriod"/>
             </a:pPr>
             <a:r>
-              <a:rPr lang="ja-JP" sz="2400">
+              <a:rPr lang="ja-JP" sz="2400" dirty="0">
                 <a:solidFill>
                   <a:schemeClr val="dk1"/>
                 </a:solidFill>
@@ -41795,7 +41819,7 @@
               </a:rPr>
               <a:t>予約の反映、在庫枚数の変化を確認</a:t>
             </a:r>
-            <a:endParaRPr sz="2400">
+            <a:endParaRPr sz="2400" dirty="0">
               <a:latin typeface="Meiryo"/>
               <a:ea typeface="Meiryo"/>
               <a:cs typeface="Meiryo"/>
@@ -41818,7 +41842,7 @@
               <a:buAutoNum type="arabicPeriod"/>
             </a:pPr>
             <a:r>
-              <a:rPr lang="ja-JP" sz="2400">
+              <a:rPr lang="ja-JP" sz="2400" dirty="0">
                 <a:solidFill>
                   <a:schemeClr val="dk1"/>
                 </a:solidFill>
@@ -41829,7 +41853,7 @@
               </a:rPr>
               <a:t>予約内容の確認・キャンセル</a:t>
             </a:r>
-            <a:endParaRPr sz="2400">
+            <a:endParaRPr sz="2400" dirty="0">
               <a:latin typeface="Meiryo"/>
               <a:ea typeface="Meiryo"/>
               <a:cs typeface="Meiryo"/>
@@ -41852,7 +41876,7 @@
               <a:buAutoNum type="arabicPeriod"/>
             </a:pPr>
             <a:r>
-              <a:rPr lang="ja-JP" sz="2400">
+              <a:rPr lang="ja-JP" sz="2400" dirty="0">
                 <a:solidFill>
                   <a:schemeClr val="dk1"/>
                 </a:solidFill>
@@ -41863,7 +41887,7 @@
               </a:rPr>
               <a:t>キャンセルの反映、在庫枚数の変化を確認</a:t>
             </a:r>
-            <a:endParaRPr sz="2400">
+            <a:endParaRPr sz="2400" dirty="0">
               <a:latin typeface="Meiryo"/>
               <a:ea typeface="Meiryo"/>
               <a:cs typeface="Meiryo"/>
@@ -43521,7 +43545,7 @@
                         <a:buNone/>
                       </a:pPr>
                       <a:r>
-                        <a:rPr lang="ja-JP" sz="2700">
+                        <a:rPr lang="ja-JP" sz="2700" dirty="0">
                           <a:latin typeface="Meiryo"/>
                           <a:ea typeface="Meiryo"/>
                           <a:cs typeface="Meiryo"/>
@@ -43530,7 +43554,7 @@
                         <a:t>NOM</a:t>
                       </a:r>
                       <a:r>
-                        <a:rPr lang="ja-JP" sz="2300">
+                        <a:rPr lang="ja-JP" sz="2300" dirty="0">
                           <a:latin typeface="Meiryo"/>
                           <a:ea typeface="Meiryo"/>
                           <a:cs typeface="Meiryo"/>
@@ -43539,7 +43563,7 @@
                         <a:t> </a:t>
                       </a:r>
                       <a:r>
-                        <a:rPr lang="ja-JP" sz="2000">
+                        <a:rPr lang="ja-JP" sz="2000" dirty="0">
                           <a:solidFill>
                             <a:srgbClr val="666666"/>
                           </a:solidFill>
@@ -43550,7 +43574,7 @@
                         </a:rPr>
                         <a:t>Number of Methods</a:t>
                       </a:r>
-                      <a:endParaRPr sz="2000">
+                      <a:endParaRPr sz="2000" dirty="0">
                         <a:solidFill>
                           <a:srgbClr val="666666"/>
                         </a:solidFill>
@@ -44384,7 +44408,7 @@
                         <a:buNone/>
                       </a:pPr>
                       <a:r>
-                        <a:rPr lang="ja-JP" sz="1800">
+                        <a:rPr lang="ja-JP" sz="1800" dirty="0">
                           <a:latin typeface="Meiryo"/>
                           <a:ea typeface="Meiryo"/>
                           <a:cs typeface="Meiryo"/>
@@ -44392,7 +44416,7 @@
                         </a:rPr>
                         <a:t>1.1</a:t>
                       </a:r>
-                      <a:endParaRPr sz="1800">
+                      <a:endParaRPr sz="1800" dirty="0">
                         <a:latin typeface="Meiryo"/>
                         <a:ea typeface="Meiryo"/>
                         <a:cs typeface="Meiryo"/>
@@ -46814,7 +46838,7 @@
               <a:buNone/>
             </a:pPr>
             <a:r>
-              <a:rPr lang="ja-JP" sz="2400" b="1">
+              <a:rPr lang="ja-JP" sz="2400" b="1" dirty="0">
                 <a:solidFill>
                   <a:srgbClr val="3C78D8"/>
                 </a:solidFill>
@@ -46825,7 +46849,7 @@
               </a:rPr>
               <a:t>技術面</a:t>
             </a:r>
-            <a:endParaRPr sz="2400" b="1">
+            <a:endParaRPr sz="2400" b="1" dirty="0">
               <a:solidFill>
                 <a:srgbClr val="3C78D8"/>
               </a:solidFill>
@@ -46850,7 +46874,7 @@
               <a:buFont typeface="Arial"/>
               <a:buNone/>
             </a:pPr>
-            <a:endParaRPr sz="2400" b="1">
+            <a:endParaRPr sz="2400" b="1" dirty="0">
               <a:solidFill>
                 <a:srgbClr val="3C78D8"/>
               </a:solidFill>
@@ -46876,7 +46900,7 @@
               <a:buNone/>
             </a:pPr>
             <a:r>
-              <a:rPr lang="ja-JP" sz="2400">
+              <a:rPr lang="ja-JP" sz="2400" dirty="0">
                 <a:solidFill>
                   <a:schemeClr val="dk1"/>
                 </a:solidFill>
@@ -46887,7 +46911,7 @@
               </a:rPr>
               <a:t>・機能ごとに作業を分担</a:t>
             </a:r>
-            <a:endParaRPr sz="2400">
+            <a:endParaRPr sz="2400" dirty="0">
               <a:solidFill>
                 <a:schemeClr val="dk1"/>
               </a:solidFill>
@@ -46912,7 +46936,7 @@
               <a:buFont typeface="Arial"/>
               <a:buNone/>
             </a:pPr>
-            <a:endParaRPr sz="2400">
+            <a:endParaRPr sz="2400" dirty="0">
               <a:solidFill>
                 <a:schemeClr val="dk1"/>
               </a:solidFill>
@@ -46933,7 +46957,7 @@
               <a:buNone/>
             </a:pPr>
             <a:r>
-              <a:rPr lang="ja-JP" sz="2400">
+              <a:rPr lang="ja-JP" sz="2400" dirty="0">
                 <a:solidFill>
                   <a:schemeClr val="dk1"/>
                 </a:solidFill>
@@ -46944,7 +46968,7 @@
               </a:rPr>
               <a:t>・システムに機能を</a:t>
             </a:r>
-            <a:endParaRPr sz="2400">
+            <a:endParaRPr sz="2400" dirty="0">
               <a:solidFill>
                 <a:schemeClr val="dk1"/>
               </a:solidFill>
@@ -46965,7 +46989,7 @@
               <a:buNone/>
             </a:pPr>
             <a:r>
-              <a:rPr lang="ja-JP" sz="2400">
+              <a:rPr lang="ja-JP" sz="2400" dirty="0">
                 <a:solidFill>
                   <a:schemeClr val="dk1"/>
                 </a:solidFill>
@@ -46976,7 +47000,7 @@
               </a:rPr>
               <a:t>　追加しやすいように設計</a:t>
             </a:r>
-            <a:endParaRPr sz="2400">
+            <a:endParaRPr sz="2400" dirty="0">
               <a:solidFill>
                 <a:schemeClr val="dk1"/>
               </a:solidFill>
@@ -46996,7 +47020,7 @@
               </a:spcAft>
               <a:buNone/>
             </a:pPr>
-            <a:endParaRPr sz="1000">
+            <a:endParaRPr sz="1000" dirty="0">
               <a:solidFill>
                 <a:schemeClr val="dk1"/>
               </a:solidFill>
@@ -47017,7 +47041,7 @@
               <a:buNone/>
             </a:pPr>
             <a:r>
-              <a:rPr lang="ja-JP" sz="2400">
+              <a:rPr lang="ja-JP" sz="2400" dirty="0">
                 <a:solidFill>
                   <a:schemeClr val="dk1"/>
                 </a:solidFill>
@@ -47028,7 +47052,7 @@
               </a:rPr>
               <a:t>　　　  GUI（第二反復）</a:t>
             </a:r>
-            <a:endParaRPr sz="2400">
+            <a:endParaRPr sz="2400" dirty="0">
               <a:solidFill>
                 <a:schemeClr val="dk1"/>
               </a:solidFill>
@@ -47049,7 +47073,7 @@
               <a:buNone/>
             </a:pPr>
             <a:r>
-              <a:rPr lang="ja-JP" sz="2400">
+              <a:rPr lang="ja-JP" sz="2400" dirty="0">
                 <a:solidFill>
                   <a:schemeClr val="dk1"/>
                 </a:solidFill>
@@ -47060,7 +47084,7 @@
               </a:rPr>
               <a:t>　　　  DB（第三反復）</a:t>
             </a:r>
-            <a:endParaRPr sz="2400">
+            <a:endParaRPr sz="2400" dirty="0">
               <a:solidFill>
                 <a:schemeClr val="dk1"/>
               </a:solidFill>
@@ -47080,7 +47104,7 @@
               </a:spcAft>
               <a:buNone/>
             </a:pPr>
-            <a:endParaRPr>
+            <a:endParaRPr dirty="0">
               <a:latin typeface="Calibri"/>
               <a:ea typeface="Calibri"/>
               <a:cs typeface="Calibri"/>

--- a/成果発表会発表資料.pptx
+++ b/成果発表会発表資料.pptx
@@ -264,7 +264,7 @@
       <p15:sldGuideLst xmlns:p15="http://schemas.microsoft.com/office/powerpoint/2012/main"/>
     </p:ext>
     <p:ext uri="http://customooxmlschemas.google.com/">
-      <go:slidesCustomData xmlns:go="http://customooxmlschemas.google.com/" xmlns:p15="http://schemas.microsoft.com/office/powerpoint/2012/main" xmlns:p14="http://schemas.microsoft.com/office/powerpoint/2010/main" xmlns:com="http://schemas.openxmlformats.org/drawingml/2006/compatibility" xmlns:pvml="urn:schemas-microsoft-com:office:powerpoint" xmlns:v="urn:schemas-microsoft-com:vml" xmlns:o="urn:schemas-microsoft-com:office:office" xmlns:dgm="http://schemas.openxmlformats.org/drawingml/2006/diagram" xmlns:c="http://schemas.openxmlformats.org/drawingml/2006/chart" xmlns:mv="urn:schemas-microsoft-com:mac:vml" xmlns:mc="http://schemas.openxmlformats.org/markup-compatibility/2006" xmlns="" r:id="rId25" roundtripDataSignature="AMtx7mhSD1MLApTgUqu6n1YFMsXsJD0f0w=="/>
+      <go:slidesCustomData xmlns="" xmlns:mc="http://schemas.openxmlformats.org/markup-compatibility/2006" xmlns:mv="urn:schemas-microsoft-com:mac:vml" xmlns:c="http://schemas.openxmlformats.org/drawingml/2006/chart" xmlns:dgm="http://schemas.openxmlformats.org/drawingml/2006/diagram" xmlns:o="urn:schemas-microsoft-com:office:office" xmlns:v="urn:schemas-microsoft-com:vml" xmlns:pvml="urn:schemas-microsoft-com:office:powerpoint" xmlns:com="http://schemas.openxmlformats.org/drawingml/2006/compatibility" xmlns:p14="http://schemas.microsoft.com/office/powerpoint/2010/main" xmlns:p15="http://schemas.microsoft.com/office/powerpoint/2012/main" xmlns:go="http://customooxmlschemas.google.com/" r:id="rId25" roundtripDataSignature="AMtx7mhSD1MLApTgUqu6n1YFMsXsJD0f0w=="/>
     </p:ext>
   </p:extLst>
 </p:presentation>
@@ -1402,8 +1402,8 @@
         </p:nvSpPr>
         <p:spPr>
           <a:xfrm>
-            <a:off x="1143225" y="685800"/>
-            <a:ext cx="4572300" cy="3429000"/>
+            <a:off x="381000" y="685800"/>
+            <a:ext cx="6096000" cy="3429000"/>
           </a:xfrm>
           <a:custGeom>
             <a:avLst/>
@@ -26437,16 +26437,16 @@
             </a:pPr>
             <a:r>
               <a:rPr lang="ja-JP" sz="2400" dirty="0">
-                <a:latin typeface="Calibri"/>
-                <a:ea typeface="Calibri"/>
+                <a:latin typeface="メイリオ" panose="020B0604030504040204" pitchFamily="50" charset="-128"/>
+                <a:ea typeface="メイリオ" panose="020B0604030504040204" pitchFamily="50" charset="-128"/>
                 <a:cs typeface="Calibri"/>
                 <a:sym typeface="Calibri"/>
               </a:rPr>
               <a:t>実績</a:t>
             </a:r>
             <a:endParaRPr sz="2400" dirty="0">
-              <a:latin typeface="Calibri"/>
-              <a:ea typeface="Calibri"/>
+              <a:latin typeface="メイリオ" panose="020B0604030504040204" pitchFamily="50" charset="-128"/>
+              <a:ea typeface="メイリオ" panose="020B0604030504040204" pitchFamily="50" charset="-128"/>
               <a:cs typeface="Calibri"/>
               <a:sym typeface="Calibri"/>
             </a:endParaRPr>
@@ -26466,8 +26466,8 @@
             </a:pPr>
             <a:r>
               <a:rPr lang="ja-JP" sz="2000" b="1" dirty="0">
-                <a:latin typeface="Calibri"/>
-                <a:ea typeface="Calibri"/>
+                <a:latin typeface="メイリオ" panose="020B0604030504040204" pitchFamily="50" charset="-128"/>
+                <a:ea typeface="メイリオ" panose="020B0604030504040204" pitchFamily="50" charset="-128"/>
                 <a:cs typeface="Calibri"/>
                 <a:sym typeface="Calibri"/>
               </a:rPr>
@@ -26475,16 +26475,16 @@
             </a:r>
             <a:r>
               <a:rPr lang="ja-JP" sz="2000" dirty="0">
-                <a:latin typeface="Calibri"/>
-                <a:ea typeface="Calibri"/>
+                <a:latin typeface="メイリオ" panose="020B0604030504040204" pitchFamily="50" charset="-128"/>
+                <a:ea typeface="メイリオ" panose="020B0604030504040204" pitchFamily="50" charset="-128"/>
                 <a:cs typeface="Calibri"/>
                 <a:sym typeface="Calibri"/>
               </a:rPr>
               <a:t>　実装/導入</a:t>
             </a:r>
             <a:endParaRPr sz="2000" dirty="0">
-              <a:latin typeface="Calibri"/>
-              <a:ea typeface="Calibri"/>
+              <a:latin typeface="メイリオ" panose="020B0604030504040204" pitchFamily="50" charset="-128"/>
+              <a:ea typeface="メイリオ" panose="020B0604030504040204" pitchFamily="50" charset="-128"/>
               <a:cs typeface="Calibri"/>
               <a:sym typeface="Calibri"/>
             </a:endParaRPr>
@@ -26506,8 +26506,8 @@
             </a:pPr>
             <a:r>
               <a:rPr lang="ja-JP" sz="2000" dirty="0">
-                <a:latin typeface="Calibri"/>
-                <a:ea typeface="Calibri"/>
+                <a:latin typeface="メイリオ" panose="020B0604030504040204" pitchFamily="50" charset="-128"/>
+                <a:ea typeface="メイリオ" panose="020B0604030504040204" pitchFamily="50" charset="-128"/>
                 <a:cs typeface="Calibri"/>
                 <a:sym typeface="Calibri"/>
               </a:rPr>
@@ -26515,24 +26515,24 @@
             </a:r>
             <a:br>
               <a:rPr lang="ja-JP" sz="2000" dirty="0">
-                <a:latin typeface="Calibri"/>
-                <a:ea typeface="Calibri"/>
+                <a:latin typeface="メイリオ" panose="020B0604030504040204" pitchFamily="50" charset="-128"/>
+                <a:ea typeface="メイリオ" panose="020B0604030504040204" pitchFamily="50" charset="-128"/>
                 <a:cs typeface="Calibri"/>
                 <a:sym typeface="Calibri"/>
               </a:rPr>
             </a:br>
             <a:r>
               <a:rPr lang="ja-JP" sz="2000" dirty="0">
-                <a:latin typeface="Calibri"/>
-                <a:ea typeface="Calibri"/>
+                <a:latin typeface="メイリオ" panose="020B0604030504040204" pitchFamily="50" charset="-128"/>
+                <a:ea typeface="メイリオ" panose="020B0604030504040204" pitchFamily="50" charset="-128"/>
                 <a:cs typeface="Calibri"/>
                 <a:sym typeface="Calibri"/>
               </a:rPr>
               <a:t>テーブルの作成</a:t>
             </a:r>
             <a:endParaRPr sz="2000" dirty="0">
-              <a:latin typeface="Calibri"/>
-              <a:ea typeface="Calibri"/>
+              <a:latin typeface="メイリオ" panose="020B0604030504040204" pitchFamily="50" charset="-128"/>
+              <a:ea typeface="メイリオ" panose="020B0604030504040204" pitchFamily="50" charset="-128"/>
               <a:cs typeface="Calibri"/>
               <a:sym typeface="Calibri"/>
             </a:endParaRPr>
@@ -26554,16 +26554,16 @@
             </a:pPr>
             <a:r>
               <a:rPr lang="ja-JP" sz="2000" dirty="0">
-                <a:latin typeface="Calibri"/>
-                <a:ea typeface="Calibri"/>
+                <a:latin typeface="メイリオ" panose="020B0604030504040204" pitchFamily="50" charset="-128"/>
+                <a:ea typeface="メイリオ" panose="020B0604030504040204" pitchFamily="50" charset="-128"/>
                 <a:cs typeface="Calibri"/>
                 <a:sym typeface="Calibri"/>
               </a:rPr>
               <a:t>DBへアクセスするDAOの作成</a:t>
             </a:r>
             <a:endParaRPr sz="2200" dirty="0">
-              <a:latin typeface="Calibri"/>
-              <a:ea typeface="Calibri"/>
+              <a:latin typeface="メイリオ" panose="020B0604030504040204" pitchFamily="50" charset="-128"/>
+              <a:ea typeface="メイリオ" panose="020B0604030504040204" pitchFamily="50" charset="-128"/>
               <a:cs typeface="Calibri"/>
               <a:sym typeface="Calibri"/>
             </a:endParaRPr>
@@ -26585,16 +26585,16 @@
             </a:pPr>
             <a:r>
               <a:rPr lang="ja-JP" sz="2400" dirty="0">
-                <a:latin typeface="Calibri"/>
-                <a:ea typeface="Calibri"/>
+                <a:latin typeface="メイリオ" panose="020B0604030504040204" pitchFamily="50" charset="-128"/>
+                <a:ea typeface="メイリオ" panose="020B0604030504040204" pitchFamily="50" charset="-128"/>
                 <a:cs typeface="Calibri"/>
                 <a:sym typeface="Calibri"/>
               </a:rPr>
               <a:t>課題</a:t>
             </a:r>
             <a:endParaRPr sz="2400" dirty="0">
-              <a:latin typeface="Calibri"/>
-              <a:ea typeface="Calibri"/>
+              <a:latin typeface="メイリオ" panose="020B0604030504040204" pitchFamily="50" charset="-128"/>
+              <a:ea typeface="メイリオ" panose="020B0604030504040204" pitchFamily="50" charset="-128"/>
               <a:cs typeface="Calibri"/>
               <a:sym typeface="Calibri"/>
             </a:endParaRPr>
@@ -26616,8 +26616,8 @@
             </a:pPr>
             <a:r>
               <a:rPr lang="ja-JP" sz="2000" b="1" dirty="0">
-                <a:latin typeface="Calibri"/>
-                <a:ea typeface="Calibri"/>
+                <a:latin typeface="メイリオ" panose="020B0604030504040204" pitchFamily="50" charset="-128"/>
+                <a:ea typeface="メイリオ" panose="020B0604030504040204" pitchFamily="50" charset="-128"/>
                 <a:cs typeface="Calibri"/>
                 <a:sym typeface="Calibri"/>
               </a:rPr>
@@ -26625,8 +26625,8 @@
             </a:r>
             <a:r>
               <a:rPr lang="ja-JP" sz="2000" dirty="0">
-                <a:latin typeface="Calibri"/>
-                <a:ea typeface="Calibri"/>
+                <a:latin typeface="メイリオ" panose="020B0604030504040204" pitchFamily="50" charset="-128"/>
+                <a:ea typeface="メイリオ" panose="020B0604030504040204" pitchFamily="50" charset="-128"/>
                 <a:cs typeface="Calibri"/>
                 <a:sym typeface="Calibri"/>
               </a:rPr>
@@ -26634,24 +26634,24 @@
             </a:r>
             <a:br>
               <a:rPr lang="ja-JP" sz="2000" dirty="0">
-                <a:latin typeface="Calibri"/>
-                <a:ea typeface="Calibri"/>
+                <a:latin typeface="メイリオ" panose="020B0604030504040204" pitchFamily="50" charset="-128"/>
+                <a:ea typeface="メイリオ" panose="020B0604030504040204" pitchFamily="50" charset="-128"/>
                 <a:cs typeface="Calibri"/>
                 <a:sym typeface="Calibri"/>
               </a:rPr>
             </a:br>
             <a:r>
               <a:rPr lang="ja-JP" sz="2000" dirty="0">
-                <a:latin typeface="Calibri"/>
-                <a:ea typeface="Calibri"/>
+                <a:latin typeface="メイリオ" panose="020B0604030504040204" pitchFamily="50" charset="-128"/>
+                <a:ea typeface="メイリオ" panose="020B0604030504040204" pitchFamily="50" charset="-128"/>
                 <a:cs typeface="Calibri"/>
                 <a:sym typeface="Calibri"/>
               </a:rPr>
               <a:t>→正確に知識をつける</a:t>
             </a:r>
             <a:endParaRPr sz="2000" dirty="0">
-              <a:latin typeface="Calibri"/>
-              <a:ea typeface="Calibri"/>
+              <a:latin typeface="メイリオ" panose="020B0604030504040204" pitchFamily="50" charset="-128"/>
+              <a:ea typeface="メイリオ" panose="020B0604030504040204" pitchFamily="50" charset="-128"/>
               <a:cs typeface="Calibri"/>
               <a:sym typeface="Calibri"/>
             </a:endParaRPr>
@@ -26698,17 +26698,17 @@
               <a:buChar char="●"/>
             </a:pPr>
             <a:r>
-              <a:rPr lang="ja-JP" sz="2400">
-                <a:latin typeface="Calibri"/>
-                <a:ea typeface="Calibri"/>
+              <a:rPr lang="ja-JP" sz="2400" dirty="0">
+                <a:latin typeface="メイリオ" panose="020B0604030504040204" pitchFamily="50" charset="-128"/>
+                <a:ea typeface="メイリオ" panose="020B0604030504040204" pitchFamily="50" charset="-128"/>
                 <a:cs typeface="Calibri"/>
                 <a:sym typeface="Calibri"/>
               </a:rPr>
               <a:t>学び</a:t>
             </a:r>
-            <a:endParaRPr sz="2400">
-              <a:latin typeface="Calibri"/>
-              <a:ea typeface="Calibri"/>
+            <a:endParaRPr sz="2400" dirty="0">
+              <a:latin typeface="メイリオ" panose="020B0604030504040204" pitchFamily="50" charset="-128"/>
+              <a:ea typeface="メイリオ" panose="020B0604030504040204" pitchFamily="50" charset="-128"/>
               <a:cs typeface="Calibri"/>
               <a:sym typeface="Calibri"/>
             </a:endParaRPr>
@@ -26729,35 +26729,35 @@
               <a:buChar char="○"/>
             </a:pPr>
             <a:r>
-              <a:rPr lang="ja-JP" sz="2000">
-                <a:latin typeface="Calibri"/>
-                <a:ea typeface="Calibri"/>
+              <a:rPr lang="ja-JP" sz="2000" dirty="0">
+                <a:latin typeface="メイリオ" panose="020B0604030504040204" pitchFamily="50" charset="-128"/>
+                <a:ea typeface="メイリオ" panose="020B0604030504040204" pitchFamily="50" charset="-128"/>
                 <a:cs typeface="Calibri"/>
                 <a:sym typeface="Calibri"/>
               </a:rPr>
               <a:t>作業目的の</a:t>
             </a:r>
             <a:r>
-              <a:rPr lang="ja-JP" sz="2000" b="1">
-                <a:latin typeface="Calibri"/>
-                <a:ea typeface="Calibri"/>
+              <a:rPr lang="ja-JP" sz="2000" b="1" dirty="0">
+                <a:latin typeface="メイリオ" panose="020B0604030504040204" pitchFamily="50" charset="-128"/>
+                <a:ea typeface="メイリオ" panose="020B0604030504040204" pitchFamily="50" charset="-128"/>
                 <a:cs typeface="Calibri"/>
                 <a:sym typeface="Calibri"/>
               </a:rPr>
               <a:t>共有</a:t>
             </a:r>
             <a:r>
-              <a:rPr lang="ja-JP" sz="2000">
-                <a:latin typeface="Calibri"/>
-                <a:ea typeface="Calibri"/>
+              <a:rPr lang="ja-JP" sz="2000" dirty="0">
+                <a:latin typeface="メイリオ" panose="020B0604030504040204" pitchFamily="50" charset="-128"/>
+                <a:ea typeface="メイリオ" panose="020B0604030504040204" pitchFamily="50" charset="-128"/>
                 <a:cs typeface="Calibri"/>
                 <a:sym typeface="Calibri"/>
               </a:rPr>
               <a:t>の大切さ</a:t>
             </a:r>
-            <a:endParaRPr sz="2000">
-              <a:latin typeface="Calibri"/>
-              <a:ea typeface="Calibri"/>
+            <a:endParaRPr sz="2000" dirty="0">
+              <a:latin typeface="メイリオ" panose="020B0604030504040204" pitchFamily="50" charset="-128"/>
+              <a:ea typeface="メイリオ" panose="020B0604030504040204" pitchFamily="50" charset="-128"/>
               <a:cs typeface="Calibri"/>
               <a:sym typeface="Calibri"/>
             </a:endParaRPr>
@@ -26778,70 +26778,70 @@
               <a:buChar char="○"/>
             </a:pPr>
             <a:r>
-              <a:rPr lang="ja-JP" sz="2000">
-                <a:latin typeface="Calibri"/>
-                <a:ea typeface="Calibri"/>
+              <a:rPr lang="ja-JP" sz="2000" dirty="0">
+                <a:latin typeface="メイリオ" panose="020B0604030504040204" pitchFamily="50" charset="-128"/>
+                <a:ea typeface="メイリオ" panose="020B0604030504040204" pitchFamily="50" charset="-128"/>
                 <a:cs typeface="Calibri"/>
                 <a:sym typeface="Calibri"/>
               </a:rPr>
               <a:t>こまめな</a:t>
             </a:r>
             <a:r>
-              <a:rPr lang="ja-JP" sz="2000" b="1">
-                <a:latin typeface="Calibri"/>
-                <a:ea typeface="Calibri"/>
+              <a:rPr lang="ja-JP" sz="2000" b="1" dirty="0">
+                <a:latin typeface="メイリオ" panose="020B0604030504040204" pitchFamily="50" charset="-128"/>
+                <a:ea typeface="メイリオ" panose="020B0604030504040204" pitchFamily="50" charset="-128"/>
                 <a:cs typeface="Calibri"/>
                 <a:sym typeface="Calibri"/>
               </a:rPr>
               <a:t>進捗報告</a:t>
             </a:r>
             <a:r>
-              <a:rPr lang="ja-JP" sz="2000">
-                <a:latin typeface="Calibri"/>
-                <a:ea typeface="Calibri"/>
+              <a:rPr lang="ja-JP" sz="2000" dirty="0">
+                <a:latin typeface="メイリオ" panose="020B0604030504040204" pitchFamily="50" charset="-128"/>
+                <a:ea typeface="メイリオ" panose="020B0604030504040204" pitchFamily="50" charset="-128"/>
                 <a:cs typeface="Calibri"/>
                 <a:sym typeface="Calibri"/>
               </a:rPr>
               <a:t>や</a:t>
             </a:r>
             <a:br>
-              <a:rPr lang="ja-JP" sz="2000">
-                <a:latin typeface="Calibri"/>
-                <a:ea typeface="Calibri"/>
+              <a:rPr lang="ja-JP" sz="2000" dirty="0">
+                <a:latin typeface="メイリオ" panose="020B0604030504040204" pitchFamily="50" charset="-128"/>
+                <a:ea typeface="メイリオ" panose="020B0604030504040204" pitchFamily="50" charset="-128"/>
                 <a:cs typeface="Calibri"/>
                 <a:sym typeface="Calibri"/>
               </a:rPr>
             </a:br>
             <a:r>
-              <a:rPr lang="ja-JP" sz="2000">
-                <a:latin typeface="Calibri"/>
-                <a:ea typeface="Calibri"/>
+              <a:rPr lang="ja-JP" sz="2000" dirty="0">
+                <a:latin typeface="メイリオ" panose="020B0604030504040204" pitchFamily="50" charset="-128"/>
+                <a:ea typeface="メイリオ" panose="020B0604030504040204" pitchFamily="50" charset="-128"/>
                 <a:cs typeface="Calibri"/>
                 <a:sym typeface="Calibri"/>
               </a:rPr>
               <a:t>その</a:t>
             </a:r>
             <a:r>
-              <a:rPr lang="ja-JP" sz="2000" b="1">
-                <a:latin typeface="Calibri"/>
-                <a:ea typeface="Calibri"/>
+              <a:rPr lang="ja-JP" sz="2000" b="1" dirty="0">
+                <a:latin typeface="メイリオ" panose="020B0604030504040204" pitchFamily="50" charset="-128"/>
+                <a:ea typeface="メイリオ" panose="020B0604030504040204" pitchFamily="50" charset="-128"/>
                 <a:cs typeface="Calibri"/>
                 <a:sym typeface="Calibri"/>
               </a:rPr>
               <a:t>時間設定</a:t>
             </a:r>
             <a:r>
-              <a:rPr lang="ja-JP" sz="2000">
-                <a:latin typeface="Calibri"/>
-                <a:ea typeface="Calibri"/>
+              <a:rPr lang="ja-JP" sz="2000" dirty="0">
+                <a:latin typeface="メイリオ" panose="020B0604030504040204" pitchFamily="50" charset="-128"/>
+                <a:ea typeface="メイリオ" panose="020B0604030504040204" pitchFamily="50" charset="-128"/>
                 <a:cs typeface="Calibri"/>
                 <a:sym typeface="Calibri"/>
               </a:rPr>
               <a:t>の大切さ</a:t>
             </a:r>
-            <a:endParaRPr sz="2000">
-              <a:latin typeface="Calibri"/>
-              <a:ea typeface="Calibri"/>
+            <a:endParaRPr sz="2000" dirty="0">
+              <a:latin typeface="メイリオ" panose="020B0604030504040204" pitchFamily="50" charset="-128"/>
+              <a:ea typeface="メイリオ" panose="020B0604030504040204" pitchFamily="50" charset="-128"/>
               <a:cs typeface="Calibri"/>
               <a:sym typeface="Calibri"/>
             </a:endParaRPr>
@@ -26883,23 +26883,23 @@
               <a:buNone/>
             </a:pPr>
             <a:r>
-              <a:rPr lang="ja-JP" sz="2600" b="1">
+              <a:rPr lang="ja-JP" sz="2600" b="1" dirty="0">
                 <a:solidFill>
                   <a:srgbClr val="3D85C6"/>
                 </a:solidFill>
-                <a:latin typeface="Calibri"/>
-                <a:ea typeface="Calibri"/>
+                <a:latin typeface="メイリオ" panose="020B0604030504040204" pitchFamily="50" charset="-128"/>
+                <a:ea typeface="メイリオ" panose="020B0604030504040204" pitchFamily="50" charset="-128"/>
                 <a:cs typeface="Calibri"/>
                 <a:sym typeface="Calibri"/>
               </a:rPr>
               <a:t>技術面</a:t>
             </a:r>
-            <a:endParaRPr sz="2600" b="1">
+            <a:endParaRPr sz="2600" b="1" dirty="0">
               <a:solidFill>
                 <a:srgbClr val="3D85C6"/>
               </a:solidFill>
-              <a:latin typeface="Calibri"/>
-              <a:ea typeface="Calibri"/>
+              <a:latin typeface="メイリオ" panose="020B0604030504040204" pitchFamily="50" charset="-128"/>
+              <a:ea typeface="メイリオ" panose="020B0604030504040204" pitchFamily="50" charset="-128"/>
               <a:cs typeface="Calibri"/>
               <a:sym typeface="Calibri"/>
             </a:endParaRPr>
@@ -26941,23 +26941,23 @@
               <a:buNone/>
             </a:pPr>
             <a:r>
-              <a:rPr lang="ja-JP" sz="2600" b="1">
+              <a:rPr lang="ja-JP" sz="2600" b="1" dirty="0">
                 <a:solidFill>
                   <a:srgbClr val="3D85C6"/>
                 </a:solidFill>
-                <a:latin typeface="Calibri"/>
-                <a:ea typeface="Calibri"/>
+                <a:latin typeface="メイリオ" panose="020B0604030504040204" pitchFamily="50" charset="-128"/>
+                <a:ea typeface="メイリオ" panose="020B0604030504040204" pitchFamily="50" charset="-128"/>
                 <a:cs typeface="Calibri"/>
                 <a:sym typeface="Calibri"/>
               </a:rPr>
               <a:t>ビジネス面</a:t>
             </a:r>
-            <a:endParaRPr sz="2600" b="1">
+            <a:endParaRPr sz="2600" b="1" dirty="0">
               <a:solidFill>
                 <a:srgbClr val="3D85C6"/>
               </a:solidFill>
-              <a:latin typeface="Calibri"/>
-              <a:ea typeface="Calibri"/>
+              <a:latin typeface="メイリオ" panose="020B0604030504040204" pitchFamily="50" charset="-128"/>
+              <a:ea typeface="メイリオ" panose="020B0604030504040204" pitchFamily="50" charset="-128"/>
               <a:cs typeface="Calibri"/>
               <a:sym typeface="Calibri"/>
             </a:endParaRPr>
@@ -27007,58 +27007,58 @@
               <a:buChar char="●"/>
             </a:pPr>
             <a:r>
-              <a:rPr lang="ja-JP" sz="2000" b="1">
+              <a:rPr lang="ja-JP" sz="2000" b="1" dirty="0">
                 <a:solidFill>
                   <a:schemeClr val="dk1"/>
                 </a:solidFill>
-                <a:latin typeface="Calibri"/>
-                <a:ea typeface="Calibri"/>
+                <a:latin typeface="メイリオ" panose="020B0604030504040204" pitchFamily="50" charset="-128"/>
+                <a:ea typeface="メイリオ" panose="020B0604030504040204" pitchFamily="50" charset="-128"/>
                 <a:cs typeface="Calibri"/>
                 <a:sym typeface="Calibri"/>
               </a:rPr>
               <a:t>時間内に</a:t>
             </a:r>
             <a:r>
-              <a:rPr lang="ja-JP" sz="2000">
+              <a:rPr lang="ja-JP" sz="2000" dirty="0">
                 <a:solidFill>
                   <a:schemeClr val="dk1"/>
                 </a:solidFill>
-                <a:latin typeface="Calibri"/>
-                <a:ea typeface="Calibri"/>
+                <a:latin typeface="メイリオ" panose="020B0604030504040204" pitchFamily="50" charset="-128"/>
+                <a:ea typeface="メイリオ" panose="020B0604030504040204" pitchFamily="50" charset="-128"/>
                 <a:cs typeface="Calibri"/>
                 <a:sym typeface="Calibri"/>
               </a:rPr>
               <a:t>成果を出すために</a:t>
             </a:r>
             <a:br>
-              <a:rPr lang="ja-JP" sz="2000">
+              <a:rPr lang="ja-JP" sz="2000" dirty="0">
                 <a:solidFill>
                   <a:schemeClr val="dk1"/>
                 </a:solidFill>
-                <a:latin typeface="Calibri"/>
-                <a:ea typeface="Calibri"/>
+                <a:latin typeface="メイリオ" panose="020B0604030504040204" pitchFamily="50" charset="-128"/>
+                <a:ea typeface="メイリオ" panose="020B0604030504040204" pitchFamily="50" charset="-128"/>
                 <a:cs typeface="Calibri"/>
                 <a:sym typeface="Calibri"/>
               </a:rPr>
             </a:br>
             <a:r>
-              <a:rPr lang="ja-JP" sz="2000">
+              <a:rPr lang="ja-JP" sz="2000" dirty="0">
                 <a:solidFill>
                   <a:schemeClr val="dk1"/>
                 </a:solidFill>
-                <a:latin typeface="Calibri"/>
-                <a:ea typeface="Calibri"/>
+                <a:latin typeface="メイリオ" panose="020B0604030504040204" pitchFamily="50" charset="-128"/>
+                <a:ea typeface="メイリオ" panose="020B0604030504040204" pitchFamily="50" charset="-128"/>
                 <a:cs typeface="Calibri"/>
                 <a:sym typeface="Calibri"/>
               </a:rPr>
               <a:t>工夫する</a:t>
             </a:r>
-            <a:endParaRPr sz="2000">
+            <a:endParaRPr sz="2000" dirty="0">
               <a:solidFill>
                 <a:schemeClr val="dk1"/>
               </a:solidFill>
-              <a:latin typeface="Calibri"/>
-              <a:ea typeface="Calibri"/>
+              <a:latin typeface="メイリオ" panose="020B0604030504040204" pitchFamily="50" charset="-128"/>
+              <a:ea typeface="メイリオ" panose="020B0604030504040204" pitchFamily="50" charset="-128"/>
               <a:cs typeface="Calibri"/>
               <a:sym typeface="Calibri"/>
             </a:endParaRPr>
@@ -27082,55 +27082,55 @@
               <a:buChar char="●"/>
             </a:pPr>
             <a:r>
-              <a:rPr lang="ja-JP" sz="2000">
+              <a:rPr lang="ja-JP" sz="2000" dirty="0">
                 <a:solidFill>
                   <a:schemeClr val="dk1"/>
                 </a:solidFill>
-                <a:latin typeface="Calibri"/>
-                <a:ea typeface="Calibri"/>
+                <a:latin typeface="メイリオ" panose="020B0604030504040204" pitchFamily="50" charset="-128"/>
+                <a:ea typeface="メイリオ" panose="020B0604030504040204" pitchFamily="50" charset="-128"/>
                 <a:cs typeface="Calibri"/>
                 <a:sym typeface="Calibri"/>
               </a:rPr>
               <a:t>失敗をしても反省を活かして</a:t>
             </a:r>
             <a:br>
-              <a:rPr lang="ja-JP" sz="2000">
+              <a:rPr lang="ja-JP" sz="2000" dirty="0">
                 <a:solidFill>
                   <a:schemeClr val="dk1"/>
                 </a:solidFill>
-                <a:latin typeface="Calibri"/>
-                <a:ea typeface="Calibri"/>
+                <a:latin typeface="メイリオ" panose="020B0604030504040204" pitchFamily="50" charset="-128"/>
+                <a:ea typeface="メイリオ" panose="020B0604030504040204" pitchFamily="50" charset="-128"/>
                 <a:cs typeface="Calibri"/>
                 <a:sym typeface="Calibri"/>
               </a:rPr>
             </a:br>
             <a:r>
-              <a:rPr lang="ja-JP" sz="2000" b="1">
+              <a:rPr lang="ja-JP" sz="2000" b="1" dirty="0">
                 <a:solidFill>
                   <a:schemeClr val="dk1"/>
                 </a:solidFill>
-                <a:latin typeface="Calibri"/>
-                <a:ea typeface="Calibri"/>
+                <a:latin typeface="メイリオ" panose="020B0604030504040204" pitchFamily="50" charset="-128"/>
+                <a:ea typeface="メイリオ" panose="020B0604030504040204" pitchFamily="50" charset="-128"/>
                 <a:cs typeface="Calibri"/>
                 <a:sym typeface="Calibri"/>
               </a:rPr>
               <a:t>挑戦</a:t>
             </a:r>
             <a:r>
-              <a:rPr lang="ja-JP" sz="2000">
+              <a:rPr lang="ja-JP" sz="2000" dirty="0">
                 <a:solidFill>
                   <a:schemeClr val="dk1"/>
                 </a:solidFill>
-                <a:latin typeface="Calibri"/>
-                <a:ea typeface="Calibri"/>
+                <a:latin typeface="メイリオ" panose="020B0604030504040204" pitchFamily="50" charset="-128"/>
+                <a:ea typeface="メイリオ" panose="020B0604030504040204" pitchFamily="50" charset="-128"/>
                 <a:cs typeface="Calibri"/>
                 <a:sym typeface="Calibri"/>
               </a:rPr>
               <a:t>し続ける</a:t>
             </a:r>
-            <a:endParaRPr>
-              <a:latin typeface="Calibri"/>
-              <a:ea typeface="Calibri"/>
+            <a:endParaRPr dirty="0">
+              <a:latin typeface="メイリオ" panose="020B0604030504040204" pitchFamily="50" charset="-128"/>
+              <a:ea typeface="メイリオ" panose="020B0604030504040204" pitchFamily="50" charset="-128"/>
               <a:cs typeface="Calibri"/>
               <a:sym typeface="Calibri"/>
             </a:endParaRPr>
@@ -27180,23 +27180,23 @@
               <a:buNone/>
             </a:pPr>
             <a:r>
-              <a:rPr lang="ja-JP" sz="2600" b="1">
+              <a:rPr lang="ja-JP" sz="2600" b="1" dirty="0">
                 <a:solidFill>
                   <a:srgbClr val="3D85C6"/>
                 </a:solidFill>
-                <a:latin typeface="Calibri"/>
-                <a:ea typeface="Calibri"/>
+                <a:latin typeface="メイリオ" panose="020B0604030504040204" pitchFamily="50" charset="-128"/>
+                <a:ea typeface="メイリオ" panose="020B0604030504040204" pitchFamily="50" charset="-128"/>
                 <a:cs typeface="Calibri"/>
                 <a:sym typeface="Calibri"/>
               </a:rPr>
               <a:t>今後の意気込み</a:t>
             </a:r>
-            <a:endParaRPr sz="2600" b="1">
+            <a:endParaRPr sz="2600" b="1" dirty="0">
               <a:solidFill>
                 <a:srgbClr val="3D85C6"/>
               </a:solidFill>
-              <a:latin typeface="Calibri"/>
-              <a:ea typeface="Calibri"/>
+              <a:latin typeface="メイリオ" panose="020B0604030504040204" pitchFamily="50" charset="-128"/>
+              <a:ea typeface="メイリオ" panose="020B0604030504040204" pitchFamily="50" charset="-128"/>
               <a:cs typeface="Calibri"/>
               <a:sym typeface="Calibri"/>
             </a:endParaRPr>
@@ -27211,7 +27211,7 @@
               </a:spcAft>
               <a:buNone/>
             </a:pPr>
-            <a:endParaRPr>
+            <a:endParaRPr dirty="0">
               <a:latin typeface="Calibri"/>
               <a:ea typeface="Calibri"/>
               <a:cs typeface="Calibri"/>

--- a/成果発表会発表資料.pptx
+++ b/成果発表会発表資料.pptx
@@ -6,27 +6,28 @@
     <p:sldMasterId id="2147483651" r:id="rId2"/>
   </p:sldMasterIdLst>
   <p:notesMasterIdLst>
-    <p:notesMasterId r:id="rId21"/>
+    <p:notesMasterId r:id="rId22"/>
   </p:notesMasterIdLst>
   <p:sldIdLst>
     <p:sldId id="256" r:id="rId3"/>
     <p:sldId id="257" r:id="rId4"/>
     <p:sldId id="258" r:id="rId5"/>
     <p:sldId id="259" r:id="rId6"/>
-    <p:sldId id="260" r:id="rId7"/>
-    <p:sldId id="261" r:id="rId8"/>
-    <p:sldId id="262" r:id="rId9"/>
-    <p:sldId id="263" r:id="rId10"/>
-    <p:sldId id="264" r:id="rId11"/>
-    <p:sldId id="265" r:id="rId12"/>
-    <p:sldId id="266" r:id="rId13"/>
-    <p:sldId id="267" r:id="rId14"/>
-    <p:sldId id="268" r:id="rId15"/>
-    <p:sldId id="269" r:id="rId16"/>
-    <p:sldId id="270" r:id="rId17"/>
-    <p:sldId id="271" r:id="rId18"/>
-    <p:sldId id="272" r:id="rId19"/>
-    <p:sldId id="273" r:id="rId20"/>
+    <p:sldId id="274" r:id="rId7"/>
+    <p:sldId id="260" r:id="rId8"/>
+    <p:sldId id="261" r:id="rId9"/>
+    <p:sldId id="262" r:id="rId10"/>
+    <p:sldId id="263" r:id="rId11"/>
+    <p:sldId id="264" r:id="rId12"/>
+    <p:sldId id="265" r:id="rId13"/>
+    <p:sldId id="266" r:id="rId14"/>
+    <p:sldId id="267" r:id="rId15"/>
+    <p:sldId id="268" r:id="rId16"/>
+    <p:sldId id="269" r:id="rId17"/>
+    <p:sldId id="270" r:id="rId18"/>
+    <p:sldId id="271" r:id="rId19"/>
+    <p:sldId id="272" r:id="rId20"/>
+    <p:sldId id="273" r:id="rId21"/>
   </p:sldIdLst>
   <p:sldSz cx="12192000" cy="6858000"/>
   <p:notesSz cx="6858000" cy="9144000"/>
@@ -817,6 +818,110 @@
   <p:cSld>
     <p:spTree>
       <p:nvGrpSpPr>
+        <p:cNvPr id="1" name="Shape 303"/>
+        <p:cNvGrpSpPr/>
+        <p:nvPr/>
+      </p:nvGrpSpPr>
+      <p:grpSpPr>
+        <a:xfrm>
+          <a:off x="0" y="0"/>
+          <a:ext cx="0" cy="0"/>
+          <a:chOff x="0" y="0"/>
+          <a:chExt cx="0" cy="0"/>
+        </a:xfrm>
+      </p:grpSpPr>
+      <p:sp>
+        <p:nvSpPr>
+          <p:cNvPr id="304" name="Google Shape;304;g89c571fa45_1_52:notes"/>
+          <p:cNvSpPr txBox="1">
+            <a:spLocks noGrp="1"/>
+          </p:cNvSpPr>
+          <p:nvPr>
+            <p:ph type="body" idx="1"/>
+          </p:nvPr>
+        </p:nvSpPr>
+        <p:spPr>
+          <a:xfrm>
+            <a:off x="685800" y="4343400"/>
+            <a:ext cx="5486400" cy="4114800"/>
+          </a:xfrm>
+          <a:prstGeom prst="rect">
+            <a:avLst/>
+          </a:prstGeom>
+        </p:spPr>
+        <p:txBody>
+          <a:bodyPr spcFirstLastPara="1" wrap="square" lIns="91425" tIns="91425" rIns="91425" bIns="91425" anchor="t" anchorCtr="0">
+            <a:noAutofit/>
+          </a:bodyPr>
+          <a:lstStyle/>
+          <a:p>
+            <a:pPr marL="0" lvl="0" indent="0" algn="l" rtl="0">
+              <a:spcBef>
+                <a:spcPts val="0"/>
+              </a:spcBef>
+              <a:spcAft>
+                <a:spcPts val="0"/>
+              </a:spcAft>
+              <a:buNone/>
+            </a:pPr>
+            <a:endParaRPr/>
+          </a:p>
+        </p:txBody>
+      </p:sp>
+      <p:sp>
+        <p:nvSpPr>
+          <p:cNvPr id="305" name="Google Shape;305;g89c571fa45_1_52:notes"/>
+          <p:cNvSpPr>
+            <a:spLocks noGrp="1" noRot="1" noChangeAspect="1"/>
+          </p:cNvSpPr>
+          <p:nvPr>
+            <p:ph type="sldImg" idx="2"/>
+          </p:nvPr>
+        </p:nvSpPr>
+        <p:spPr>
+          <a:xfrm>
+            <a:off x="1143225" y="685800"/>
+            <a:ext cx="4572300" cy="3429000"/>
+          </a:xfrm>
+          <a:custGeom>
+            <a:avLst/>
+            <a:gdLst/>
+            <a:ahLst/>
+            <a:cxnLst/>
+            <a:rect l="l" t="t" r="r" b="b"/>
+            <a:pathLst>
+              <a:path w="120000" h="120000" extrusionOk="0">
+                <a:moveTo>
+                  <a:pt x="0" y="0"/>
+                </a:moveTo>
+                <a:lnTo>
+                  <a:pt x="120000" y="0"/>
+                </a:lnTo>
+                <a:lnTo>
+                  <a:pt x="120000" y="120000"/>
+                </a:lnTo>
+                <a:lnTo>
+                  <a:pt x="0" y="120000"/>
+                </a:lnTo>
+                <a:close/>
+              </a:path>
+            </a:pathLst>
+          </a:custGeom>
+        </p:spPr>
+      </p:sp>
+    </p:spTree>
+  </p:cSld>
+  <p:clrMapOvr>
+    <a:masterClrMapping/>
+  </p:clrMapOvr>
+</p:notes>
+</file>
+
+<file path=ppt/notesSlides/notesSlide11.xml><?xml version="1.0" encoding="utf-8"?>
+<p:notes xmlns:a="http://schemas.openxmlformats.org/drawingml/2006/main" xmlns:r="http://schemas.openxmlformats.org/officeDocument/2006/relationships" xmlns:p="http://schemas.openxmlformats.org/presentationml/2006/main" showMasterSp="0" showMasterPhAnim="0">
+  <p:cSld>
+    <p:spTree>
+      <p:nvGrpSpPr>
         <p:cNvPr id="1" name="Shape 335"/>
         <p:cNvGrpSpPr/>
         <p:nvPr/>
@@ -916,7 +1021,7 @@
 </p:notes>
 </file>
 
-<file path=ppt/notesSlides/notesSlide11.xml><?xml version="1.0" encoding="utf-8"?>
+<file path=ppt/notesSlides/notesSlide12.xml><?xml version="1.0" encoding="utf-8"?>
 <p:notes xmlns:a="http://schemas.openxmlformats.org/drawingml/2006/main" xmlns:r="http://schemas.openxmlformats.org/officeDocument/2006/relationships" xmlns:p="http://schemas.openxmlformats.org/presentationml/2006/main" showMasterSp="0" showMasterPhAnim="0">
   <p:cSld>
     <p:spTree>
@@ -1020,7 +1125,7 @@
 </p:notes>
 </file>
 
-<file path=ppt/notesSlides/notesSlide12.xml><?xml version="1.0" encoding="utf-8"?>
+<file path=ppt/notesSlides/notesSlide13.xml><?xml version="1.0" encoding="utf-8"?>
 <p:notes xmlns:a="http://schemas.openxmlformats.org/drawingml/2006/main" xmlns:r="http://schemas.openxmlformats.org/officeDocument/2006/relationships" xmlns:p="http://schemas.openxmlformats.org/presentationml/2006/main" showMasterSp="0" showMasterPhAnim="0">
   <p:cSld>
     <p:spTree>
@@ -1124,7 +1229,7 @@
 </p:notes>
 </file>
 
-<file path=ppt/notesSlides/notesSlide13.xml><?xml version="1.0" encoding="utf-8"?>
+<file path=ppt/notesSlides/notesSlide14.xml><?xml version="1.0" encoding="utf-8"?>
 <p:notes xmlns:a="http://schemas.openxmlformats.org/drawingml/2006/main" xmlns:r="http://schemas.openxmlformats.org/officeDocument/2006/relationships" xmlns:p="http://schemas.openxmlformats.org/presentationml/2006/main" showMasterSp="0" showMasterPhAnim="0">
   <p:cSld>
     <p:spTree>
@@ -1228,7 +1333,7 @@
 </p:notes>
 </file>
 
-<file path=ppt/notesSlides/notesSlide14.xml><?xml version="1.0" encoding="utf-8"?>
+<file path=ppt/notesSlides/notesSlide15.xml><?xml version="1.0" encoding="utf-8"?>
 <p:notes xmlns:a="http://schemas.openxmlformats.org/drawingml/2006/main" xmlns:r="http://schemas.openxmlformats.org/officeDocument/2006/relationships" xmlns:p="http://schemas.openxmlformats.org/presentationml/2006/main" showMasterSp="0" showMasterPhAnim="0">
   <p:cSld>
     <p:spTree>
@@ -1332,7 +1437,7 @@
 </p:notes>
 </file>
 
-<file path=ppt/notesSlides/notesSlide15.xml><?xml version="1.0" encoding="utf-8"?>
+<file path=ppt/notesSlides/notesSlide16.xml><?xml version="1.0" encoding="utf-8"?>
 <p:notes xmlns:a="http://schemas.openxmlformats.org/drawingml/2006/main" xmlns:r="http://schemas.openxmlformats.org/officeDocument/2006/relationships" xmlns:p="http://schemas.openxmlformats.org/presentationml/2006/main" showMasterSp="0" showMasterPhAnim="0">
   <p:cSld>
     <p:spTree>
@@ -1436,7 +1541,7 @@
 </p:notes>
 </file>
 
-<file path=ppt/notesSlides/notesSlide16.xml><?xml version="1.0" encoding="utf-8"?>
+<file path=ppt/notesSlides/notesSlide17.xml><?xml version="1.0" encoding="utf-8"?>
 <p:notes xmlns:a="http://schemas.openxmlformats.org/drawingml/2006/main" xmlns:r="http://schemas.openxmlformats.org/officeDocument/2006/relationships" xmlns:p="http://schemas.openxmlformats.org/presentationml/2006/main" showMasterSp="0" showMasterPhAnim="0">
   <p:cSld>
     <p:spTree>
@@ -1540,7 +1645,7 @@
 </p:notes>
 </file>
 
-<file path=ppt/notesSlides/notesSlide17.xml><?xml version="1.0" encoding="utf-8"?>
+<file path=ppt/notesSlides/notesSlide18.xml><?xml version="1.0" encoding="utf-8"?>
 <p:notes xmlns:a="http://schemas.openxmlformats.org/drawingml/2006/main" xmlns:r="http://schemas.openxmlformats.org/officeDocument/2006/relationships" xmlns:p="http://schemas.openxmlformats.org/presentationml/2006/main" showMasterSp="0" showMasterPhAnim="0">
   <p:cSld>
     <p:spTree>
@@ -1644,7 +1749,7 @@
 </p:notes>
 </file>
 
-<file path=ppt/notesSlides/notesSlide18.xml><?xml version="1.0" encoding="utf-8"?>
+<file path=ppt/notesSlides/notesSlide19.xml><?xml version="1.0" encoding="utf-8"?>
 <p:notes xmlns:a="http://schemas.openxmlformats.org/drawingml/2006/main" xmlns:r="http://schemas.openxmlformats.org/officeDocument/2006/relationships" xmlns:p="http://schemas.openxmlformats.org/presentationml/2006/main" showMasterSp="0" showMasterPhAnim="0">
   <p:cSld>
     <p:spTree>
@@ -2023,8 +2128,8 @@
         </p:nvSpPr>
         <p:spPr>
           <a:xfrm>
-            <a:off x="1143225" y="685800"/>
-            <a:ext cx="4572225" cy="3429000"/>
+            <a:off x="381000" y="685800"/>
+            <a:ext cx="6096000" cy="3429000"/>
           </a:xfrm>
           <a:custGeom>
             <a:avLst/>
@@ -2061,6 +2166,115 @@
 </file>
 
 <file path=ppt/notesSlides/notesSlide5.xml><?xml version="1.0" encoding="utf-8"?>
+<p:notes xmlns:a="http://schemas.openxmlformats.org/drawingml/2006/main" xmlns:r="http://schemas.openxmlformats.org/officeDocument/2006/relationships" xmlns:p="http://schemas.openxmlformats.org/presentationml/2006/main" showMasterSp="0" showMasterPhAnim="0">
+  <p:cSld>
+    <p:spTree>
+      <p:nvGrpSpPr>
+        <p:cNvPr id="1" name="Shape 147"/>
+        <p:cNvGrpSpPr/>
+        <p:nvPr/>
+      </p:nvGrpSpPr>
+      <p:grpSpPr>
+        <a:xfrm>
+          <a:off x="0" y="0"/>
+          <a:ext cx="0" cy="0"/>
+          <a:chOff x="0" y="0"/>
+          <a:chExt cx="0" cy="0"/>
+        </a:xfrm>
+      </p:grpSpPr>
+      <p:sp>
+        <p:nvSpPr>
+          <p:cNvPr id="148" name="Google Shape;148;p4:notes"/>
+          <p:cNvSpPr txBox="1">
+            <a:spLocks noGrp="1"/>
+          </p:cNvSpPr>
+          <p:nvPr>
+            <p:ph type="body" idx="1"/>
+          </p:nvPr>
+        </p:nvSpPr>
+        <p:spPr>
+          <a:xfrm>
+            <a:off x="685800" y="4343400"/>
+            <a:ext cx="5486400" cy="4114800"/>
+          </a:xfrm>
+          <a:prstGeom prst="rect">
+            <a:avLst/>
+          </a:prstGeom>
+        </p:spPr>
+        <p:txBody>
+          <a:bodyPr spcFirstLastPara="1" wrap="square" lIns="91425" tIns="91425" rIns="91425" bIns="91425" anchor="t" anchorCtr="0">
+            <a:noAutofit/>
+          </a:bodyPr>
+          <a:lstStyle/>
+          <a:p>
+            <a:pPr marL="0" lvl="0" indent="0" algn="l" rtl="0">
+              <a:spcBef>
+                <a:spcPts val="0"/>
+              </a:spcBef>
+              <a:spcAft>
+                <a:spcPts val="0"/>
+              </a:spcAft>
+              <a:buNone/>
+            </a:pPr>
+            <a:endParaRPr/>
+          </a:p>
+        </p:txBody>
+      </p:sp>
+      <p:sp>
+        <p:nvSpPr>
+          <p:cNvPr id="149" name="Google Shape;149;p4:notes"/>
+          <p:cNvSpPr>
+            <a:spLocks noGrp="1" noRot="1" noChangeAspect="1"/>
+          </p:cNvSpPr>
+          <p:nvPr>
+            <p:ph type="sldImg" idx="2"/>
+          </p:nvPr>
+        </p:nvSpPr>
+        <p:spPr>
+          <a:xfrm>
+            <a:off x="1143225" y="685800"/>
+            <a:ext cx="4572225" cy="3429000"/>
+          </a:xfrm>
+          <a:custGeom>
+            <a:avLst/>
+            <a:gdLst/>
+            <a:ahLst/>
+            <a:cxnLst/>
+            <a:rect l="l" t="t" r="r" b="b"/>
+            <a:pathLst>
+              <a:path w="120000" h="120000" extrusionOk="0">
+                <a:moveTo>
+                  <a:pt x="0" y="0"/>
+                </a:moveTo>
+                <a:lnTo>
+                  <a:pt x="120000" y="0"/>
+                </a:lnTo>
+                <a:lnTo>
+                  <a:pt x="120000" y="120000"/>
+                </a:lnTo>
+                <a:lnTo>
+                  <a:pt x="0" y="120000"/>
+                </a:lnTo>
+                <a:close/>
+              </a:path>
+            </a:pathLst>
+          </a:custGeom>
+        </p:spPr>
+      </p:sp>
+    </p:spTree>
+    <p:extLst>
+      <p:ext uri="{BB962C8B-B14F-4D97-AF65-F5344CB8AC3E}">
+        <p14:creationId xmlns:p14="http://schemas.microsoft.com/office/powerpoint/2010/main" val="1566719626"/>
+      </p:ext>
+    </p:extLst>
+  </p:cSld>
+  <p:clrMapOvr>
+    <a:masterClrMapping/>
+  </p:clrMapOvr>
+</p:notes>
+</file>
+
+<file path=ppt/notesSlides/notesSlide6.xml><?xml version="1.0" encoding="utf-8"?>
 <p:notes xmlns:a="http://schemas.openxmlformats.org/drawingml/2006/main" xmlns:r="http://schemas.openxmlformats.org/officeDocument/2006/relationships" xmlns:p="http://schemas.openxmlformats.org/presentationml/2006/main" showMasterSp="0" showMasterPhAnim="0">
   <p:cSld>
     <p:spTree>
@@ -2164,7 +2378,7 @@
 </p:notes>
 </file>
 
-<file path=ppt/notesSlides/notesSlide6.xml><?xml version="1.0" encoding="utf-8"?>
+<file path=ppt/notesSlides/notesSlide7.xml><?xml version="1.0" encoding="utf-8"?>
 <p:notes xmlns:a="http://schemas.openxmlformats.org/drawingml/2006/main" xmlns:r="http://schemas.openxmlformats.org/officeDocument/2006/relationships" xmlns:p="http://schemas.openxmlformats.org/presentationml/2006/main" showMasterSp="0" showMasterPhAnim="0">
   <p:cSld>
     <p:spTree>
@@ -2268,7 +2482,7 @@
 </p:notes>
 </file>
 
-<file path=ppt/notesSlides/notesSlide7.xml><?xml version="1.0" encoding="utf-8"?>
+<file path=ppt/notesSlides/notesSlide8.xml><?xml version="1.0" encoding="utf-8"?>
 <p:notes xmlns:a="http://schemas.openxmlformats.org/drawingml/2006/main" xmlns:r="http://schemas.openxmlformats.org/officeDocument/2006/relationships" xmlns:p="http://schemas.openxmlformats.org/presentationml/2006/main" showMasterSp="0" showMasterPhAnim="0">
   <p:cSld>
     <p:spTree>
@@ -2372,7 +2586,7 @@
 </p:notes>
 </file>
 
-<file path=ppt/notesSlides/notesSlide8.xml><?xml version="1.0" encoding="utf-8"?>
+<file path=ppt/notesSlides/notesSlide9.xml><?xml version="1.0" encoding="utf-8"?>
 <p:notes xmlns:a="http://schemas.openxmlformats.org/drawingml/2006/main" xmlns:r="http://schemas.openxmlformats.org/officeDocument/2006/relationships" xmlns:p="http://schemas.openxmlformats.org/presentationml/2006/main" showMasterSp="0" showMasterPhAnim="0">
   <p:cSld>
     <p:spTree>
@@ -2430,110 +2644,6 @@
       <p:sp>
         <p:nvSpPr>
           <p:cNvPr id="284" name="Google Shape;284;g89c571fa45_1_298:notes"/>
-          <p:cNvSpPr>
-            <a:spLocks noGrp="1" noRot="1" noChangeAspect="1"/>
-          </p:cNvSpPr>
-          <p:nvPr>
-            <p:ph type="sldImg" idx="2"/>
-          </p:nvPr>
-        </p:nvSpPr>
-        <p:spPr>
-          <a:xfrm>
-            <a:off x="1143225" y="685800"/>
-            <a:ext cx="4572300" cy="3429000"/>
-          </a:xfrm>
-          <a:custGeom>
-            <a:avLst/>
-            <a:gdLst/>
-            <a:ahLst/>
-            <a:cxnLst/>
-            <a:rect l="l" t="t" r="r" b="b"/>
-            <a:pathLst>
-              <a:path w="120000" h="120000" extrusionOk="0">
-                <a:moveTo>
-                  <a:pt x="0" y="0"/>
-                </a:moveTo>
-                <a:lnTo>
-                  <a:pt x="120000" y="0"/>
-                </a:lnTo>
-                <a:lnTo>
-                  <a:pt x="120000" y="120000"/>
-                </a:lnTo>
-                <a:lnTo>
-                  <a:pt x="0" y="120000"/>
-                </a:lnTo>
-                <a:close/>
-              </a:path>
-            </a:pathLst>
-          </a:custGeom>
-        </p:spPr>
-      </p:sp>
-    </p:spTree>
-  </p:cSld>
-  <p:clrMapOvr>
-    <a:masterClrMapping/>
-  </p:clrMapOvr>
-</p:notes>
-</file>
-
-<file path=ppt/notesSlides/notesSlide9.xml><?xml version="1.0" encoding="utf-8"?>
-<p:notes xmlns:a="http://schemas.openxmlformats.org/drawingml/2006/main" xmlns:r="http://schemas.openxmlformats.org/officeDocument/2006/relationships" xmlns:p="http://schemas.openxmlformats.org/presentationml/2006/main" showMasterSp="0" showMasterPhAnim="0">
-  <p:cSld>
-    <p:spTree>
-      <p:nvGrpSpPr>
-        <p:cNvPr id="1" name="Shape 303"/>
-        <p:cNvGrpSpPr/>
-        <p:nvPr/>
-      </p:nvGrpSpPr>
-      <p:grpSpPr>
-        <a:xfrm>
-          <a:off x="0" y="0"/>
-          <a:ext cx="0" cy="0"/>
-          <a:chOff x="0" y="0"/>
-          <a:chExt cx="0" cy="0"/>
-        </a:xfrm>
-      </p:grpSpPr>
-      <p:sp>
-        <p:nvSpPr>
-          <p:cNvPr id="304" name="Google Shape;304;g89c571fa45_1_52:notes"/>
-          <p:cNvSpPr txBox="1">
-            <a:spLocks noGrp="1"/>
-          </p:cNvSpPr>
-          <p:nvPr>
-            <p:ph type="body" idx="1"/>
-          </p:nvPr>
-        </p:nvSpPr>
-        <p:spPr>
-          <a:xfrm>
-            <a:off x="685800" y="4343400"/>
-            <a:ext cx="5486400" cy="4114800"/>
-          </a:xfrm>
-          <a:prstGeom prst="rect">
-            <a:avLst/>
-          </a:prstGeom>
-        </p:spPr>
-        <p:txBody>
-          <a:bodyPr spcFirstLastPara="1" wrap="square" lIns="91425" tIns="91425" rIns="91425" bIns="91425" anchor="t" anchorCtr="0">
-            <a:noAutofit/>
-          </a:bodyPr>
-          <a:lstStyle/>
-          <a:p>
-            <a:pPr marL="0" lvl="0" indent="0" algn="l" rtl="0">
-              <a:spcBef>
-                <a:spcPts val="0"/>
-              </a:spcBef>
-              <a:spcAft>
-                <a:spcPts val="0"/>
-              </a:spcAft>
-              <a:buNone/>
-            </a:pPr>
-            <a:endParaRPr/>
-          </a:p>
-        </p:txBody>
-      </p:sp>
-      <p:sp>
-        <p:nvSpPr>
-          <p:cNvPr id="305" name="Google Shape;305;g89c571fa45_1_52:notes"/>
           <p:cNvSpPr>
             <a:spLocks noGrp="1" noRot="1" noChangeAspect="1"/>
           </p:cNvSpPr>
@@ -16410,7 +16520,7 @@
               <a:buNone/>
             </a:pPr>
             <a:r>
-              <a:rPr lang="ja-JP" sz="2960">
+              <a:rPr lang="ja-JP" sz="2960" dirty="0">
                 <a:latin typeface="Meiryo"/>
                 <a:ea typeface="Meiryo"/>
                 <a:cs typeface="Meiryo"/>
@@ -16419,7 +16529,7 @@
               <a:t>Team : </a:t>
             </a:r>
             <a:r>
-              <a:rPr lang="ja-JP" sz="2960" b="1">
+              <a:rPr lang="ja-JP" sz="2960" b="1" dirty="0">
                 <a:latin typeface="Meiryo"/>
                 <a:ea typeface="Meiryo"/>
                 <a:cs typeface="Meiryo"/>
@@ -16427,7 +16537,7 @@
               </a:rPr>
               <a:t>SHOCK</a:t>
             </a:r>
-            <a:endParaRPr>
+            <a:endParaRPr dirty="0">
               <a:latin typeface="Meiryo"/>
               <a:ea typeface="Meiryo"/>
               <a:cs typeface="Meiryo"/>
@@ -16452,7 +16562,7 @@
               <a:buNone/>
             </a:pPr>
             <a:r>
-              <a:rPr lang="ja-JP" sz="2590" b="1">
+              <a:rPr lang="ja-JP" sz="2590" b="1" dirty="0">
                 <a:solidFill>
                   <a:srgbClr val="00B0F0"/>
                 </a:solidFill>
@@ -16464,7 +16574,7 @@
               <a:t>S</a:t>
             </a:r>
             <a:r>
-              <a:rPr lang="ja-JP" sz="2590">
+              <a:rPr lang="ja-JP" sz="2590" dirty="0">
                 <a:latin typeface="Meiryo"/>
                 <a:ea typeface="Meiryo"/>
                 <a:cs typeface="Meiryo"/>
@@ -16473,7 +16583,7 @@
               <a:t>uzuki・</a:t>
             </a:r>
             <a:r>
-              <a:rPr lang="ja-JP" sz="2590" b="1">
+              <a:rPr lang="ja-JP" sz="2590" b="1" dirty="0">
                 <a:solidFill>
                   <a:srgbClr val="00B0F0"/>
                 </a:solidFill>
@@ -16485,7 +16595,7 @@
               <a:t>H</a:t>
             </a:r>
             <a:r>
-              <a:rPr lang="ja-JP" sz="2590">
+              <a:rPr lang="ja-JP" sz="2590" dirty="0">
                 <a:latin typeface="Meiryo"/>
                 <a:ea typeface="Meiryo"/>
                 <a:cs typeface="Meiryo"/>
@@ -16494,7 +16604,7 @@
               <a:t>ideta・</a:t>
             </a:r>
             <a:r>
-              <a:rPr lang="ja-JP" sz="2590" b="1">
+              <a:rPr lang="ja-JP" sz="2590" b="1" dirty="0">
                 <a:solidFill>
                   <a:srgbClr val="00B0F0"/>
                 </a:solidFill>
@@ -16506,7 +16616,7 @@
               <a:t>O</a:t>
             </a:r>
             <a:r>
-              <a:rPr lang="ja-JP" sz="2590">
+              <a:rPr lang="ja-JP" sz="2590" dirty="0">
                 <a:latin typeface="Meiryo"/>
                 <a:ea typeface="Meiryo"/>
                 <a:cs typeface="Meiryo"/>
@@ -16515,7 +16625,7 @@
               <a:t>ishi・</a:t>
             </a:r>
             <a:r>
-              <a:rPr lang="ja-JP" sz="2590" b="1">
+              <a:rPr lang="ja-JP" sz="2590" b="1" dirty="0">
                 <a:solidFill>
                   <a:srgbClr val="00B0F0"/>
                 </a:solidFill>
@@ -16527,7 +16637,7 @@
               <a:t>C</a:t>
             </a:r>
             <a:r>
-              <a:rPr lang="ja-JP" sz="2590">
+              <a:rPr lang="ja-JP" sz="2590" dirty="0">
                 <a:latin typeface="Meiryo"/>
                 <a:ea typeface="Meiryo"/>
                 <a:cs typeface="Meiryo"/>
@@ -16536,7 +16646,7 @@
               <a:t>hino・</a:t>
             </a:r>
             <a:r>
-              <a:rPr lang="ja-JP" sz="2590" b="1">
+              <a:rPr lang="ja-JP" sz="2590" b="1" dirty="0">
                 <a:solidFill>
                   <a:srgbClr val="00B0F0"/>
                 </a:solidFill>
@@ -16548,7 +16658,7 @@
               <a:t>K</a:t>
             </a:r>
             <a:r>
-              <a:rPr lang="ja-JP" sz="2590">
+              <a:rPr lang="ja-JP" sz="2590" dirty="0">
                 <a:latin typeface="Meiryo"/>
                 <a:ea typeface="Meiryo"/>
                 <a:cs typeface="Meiryo"/>
@@ -16556,7 +16666,7 @@
               </a:rPr>
               <a:t>awabe</a:t>
             </a:r>
-            <a:endParaRPr sz="2590">
+            <a:endParaRPr sz="2590" dirty="0">
               <a:latin typeface="Meiryo"/>
               <a:ea typeface="Meiryo"/>
               <a:cs typeface="Meiryo"/>
@@ -16775,6 +16885,1794 @@
 </file>
 
 <file path=ppt/slides/slide10.xml><?xml version="1.0" encoding="utf-8"?>
+<p:sld xmlns:a="http://schemas.openxmlformats.org/drawingml/2006/main" xmlns:r="http://schemas.openxmlformats.org/officeDocument/2006/relationships" xmlns:p="http://schemas.openxmlformats.org/presentationml/2006/main">
+  <p:cSld>
+    <p:bg>
+      <p:bgPr>
+        <a:solidFill>
+          <a:srgbClr val="3F3F3F"/>
+        </a:solidFill>
+        <a:effectLst/>
+      </p:bgPr>
+    </p:bg>
+    <p:spTree>
+      <p:nvGrpSpPr>
+        <p:cNvPr id="1" name="Shape 306"/>
+        <p:cNvGrpSpPr/>
+        <p:nvPr/>
+      </p:nvGrpSpPr>
+      <p:grpSpPr>
+        <a:xfrm>
+          <a:off x="0" y="0"/>
+          <a:ext cx="0" cy="0"/>
+          <a:chOff x="0" y="0"/>
+          <a:chExt cx="0" cy="0"/>
+        </a:xfrm>
+      </p:grpSpPr>
+      <p:sp>
+        <p:nvSpPr>
+          <p:cNvPr id="307" name="Google Shape;307;g89c571fa45_1_52"/>
+          <p:cNvSpPr txBox="1">
+            <a:spLocks noGrp="1"/>
+          </p:cNvSpPr>
+          <p:nvPr>
+            <p:ph type="title"/>
+          </p:nvPr>
+        </p:nvSpPr>
+        <p:spPr>
+          <a:xfrm>
+            <a:off x="838200" y="365000"/>
+            <a:ext cx="10515600" cy="1325700"/>
+          </a:xfrm>
+          <a:prstGeom prst="rect">
+            <a:avLst/>
+          </a:prstGeom>
+          <a:noFill/>
+          <a:ln>
+            <a:noFill/>
+          </a:ln>
+        </p:spPr>
+        <p:txBody>
+          <a:bodyPr spcFirstLastPara="1" wrap="square" lIns="91425" tIns="45700" rIns="91425" bIns="45700" anchor="ctr" anchorCtr="0">
+            <a:noAutofit/>
+          </a:bodyPr>
+          <a:lstStyle/>
+          <a:p>
+            <a:pPr marL="0" lvl="0" indent="0" algn="l" rtl="0">
+              <a:lnSpc>
+                <a:spcPct val="90000"/>
+              </a:lnSpc>
+              <a:spcBef>
+                <a:spcPts val="0"/>
+              </a:spcBef>
+              <a:spcAft>
+                <a:spcPts val="0"/>
+              </a:spcAft>
+              <a:buClr>
+                <a:schemeClr val="lt1"/>
+              </a:buClr>
+              <a:buSzPts val="4400"/>
+              <a:buFont typeface="Calibri"/>
+              <a:buNone/>
+            </a:pPr>
+            <a:r>
+              <a:rPr lang="ja-JP" b="1">
+                <a:solidFill>
+                  <a:schemeClr val="lt1"/>
+                </a:solidFill>
+              </a:rPr>
+              <a:t>工夫点</a:t>
+            </a:r>
+            <a:endParaRPr/>
+          </a:p>
+        </p:txBody>
+      </p:sp>
+      <p:sp>
+        <p:nvSpPr>
+          <p:cNvPr id="308" name="Google Shape;308;g89c571fa45_1_52"/>
+          <p:cNvSpPr txBox="1">
+            <a:spLocks noGrp="1"/>
+          </p:cNvSpPr>
+          <p:nvPr>
+            <p:ph type="body" idx="1"/>
+          </p:nvPr>
+        </p:nvSpPr>
+        <p:spPr>
+          <a:xfrm>
+            <a:off x="838200" y="1825625"/>
+            <a:ext cx="10515600" cy="4351200"/>
+          </a:xfrm>
+          <a:prstGeom prst="rect">
+            <a:avLst/>
+          </a:prstGeom>
+          <a:noFill/>
+          <a:ln>
+            <a:noFill/>
+          </a:ln>
+        </p:spPr>
+        <p:txBody>
+          <a:bodyPr spcFirstLastPara="1" wrap="square" lIns="91425" tIns="45700" rIns="91425" bIns="45700" anchor="t" anchorCtr="0">
+            <a:noAutofit/>
+          </a:bodyPr>
+          <a:lstStyle/>
+          <a:p>
+            <a:pPr marL="228600" lvl="0" indent="-50800" algn="l" rtl="0">
+              <a:lnSpc>
+                <a:spcPct val="90000"/>
+              </a:lnSpc>
+              <a:spcBef>
+                <a:spcPts val="0"/>
+              </a:spcBef>
+              <a:spcAft>
+                <a:spcPts val="0"/>
+              </a:spcAft>
+              <a:buClr>
+                <a:schemeClr val="dk1"/>
+              </a:buClr>
+              <a:buSzPts val="2800"/>
+              <a:buNone/>
+            </a:pPr>
+            <a:endParaRPr/>
+          </a:p>
+        </p:txBody>
+      </p:sp>
+      <p:sp>
+        <p:nvSpPr>
+          <p:cNvPr id="309" name="Google Shape;309;g89c571fa45_1_52"/>
+          <p:cNvSpPr/>
+          <p:nvPr/>
+        </p:nvSpPr>
+        <p:spPr>
+          <a:xfrm>
+            <a:off x="0" y="1690689"/>
+            <a:ext cx="12192000" cy="5167200"/>
+          </a:xfrm>
+          <a:prstGeom prst="roundRect">
+            <a:avLst>
+              <a:gd name="adj" fmla="val 15977"/>
+            </a:avLst>
+          </a:prstGeom>
+          <a:solidFill>
+            <a:srgbClr val="D9D9D9"/>
+          </a:solidFill>
+          <a:ln>
+            <a:noFill/>
+          </a:ln>
+        </p:spPr>
+        <p:txBody>
+          <a:bodyPr spcFirstLastPara="1" wrap="square" lIns="91425" tIns="45700" rIns="91425" bIns="45700" anchor="ctr" anchorCtr="0">
+            <a:noAutofit/>
+          </a:bodyPr>
+          <a:lstStyle/>
+          <a:p>
+            <a:pPr marL="0" marR="0" lvl="0" indent="0" algn="ctr" rtl="0">
+              <a:spcBef>
+                <a:spcPts val="0"/>
+              </a:spcBef>
+              <a:spcAft>
+                <a:spcPts val="0"/>
+              </a:spcAft>
+              <a:buNone/>
+            </a:pPr>
+            <a:endParaRPr sz="1800" b="0" i="0" u="none" strike="noStrike" cap="none">
+              <a:solidFill>
+                <a:schemeClr val="lt1"/>
+              </a:solidFill>
+              <a:latin typeface="Calibri"/>
+              <a:ea typeface="Calibri"/>
+              <a:cs typeface="Calibri"/>
+              <a:sym typeface="Calibri"/>
+            </a:endParaRPr>
+          </a:p>
+        </p:txBody>
+      </p:sp>
+      <p:sp>
+        <p:nvSpPr>
+          <p:cNvPr id="310" name="Google Shape;310;g89c571fa45_1_52"/>
+          <p:cNvSpPr/>
+          <p:nvPr/>
+        </p:nvSpPr>
+        <p:spPr>
+          <a:xfrm>
+            <a:off x="0" y="1825626"/>
+            <a:ext cx="12192000" cy="5032500"/>
+          </a:xfrm>
+          <a:prstGeom prst="roundRect">
+            <a:avLst>
+              <a:gd name="adj" fmla="val 18344"/>
+            </a:avLst>
+          </a:prstGeom>
+          <a:solidFill>
+            <a:srgbClr val="F7F7F7"/>
+          </a:solidFill>
+          <a:ln>
+            <a:noFill/>
+          </a:ln>
+        </p:spPr>
+        <p:txBody>
+          <a:bodyPr spcFirstLastPara="1" wrap="square" lIns="91425" tIns="45700" rIns="91425" bIns="45700" anchor="ctr" anchorCtr="0">
+            <a:noAutofit/>
+          </a:bodyPr>
+          <a:lstStyle/>
+          <a:p>
+            <a:pPr marL="0" marR="0" lvl="0" indent="0" algn="ctr" rtl="0">
+              <a:spcBef>
+                <a:spcPts val="0"/>
+              </a:spcBef>
+              <a:spcAft>
+                <a:spcPts val="0"/>
+              </a:spcAft>
+              <a:buNone/>
+            </a:pPr>
+            <a:endParaRPr sz="1800" b="0" i="0" u="none" strike="noStrike" cap="none">
+              <a:solidFill>
+                <a:schemeClr val="lt1"/>
+              </a:solidFill>
+              <a:latin typeface="Calibri"/>
+              <a:ea typeface="Calibri"/>
+              <a:cs typeface="Calibri"/>
+              <a:sym typeface="Calibri"/>
+            </a:endParaRPr>
+          </a:p>
+        </p:txBody>
+      </p:sp>
+      <p:sp>
+        <p:nvSpPr>
+          <p:cNvPr id="311" name="Google Shape;311;g89c571fa45_1_52"/>
+          <p:cNvSpPr/>
+          <p:nvPr/>
+        </p:nvSpPr>
+        <p:spPr>
+          <a:xfrm>
+            <a:off x="0" y="5993027"/>
+            <a:ext cx="12192000" cy="864900"/>
+          </a:xfrm>
+          <a:prstGeom prst="rect">
+            <a:avLst/>
+          </a:prstGeom>
+          <a:solidFill>
+            <a:srgbClr val="F7F7F7"/>
+          </a:solidFill>
+          <a:ln>
+            <a:noFill/>
+          </a:ln>
+        </p:spPr>
+        <p:txBody>
+          <a:bodyPr spcFirstLastPara="1" wrap="square" lIns="91425" tIns="45700" rIns="91425" bIns="45700" anchor="ctr" anchorCtr="0">
+            <a:noAutofit/>
+          </a:bodyPr>
+          <a:lstStyle/>
+          <a:p>
+            <a:pPr marL="0" marR="0" lvl="0" indent="0" algn="ctr" rtl="0">
+              <a:spcBef>
+                <a:spcPts val="0"/>
+              </a:spcBef>
+              <a:spcAft>
+                <a:spcPts val="0"/>
+              </a:spcAft>
+              <a:buNone/>
+            </a:pPr>
+            <a:endParaRPr sz="1800" b="0" i="0" u="none" strike="noStrike" cap="none">
+              <a:solidFill>
+                <a:schemeClr val="lt1"/>
+              </a:solidFill>
+              <a:latin typeface="Calibri"/>
+              <a:ea typeface="Calibri"/>
+              <a:cs typeface="Calibri"/>
+              <a:sym typeface="Calibri"/>
+            </a:endParaRPr>
+          </a:p>
+        </p:txBody>
+      </p:sp>
+      <p:grpSp>
+        <p:nvGrpSpPr>
+          <p:cNvPr id="312" name="Google Shape;312;g89c571fa45_1_52"/>
+          <p:cNvGrpSpPr/>
+          <p:nvPr/>
+        </p:nvGrpSpPr>
+        <p:grpSpPr>
+          <a:xfrm rot="-2819133">
+            <a:off x="10264304" y="5249251"/>
+            <a:ext cx="1986003" cy="1049930"/>
+            <a:chOff x="9674942" y="5386312"/>
+            <a:chExt cx="1985953" cy="1049904"/>
+          </a:xfrm>
+        </p:grpSpPr>
+        <p:sp>
+          <p:nvSpPr>
+            <p:cNvPr id="313" name="Google Shape;313;g89c571fa45_1_52"/>
+            <p:cNvSpPr/>
+            <p:nvPr/>
+          </p:nvSpPr>
+          <p:spPr>
+            <a:xfrm>
+              <a:off x="9674942" y="5619135"/>
+              <a:ext cx="501300" cy="811200"/>
+            </a:xfrm>
+            <a:prstGeom prst="roundRect">
+              <a:avLst>
+                <a:gd name="adj" fmla="val 32825"/>
+              </a:avLst>
+            </a:prstGeom>
+            <a:noFill/>
+            <a:ln w="57150" cap="flat" cmpd="sng">
+              <a:solidFill>
+                <a:srgbClr val="31538F"/>
+              </a:solidFill>
+              <a:prstDash val="solid"/>
+              <a:miter lim="800000"/>
+              <a:headEnd type="none" w="sm" len="sm"/>
+              <a:tailEnd type="none" w="sm" len="sm"/>
+            </a:ln>
+          </p:spPr>
+          <p:txBody>
+            <a:bodyPr spcFirstLastPara="1" wrap="square" lIns="91425" tIns="45700" rIns="91425" bIns="45700" anchor="ctr" anchorCtr="0">
+              <a:noAutofit/>
+            </a:bodyPr>
+            <a:lstStyle/>
+            <a:p>
+              <a:pPr marL="0" marR="0" lvl="0" indent="0" algn="ctr" rtl="0">
+                <a:lnSpc>
+                  <a:spcPct val="100000"/>
+                </a:lnSpc>
+                <a:spcBef>
+                  <a:spcPts val="0"/>
+                </a:spcBef>
+                <a:spcAft>
+                  <a:spcPts val="0"/>
+                </a:spcAft>
+                <a:buClr>
+                  <a:schemeClr val="lt1"/>
+                </a:buClr>
+                <a:buSzPts val="1800"/>
+                <a:buFont typeface="Calibri"/>
+                <a:buNone/>
+              </a:pPr>
+              <a:endParaRPr sz="1800" b="0" i="0" u="none" strike="noStrike" cap="none">
+                <a:solidFill>
+                  <a:srgbClr val="FFFFFF"/>
+                </a:solidFill>
+                <a:latin typeface="Calibri"/>
+                <a:ea typeface="Calibri"/>
+                <a:cs typeface="Calibri"/>
+                <a:sym typeface="Calibri"/>
+              </a:endParaRPr>
+            </a:p>
+          </p:txBody>
+        </p:sp>
+        <p:sp>
+          <p:nvSpPr>
+            <p:cNvPr id="314" name="Google Shape;314;g89c571fa45_1_52"/>
+            <p:cNvSpPr/>
+            <p:nvPr/>
+          </p:nvSpPr>
+          <p:spPr>
+            <a:xfrm>
+              <a:off x="10176387" y="5625016"/>
+              <a:ext cx="1190100" cy="811200"/>
+            </a:xfrm>
+            <a:prstGeom prst="roundRect">
+              <a:avLst>
+                <a:gd name="adj" fmla="val 15702"/>
+              </a:avLst>
+            </a:prstGeom>
+            <a:noFill/>
+            <a:ln w="57150" cap="flat" cmpd="sng">
+              <a:solidFill>
+                <a:srgbClr val="31538F"/>
+              </a:solidFill>
+              <a:prstDash val="solid"/>
+              <a:miter lim="800000"/>
+              <a:headEnd type="none" w="sm" len="sm"/>
+              <a:tailEnd type="none" w="sm" len="sm"/>
+            </a:ln>
+          </p:spPr>
+          <p:txBody>
+            <a:bodyPr spcFirstLastPara="1" wrap="square" lIns="91425" tIns="45700" rIns="91425" bIns="45700" anchor="ctr" anchorCtr="0">
+              <a:noAutofit/>
+            </a:bodyPr>
+            <a:lstStyle/>
+            <a:p>
+              <a:pPr marL="0" marR="0" lvl="0" indent="0" algn="ctr" rtl="0">
+                <a:lnSpc>
+                  <a:spcPct val="100000"/>
+                </a:lnSpc>
+                <a:spcBef>
+                  <a:spcPts val="0"/>
+                </a:spcBef>
+                <a:spcAft>
+                  <a:spcPts val="0"/>
+                </a:spcAft>
+                <a:buClr>
+                  <a:schemeClr val="lt1"/>
+                </a:buClr>
+                <a:buSzPts val="1800"/>
+                <a:buFont typeface="Calibri"/>
+                <a:buNone/>
+              </a:pPr>
+              <a:endParaRPr sz="1800" b="0" i="0" u="none" strike="noStrike" cap="none">
+                <a:solidFill>
+                  <a:srgbClr val="FFFFFF"/>
+                </a:solidFill>
+                <a:latin typeface="Calibri"/>
+                <a:ea typeface="Calibri"/>
+                <a:cs typeface="Calibri"/>
+                <a:sym typeface="Calibri"/>
+              </a:endParaRPr>
+            </a:p>
+          </p:txBody>
+        </p:sp>
+        <p:sp>
+          <p:nvSpPr>
+            <p:cNvPr id="315" name="Google Shape;315;g89c571fa45_1_52"/>
+            <p:cNvSpPr/>
+            <p:nvPr/>
+          </p:nvSpPr>
+          <p:spPr>
+            <a:xfrm>
+              <a:off x="10989120" y="5619134"/>
+              <a:ext cx="377100" cy="399600"/>
+            </a:xfrm>
+            <a:prstGeom prst="roundRect">
+              <a:avLst>
+                <a:gd name="adj" fmla="val 15702"/>
+              </a:avLst>
+            </a:prstGeom>
+            <a:noFill/>
+            <a:ln w="57150" cap="flat" cmpd="sng">
+              <a:solidFill>
+                <a:srgbClr val="31538F"/>
+              </a:solidFill>
+              <a:prstDash val="solid"/>
+              <a:miter lim="800000"/>
+              <a:headEnd type="none" w="sm" len="sm"/>
+              <a:tailEnd type="none" w="sm" len="sm"/>
+            </a:ln>
+          </p:spPr>
+          <p:txBody>
+            <a:bodyPr spcFirstLastPara="1" wrap="square" lIns="91425" tIns="45700" rIns="91425" bIns="45700" anchor="ctr" anchorCtr="0">
+              <a:noAutofit/>
+            </a:bodyPr>
+            <a:lstStyle/>
+            <a:p>
+              <a:pPr marL="0" marR="0" lvl="0" indent="0" algn="ctr" rtl="0">
+                <a:lnSpc>
+                  <a:spcPct val="100000"/>
+                </a:lnSpc>
+                <a:spcBef>
+                  <a:spcPts val="0"/>
+                </a:spcBef>
+                <a:spcAft>
+                  <a:spcPts val="0"/>
+                </a:spcAft>
+                <a:buClr>
+                  <a:schemeClr val="lt1"/>
+                </a:buClr>
+                <a:buSzPts val="1800"/>
+                <a:buFont typeface="Calibri"/>
+                <a:buNone/>
+              </a:pPr>
+              <a:endParaRPr sz="1800" b="0" i="0" u="none" strike="noStrike" cap="none">
+                <a:solidFill>
+                  <a:srgbClr val="FFFFFF"/>
+                </a:solidFill>
+                <a:latin typeface="Calibri"/>
+                <a:ea typeface="Calibri"/>
+                <a:cs typeface="Calibri"/>
+                <a:sym typeface="Calibri"/>
+              </a:endParaRPr>
+            </a:p>
+          </p:txBody>
+        </p:sp>
+        <p:cxnSp>
+          <p:nvCxnSpPr>
+            <p:cNvPr id="316" name="Google Shape;316;g89c571fa45_1_52"/>
+            <p:cNvCxnSpPr/>
+            <p:nvPr/>
+          </p:nvCxnSpPr>
+          <p:spPr>
+            <a:xfrm>
+              <a:off x="10989120" y="5619134"/>
+              <a:ext cx="377100" cy="399600"/>
+            </a:xfrm>
+            <a:prstGeom prst="straightConnector1">
+              <a:avLst/>
+            </a:prstGeom>
+            <a:noFill/>
+            <a:ln w="57150" cap="flat" cmpd="sng">
+              <a:solidFill>
+                <a:srgbClr val="2F528F"/>
+              </a:solidFill>
+              <a:prstDash val="solid"/>
+              <a:miter lim="800000"/>
+              <a:headEnd type="none" w="sm" len="sm"/>
+              <a:tailEnd type="none" w="sm" len="sm"/>
+            </a:ln>
+          </p:spPr>
+        </p:cxnSp>
+        <p:sp>
+          <p:nvSpPr>
+            <p:cNvPr id="317" name="Google Shape;317;g89c571fa45_1_52"/>
+            <p:cNvSpPr/>
+            <p:nvPr/>
+          </p:nvSpPr>
+          <p:spPr>
+            <a:xfrm rot="2831773">
+              <a:off x="11000331" y="5581039"/>
+              <a:ext cx="658730" cy="292746"/>
+            </a:xfrm>
+            <a:prstGeom prst="rect">
+              <a:avLst/>
+            </a:prstGeom>
+            <a:solidFill>
+              <a:srgbClr val="F7F7F7"/>
+            </a:solidFill>
+            <a:ln>
+              <a:noFill/>
+            </a:ln>
+          </p:spPr>
+          <p:txBody>
+            <a:bodyPr spcFirstLastPara="1" wrap="square" lIns="91425" tIns="45700" rIns="91425" bIns="45700" anchor="ctr" anchorCtr="0">
+              <a:noAutofit/>
+            </a:bodyPr>
+            <a:lstStyle/>
+            <a:p>
+              <a:pPr marL="0" marR="0" lvl="0" indent="0" algn="ctr" rtl="0">
+                <a:lnSpc>
+                  <a:spcPct val="100000"/>
+                </a:lnSpc>
+                <a:spcBef>
+                  <a:spcPts val="0"/>
+                </a:spcBef>
+                <a:spcAft>
+                  <a:spcPts val="0"/>
+                </a:spcAft>
+                <a:buClr>
+                  <a:schemeClr val="lt1"/>
+                </a:buClr>
+                <a:buSzPts val="1800"/>
+                <a:buFont typeface="Calibri"/>
+                <a:buNone/>
+              </a:pPr>
+              <a:endParaRPr sz="1800" b="0" i="0" u="none" strike="noStrike" cap="none">
+                <a:solidFill>
+                  <a:srgbClr val="FFFFFF"/>
+                </a:solidFill>
+                <a:latin typeface="Calibri"/>
+                <a:ea typeface="Calibri"/>
+                <a:cs typeface="Calibri"/>
+                <a:sym typeface="Calibri"/>
+              </a:endParaRPr>
+            </a:p>
+          </p:txBody>
+        </p:sp>
+        <p:sp>
+          <p:nvSpPr>
+            <p:cNvPr id="318" name="Google Shape;318;g89c571fa45_1_52"/>
+            <p:cNvSpPr/>
+            <p:nvPr/>
+          </p:nvSpPr>
+          <p:spPr>
+            <a:xfrm>
+              <a:off x="10101660" y="5800275"/>
+              <a:ext cx="183300" cy="70200"/>
+            </a:xfrm>
+            <a:prstGeom prst="rect">
+              <a:avLst/>
+            </a:prstGeom>
+            <a:solidFill>
+              <a:srgbClr val="F7F7F7"/>
+            </a:solidFill>
+            <a:ln>
+              <a:noFill/>
+            </a:ln>
+          </p:spPr>
+          <p:txBody>
+            <a:bodyPr spcFirstLastPara="1" wrap="square" lIns="91425" tIns="45700" rIns="91425" bIns="45700" anchor="ctr" anchorCtr="0">
+              <a:noAutofit/>
+            </a:bodyPr>
+            <a:lstStyle/>
+            <a:p>
+              <a:pPr marL="0" marR="0" lvl="0" indent="0" algn="ctr" rtl="0">
+                <a:lnSpc>
+                  <a:spcPct val="100000"/>
+                </a:lnSpc>
+                <a:spcBef>
+                  <a:spcPts val="0"/>
+                </a:spcBef>
+                <a:spcAft>
+                  <a:spcPts val="0"/>
+                </a:spcAft>
+                <a:buClr>
+                  <a:schemeClr val="lt1"/>
+                </a:buClr>
+                <a:buSzPts val="1800"/>
+                <a:buFont typeface="Calibri"/>
+                <a:buNone/>
+              </a:pPr>
+              <a:endParaRPr sz="1800" b="0" i="0" u="none" strike="noStrike" cap="none">
+                <a:solidFill>
+                  <a:srgbClr val="FFFFFF"/>
+                </a:solidFill>
+                <a:latin typeface="Calibri"/>
+                <a:ea typeface="Calibri"/>
+                <a:cs typeface="Calibri"/>
+                <a:sym typeface="Calibri"/>
+              </a:endParaRPr>
+            </a:p>
+          </p:txBody>
+        </p:sp>
+        <p:sp>
+          <p:nvSpPr>
+            <p:cNvPr id="319" name="Google Shape;319;g89c571fa45_1_52"/>
+            <p:cNvSpPr/>
+            <p:nvPr/>
+          </p:nvSpPr>
+          <p:spPr>
+            <a:xfrm>
+              <a:off x="10149252" y="5954543"/>
+              <a:ext cx="183300" cy="70200"/>
+            </a:xfrm>
+            <a:prstGeom prst="rect">
+              <a:avLst/>
+            </a:prstGeom>
+            <a:solidFill>
+              <a:srgbClr val="F7F7F7"/>
+            </a:solidFill>
+            <a:ln>
+              <a:noFill/>
+            </a:ln>
+          </p:spPr>
+          <p:txBody>
+            <a:bodyPr spcFirstLastPara="1" wrap="square" lIns="91425" tIns="45700" rIns="91425" bIns="45700" anchor="ctr" anchorCtr="0">
+              <a:noAutofit/>
+            </a:bodyPr>
+            <a:lstStyle/>
+            <a:p>
+              <a:pPr marL="0" marR="0" lvl="0" indent="0" algn="ctr" rtl="0">
+                <a:lnSpc>
+                  <a:spcPct val="100000"/>
+                </a:lnSpc>
+                <a:spcBef>
+                  <a:spcPts val="0"/>
+                </a:spcBef>
+                <a:spcAft>
+                  <a:spcPts val="0"/>
+                </a:spcAft>
+                <a:buClr>
+                  <a:schemeClr val="lt1"/>
+                </a:buClr>
+                <a:buSzPts val="1800"/>
+                <a:buFont typeface="Calibri"/>
+                <a:buNone/>
+              </a:pPr>
+              <a:endParaRPr sz="1800" b="0" i="0" u="none" strike="noStrike" cap="none">
+                <a:solidFill>
+                  <a:srgbClr val="FFFFFF"/>
+                </a:solidFill>
+                <a:latin typeface="Calibri"/>
+                <a:ea typeface="Calibri"/>
+                <a:cs typeface="Calibri"/>
+                <a:sym typeface="Calibri"/>
+              </a:endParaRPr>
+            </a:p>
+          </p:txBody>
+        </p:sp>
+        <p:sp>
+          <p:nvSpPr>
+            <p:cNvPr id="320" name="Google Shape;320;g89c571fa45_1_52"/>
+            <p:cNvSpPr/>
+            <p:nvPr/>
+          </p:nvSpPr>
+          <p:spPr>
+            <a:xfrm>
+              <a:off x="10122117" y="6115286"/>
+              <a:ext cx="183300" cy="70200"/>
+            </a:xfrm>
+            <a:prstGeom prst="rect">
+              <a:avLst/>
+            </a:prstGeom>
+            <a:solidFill>
+              <a:srgbClr val="F7F7F7"/>
+            </a:solidFill>
+            <a:ln>
+              <a:noFill/>
+            </a:ln>
+          </p:spPr>
+          <p:txBody>
+            <a:bodyPr spcFirstLastPara="1" wrap="square" lIns="91425" tIns="45700" rIns="91425" bIns="45700" anchor="ctr" anchorCtr="0">
+              <a:noAutofit/>
+            </a:bodyPr>
+            <a:lstStyle/>
+            <a:p>
+              <a:pPr marL="0" marR="0" lvl="0" indent="0" algn="ctr" rtl="0">
+                <a:lnSpc>
+                  <a:spcPct val="100000"/>
+                </a:lnSpc>
+                <a:spcBef>
+                  <a:spcPts val="0"/>
+                </a:spcBef>
+                <a:spcAft>
+                  <a:spcPts val="0"/>
+                </a:spcAft>
+                <a:buClr>
+                  <a:schemeClr val="lt1"/>
+                </a:buClr>
+                <a:buSzPts val="1800"/>
+                <a:buFont typeface="Calibri"/>
+                <a:buNone/>
+              </a:pPr>
+              <a:endParaRPr sz="1800" b="0" i="0" u="none" strike="noStrike" cap="none">
+                <a:solidFill>
+                  <a:srgbClr val="FFFFFF"/>
+                </a:solidFill>
+                <a:latin typeface="Calibri"/>
+                <a:ea typeface="Calibri"/>
+                <a:cs typeface="Calibri"/>
+                <a:sym typeface="Calibri"/>
+              </a:endParaRPr>
+            </a:p>
+          </p:txBody>
+        </p:sp>
+        <p:sp>
+          <p:nvSpPr>
+            <p:cNvPr id="321" name="Google Shape;321;g89c571fa45_1_52"/>
+            <p:cNvSpPr/>
+            <p:nvPr/>
+          </p:nvSpPr>
+          <p:spPr>
+            <a:xfrm>
+              <a:off x="10122118" y="6255458"/>
+              <a:ext cx="183300" cy="70200"/>
+            </a:xfrm>
+            <a:prstGeom prst="rect">
+              <a:avLst/>
+            </a:prstGeom>
+            <a:solidFill>
+              <a:srgbClr val="F7F7F7"/>
+            </a:solidFill>
+            <a:ln>
+              <a:noFill/>
+            </a:ln>
+          </p:spPr>
+          <p:txBody>
+            <a:bodyPr spcFirstLastPara="1" wrap="square" lIns="91425" tIns="45700" rIns="91425" bIns="45700" anchor="ctr" anchorCtr="0">
+              <a:noAutofit/>
+            </a:bodyPr>
+            <a:lstStyle/>
+            <a:p>
+              <a:pPr marL="0" marR="0" lvl="0" indent="0" algn="ctr" rtl="0">
+                <a:lnSpc>
+                  <a:spcPct val="100000"/>
+                </a:lnSpc>
+                <a:spcBef>
+                  <a:spcPts val="0"/>
+                </a:spcBef>
+                <a:spcAft>
+                  <a:spcPts val="0"/>
+                </a:spcAft>
+                <a:buClr>
+                  <a:schemeClr val="lt1"/>
+                </a:buClr>
+                <a:buSzPts val="1800"/>
+                <a:buFont typeface="Calibri"/>
+                <a:buNone/>
+              </a:pPr>
+              <a:endParaRPr sz="1800" b="0" i="0" u="none" strike="noStrike" cap="none">
+                <a:solidFill>
+                  <a:srgbClr val="FFFFFF"/>
+                </a:solidFill>
+                <a:latin typeface="Calibri"/>
+                <a:ea typeface="Calibri"/>
+                <a:cs typeface="Calibri"/>
+                <a:sym typeface="Calibri"/>
+              </a:endParaRPr>
+            </a:p>
+          </p:txBody>
+        </p:sp>
+      </p:grpSp>
+      <p:sp>
+        <p:nvSpPr>
+          <p:cNvPr id="322" name="Google Shape;322;g89c571fa45_1_52"/>
+          <p:cNvSpPr txBox="1"/>
+          <p:nvPr/>
+        </p:nvSpPr>
+        <p:spPr>
+          <a:xfrm>
+            <a:off x="11009118" y="5493039"/>
+            <a:ext cx="729300" cy="708000"/>
+          </a:xfrm>
+          <a:prstGeom prst="rect">
+            <a:avLst/>
+          </a:prstGeom>
+          <a:noFill/>
+          <a:ln>
+            <a:noFill/>
+          </a:ln>
+        </p:spPr>
+        <p:txBody>
+          <a:bodyPr spcFirstLastPara="1" wrap="square" lIns="91425" tIns="45700" rIns="91425" bIns="45700" anchor="t" anchorCtr="0">
+            <a:noAutofit/>
+          </a:bodyPr>
+          <a:lstStyle/>
+          <a:p>
+            <a:pPr marL="0" marR="0" lvl="0" indent="0" algn="ctr" rtl="0">
+              <a:lnSpc>
+                <a:spcPct val="100000"/>
+              </a:lnSpc>
+              <a:spcBef>
+                <a:spcPts val="0"/>
+              </a:spcBef>
+              <a:spcAft>
+                <a:spcPts val="0"/>
+              </a:spcAft>
+              <a:buClr>
+                <a:srgbClr val="4472C4"/>
+              </a:buClr>
+              <a:buSzPts val="4000"/>
+              <a:buFont typeface="Calibri"/>
+              <a:buNone/>
+            </a:pPr>
+            <a:r>
+              <a:rPr lang="ja-JP" sz="4000" b="1">
+                <a:solidFill>
+                  <a:srgbClr val="4472C4"/>
+                </a:solidFill>
+                <a:latin typeface="Calibri"/>
+                <a:ea typeface="Calibri"/>
+                <a:cs typeface="Calibri"/>
+                <a:sym typeface="Calibri"/>
+              </a:rPr>
+              <a:t>7</a:t>
+            </a:r>
+            <a:endParaRPr sz="4000" b="1" i="0" u="none" strike="noStrike" cap="none">
+              <a:solidFill>
+                <a:srgbClr val="4472C4"/>
+              </a:solidFill>
+              <a:latin typeface="Calibri"/>
+              <a:ea typeface="Calibri"/>
+              <a:cs typeface="Calibri"/>
+              <a:sym typeface="Calibri"/>
+            </a:endParaRPr>
+          </a:p>
+        </p:txBody>
+      </p:sp>
+      <p:sp>
+        <p:nvSpPr>
+          <p:cNvPr id="323" name="Google Shape;323;g89c571fa45_1_52"/>
+          <p:cNvSpPr/>
+          <p:nvPr/>
+        </p:nvSpPr>
+        <p:spPr>
+          <a:xfrm>
+            <a:off x="8431494" y="674965"/>
+            <a:ext cx="407700" cy="407700"/>
+          </a:xfrm>
+          <a:prstGeom prst="ellipse">
+            <a:avLst/>
+          </a:prstGeom>
+          <a:solidFill>
+            <a:srgbClr val="D9D9D9"/>
+          </a:solidFill>
+          <a:ln w="12700" cap="flat" cmpd="sng">
+            <a:solidFill>
+              <a:srgbClr val="31538F"/>
+            </a:solidFill>
+            <a:prstDash val="solid"/>
+            <a:miter lim="800000"/>
+            <a:headEnd type="none" w="sm" len="sm"/>
+            <a:tailEnd type="none" w="sm" len="sm"/>
+          </a:ln>
+        </p:spPr>
+        <p:txBody>
+          <a:bodyPr spcFirstLastPara="1" wrap="square" lIns="91425" tIns="45700" rIns="91425" bIns="45700" anchor="ctr" anchorCtr="0">
+            <a:noAutofit/>
+          </a:bodyPr>
+          <a:lstStyle/>
+          <a:p>
+            <a:pPr marL="0" marR="0" lvl="0" indent="0" algn="ctr" rtl="0">
+              <a:spcBef>
+                <a:spcPts val="0"/>
+              </a:spcBef>
+              <a:spcAft>
+                <a:spcPts val="0"/>
+              </a:spcAft>
+              <a:buNone/>
+            </a:pPr>
+            <a:endParaRPr sz="1800" b="0" i="0" u="none" strike="noStrike" cap="none">
+              <a:solidFill>
+                <a:schemeClr val="lt1"/>
+              </a:solidFill>
+              <a:latin typeface="Calibri"/>
+              <a:ea typeface="Calibri"/>
+              <a:cs typeface="Calibri"/>
+              <a:sym typeface="Calibri"/>
+            </a:endParaRPr>
+          </a:p>
+        </p:txBody>
+      </p:sp>
+      <p:sp>
+        <p:nvSpPr>
+          <p:cNvPr id="324" name="Google Shape;324;g89c571fa45_1_52"/>
+          <p:cNvSpPr/>
+          <p:nvPr/>
+        </p:nvSpPr>
+        <p:spPr>
+          <a:xfrm>
+            <a:off x="9269694" y="674965"/>
+            <a:ext cx="407700" cy="407700"/>
+          </a:xfrm>
+          <a:prstGeom prst="ellipse">
+            <a:avLst/>
+          </a:prstGeom>
+          <a:solidFill>
+            <a:srgbClr val="D9D9D9"/>
+          </a:solidFill>
+          <a:ln w="12700" cap="flat" cmpd="sng">
+            <a:solidFill>
+              <a:srgbClr val="31538F"/>
+            </a:solidFill>
+            <a:prstDash val="solid"/>
+            <a:miter lim="800000"/>
+            <a:headEnd type="none" w="sm" len="sm"/>
+            <a:tailEnd type="none" w="sm" len="sm"/>
+          </a:ln>
+        </p:spPr>
+        <p:txBody>
+          <a:bodyPr spcFirstLastPara="1" wrap="square" lIns="91425" tIns="45700" rIns="91425" bIns="45700" anchor="ctr" anchorCtr="0">
+            <a:noAutofit/>
+          </a:bodyPr>
+          <a:lstStyle/>
+          <a:p>
+            <a:pPr marL="0" marR="0" lvl="0" indent="0" algn="ctr" rtl="0">
+              <a:spcBef>
+                <a:spcPts val="0"/>
+              </a:spcBef>
+              <a:spcAft>
+                <a:spcPts val="0"/>
+              </a:spcAft>
+              <a:buNone/>
+            </a:pPr>
+            <a:endParaRPr sz="1800" b="0" i="0" u="none" strike="noStrike" cap="none">
+              <a:solidFill>
+                <a:schemeClr val="lt1"/>
+              </a:solidFill>
+              <a:latin typeface="Calibri"/>
+              <a:ea typeface="Calibri"/>
+              <a:cs typeface="Calibri"/>
+              <a:sym typeface="Calibri"/>
+            </a:endParaRPr>
+          </a:p>
+        </p:txBody>
+      </p:sp>
+      <p:sp>
+        <p:nvSpPr>
+          <p:cNvPr id="325" name="Google Shape;325;g89c571fa45_1_52"/>
+          <p:cNvSpPr/>
+          <p:nvPr/>
+        </p:nvSpPr>
+        <p:spPr>
+          <a:xfrm>
+            <a:off x="10107894" y="674965"/>
+            <a:ext cx="407700" cy="407700"/>
+          </a:xfrm>
+          <a:prstGeom prst="ellipse">
+            <a:avLst/>
+          </a:prstGeom>
+          <a:solidFill>
+            <a:srgbClr val="D9D9D9"/>
+          </a:solidFill>
+          <a:ln w="12700" cap="flat" cmpd="sng">
+            <a:solidFill>
+              <a:srgbClr val="31538F"/>
+            </a:solidFill>
+            <a:prstDash val="solid"/>
+            <a:miter lim="800000"/>
+            <a:headEnd type="none" w="sm" len="sm"/>
+            <a:tailEnd type="none" w="sm" len="sm"/>
+          </a:ln>
+        </p:spPr>
+        <p:txBody>
+          <a:bodyPr spcFirstLastPara="1" wrap="square" lIns="91425" tIns="45700" rIns="91425" bIns="45700" anchor="ctr" anchorCtr="0">
+            <a:noAutofit/>
+          </a:bodyPr>
+          <a:lstStyle/>
+          <a:p>
+            <a:pPr marL="0" marR="0" lvl="0" indent="0" algn="ctr" rtl="0">
+              <a:spcBef>
+                <a:spcPts val="0"/>
+              </a:spcBef>
+              <a:spcAft>
+                <a:spcPts val="0"/>
+              </a:spcAft>
+              <a:buNone/>
+            </a:pPr>
+            <a:endParaRPr sz="1800" b="0" i="0" u="none" strike="noStrike" cap="none">
+              <a:solidFill>
+                <a:schemeClr val="lt1"/>
+              </a:solidFill>
+              <a:latin typeface="Calibri"/>
+              <a:ea typeface="Calibri"/>
+              <a:cs typeface="Calibri"/>
+              <a:sym typeface="Calibri"/>
+            </a:endParaRPr>
+          </a:p>
+        </p:txBody>
+      </p:sp>
+      <p:sp>
+        <p:nvSpPr>
+          <p:cNvPr id="326" name="Google Shape;326;g89c571fa45_1_52"/>
+          <p:cNvSpPr/>
+          <p:nvPr/>
+        </p:nvSpPr>
+        <p:spPr>
+          <a:xfrm>
+            <a:off x="10946094" y="674965"/>
+            <a:ext cx="407700" cy="407700"/>
+          </a:xfrm>
+          <a:prstGeom prst="ellipse">
+            <a:avLst/>
+          </a:prstGeom>
+          <a:solidFill>
+            <a:srgbClr val="D9D9D9"/>
+          </a:solidFill>
+          <a:ln w="12700" cap="flat" cmpd="sng">
+            <a:solidFill>
+              <a:srgbClr val="31538F"/>
+            </a:solidFill>
+            <a:prstDash val="solid"/>
+            <a:miter lim="800000"/>
+            <a:headEnd type="none" w="sm" len="sm"/>
+            <a:tailEnd type="none" w="sm" len="sm"/>
+          </a:ln>
+        </p:spPr>
+        <p:txBody>
+          <a:bodyPr spcFirstLastPara="1" wrap="square" lIns="91425" tIns="45700" rIns="91425" bIns="45700" anchor="ctr" anchorCtr="0">
+            <a:noAutofit/>
+          </a:bodyPr>
+          <a:lstStyle/>
+          <a:p>
+            <a:pPr marL="0" marR="0" lvl="0" indent="0" algn="ctr" rtl="0">
+              <a:spcBef>
+                <a:spcPts val="0"/>
+              </a:spcBef>
+              <a:spcAft>
+                <a:spcPts val="0"/>
+              </a:spcAft>
+              <a:buNone/>
+            </a:pPr>
+            <a:endParaRPr sz="1800" b="0" i="0" u="none" strike="noStrike" cap="none">
+              <a:solidFill>
+                <a:schemeClr val="lt1"/>
+              </a:solidFill>
+              <a:latin typeface="Calibri"/>
+              <a:ea typeface="Calibri"/>
+              <a:cs typeface="Calibri"/>
+              <a:sym typeface="Calibri"/>
+            </a:endParaRPr>
+          </a:p>
+        </p:txBody>
+      </p:sp>
+      <p:sp>
+        <p:nvSpPr>
+          <p:cNvPr id="327" name="Google Shape;327;g89c571fa45_1_52"/>
+          <p:cNvSpPr/>
+          <p:nvPr/>
+        </p:nvSpPr>
+        <p:spPr>
+          <a:xfrm>
+            <a:off x="8635376" y="838000"/>
+            <a:ext cx="2560800" cy="81600"/>
+          </a:xfrm>
+          <a:prstGeom prst="rect">
+            <a:avLst/>
+          </a:prstGeom>
+          <a:solidFill>
+            <a:srgbClr val="D9D9D9"/>
+          </a:solidFill>
+          <a:ln>
+            <a:noFill/>
+          </a:ln>
+        </p:spPr>
+        <p:txBody>
+          <a:bodyPr spcFirstLastPara="1" wrap="square" lIns="91425" tIns="45700" rIns="91425" bIns="45700" anchor="ctr" anchorCtr="0">
+            <a:noAutofit/>
+          </a:bodyPr>
+          <a:lstStyle/>
+          <a:p>
+            <a:pPr marL="0" marR="0" lvl="0" indent="0" algn="ctr" rtl="0">
+              <a:spcBef>
+                <a:spcPts val="0"/>
+              </a:spcBef>
+              <a:spcAft>
+                <a:spcPts val="0"/>
+              </a:spcAft>
+              <a:buNone/>
+            </a:pPr>
+            <a:endParaRPr sz="1800" b="0" i="0" u="none" strike="noStrike" cap="none">
+              <a:solidFill>
+                <a:schemeClr val="lt1"/>
+              </a:solidFill>
+              <a:latin typeface="Calibri"/>
+              <a:ea typeface="Calibri"/>
+              <a:cs typeface="Calibri"/>
+              <a:sym typeface="Calibri"/>
+            </a:endParaRPr>
+          </a:p>
+        </p:txBody>
+      </p:sp>
+      <p:sp>
+        <p:nvSpPr>
+          <p:cNvPr id="328" name="Google Shape;328;g89c571fa45_1_52"/>
+          <p:cNvSpPr txBox="1"/>
+          <p:nvPr/>
+        </p:nvSpPr>
+        <p:spPr>
+          <a:xfrm>
+            <a:off x="8229033" y="262782"/>
+            <a:ext cx="1297500" cy="461700"/>
+          </a:xfrm>
+          <a:prstGeom prst="rect">
+            <a:avLst/>
+          </a:prstGeom>
+          <a:noFill/>
+          <a:ln>
+            <a:noFill/>
+          </a:ln>
+        </p:spPr>
+        <p:txBody>
+          <a:bodyPr spcFirstLastPara="1" wrap="square" lIns="91425" tIns="45700" rIns="91425" bIns="45700" anchor="t" anchorCtr="0">
+            <a:noAutofit/>
+          </a:bodyPr>
+          <a:lstStyle/>
+          <a:p>
+            <a:pPr marL="0" marR="0" lvl="0" indent="0" algn="l" rtl="0">
+              <a:spcBef>
+                <a:spcPts val="0"/>
+              </a:spcBef>
+              <a:spcAft>
+                <a:spcPts val="0"/>
+              </a:spcAft>
+              <a:buNone/>
+            </a:pPr>
+            <a:r>
+              <a:rPr lang="ja-JP" sz="2400" b="1" i="0" u="none" strike="noStrike" cap="none">
+                <a:solidFill>
+                  <a:schemeClr val="lt1"/>
+                </a:solidFill>
+                <a:latin typeface="Calibri"/>
+                <a:ea typeface="Calibri"/>
+                <a:cs typeface="Calibri"/>
+                <a:sym typeface="Calibri"/>
+              </a:rPr>
+              <a:t>Progress</a:t>
+            </a:r>
+            <a:endParaRPr sz="2400" b="1">
+              <a:solidFill>
+                <a:schemeClr val="lt1"/>
+              </a:solidFill>
+              <a:latin typeface="Calibri"/>
+              <a:ea typeface="Calibri"/>
+              <a:cs typeface="Calibri"/>
+              <a:sym typeface="Calibri"/>
+            </a:endParaRPr>
+          </a:p>
+        </p:txBody>
+      </p:sp>
+      <p:sp>
+        <p:nvSpPr>
+          <p:cNvPr id="329" name="Google Shape;329;g89c571fa45_1_52"/>
+          <p:cNvSpPr/>
+          <p:nvPr/>
+        </p:nvSpPr>
+        <p:spPr>
+          <a:xfrm>
+            <a:off x="9343809" y="749055"/>
+            <a:ext cx="259500" cy="259500"/>
+          </a:xfrm>
+          <a:prstGeom prst="ellipse">
+            <a:avLst/>
+          </a:prstGeom>
+          <a:solidFill>
+            <a:srgbClr val="2F5496"/>
+          </a:solidFill>
+          <a:ln>
+            <a:noFill/>
+          </a:ln>
+        </p:spPr>
+        <p:txBody>
+          <a:bodyPr spcFirstLastPara="1" wrap="square" lIns="91425" tIns="45700" rIns="91425" bIns="45700" anchor="ctr" anchorCtr="0">
+            <a:noAutofit/>
+          </a:bodyPr>
+          <a:lstStyle/>
+          <a:p>
+            <a:pPr marL="0" marR="0" lvl="0" indent="0" algn="ctr" rtl="0">
+              <a:spcBef>
+                <a:spcPts val="0"/>
+              </a:spcBef>
+              <a:spcAft>
+                <a:spcPts val="0"/>
+              </a:spcAft>
+              <a:buNone/>
+            </a:pPr>
+            <a:endParaRPr sz="1800">
+              <a:solidFill>
+                <a:schemeClr val="lt1"/>
+              </a:solidFill>
+              <a:latin typeface="Calibri"/>
+              <a:ea typeface="Calibri"/>
+              <a:cs typeface="Calibri"/>
+              <a:sym typeface="Calibri"/>
+            </a:endParaRPr>
+          </a:p>
+        </p:txBody>
+      </p:sp>
+      <p:sp>
+        <p:nvSpPr>
+          <p:cNvPr id="330" name="Google Shape;330;g89c571fa45_1_52"/>
+          <p:cNvSpPr txBox="1"/>
+          <p:nvPr/>
+        </p:nvSpPr>
+        <p:spPr>
+          <a:xfrm>
+            <a:off x="6582588" y="2234075"/>
+            <a:ext cx="4906200" cy="4351200"/>
+          </a:xfrm>
+          <a:prstGeom prst="rect">
+            <a:avLst/>
+          </a:prstGeom>
+          <a:noFill/>
+          <a:ln>
+            <a:noFill/>
+          </a:ln>
+        </p:spPr>
+        <p:txBody>
+          <a:bodyPr spcFirstLastPara="1" wrap="square" lIns="91425" tIns="91425" rIns="91425" bIns="91425" anchor="t" anchorCtr="0">
+            <a:noAutofit/>
+          </a:bodyPr>
+          <a:lstStyle/>
+          <a:p>
+            <a:pPr marL="0" lvl="0" indent="0" algn="l" rtl="0">
+              <a:spcBef>
+                <a:spcPts val="0"/>
+              </a:spcBef>
+              <a:spcAft>
+                <a:spcPts val="0"/>
+              </a:spcAft>
+              <a:buNone/>
+            </a:pPr>
+            <a:r>
+              <a:rPr lang="ja-JP" sz="2400" b="1">
+                <a:solidFill>
+                  <a:srgbClr val="3C78D8"/>
+                </a:solidFill>
+                <a:latin typeface="Meiryo"/>
+                <a:ea typeface="Meiryo"/>
+                <a:cs typeface="Meiryo"/>
+                <a:sym typeface="Meiryo"/>
+              </a:rPr>
+              <a:t>チームワーク</a:t>
+            </a:r>
+            <a:endParaRPr sz="2400" b="1">
+              <a:solidFill>
+                <a:srgbClr val="3C78D8"/>
+              </a:solidFill>
+              <a:latin typeface="Meiryo"/>
+              <a:ea typeface="Meiryo"/>
+              <a:cs typeface="Meiryo"/>
+              <a:sym typeface="Meiryo"/>
+            </a:endParaRPr>
+          </a:p>
+          <a:p>
+            <a:pPr marL="0" lvl="0" indent="0" algn="l" rtl="0">
+              <a:spcBef>
+                <a:spcPts val="0"/>
+              </a:spcBef>
+              <a:spcAft>
+                <a:spcPts val="0"/>
+              </a:spcAft>
+              <a:buNone/>
+            </a:pPr>
+            <a:endParaRPr sz="2400" b="1">
+              <a:solidFill>
+                <a:srgbClr val="3C78D8"/>
+              </a:solidFill>
+              <a:latin typeface="Meiryo"/>
+              <a:ea typeface="Meiryo"/>
+              <a:cs typeface="Meiryo"/>
+              <a:sym typeface="Meiryo"/>
+            </a:endParaRPr>
+          </a:p>
+          <a:p>
+            <a:pPr marL="0" lvl="0" indent="0" algn="l" rtl="0">
+              <a:spcBef>
+                <a:spcPts val="0"/>
+              </a:spcBef>
+              <a:spcAft>
+                <a:spcPts val="0"/>
+              </a:spcAft>
+              <a:buNone/>
+            </a:pPr>
+            <a:r>
+              <a:rPr lang="ja-JP" sz="2400">
+                <a:latin typeface="Meiryo"/>
+                <a:ea typeface="Meiryo"/>
+                <a:cs typeface="Meiryo"/>
+                <a:sym typeface="Meiryo"/>
+              </a:rPr>
+              <a:t>・作業中に不明点が見つかったら　すぐにチーム内で報告・相談を　行っていた</a:t>
+            </a:r>
+            <a:endParaRPr sz="2400">
+              <a:latin typeface="Meiryo"/>
+              <a:ea typeface="Meiryo"/>
+              <a:cs typeface="Meiryo"/>
+              <a:sym typeface="Meiryo"/>
+            </a:endParaRPr>
+          </a:p>
+          <a:p>
+            <a:pPr marL="0" lvl="0" indent="0" algn="l" rtl="0">
+              <a:spcBef>
+                <a:spcPts val="0"/>
+              </a:spcBef>
+              <a:spcAft>
+                <a:spcPts val="0"/>
+              </a:spcAft>
+              <a:buNone/>
+            </a:pPr>
+            <a:endParaRPr sz="2400">
+              <a:latin typeface="Meiryo"/>
+              <a:ea typeface="Meiryo"/>
+              <a:cs typeface="Meiryo"/>
+              <a:sym typeface="Meiryo"/>
+            </a:endParaRPr>
+          </a:p>
+        </p:txBody>
+      </p:sp>
+      <p:sp>
+        <p:nvSpPr>
+          <p:cNvPr id="331" name="Google Shape;331;g89c571fa45_1_52"/>
+          <p:cNvSpPr txBox="1"/>
+          <p:nvPr/>
+        </p:nvSpPr>
+        <p:spPr>
+          <a:xfrm>
+            <a:off x="1050225" y="2234075"/>
+            <a:ext cx="4906200" cy="4494300"/>
+          </a:xfrm>
+          <a:prstGeom prst="rect">
+            <a:avLst/>
+          </a:prstGeom>
+          <a:noFill/>
+          <a:ln>
+            <a:noFill/>
+          </a:ln>
+        </p:spPr>
+        <p:txBody>
+          <a:bodyPr spcFirstLastPara="1" wrap="square" lIns="91425" tIns="91425" rIns="91425" bIns="91425" anchor="t" anchorCtr="0">
+            <a:noAutofit/>
+          </a:bodyPr>
+          <a:lstStyle/>
+          <a:p>
+            <a:pPr marL="0" lvl="0" indent="0" algn="l" rtl="0">
+              <a:spcBef>
+                <a:spcPts val="0"/>
+              </a:spcBef>
+              <a:spcAft>
+                <a:spcPts val="0"/>
+              </a:spcAft>
+              <a:buNone/>
+            </a:pPr>
+            <a:r>
+              <a:rPr lang="ja-JP" sz="2400" b="1">
+                <a:solidFill>
+                  <a:srgbClr val="3C78D8"/>
+                </a:solidFill>
+                <a:latin typeface="Meiryo"/>
+                <a:ea typeface="Meiryo"/>
+                <a:cs typeface="Meiryo"/>
+                <a:sym typeface="Meiryo"/>
+              </a:rPr>
+              <a:t>技術面</a:t>
+            </a:r>
+            <a:endParaRPr sz="2400" b="1">
+              <a:solidFill>
+                <a:srgbClr val="3C78D8"/>
+              </a:solidFill>
+              <a:latin typeface="Meiryo"/>
+              <a:ea typeface="Meiryo"/>
+              <a:cs typeface="Meiryo"/>
+              <a:sym typeface="Meiryo"/>
+            </a:endParaRPr>
+          </a:p>
+          <a:p>
+            <a:pPr marL="0" lvl="0" indent="0" algn="l" rtl="0">
+              <a:spcBef>
+                <a:spcPts val="0"/>
+              </a:spcBef>
+              <a:spcAft>
+                <a:spcPts val="0"/>
+              </a:spcAft>
+              <a:buClr>
+                <a:schemeClr val="dk1"/>
+              </a:buClr>
+              <a:buSzPts val="1100"/>
+              <a:buFont typeface="Arial"/>
+              <a:buNone/>
+            </a:pPr>
+            <a:endParaRPr sz="2400" b="1">
+              <a:solidFill>
+                <a:srgbClr val="3C78D8"/>
+              </a:solidFill>
+              <a:latin typeface="Meiryo"/>
+              <a:ea typeface="Meiryo"/>
+              <a:cs typeface="Meiryo"/>
+              <a:sym typeface="Meiryo"/>
+            </a:endParaRPr>
+          </a:p>
+          <a:p>
+            <a:pPr marL="0" lvl="0" indent="0" algn="l" rtl="0">
+              <a:spcBef>
+                <a:spcPts val="0"/>
+              </a:spcBef>
+              <a:spcAft>
+                <a:spcPts val="0"/>
+              </a:spcAft>
+              <a:buClr>
+                <a:schemeClr val="dk1"/>
+              </a:buClr>
+              <a:buSzPts val="1100"/>
+              <a:buFont typeface="Arial"/>
+              <a:buNone/>
+            </a:pPr>
+            <a:r>
+              <a:rPr lang="ja-JP" sz="2400">
+                <a:solidFill>
+                  <a:schemeClr val="dk1"/>
+                </a:solidFill>
+                <a:latin typeface="Meiryo"/>
+                <a:ea typeface="Meiryo"/>
+                <a:cs typeface="Meiryo"/>
+                <a:sym typeface="Meiryo"/>
+              </a:rPr>
+              <a:t>・機能ごとに作業を分担</a:t>
+            </a:r>
+            <a:endParaRPr sz="2400">
+              <a:solidFill>
+                <a:schemeClr val="dk1"/>
+              </a:solidFill>
+              <a:latin typeface="Meiryo"/>
+              <a:ea typeface="Meiryo"/>
+              <a:cs typeface="Meiryo"/>
+              <a:sym typeface="Meiryo"/>
+            </a:endParaRPr>
+          </a:p>
+          <a:p>
+            <a:pPr marL="0" lvl="0" indent="0" algn="l" rtl="0">
+              <a:spcBef>
+                <a:spcPts val="0"/>
+              </a:spcBef>
+              <a:spcAft>
+                <a:spcPts val="0"/>
+              </a:spcAft>
+              <a:buClr>
+                <a:schemeClr val="dk1"/>
+              </a:buClr>
+              <a:buSzPts val="1100"/>
+              <a:buFont typeface="Arial"/>
+              <a:buNone/>
+            </a:pPr>
+            <a:endParaRPr sz="2400">
+              <a:solidFill>
+                <a:schemeClr val="dk1"/>
+              </a:solidFill>
+              <a:latin typeface="Meiryo"/>
+              <a:ea typeface="Meiryo"/>
+              <a:cs typeface="Meiryo"/>
+              <a:sym typeface="Meiryo"/>
+            </a:endParaRPr>
+          </a:p>
+          <a:p>
+            <a:pPr marL="0" lvl="0" indent="0" algn="l" rtl="0">
+              <a:spcBef>
+                <a:spcPts val="0"/>
+              </a:spcBef>
+              <a:spcAft>
+                <a:spcPts val="0"/>
+              </a:spcAft>
+              <a:buNone/>
+            </a:pPr>
+            <a:r>
+              <a:rPr lang="ja-JP" sz="2400">
+                <a:solidFill>
+                  <a:schemeClr val="dk1"/>
+                </a:solidFill>
+                <a:latin typeface="Meiryo"/>
+                <a:ea typeface="Meiryo"/>
+                <a:cs typeface="Meiryo"/>
+                <a:sym typeface="Meiryo"/>
+              </a:rPr>
+              <a:t>・システムに機能を</a:t>
+            </a:r>
+            <a:endParaRPr sz="2400">
+              <a:solidFill>
+                <a:schemeClr val="dk1"/>
+              </a:solidFill>
+              <a:latin typeface="Meiryo"/>
+              <a:ea typeface="Meiryo"/>
+              <a:cs typeface="Meiryo"/>
+              <a:sym typeface="Meiryo"/>
+            </a:endParaRPr>
+          </a:p>
+          <a:p>
+            <a:pPr marL="0" lvl="0" indent="0" algn="l" rtl="0">
+              <a:spcBef>
+                <a:spcPts val="0"/>
+              </a:spcBef>
+              <a:spcAft>
+                <a:spcPts val="0"/>
+              </a:spcAft>
+              <a:buNone/>
+            </a:pPr>
+            <a:r>
+              <a:rPr lang="ja-JP" sz="2400">
+                <a:solidFill>
+                  <a:schemeClr val="dk1"/>
+                </a:solidFill>
+                <a:latin typeface="Meiryo"/>
+                <a:ea typeface="Meiryo"/>
+                <a:cs typeface="Meiryo"/>
+                <a:sym typeface="Meiryo"/>
+              </a:rPr>
+              <a:t>　追加しやすいように設計</a:t>
+            </a:r>
+            <a:endParaRPr sz="2400">
+              <a:solidFill>
+                <a:schemeClr val="dk1"/>
+              </a:solidFill>
+              <a:latin typeface="Meiryo"/>
+              <a:ea typeface="Meiryo"/>
+              <a:cs typeface="Meiryo"/>
+              <a:sym typeface="Meiryo"/>
+            </a:endParaRPr>
+          </a:p>
+          <a:p>
+            <a:pPr marL="0" lvl="0" indent="0" algn="l" rtl="0">
+              <a:spcBef>
+                <a:spcPts val="0"/>
+              </a:spcBef>
+              <a:spcAft>
+                <a:spcPts val="0"/>
+              </a:spcAft>
+              <a:buNone/>
+            </a:pPr>
+            <a:endParaRPr sz="1000">
+              <a:solidFill>
+                <a:schemeClr val="dk1"/>
+              </a:solidFill>
+              <a:latin typeface="Meiryo"/>
+              <a:ea typeface="Meiryo"/>
+              <a:cs typeface="Meiryo"/>
+              <a:sym typeface="Meiryo"/>
+            </a:endParaRPr>
+          </a:p>
+          <a:p>
+            <a:pPr marL="0" lvl="0" indent="0" algn="l" rtl="0">
+              <a:spcBef>
+                <a:spcPts val="0"/>
+              </a:spcBef>
+              <a:spcAft>
+                <a:spcPts val="0"/>
+              </a:spcAft>
+              <a:buNone/>
+            </a:pPr>
+            <a:r>
+              <a:rPr lang="ja-JP" sz="2400">
+                <a:solidFill>
+                  <a:schemeClr val="dk1"/>
+                </a:solidFill>
+                <a:latin typeface="Meiryo"/>
+                <a:ea typeface="Meiryo"/>
+                <a:cs typeface="Meiryo"/>
+                <a:sym typeface="Meiryo"/>
+              </a:rPr>
+              <a:t>　　　  GUI（第二反復）</a:t>
+            </a:r>
+            <a:endParaRPr sz="2400">
+              <a:solidFill>
+                <a:schemeClr val="dk1"/>
+              </a:solidFill>
+              <a:latin typeface="Meiryo"/>
+              <a:ea typeface="Meiryo"/>
+              <a:cs typeface="Meiryo"/>
+              <a:sym typeface="Meiryo"/>
+            </a:endParaRPr>
+          </a:p>
+          <a:p>
+            <a:pPr marL="0" lvl="0" indent="0" algn="l" rtl="0">
+              <a:spcBef>
+                <a:spcPts val="0"/>
+              </a:spcBef>
+              <a:spcAft>
+                <a:spcPts val="0"/>
+              </a:spcAft>
+              <a:buNone/>
+            </a:pPr>
+            <a:r>
+              <a:rPr lang="ja-JP" sz="2400">
+                <a:solidFill>
+                  <a:schemeClr val="dk1"/>
+                </a:solidFill>
+                <a:latin typeface="Meiryo"/>
+                <a:ea typeface="Meiryo"/>
+                <a:cs typeface="Meiryo"/>
+                <a:sym typeface="Meiryo"/>
+              </a:rPr>
+              <a:t>　　　  DB（第三反復）</a:t>
+            </a:r>
+            <a:endParaRPr sz="2400">
+              <a:solidFill>
+                <a:schemeClr val="dk1"/>
+              </a:solidFill>
+              <a:latin typeface="Meiryo"/>
+              <a:ea typeface="Meiryo"/>
+              <a:cs typeface="Meiryo"/>
+              <a:sym typeface="Meiryo"/>
+            </a:endParaRPr>
+          </a:p>
+          <a:p>
+            <a:pPr marL="0" lvl="0" indent="0" algn="l" rtl="0">
+              <a:spcBef>
+                <a:spcPts val="0"/>
+              </a:spcBef>
+              <a:spcAft>
+                <a:spcPts val="0"/>
+              </a:spcAft>
+              <a:buNone/>
+            </a:pPr>
+            <a:endParaRPr>
+              <a:latin typeface="Calibri"/>
+              <a:ea typeface="Calibri"/>
+              <a:cs typeface="Calibri"/>
+              <a:sym typeface="Calibri"/>
+            </a:endParaRPr>
+          </a:p>
+        </p:txBody>
+      </p:sp>
+      <p:cxnSp>
+        <p:nvCxnSpPr>
+          <p:cNvPr id="332" name="Google Shape;332;g89c571fa45_1_52"/>
+          <p:cNvCxnSpPr/>
+          <p:nvPr/>
+        </p:nvCxnSpPr>
+        <p:spPr>
+          <a:xfrm>
+            <a:off x="6096000" y="2626725"/>
+            <a:ext cx="0" cy="3366300"/>
+          </a:xfrm>
+          <a:prstGeom prst="straightConnector1">
+            <a:avLst/>
+          </a:prstGeom>
+          <a:noFill/>
+          <a:ln w="9525" cap="flat" cmpd="sng">
+            <a:solidFill>
+              <a:srgbClr val="000000"/>
+            </a:solidFill>
+            <a:prstDash val="solid"/>
+            <a:round/>
+            <a:headEnd type="none" w="med" len="med"/>
+            <a:tailEnd type="none" w="med" len="med"/>
+          </a:ln>
+        </p:spPr>
+      </p:cxnSp>
+      <p:sp>
+        <p:nvSpPr>
+          <p:cNvPr id="333" name="Google Shape;333;g89c571fa45_1_52"/>
+          <p:cNvSpPr/>
+          <p:nvPr/>
+        </p:nvSpPr>
+        <p:spPr>
+          <a:xfrm rot="5400000">
+            <a:off x="1649775" y="4630761"/>
+            <a:ext cx="259500" cy="259500"/>
+          </a:xfrm>
+          <a:prstGeom prst="bentUpArrow">
+            <a:avLst>
+              <a:gd name="adj1" fmla="val 25000"/>
+              <a:gd name="adj2" fmla="val 25000"/>
+              <a:gd name="adj3" fmla="val 25000"/>
+            </a:avLst>
+          </a:prstGeom>
+          <a:solidFill>
+            <a:srgbClr val="3F3F3F"/>
+          </a:solidFill>
+          <a:ln w="9525" cap="flat" cmpd="sng">
+            <a:solidFill>
+              <a:schemeClr val="dk2"/>
+            </a:solidFill>
+            <a:prstDash val="solid"/>
+            <a:round/>
+            <a:headEnd type="none" w="sm" len="sm"/>
+            <a:tailEnd type="none" w="sm" len="sm"/>
+          </a:ln>
+        </p:spPr>
+        <p:txBody>
+          <a:bodyPr spcFirstLastPara="1" wrap="square" lIns="91425" tIns="91425" rIns="91425" bIns="91425" anchor="ctr" anchorCtr="0">
+            <a:noAutofit/>
+          </a:bodyPr>
+          <a:lstStyle/>
+          <a:p>
+            <a:pPr marL="0" lvl="0" indent="0" algn="l" rtl="0">
+              <a:spcBef>
+                <a:spcPts val="0"/>
+              </a:spcBef>
+              <a:spcAft>
+                <a:spcPts val="0"/>
+              </a:spcAft>
+              <a:buNone/>
+            </a:pPr>
+            <a:endParaRPr/>
+          </a:p>
+        </p:txBody>
+      </p:sp>
+      <p:sp>
+        <p:nvSpPr>
+          <p:cNvPr id="334" name="Google Shape;334;g89c571fa45_1_52"/>
+          <p:cNvSpPr/>
+          <p:nvPr/>
+        </p:nvSpPr>
+        <p:spPr>
+          <a:xfrm rot="5400000">
+            <a:off x="1649775" y="5014511"/>
+            <a:ext cx="259500" cy="259500"/>
+          </a:xfrm>
+          <a:prstGeom prst="bentUpArrow">
+            <a:avLst>
+              <a:gd name="adj1" fmla="val 25000"/>
+              <a:gd name="adj2" fmla="val 25000"/>
+              <a:gd name="adj3" fmla="val 25000"/>
+            </a:avLst>
+          </a:prstGeom>
+          <a:solidFill>
+            <a:srgbClr val="3F3F3F"/>
+          </a:solidFill>
+          <a:ln w="9525" cap="flat" cmpd="sng">
+            <a:solidFill>
+              <a:schemeClr val="dk2"/>
+            </a:solidFill>
+            <a:prstDash val="solid"/>
+            <a:round/>
+            <a:headEnd type="none" w="sm" len="sm"/>
+            <a:tailEnd type="none" w="sm" len="sm"/>
+          </a:ln>
+        </p:spPr>
+        <p:txBody>
+          <a:bodyPr spcFirstLastPara="1" wrap="square" lIns="91425" tIns="91425" rIns="91425" bIns="91425" anchor="ctr" anchorCtr="0">
+            <a:noAutofit/>
+          </a:bodyPr>
+          <a:lstStyle/>
+          <a:p>
+            <a:pPr marL="0" lvl="0" indent="0" algn="l" rtl="0">
+              <a:spcBef>
+                <a:spcPts val="0"/>
+              </a:spcBef>
+              <a:spcAft>
+                <a:spcPts val="0"/>
+              </a:spcAft>
+              <a:buNone/>
+            </a:pPr>
+            <a:endParaRPr/>
+          </a:p>
+        </p:txBody>
+      </p:sp>
+    </p:spTree>
+  </p:cSld>
+  <p:clrMapOvr>
+    <a:masterClrMapping/>
+  </p:clrMapOvr>
+</p:sld>
+</file>
+
+<file path=ppt/slides/slide11.xml><?xml version="1.0" encoding="utf-8"?>
 <p:sld xmlns:a="http://schemas.openxmlformats.org/drawingml/2006/main" xmlns:r="http://schemas.openxmlformats.org/officeDocument/2006/relationships" xmlns:p="http://schemas.openxmlformats.org/presentationml/2006/main">
   <p:cSld>
     <p:bg>
@@ -17773,7 +19671,7 @@
 </p:sld>
 </file>
 
-<file path=ppt/slides/slide11.xml><?xml version="1.0" encoding="utf-8"?>
+<file path=ppt/slides/slide12.xml><?xml version="1.0" encoding="utf-8"?>
 <p:sld xmlns:a="http://schemas.openxmlformats.org/drawingml/2006/main" xmlns:r="http://schemas.openxmlformats.org/officeDocument/2006/relationships" xmlns:p="http://schemas.openxmlformats.org/presentationml/2006/main">
   <p:cSld>
     <p:bg>
@@ -19807,7 +21705,7 @@
 </p:sld>
 </file>
 
-<file path=ppt/slides/slide12.xml><?xml version="1.0" encoding="utf-8"?>
+<file path=ppt/slides/slide13.xml><?xml version="1.0" encoding="utf-8"?>
 <p:sld xmlns:a="http://schemas.openxmlformats.org/drawingml/2006/main" xmlns:r="http://schemas.openxmlformats.org/officeDocument/2006/relationships" xmlns:p="http://schemas.openxmlformats.org/presentationml/2006/main">
   <p:cSld>
     <p:bg>
@@ -21874,7 +23772,7 @@
 </p:sld>
 </file>
 
-<file path=ppt/slides/slide13.xml><?xml version="1.0" encoding="utf-8"?>
+<file path=ppt/slides/slide14.xml><?xml version="1.0" encoding="utf-8"?>
 <p:sld xmlns:a="http://schemas.openxmlformats.org/drawingml/2006/main" xmlns:r="http://schemas.openxmlformats.org/officeDocument/2006/relationships" xmlns:p="http://schemas.openxmlformats.org/presentationml/2006/main">
   <p:cSld>
     <p:bg>
@@ -22873,7 +24771,7 @@
 </p:sld>
 </file>
 
-<file path=ppt/slides/slide14.xml><?xml version="1.0" encoding="utf-8"?>
+<file path=ppt/slides/slide15.xml><?xml version="1.0" encoding="utf-8"?>
 <p:sld xmlns:a="http://schemas.openxmlformats.org/drawingml/2006/main" xmlns:r="http://schemas.openxmlformats.org/officeDocument/2006/relationships" xmlns:p="http://schemas.openxmlformats.org/presentationml/2006/main">
   <p:cSld>
     <p:bg>
@@ -25113,7 +27011,7 @@
 </p:sld>
 </file>
 
-<file path=ppt/slides/slide15.xml><?xml version="1.0" encoding="utf-8"?>
+<file path=ppt/slides/slide16.xml><?xml version="1.0" encoding="utf-8"?>
 <p:sld xmlns:a="http://schemas.openxmlformats.org/drawingml/2006/main" xmlns:r="http://schemas.openxmlformats.org/officeDocument/2006/relationships" xmlns:p="http://schemas.openxmlformats.org/presentationml/2006/main">
   <p:cSld>
     <p:bg>
@@ -27227,7 +29125,7 @@
 </p:sld>
 </file>
 
-<file path=ppt/slides/slide16.xml><?xml version="1.0" encoding="utf-8"?>
+<file path=ppt/slides/slide17.xml><?xml version="1.0" encoding="utf-8"?>
 <p:sld xmlns:a="http://schemas.openxmlformats.org/drawingml/2006/main" xmlns:r="http://schemas.openxmlformats.org/officeDocument/2006/relationships" xmlns:p="http://schemas.openxmlformats.org/presentationml/2006/main">
   <p:cSld>
     <p:bg>
@@ -30096,7 +31994,7 @@
 </p:sld>
 </file>
 
-<file path=ppt/slides/slide17.xml><?xml version="1.0" encoding="utf-8"?>
+<file path=ppt/slides/slide18.xml><?xml version="1.0" encoding="utf-8"?>
 <p:sld xmlns:a="http://schemas.openxmlformats.org/drawingml/2006/main" xmlns:r="http://schemas.openxmlformats.org/officeDocument/2006/relationships" xmlns:p="http://schemas.openxmlformats.org/presentationml/2006/main">
   <p:cSld>
     <p:bg>
@@ -32034,7 +33932,7 @@
 </p:sld>
 </file>
 
-<file path=ppt/slides/slide18.xml><?xml version="1.0" encoding="utf-8"?>
+<file path=ppt/slides/slide19.xml><?xml version="1.0" encoding="utf-8"?>
 <p:sld xmlns:a="http://schemas.openxmlformats.org/drawingml/2006/main" xmlns:r="http://schemas.openxmlformats.org/officeDocument/2006/relationships" xmlns:p="http://schemas.openxmlformats.org/presentationml/2006/main">
   <p:cSld>
     <p:bg>
@@ -36283,56 +38181,6 @@
       </p:sp>
       <p:sp>
         <p:nvSpPr>
-          <p:cNvPr id="154" name="Google Shape;154;p4"/>
-          <p:cNvSpPr/>
-          <p:nvPr/>
-        </p:nvSpPr>
-        <p:spPr>
-          <a:xfrm>
-            <a:off x="1268825" y="4390275"/>
-            <a:ext cx="4586100" cy="2266500"/>
-          </a:xfrm>
-          <a:prstGeom prst="roundRect">
-            <a:avLst>
-              <a:gd name="adj" fmla="val 16667"/>
-            </a:avLst>
-          </a:prstGeom>
-          <a:noFill/>
-          <a:ln w="38100" cap="flat" cmpd="sng">
-            <a:solidFill>
-              <a:schemeClr val="accent1"/>
-            </a:solidFill>
-            <a:prstDash val="solid"/>
-            <a:round/>
-            <a:headEnd type="none" w="sm" len="sm"/>
-            <a:tailEnd type="none" w="sm" len="sm"/>
-          </a:ln>
-        </p:spPr>
-        <p:txBody>
-          <a:bodyPr spcFirstLastPara="1" wrap="square" lIns="91425" tIns="91425" rIns="91425" bIns="91425" anchor="ctr" anchorCtr="0">
-            <a:noAutofit/>
-          </a:bodyPr>
-          <a:lstStyle/>
-          <a:p>
-            <a:pPr marL="0" lvl="0" indent="0" algn="l" rtl="0">
-              <a:spcBef>
-                <a:spcPts val="0"/>
-              </a:spcBef>
-              <a:spcAft>
-                <a:spcPts val="0"/>
-              </a:spcAft>
-              <a:buNone/>
-            </a:pPr>
-            <a:endParaRPr>
-              <a:solidFill>
-                <a:schemeClr val="accent1"/>
-              </a:solidFill>
-            </a:endParaRPr>
-          </a:p>
-        </p:txBody>
-      </p:sp>
-      <p:sp>
-        <p:nvSpPr>
           <p:cNvPr id="155" name="Google Shape;155;p4"/>
           <p:cNvSpPr txBox="1">
             <a:spLocks noGrp="1"/>
@@ -36378,7 +38226,7 @@
               <a:buNone/>
             </a:pPr>
             <a:r>
-              <a:rPr lang="ja-JP" b="1">
+              <a:rPr lang="ja-JP" altLang="en-US" b="1" dirty="0">
                 <a:solidFill>
                   <a:schemeClr val="lt1"/>
                 </a:solidFill>
@@ -36387,17 +38235,9 @@
                 <a:cs typeface="Calibri"/>
                 <a:sym typeface="Calibri"/>
               </a:rPr>
-              <a:t>制作物</a:t>
+              <a:t>チーム紹介</a:t>
             </a:r>
-            <a:r>
-              <a:rPr lang="ja-JP" b="1">
-                <a:solidFill>
-                  <a:schemeClr val="lt1"/>
-                </a:solidFill>
-              </a:rPr>
-              <a:t>：概要</a:t>
-            </a:r>
-            <a:endParaRPr/>
+            <a:endParaRPr dirty="0"/>
           </a:p>
         </p:txBody>
       </p:sp>
@@ -37346,6 +39186,2776 @@
       </p:sp>
       <p:sp>
         <p:nvSpPr>
+          <p:cNvPr id="42" name="Google Shape;103;p1">
+            <a:extLst>
+              <a:ext uri="{FF2B5EF4-FFF2-40B4-BE49-F238E27FC236}">
+                <a16:creationId xmlns:a16="http://schemas.microsoft.com/office/drawing/2014/main" id="{7EAD2F04-6F02-4554-A02C-D06700F4B8BA}"/>
+              </a:ext>
+            </a:extLst>
+          </p:cNvPr>
+          <p:cNvSpPr txBox="1">
+            <a:spLocks/>
+          </p:cNvSpPr>
+          <p:nvPr/>
+        </p:nvSpPr>
+        <p:spPr>
+          <a:xfrm>
+            <a:off x="5547125" y="2106031"/>
+            <a:ext cx="6191198" cy="4163026"/>
+          </a:xfrm>
+          <a:prstGeom prst="rect">
+            <a:avLst/>
+          </a:prstGeom>
+          <a:noFill/>
+          <a:ln>
+            <a:noFill/>
+          </a:ln>
+        </p:spPr>
+        <p:txBody>
+          <a:bodyPr spcFirstLastPara="1" wrap="square" lIns="91425" tIns="45700" rIns="91425" bIns="45700" anchor="t" anchorCtr="0">
+            <a:normAutofit/>
+          </a:bodyPr>
+          <a:lstStyle>
+            <a:defPPr marR="0" lvl="0" algn="l" rtl="0">
+              <a:lnSpc>
+                <a:spcPct val="100000"/>
+              </a:lnSpc>
+              <a:spcBef>
+                <a:spcPts val="0"/>
+              </a:spcBef>
+              <a:spcAft>
+                <a:spcPts val="0"/>
+              </a:spcAft>
+            </a:defPPr>
+            <a:lvl1pPr marL="457200" marR="0" lvl="0" indent="-342900" algn="l" rtl="0">
+              <a:lnSpc>
+                <a:spcPct val="90000"/>
+              </a:lnSpc>
+              <a:spcBef>
+                <a:spcPts val="1000"/>
+              </a:spcBef>
+              <a:spcAft>
+                <a:spcPts val="0"/>
+              </a:spcAft>
+              <a:buClr>
+                <a:schemeClr val="dk1"/>
+              </a:buClr>
+              <a:buSzPts val="1800"/>
+              <a:buFont typeface="Arial"/>
+              <a:buChar char="•"/>
+              <a:defRPr sz="2800" b="0" i="0" u="none" strike="noStrike" cap="none">
+                <a:solidFill>
+                  <a:schemeClr val="dk1"/>
+                </a:solidFill>
+                <a:latin typeface="Calibri"/>
+                <a:ea typeface="Calibri"/>
+                <a:cs typeface="Calibri"/>
+                <a:sym typeface="Calibri"/>
+              </a:defRPr>
+            </a:lvl1pPr>
+            <a:lvl2pPr marL="914400" marR="0" lvl="1" indent="-342900" algn="l" rtl="0">
+              <a:lnSpc>
+                <a:spcPct val="90000"/>
+              </a:lnSpc>
+              <a:spcBef>
+                <a:spcPts val="500"/>
+              </a:spcBef>
+              <a:spcAft>
+                <a:spcPts val="0"/>
+              </a:spcAft>
+              <a:buClr>
+                <a:schemeClr val="dk1"/>
+              </a:buClr>
+              <a:buSzPts val="1800"/>
+              <a:buFont typeface="Arial"/>
+              <a:buChar char="•"/>
+              <a:defRPr sz="2400" b="0" i="0" u="none" strike="noStrike" cap="none">
+                <a:solidFill>
+                  <a:schemeClr val="dk1"/>
+                </a:solidFill>
+                <a:latin typeface="Calibri"/>
+                <a:ea typeface="Calibri"/>
+                <a:cs typeface="Calibri"/>
+                <a:sym typeface="Calibri"/>
+              </a:defRPr>
+            </a:lvl2pPr>
+            <a:lvl3pPr marL="1371600" marR="0" lvl="2" indent="-342900" algn="l" rtl="0">
+              <a:lnSpc>
+                <a:spcPct val="90000"/>
+              </a:lnSpc>
+              <a:spcBef>
+                <a:spcPts val="500"/>
+              </a:spcBef>
+              <a:spcAft>
+                <a:spcPts val="0"/>
+              </a:spcAft>
+              <a:buClr>
+                <a:schemeClr val="dk1"/>
+              </a:buClr>
+              <a:buSzPts val="1800"/>
+              <a:buFont typeface="Arial"/>
+              <a:buChar char="•"/>
+              <a:defRPr sz="2000" b="0" i="0" u="none" strike="noStrike" cap="none">
+                <a:solidFill>
+                  <a:schemeClr val="dk1"/>
+                </a:solidFill>
+                <a:latin typeface="Calibri"/>
+                <a:ea typeface="Calibri"/>
+                <a:cs typeface="Calibri"/>
+                <a:sym typeface="Calibri"/>
+              </a:defRPr>
+            </a:lvl3pPr>
+            <a:lvl4pPr marL="1828800" marR="0" lvl="3" indent="-342900" algn="l" rtl="0">
+              <a:lnSpc>
+                <a:spcPct val="90000"/>
+              </a:lnSpc>
+              <a:spcBef>
+                <a:spcPts val="500"/>
+              </a:spcBef>
+              <a:spcAft>
+                <a:spcPts val="0"/>
+              </a:spcAft>
+              <a:buClr>
+                <a:schemeClr val="dk1"/>
+              </a:buClr>
+              <a:buSzPts val="1800"/>
+              <a:buFont typeface="Arial"/>
+              <a:buChar char="•"/>
+              <a:defRPr sz="1800" b="0" i="0" u="none" strike="noStrike" cap="none">
+                <a:solidFill>
+                  <a:schemeClr val="dk1"/>
+                </a:solidFill>
+                <a:latin typeface="Calibri"/>
+                <a:ea typeface="Calibri"/>
+                <a:cs typeface="Calibri"/>
+                <a:sym typeface="Calibri"/>
+              </a:defRPr>
+            </a:lvl4pPr>
+            <a:lvl5pPr marL="2286000" marR="0" lvl="4" indent="-342900" algn="l" rtl="0">
+              <a:lnSpc>
+                <a:spcPct val="90000"/>
+              </a:lnSpc>
+              <a:spcBef>
+                <a:spcPts val="500"/>
+              </a:spcBef>
+              <a:spcAft>
+                <a:spcPts val="0"/>
+              </a:spcAft>
+              <a:buClr>
+                <a:schemeClr val="dk1"/>
+              </a:buClr>
+              <a:buSzPts val="1800"/>
+              <a:buFont typeface="Arial"/>
+              <a:buChar char="•"/>
+              <a:defRPr sz="1800" b="0" i="0" u="none" strike="noStrike" cap="none">
+                <a:solidFill>
+                  <a:schemeClr val="dk1"/>
+                </a:solidFill>
+                <a:latin typeface="Calibri"/>
+                <a:ea typeface="Calibri"/>
+                <a:cs typeface="Calibri"/>
+                <a:sym typeface="Calibri"/>
+              </a:defRPr>
+            </a:lvl5pPr>
+            <a:lvl6pPr marL="2743200" marR="0" lvl="5" indent="-342900" algn="l" rtl="0">
+              <a:lnSpc>
+                <a:spcPct val="90000"/>
+              </a:lnSpc>
+              <a:spcBef>
+                <a:spcPts val="500"/>
+              </a:spcBef>
+              <a:spcAft>
+                <a:spcPts val="0"/>
+              </a:spcAft>
+              <a:buClr>
+                <a:schemeClr val="dk1"/>
+              </a:buClr>
+              <a:buSzPts val="1800"/>
+              <a:buFont typeface="Arial"/>
+              <a:buChar char="•"/>
+              <a:defRPr sz="1800" b="0" i="0" u="none" strike="noStrike" cap="none">
+                <a:solidFill>
+                  <a:schemeClr val="dk1"/>
+                </a:solidFill>
+                <a:latin typeface="Calibri"/>
+                <a:ea typeface="Calibri"/>
+                <a:cs typeface="Calibri"/>
+                <a:sym typeface="Calibri"/>
+              </a:defRPr>
+            </a:lvl6pPr>
+            <a:lvl7pPr marL="3200400" marR="0" lvl="6" indent="-342900" algn="l" rtl="0">
+              <a:lnSpc>
+                <a:spcPct val="90000"/>
+              </a:lnSpc>
+              <a:spcBef>
+                <a:spcPts val="500"/>
+              </a:spcBef>
+              <a:spcAft>
+                <a:spcPts val="0"/>
+              </a:spcAft>
+              <a:buClr>
+                <a:schemeClr val="dk1"/>
+              </a:buClr>
+              <a:buSzPts val="1800"/>
+              <a:buFont typeface="Arial"/>
+              <a:buChar char="•"/>
+              <a:defRPr sz="1800" b="0" i="0" u="none" strike="noStrike" cap="none">
+                <a:solidFill>
+                  <a:schemeClr val="dk1"/>
+                </a:solidFill>
+                <a:latin typeface="Calibri"/>
+                <a:ea typeface="Calibri"/>
+                <a:cs typeface="Calibri"/>
+                <a:sym typeface="Calibri"/>
+              </a:defRPr>
+            </a:lvl7pPr>
+            <a:lvl8pPr marL="3657600" marR="0" lvl="7" indent="-342900" algn="l" rtl="0">
+              <a:lnSpc>
+                <a:spcPct val="90000"/>
+              </a:lnSpc>
+              <a:spcBef>
+                <a:spcPts val="500"/>
+              </a:spcBef>
+              <a:spcAft>
+                <a:spcPts val="0"/>
+              </a:spcAft>
+              <a:buClr>
+                <a:schemeClr val="dk1"/>
+              </a:buClr>
+              <a:buSzPts val="1800"/>
+              <a:buFont typeface="Arial"/>
+              <a:buChar char="•"/>
+              <a:defRPr sz="1800" b="0" i="0" u="none" strike="noStrike" cap="none">
+                <a:solidFill>
+                  <a:schemeClr val="dk1"/>
+                </a:solidFill>
+                <a:latin typeface="Calibri"/>
+                <a:ea typeface="Calibri"/>
+                <a:cs typeface="Calibri"/>
+                <a:sym typeface="Calibri"/>
+              </a:defRPr>
+            </a:lvl8pPr>
+            <a:lvl9pPr marL="4114800" marR="0" lvl="8" indent="-342900" algn="l" rtl="0">
+              <a:lnSpc>
+                <a:spcPct val="90000"/>
+              </a:lnSpc>
+              <a:spcBef>
+                <a:spcPts val="500"/>
+              </a:spcBef>
+              <a:spcAft>
+                <a:spcPts val="0"/>
+              </a:spcAft>
+              <a:buClr>
+                <a:schemeClr val="dk1"/>
+              </a:buClr>
+              <a:buSzPts val="1800"/>
+              <a:buFont typeface="Arial"/>
+              <a:buChar char="•"/>
+              <a:defRPr sz="1800" b="0" i="0" u="none" strike="noStrike" cap="none">
+                <a:solidFill>
+                  <a:schemeClr val="dk1"/>
+                </a:solidFill>
+                <a:latin typeface="Calibri"/>
+                <a:ea typeface="Calibri"/>
+                <a:cs typeface="Calibri"/>
+                <a:sym typeface="Calibri"/>
+              </a:defRPr>
+            </a:lvl9pPr>
+          </a:lstStyle>
+          <a:p>
+            <a:pPr marL="0" indent="0" algn="ctr">
+              <a:spcBef>
+                <a:spcPts val="0"/>
+              </a:spcBef>
+              <a:buClr>
+                <a:schemeClr val="lt1"/>
+              </a:buClr>
+              <a:buSzPts val="2960"/>
+              <a:buNone/>
+            </a:pPr>
+            <a:r>
+              <a:rPr lang="ja-JP" altLang="en-US" sz="2400" b="1" dirty="0">
+                <a:solidFill>
+                  <a:schemeClr val="accent1">
+                    <a:lumMod val="75000"/>
+                  </a:schemeClr>
+                </a:solidFill>
+                <a:latin typeface="Meiryo"/>
+                <a:ea typeface="Meiryo"/>
+                <a:cs typeface="Meiryo"/>
+                <a:sym typeface="Meiryo"/>
+              </a:rPr>
+              <a:t>グランドルール</a:t>
+            </a:r>
+            <a:endParaRPr lang="en-US" altLang="ja-JP" sz="2400" b="1" dirty="0">
+              <a:solidFill>
+                <a:schemeClr val="accent1">
+                  <a:lumMod val="75000"/>
+                </a:schemeClr>
+              </a:solidFill>
+              <a:latin typeface="Meiryo"/>
+              <a:ea typeface="Meiryo"/>
+              <a:cs typeface="Meiryo"/>
+              <a:sym typeface="Meiryo"/>
+            </a:endParaRPr>
+          </a:p>
+          <a:p>
+            <a:pPr marL="0" indent="0" algn="ctr">
+              <a:spcBef>
+                <a:spcPts val="0"/>
+              </a:spcBef>
+              <a:buClr>
+                <a:schemeClr val="lt1"/>
+              </a:buClr>
+              <a:buSzPts val="2960"/>
+              <a:buNone/>
+            </a:pPr>
+            <a:endParaRPr lang="en-US" altLang="ja-JP" sz="2400" b="1" dirty="0">
+              <a:solidFill>
+                <a:schemeClr val="accent1">
+                  <a:lumMod val="75000"/>
+                </a:schemeClr>
+              </a:solidFill>
+              <a:latin typeface="Meiryo"/>
+              <a:ea typeface="Meiryo"/>
+              <a:cs typeface="Meiryo"/>
+              <a:sym typeface="Meiryo"/>
+            </a:endParaRPr>
+          </a:p>
+          <a:p>
+            <a:pPr marL="0" indent="0">
+              <a:spcBef>
+                <a:spcPts val="0"/>
+              </a:spcBef>
+              <a:buClr>
+                <a:schemeClr val="lt1"/>
+              </a:buClr>
+              <a:buSzPts val="2960"/>
+              <a:buNone/>
+            </a:pPr>
+            <a:r>
+              <a:rPr lang="ja-JP" altLang="en-US" dirty="0">
+                <a:latin typeface="Meiryo"/>
+                <a:ea typeface="Meiryo"/>
+                <a:cs typeface="Meiryo"/>
+                <a:sym typeface="Meiryo"/>
+              </a:rPr>
+              <a:t>・</a:t>
+            </a:r>
+            <a:r>
+              <a:rPr lang="ja-JP" altLang="en-US" b="1" dirty="0">
+                <a:latin typeface="Meiryo"/>
+                <a:ea typeface="Meiryo"/>
+                <a:cs typeface="Meiryo"/>
+                <a:sym typeface="Meiryo"/>
+              </a:rPr>
+              <a:t>挨拶</a:t>
+            </a:r>
+            <a:r>
+              <a:rPr lang="ja-JP" altLang="en-US" dirty="0">
+                <a:latin typeface="Meiryo"/>
+                <a:ea typeface="Meiryo"/>
+                <a:cs typeface="Meiryo"/>
+                <a:sym typeface="Meiryo"/>
+              </a:rPr>
+              <a:t>をする</a:t>
+            </a:r>
+            <a:endParaRPr lang="en-US" altLang="ja-JP" dirty="0">
+              <a:latin typeface="Meiryo"/>
+              <a:ea typeface="Meiryo"/>
+              <a:cs typeface="Meiryo"/>
+              <a:sym typeface="Meiryo"/>
+            </a:endParaRPr>
+          </a:p>
+          <a:p>
+            <a:pPr marL="0" indent="0">
+              <a:spcBef>
+                <a:spcPts val="0"/>
+              </a:spcBef>
+              <a:buClr>
+                <a:schemeClr val="lt1"/>
+              </a:buClr>
+              <a:buSzPts val="2960"/>
+              <a:buNone/>
+            </a:pPr>
+            <a:endParaRPr lang="ja-JP" altLang="en-US" sz="1500" dirty="0">
+              <a:latin typeface="Meiryo"/>
+              <a:ea typeface="Meiryo"/>
+              <a:cs typeface="Meiryo"/>
+              <a:sym typeface="Meiryo"/>
+            </a:endParaRPr>
+          </a:p>
+          <a:p>
+            <a:pPr marL="0" indent="0">
+              <a:spcBef>
+                <a:spcPts val="0"/>
+              </a:spcBef>
+              <a:buClr>
+                <a:schemeClr val="lt1"/>
+              </a:buClr>
+              <a:buSzPts val="2960"/>
+              <a:buNone/>
+            </a:pPr>
+            <a:r>
+              <a:rPr lang="ja-JP" altLang="en-US" dirty="0">
+                <a:latin typeface="Meiryo"/>
+                <a:ea typeface="Meiryo"/>
+                <a:cs typeface="Meiryo"/>
+                <a:sym typeface="Meiryo"/>
+              </a:rPr>
+              <a:t>・疑問点をすぐに</a:t>
+            </a:r>
+            <a:r>
+              <a:rPr lang="ja-JP" altLang="en-US" b="1" dirty="0">
+                <a:latin typeface="Meiryo"/>
+                <a:ea typeface="Meiryo"/>
+                <a:cs typeface="Meiryo"/>
+                <a:sym typeface="Meiryo"/>
+              </a:rPr>
+              <a:t>全体共有</a:t>
+            </a:r>
+            <a:r>
+              <a:rPr lang="ja-JP" altLang="en-US" dirty="0">
+                <a:latin typeface="Meiryo"/>
+                <a:ea typeface="Meiryo"/>
+                <a:cs typeface="Meiryo"/>
+                <a:sym typeface="Meiryo"/>
+              </a:rPr>
+              <a:t>する</a:t>
+            </a:r>
+            <a:endParaRPr lang="en-US" altLang="ja-JP" dirty="0">
+              <a:latin typeface="Meiryo"/>
+              <a:ea typeface="Meiryo"/>
+              <a:cs typeface="Meiryo"/>
+              <a:sym typeface="Meiryo"/>
+            </a:endParaRPr>
+          </a:p>
+          <a:p>
+            <a:pPr marL="0" indent="0">
+              <a:spcBef>
+                <a:spcPts val="0"/>
+              </a:spcBef>
+              <a:buClr>
+                <a:schemeClr val="lt1"/>
+              </a:buClr>
+              <a:buSzPts val="2960"/>
+              <a:buNone/>
+            </a:pPr>
+            <a:endParaRPr lang="ja-JP" altLang="en-US" sz="1500" dirty="0">
+              <a:latin typeface="Meiryo"/>
+              <a:ea typeface="Meiryo"/>
+              <a:cs typeface="Meiryo"/>
+              <a:sym typeface="Meiryo"/>
+            </a:endParaRPr>
+          </a:p>
+          <a:p>
+            <a:pPr marL="0" indent="0">
+              <a:spcBef>
+                <a:spcPts val="0"/>
+              </a:spcBef>
+              <a:buClr>
+                <a:schemeClr val="lt1"/>
+              </a:buClr>
+              <a:buSzPts val="2960"/>
+              <a:buNone/>
+            </a:pPr>
+            <a:r>
+              <a:rPr lang="ja-JP" altLang="en-US" dirty="0">
+                <a:latin typeface="Meiryo"/>
+                <a:ea typeface="Meiryo"/>
+                <a:cs typeface="Meiryo"/>
+                <a:sym typeface="Meiryo"/>
+              </a:rPr>
+              <a:t>・</a:t>
+            </a:r>
+            <a:r>
+              <a:rPr lang="ja-JP" altLang="en-US" b="1" dirty="0">
+                <a:latin typeface="Meiryo"/>
+                <a:ea typeface="Meiryo"/>
+                <a:cs typeface="Meiryo"/>
+                <a:sym typeface="Meiryo"/>
+              </a:rPr>
+              <a:t>納期</a:t>
+            </a:r>
+            <a:r>
+              <a:rPr lang="ja-JP" altLang="en-US" dirty="0">
+                <a:latin typeface="Meiryo"/>
+                <a:ea typeface="Meiryo"/>
+                <a:cs typeface="Meiryo"/>
+                <a:sym typeface="Meiryo"/>
+              </a:rPr>
+              <a:t>優先</a:t>
+            </a:r>
+            <a:endParaRPr lang="en-US" altLang="ja-JP" dirty="0">
+              <a:latin typeface="Meiryo"/>
+              <a:ea typeface="Meiryo"/>
+              <a:cs typeface="Meiryo"/>
+              <a:sym typeface="Meiryo"/>
+            </a:endParaRPr>
+          </a:p>
+          <a:p>
+            <a:pPr marL="0" indent="0">
+              <a:spcBef>
+                <a:spcPts val="0"/>
+              </a:spcBef>
+              <a:buClr>
+                <a:schemeClr val="lt1"/>
+              </a:buClr>
+              <a:buSzPts val="2960"/>
+              <a:buNone/>
+            </a:pPr>
+            <a:endParaRPr lang="ja-JP" altLang="en-US" sz="1500" dirty="0">
+              <a:latin typeface="Meiryo"/>
+              <a:ea typeface="Meiryo"/>
+              <a:cs typeface="Meiryo"/>
+              <a:sym typeface="Meiryo"/>
+            </a:endParaRPr>
+          </a:p>
+          <a:p>
+            <a:pPr marL="0" indent="0">
+              <a:spcBef>
+                <a:spcPts val="0"/>
+              </a:spcBef>
+              <a:buClr>
+                <a:schemeClr val="lt1"/>
+              </a:buClr>
+              <a:buSzPts val="2960"/>
+              <a:buNone/>
+            </a:pPr>
+            <a:r>
+              <a:rPr lang="ja-JP" altLang="en-US" dirty="0">
+                <a:latin typeface="Meiryo"/>
+                <a:ea typeface="Meiryo"/>
+                <a:cs typeface="Meiryo"/>
+                <a:sym typeface="Meiryo"/>
+              </a:rPr>
+              <a:t>・意見に対し</a:t>
+            </a:r>
+            <a:r>
+              <a:rPr lang="ja-JP" altLang="en-US" b="1" dirty="0">
+                <a:latin typeface="Meiryo"/>
+                <a:ea typeface="Meiryo"/>
+                <a:cs typeface="Meiryo"/>
+                <a:sym typeface="Meiryo"/>
+              </a:rPr>
+              <a:t>反応</a:t>
+            </a:r>
+            <a:r>
+              <a:rPr lang="ja-JP" altLang="en-US" dirty="0">
+                <a:latin typeface="Meiryo"/>
+                <a:ea typeface="Meiryo"/>
+                <a:cs typeface="Meiryo"/>
+                <a:sym typeface="Meiryo"/>
+              </a:rPr>
+              <a:t>をする</a:t>
+            </a:r>
+            <a:endParaRPr lang="en-US" altLang="ja-JP" dirty="0">
+              <a:latin typeface="Meiryo"/>
+              <a:ea typeface="Meiryo"/>
+              <a:cs typeface="Meiryo"/>
+              <a:sym typeface="Meiryo"/>
+            </a:endParaRPr>
+          </a:p>
+          <a:p>
+            <a:pPr marL="0" indent="0">
+              <a:spcBef>
+                <a:spcPts val="0"/>
+              </a:spcBef>
+              <a:buClr>
+                <a:schemeClr val="lt1"/>
+              </a:buClr>
+              <a:buSzPts val="2960"/>
+              <a:buNone/>
+            </a:pPr>
+            <a:endParaRPr lang="ja-JP" altLang="en-US" sz="1500" dirty="0">
+              <a:latin typeface="Meiryo"/>
+              <a:ea typeface="Meiryo"/>
+              <a:cs typeface="Meiryo"/>
+              <a:sym typeface="Meiryo"/>
+            </a:endParaRPr>
+          </a:p>
+          <a:p>
+            <a:pPr marL="0" indent="0">
+              <a:spcBef>
+                <a:spcPts val="0"/>
+              </a:spcBef>
+              <a:buClr>
+                <a:schemeClr val="lt1"/>
+              </a:buClr>
+              <a:buSzPts val="2960"/>
+              <a:buNone/>
+            </a:pPr>
+            <a:r>
+              <a:rPr lang="ja-JP" altLang="en-US" dirty="0">
+                <a:latin typeface="Meiryo"/>
+                <a:ea typeface="Meiryo"/>
+                <a:cs typeface="Meiryo"/>
+                <a:sym typeface="Meiryo"/>
+              </a:rPr>
+              <a:t>・</a:t>
+            </a:r>
+            <a:r>
+              <a:rPr lang="ja-JP" altLang="en-US" b="1" dirty="0">
+                <a:latin typeface="Meiryo"/>
+                <a:ea typeface="Meiryo"/>
+                <a:cs typeface="Meiryo"/>
+                <a:sym typeface="Meiryo"/>
+              </a:rPr>
+              <a:t>休憩</a:t>
+            </a:r>
+            <a:r>
+              <a:rPr lang="ja-JP" altLang="en-US" dirty="0">
+                <a:latin typeface="Meiryo"/>
+                <a:ea typeface="Meiryo"/>
+                <a:cs typeface="Meiryo"/>
+                <a:sym typeface="Meiryo"/>
+              </a:rPr>
+              <a:t>を必ず取る</a:t>
+            </a:r>
+            <a:endParaRPr lang="en-US" dirty="0">
+              <a:latin typeface="Meiryo"/>
+              <a:ea typeface="Meiryo"/>
+              <a:cs typeface="Meiryo"/>
+              <a:sym typeface="Meiryo"/>
+            </a:endParaRPr>
+          </a:p>
+        </p:txBody>
+      </p:sp>
+      <p:sp>
+        <p:nvSpPr>
+          <p:cNvPr id="43" name="Google Shape;103;p1">
+            <a:extLst>
+              <a:ext uri="{FF2B5EF4-FFF2-40B4-BE49-F238E27FC236}">
+                <a16:creationId xmlns:a16="http://schemas.microsoft.com/office/drawing/2014/main" id="{E2A6C46F-91AE-432E-A3A2-1704F391CDD9}"/>
+              </a:ext>
+            </a:extLst>
+          </p:cNvPr>
+          <p:cNvSpPr txBox="1">
+            <a:spLocks/>
+          </p:cNvSpPr>
+          <p:nvPr/>
+        </p:nvSpPr>
+        <p:spPr>
+          <a:xfrm>
+            <a:off x="1093134" y="1933733"/>
+            <a:ext cx="4308860" cy="4758000"/>
+          </a:xfrm>
+          <a:prstGeom prst="rect">
+            <a:avLst/>
+          </a:prstGeom>
+          <a:noFill/>
+          <a:ln>
+            <a:noFill/>
+          </a:ln>
+        </p:spPr>
+        <p:txBody>
+          <a:bodyPr spcFirstLastPara="1" wrap="square" lIns="91425" tIns="45700" rIns="91425" bIns="45700" anchor="t" anchorCtr="0">
+            <a:normAutofit/>
+          </a:bodyPr>
+          <a:lstStyle>
+            <a:defPPr marR="0" lvl="0" algn="l" rtl="0">
+              <a:lnSpc>
+                <a:spcPct val="100000"/>
+              </a:lnSpc>
+              <a:spcBef>
+                <a:spcPts val="0"/>
+              </a:spcBef>
+              <a:spcAft>
+                <a:spcPts val="0"/>
+              </a:spcAft>
+            </a:defPPr>
+            <a:lvl1pPr marL="457200" marR="0" lvl="0" indent="-342900" algn="l" rtl="0">
+              <a:lnSpc>
+                <a:spcPct val="90000"/>
+              </a:lnSpc>
+              <a:spcBef>
+                <a:spcPts val="1000"/>
+              </a:spcBef>
+              <a:spcAft>
+                <a:spcPts val="0"/>
+              </a:spcAft>
+              <a:buClr>
+                <a:schemeClr val="dk1"/>
+              </a:buClr>
+              <a:buSzPts val="1800"/>
+              <a:buFont typeface="Arial"/>
+              <a:buChar char="•"/>
+              <a:defRPr sz="2800" b="0" i="0" u="none" strike="noStrike" cap="none">
+                <a:solidFill>
+                  <a:schemeClr val="dk1"/>
+                </a:solidFill>
+                <a:latin typeface="Calibri"/>
+                <a:ea typeface="Calibri"/>
+                <a:cs typeface="Calibri"/>
+                <a:sym typeface="Calibri"/>
+              </a:defRPr>
+            </a:lvl1pPr>
+            <a:lvl2pPr marL="914400" marR="0" lvl="1" indent="-342900" algn="l" rtl="0">
+              <a:lnSpc>
+                <a:spcPct val="90000"/>
+              </a:lnSpc>
+              <a:spcBef>
+                <a:spcPts val="500"/>
+              </a:spcBef>
+              <a:spcAft>
+                <a:spcPts val="0"/>
+              </a:spcAft>
+              <a:buClr>
+                <a:schemeClr val="dk1"/>
+              </a:buClr>
+              <a:buSzPts val="1800"/>
+              <a:buFont typeface="Arial"/>
+              <a:buChar char="•"/>
+              <a:defRPr sz="2400" b="0" i="0" u="none" strike="noStrike" cap="none">
+                <a:solidFill>
+                  <a:schemeClr val="dk1"/>
+                </a:solidFill>
+                <a:latin typeface="Calibri"/>
+                <a:ea typeface="Calibri"/>
+                <a:cs typeface="Calibri"/>
+                <a:sym typeface="Calibri"/>
+              </a:defRPr>
+            </a:lvl2pPr>
+            <a:lvl3pPr marL="1371600" marR="0" lvl="2" indent="-342900" algn="l" rtl="0">
+              <a:lnSpc>
+                <a:spcPct val="90000"/>
+              </a:lnSpc>
+              <a:spcBef>
+                <a:spcPts val="500"/>
+              </a:spcBef>
+              <a:spcAft>
+                <a:spcPts val="0"/>
+              </a:spcAft>
+              <a:buClr>
+                <a:schemeClr val="dk1"/>
+              </a:buClr>
+              <a:buSzPts val="1800"/>
+              <a:buFont typeface="Arial"/>
+              <a:buChar char="•"/>
+              <a:defRPr sz="2000" b="0" i="0" u="none" strike="noStrike" cap="none">
+                <a:solidFill>
+                  <a:schemeClr val="dk1"/>
+                </a:solidFill>
+                <a:latin typeface="Calibri"/>
+                <a:ea typeface="Calibri"/>
+                <a:cs typeface="Calibri"/>
+                <a:sym typeface="Calibri"/>
+              </a:defRPr>
+            </a:lvl3pPr>
+            <a:lvl4pPr marL="1828800" marR="0" lvl="3" indent="-342900" algn="l" rtl="0">
+              <a:lnSpc>
+                <a:spcPct val="90000"/>
+              </a:lnSpc>
+              <a:spcBef>
+                <a:spcPts val="500"/>
+              </a:spcBef>
+              <a:spcAft>
+                <a:spcPts val="0"/>
+              </a:spcAft>
+              <a:buClr>
+                <a:schemeClr val="dk1"/>
+              </a:buClr>
+              <a:buSzPts val="1800"/>
+              <a:buFont typeface="Arial"/>
+              <a:buChar char="•"/>
+              <a:defRPr sz="1800" b="0" i="0" u="none" strike="noStrike" cap="none">
+                <a:solidFill>
+                  <a:schemeClr val="dk1"/>
+                </a:solidFill>
+                <a:latin typeface="Calibri"/>
+                <a:ea typeface="Calibri"/>
+                <a:cs typeface="Calibri"/>
+                <a:sym typeface="Calibri"/>
+              </a:defRPr>
+            </a:lvl4pPr>
+            <a:lvl5pPr marL="2286000" marR="0" lvl="4" indent="-342900" algn="l" rtl="0">
+              <a:lnSpc>
+                <a:spcPct val="90000"/>
+              </a:lnSpc>
+              <a:spcBef>
+                <a:spcPts val="500"/>
+              </a:spcBef>
+              <a:spcAft>
+                <a:spcPts val="0"/>
+              </a:spcAft>
+              <a:buClr>
+                <a:schemeClr val="dk1"/>
+              </a:buClr>
+              <a:buSzPts val="1800"/>
+              <a:buFont typeface="Arial"/>
+              <a:buChar char="•"/>
+              <a:defRPr sz="1800" b="0" i="0" u="none" strike="noStrike" cap="none">
+                <a:solidFill>
+                  <a:schemeClr val="dk1"/>
+                </a:solidFill>
+                <a:latin typeface="Calibri"/>
+                <a:ea typeface="Calibri"/>
+                <a:cs typeface="Calibri"/>
+                <a:sym typeface="Calibri"/>
+              </a:defRPr>
+            </a:lvl5pPr>
+            <a:lvl6pPr marL="2743200" marR="0" lvl="5" indent="-342900" algn="l" rtl="0">
+              <a:lnSpc>
+                <a:spcPct val="90000"/>
+              </a:lnSpc>
+              <a:spcBef>
+                <a:spcPts val="500"/>
+              </a:spcBef>
+              <a:spcAft>
+                <a:spcPts val="0"/>
+              </a:spcAft>
+              <a:buClr>
+                <a:schemeClr val="dk1"/>
+              </a:buClr>
+              <a:buSzPts val="1800"/>
+              <a:buFont typeface="Arial"/>
+              <a:buChar char="•"/>
+              <a:defRPr sz="1800" b="0" i="0" u="none" strike="noStrike" cap="none">
+                <a:solidFill>
+                  <a:schemeClr val="dk1"/>
+                </a:solidFill>
+                <a:latin typeface="Calibri"/>
+                <a:ea typeface="Calibri"/>
+                <a:cs typeface="Calibri"/>
+                <a:sym typeface="Calibri"/>
+              </a:defRPr>
+            </a:lvl6pPr>
+            <a:lvl7pPr marL="3200400" marR="0" lvl="6" indent="-342900" algn="l" rtl="0">
+              <a:lnSpc>
+                <a:spcPct val="90000"/>
+              </a:lnSpc>
+              <a:spcBef>
+                <a:spcPts val="500"/>
+              </a:spcBef>
+              <a:spcAft>
+                <a:spcPts val="0"/>
+              </a:spcAft>
+              <a:buClr>
+                <a:schemeClr val="dk1"/>
+              </a:buClr>
+              <a:buSzPts val="1800"/>
+              <a:buFont typeface="Arial"/>
+              <a:buChar char="•"/>
+              <a:defRPr sz="1800" b="0" i="0" u="none" strike="noStrike" cap="none">
+                <a:solidFill>
+                  <a:schemeClr val="dk1"/>
+                </a:solidFill>
+                <a:latin typeface="Calibri"/>
+                <a:ea typeface="Calibri"/>
+                <a:cs typeface="Calibri"/>
+                <a:sym typeface="Calibri"/>
+              </a:defRPr>
+            </a:lvl7pPr>
+            <a:lvl8pPr marL="3657600" marR="0" lvl="7" indent="-342900" algn="l" rtl="0">
+              <a:lnSpc>
+                <a:spcPct val="90000"/>
+              </a:lnSpc>
+              <a:spcBef>
+                <a:spcPts val="500"/>
+              </a:spcBef>
+              <a:spcAft>
+                <a:spcPts val="0"/>
+              </a:spcAft>
+              <a:buClr>
+                <a:schemeClr val="dk1"/>
+              </a:buClr>
+              <a:buSzPts val="1800"/>
+              <a:buFont typeface="Arial"/>
+              <a:buChar char="•"/>
+              <a:defRPr sz="1800" b="0" i="0" u="none" strike="noStrike" cap="none">
+                <a:solidFill>
+                  <a:schemeClr val="dk1"/>
+                </a:solidFill>
+                <a:latin typeface="Calibri"/>
+                <a:ea typeface="Calibri"/>
+                <a:cs typeface="Calibri"/>
+                <a:sym typeface="Calibri"/>
+              </a:defRPr>
+            </a:lvl8pPr>
+            <a:lvl9pPr marL="4114800" marR="0" lvl="8" indent="-342900" algn="l" rtl="0">
+              <a:lnSpc>
+                <a:spcPct val="90000"/>
+              </a:lnSpc>
+              <a:spcBef>
+                <a:spcPts val="500"/>
+              </a:spcBef>
+              <a:spcAft>
+                <a:spcPts val="0"/>
+              </a:spcAft>
+              <a:buClr>
+                <a:schemeClr val="dk1"/>
+              </a:buClr>
+              <a:buSzPts val="1800"/>
+              <a:buFont typeface="Arial"/>
+              <a:buChar char="•"/>
+              <a:defRPr sz="1800" b="0" i="0" u="none" strike="noStrike" cap="none">
+                <a:solidFill>
+                  <a:schemeClr val="dk1"/>
+                </a:solidFill>
+                <a:latin typeface="Calibri"/>
+                <a:ea typeface="Calibri"/>
+                <a:cs typeface="Calibri"/>
+                <a:sym typeface="Calibri"/>
+              </a:defRPr>
+            </a:lvl9pPr>
+          </a:lstStyle>
+          <a:p>
+            <a:pPr marL="0" indent="0" algn="ctr">
+              <a:buClr>
+                <a:srgbClr val="00B0F0"/>
+              </a:buClr>
+              <a:buSzPts val="2590"/>
+              <a:buFont typeface="Arial"/>
+              <a:buNone/>
+            </a:pPr>
+            <a:r>
+              <a:rPr lang="ja-JP" altLang="en-US" sz="2400" b="1" dirty="0">
+                <a:solidFill>
+                  <a:schemeClr val="accent1">
+                    <a:lumMod val="75000"/>
+                  </a:schemeClr>
+                </a:solidFill>
+                <a:latin typeface="Meiryo"/>
+                <a:ea typeface="Meiryo"/>
+                <a:cs typeface="Meiryo"/>
+                <a:sym typeface="Meiryo"/>
+              </a:rPr>
+              <a:t>チーム名</a:t>
+            </a:r>
+            <a:endParaRPr lang="en-US" altLang="ja-JP" sz="2400" b="1" dirty="0">
+              <a:solidFill>
+                <a:schemeClr val="accent1">
+                  <a:lumMod val="75000"/>
+                </a:schemeClr>
+              </a:solidFill>
+              <a:latin typeface="Meiryo"/>
+              <a:ea typeface="Meiryo"/>
+              <a:cs typeface="Meiryo"/>
+              <a:sym typeface="Meiryo"/>
+            </a:endParaRPr>
+          </a:p>
+          <a:p>
+            <a:pPr marL="0" indent="0">
+              <a:buClr>
+                <a:srgbClr val="00B0F0"/>
+              </a:buClr>
+              <a:buSzPts val="2590"/>
+              <a:buFont typeface="Arial"/>
+              <a:buNone/>
+            </a:pPr>
+            <a:r>
+              <a:rPr lang="en-US" altLang="ja-JP" sz="3200" b="1" dirty="0">
+                <a:solidFill>
+                  <a:srgbClr val="00B0F0"/>
+                </a:solidFill>
+                <a:latin typeface="Meiryo"/>
+                <a:ea typeface="Meiryo"/>
+                <a:cs typeface="Meiryo"/>
+                <a:sym typeface="Meiryo"/>
+              </a:rPr>
+              <a:t>   S </a:t>
+            </a:r>
+            <a:r>
+              <a:rPr lang="en-US" altLang="ja-JP" sz="3200" dirty="0" err="1">
+                <a:latin typeface="Meiryo"/>
+                <a:ea typeface="Meiryo"/>
+                <a:cs typeface="Meiryo"/>
+                <a:sym typeface="Meiryo"/>
+              </a:rPr>
+              <a:t>uzuki</a:t>
+            </a:r>
+            <a:r>
+              <a:rPr lang="ja-JP" altLang="en-US" sz="3200" dirty="0">
+                <a:latin typeface="Meiryo"/>
+                <a:ea typeface="Meiryo"/>
+                <a:cs typeface="Meiryo"/>
+                <a:sym typeface="Meiryo"/>
+              </a:rPr>
+              <a:t>　</a:t>
+            </a:r>
+            <a:endParaRPr lang="en-US" altLang="ja-JP" sz="3200" dirty="0">
+              <a:latin typeface="Meiryo"/>
+              <a:ea typeface="Meiryo"/>
+              <a:cs typeface="Meiryo"/>
+              <a:sym typeface="Meiryo"/>
+            </a:endParaRPr>
+          </a:p>
+          <a:p>
+            <a:pPr marL="0" indent="0">
+              <a:buClr>
+                <a:srgbClr val="00B0F0"/>
+              </a:buClr>
+              <a:buSzPts val="2590"/>
+              <a:buFont typeface="Arial"/>
+              <a:buNone/>
+            </a:pPr>
+            <a:r>
+              <a:rPr lang="en-US" altLang="ja-JP" sz="3200" b="1" dirty="0">
+                <a:solidFill>
+                  <a:srgbClr val="00B0F0"/>
+                </a:solidFill>
+                <a:latin typeface="Meiryo"/>
+                <a:ea typeface="Meiryo"/>
+                <a:cs typeface="Meiryo"/>
+                <a:sym typeface="Meiryo"/>
+              </a:rPr>
+              <a:t>   H </a:t>
+            </a:r>
+            <a:r>
+              <a:rPr lang="en-US" altLang="ja-JP" sz="3200" dirty="0" err="1">
+                <a:latin typeface="Meiryo"/>
+                <a:ea typeface="Meiryo"/>
+                <a:cs typeface="Meiryo"/>
+                <a:sym typeface="Meiryo"/>
+              </a:rPr>
+              <a:t>ideta</a:t>
+            </a:r>
+            <a:endParaRPr lang="en-US" altLang="ja-JP" sz="3200" dirty="0">
+              <a:latin typeface="Meiryo"/>
+              <a:ea typeface="Meiryo"/>
+              <a:cs typeface="Meiryo"/>
+              <a:sym typeface="Meiryo"/>
+            </a:endParaRPr>
+          </a:p>
+          <a:p>
+            <a:pPr marL="0" indent="0">
+              <a:buClr>
+                <a:srgbClr val="00B0F0"/>
+              </a:buClr>
+              <a:buSzPts val="2590"/>
+              <a:buFont typeface="Arial"/>
+              <a:buNone/>
+            </a:pPr>
+            <a:r>
+              <a:rPr lang="en-US" altLang="ja-JP" sz="3200" b="1" dirty="0">
+                <a:solidFill>
+                  <a:srgbClr val="00B0F0"/>
+                </a:solidFill>
+                <a:latin typeface="Meiryo"/>
+                <a:ea typeface="Meiryo"/>
+                <a:cs typeface="Meiryo"/>
+                <a:sym typeface="Meiryo"/>
+              </a:rPr>
+              <a:t>   O </a:t>
+            </a:r>
+            <a:r>
+              <a:rPr lang="en-US" altLang="ja-JP" sz="3200" dirty="0" err="1">
+                <a:latin typeface="Meiryo"/>
+                <a:ea typeface="Meiryo"/>
+                <a:cs typeface="Meiryo"/>
+                <a:sym typeface="Meiryo"/>
+              </a:rPr>
+              <a:t>ishi</a:t>
+            </a:r>
+            <a:endParaRPr lang="en-US" altLang="ja-JP" sz="3200" dirty="0">
+              <a:latin typeface="Meiryo"/>
+              <a:ea typeface="Meiryo"/>
+              <a:cs typeface="Meiryo"/>
+              <a:sym typeface="Meiryo"/>
+            </a:endParaRPr>
+          </a:p>
+          <a:p>
+            <a:pPr marL="0" indent="0">
+              <a:buClr>
+                <a:srgbClr val="00B0F0"/>
+              </a:buClr>
+              <a:buSzPts val="2590"/>
+              <a:buFont typeface="Arial"/>
+              <a:buNone/>
+            </a:pPr>
+            <a:r>
+              <a:rPr lang="en-US" altLang="ja-JP" sz="3200" b="1" dirty="0">
+                <a:solidFill>
+                  <a:srgbClr val="00B0F0"/>
+                </a:solidFill>
+                <a:latin typeface="Meiryo"/>
+                <a:ea typeface="Meiryo"/>
+                <a:cs typeface="Meiryo"/>
+                <a:sym typeface="Meiryo"/>
+              </a:rPr>
+              <a:t>   C </a:t>
+            </a:r>
+            <a:r>
+              <a:rPr lang="en-US" altLang="ja-JP" sz="3200" dirty="0" err="1">
+                <a:latin typeface="Meiryo"/>
+                <a:ea typeface="Meiryo"/>
+                <a:cs typeface="Meiryo"/>
+                <a:sym typeface="Meiryo"/>
+              </a:rPr>
+              <a:t>hino</a:t>
+            </a:r>
+            <a:endParaRPr lang="en-US" altLang="ja-JP" sz="3200" dirty="0">
+              <a:latin typeface="Meiryo"/>
+              <a:ea typeface="Meiryo"/>
+              <a:cs typeface="Meiryo"/>
+              <a:sym typeface="Meiryo"/>
+            </a:endParaRPr>
+          </a:p>
+          <a:p>
+            <a:pPr marL="0" indent="0">
+              <a:buClr>
+                <a:srgbClr val="00B0F0"/>
+              </a:buClr>
+              <a:buSzPts val="2590"/>
+              <a:buFont typeface="Arial"/>
+              <a:buNone/>
+            </a:pPr>
+            <a:r>
+              <a:rPr lang="en-US" altLang="ja-JP" sz="3200" b="1" dirty="0">
+                <a:solidFill>
+                  <a:srgbClr val="00B0F0"/>
+                </a:solidFill>
+                <a:latin typeface="Meiryo"/>
+                <a:ea typeface="Meiryo"/>
+                <a:cs typeface="Meiryo"/>
+                <a:sym typeface="Meiryo"/>
+              </a:rPr>
+              <a:t>   K </a:t>
+            </a:r>
+            <a:r>
+              <a:rPr lang="en-US" altLang="ja-JP" sz="3200" dirty="0" err="1">
+                <a:latin typeface="Meiryo"/>
+                <a:ea typeface="Meiryo"/>
+                <a:cs typeface="Meiryo"/>
+                <a:sym typeface="Meiryo"/>
+              </a:rPr>
+              <a:t>awabe</a:t>
+            </a:r>
+            <a:endParaRPr lang="en-US" altLang="ja-JP" sz="3200" dirty="0">
+              <a:latin typeface="Meiryo"/>
+              <a:ea typeface="Meiryo"/>
+              <a:cs typeface="Meiryo"/>
+              <a:sym typeface="Meiryo"/>
+            </a:endParaRPr>
+          </a:p>
+          <a:p>
+            <a:pPr marL="0" indent="0">
+              <a:buClr>
+                <a:srgbClr val="00B0F0"/>
+              </a:buClr>
+              <a:buSzPts val="2590"/>
+              <a:buFont typeface="Arial"/>
+              <a:buNone/>
+            </a:pPr>
+            <a:endParaRPr lang="en-US" altLang="ja-JP" sz="1000" b="1" dirty="0">
+              <a:latin typeface="Meiryo"/>
+              <a:ea typeface="Meiryo"/>
+              <a:cs typeface="Meiryo"/>
+              <a:sym typeface="Meiryo"/>
+            </a:endParaRPr>
+          </a:p>
+          <a:p>
+            <a:pPr marL="0" indent="0">
+              <a:buClr>
+                <a:srgbClr val="00B0F0"/>
+              </a:buClr>
+              <a:buSzPts val="2590"/>
+              <a:buNone/>
+            </a:pPr>
+            <a:r>
+              <a:rPr lang="en-US" altLang="ja-JP" b="1" dirty="0">
+                <a:latin typeface="Meiryo"/>
+                <a:ea typeface="Meiryo"/>
+                <a:cs typeface="Meiryo"/>
+                <a:sym typeface="Meiryo"/>
+              </a:rPr>
+              <a:t>      </a:t>
+            </a:r>
+            <a:r>
+              <a:rPr lang="en-US" altLang="ja-JP" b="1" dirty="0">
+                <a:highlight>
+                  <a:srgbClr val="000000"/>
+                </a:highlight>
+                <a:latin typeface="Meiryo"/>
+                <a:ea typeface="Meiryo"/>
+                <a:cs typeface="Meiryo"/>
+                <a:sym typeface="Meiryo"/>
+              </a:rPr>
+              <a:t>  </a:t>
+            </a:r>
+            <a:r>
+              <a:rPr lang="en-US" altLang="ja-JP" sz="5400" b="1" dirty="0">
+                <a:solidFill>
+                  <a:schemeClr val="bg1"/>
+                </a:solidFill>
+                <a:highlight>
+                  <a:srgbClr val="000000"/>
+                </a:highlight>
+                <a:latin typeface="Meiryo"/>
+                <a:ea typeface="Meiryo"/>
+                <a:cs typeface="Meiryo"/>
+                <a:sym typeface="Meiryo"/>
+              </a:rPr>
+              <a:t>SHOCK </a:t>
+            </a:r>
+            <a:r>
+              <a:rPr lang="en-US" altLang="ja-JP" sz="600" b="1" dirty="0">
+                <a:solidFill>
+                  <a:srgbClr val="F2F2F2"/>
+                </a:solidFill>
+                <a:latin typeface="Meiryo"/>
+                <a:ea typeface="Meiryo"/>
+                <a:cs typeface="Meiryo"/>
+                <a:sym typeface="Meiryo"/>
+              </a:rPr>
+              <a:t>a</a:t>
+            </a:r>
+            <a:r>
+              <a:rPr lang="en-US" altLang="ja-JP" sz="5400" b="1" dirty="0">
+                <a:solidFill>
+                  <a:schemeClr val="bg1"/>
+                </a:solidFill>
+                <a:latin typeface="Meiryo"/>
+                <a:ea typeface="Meiryo"/>
+                <a:cs typeface="Meiryo"/>
+                <a:sym typeface="Meiryo"/>
+              </a:rPr>
+              <a:t> </a:t>
+            </a:r>
+            <a:endParaRPr lang="en-US" altLang="ja-JP" sz="5400" dirty="0">
+              <a:solidFill>
+                <a:schemeClr val="bg1"/>
+              </a:solidFill>
+              <a:latin typeface="Meiryo"/>
+              <a:ea typeface="Meiryo"/>
+              <a:cs typeface="Meiryo"/>
+              <a:sym typeface="Meiryo"/>
+            </a:endParaRPr>
+          </a:p>
+          <a:p>
+            <a:pPr marL="0" indent="0">
+              <a:buClr>
+                <a:srgbClr val="00B0F0"/>
+              </a:buClr>
+              <a:buSzPts val="2590"/>
+              <a:buFont typeface="Arial"/>
+              <a:buNone/>
+            </a:pPr>
+            <a:endParaRPr lang="en-US" sz="2590" dirty="0">
+              <a:latin typeface="Meiryo"/>
+              <a:ea typeface="Meiryo"/>
+              <a:cs typeface="Meiryo"/>
+              <a:sym typeface="Meiryo"/>
+            </a:endParaRPr>
+          </a:p>
+        </p:txBody>
+      </p:sp>
+      <p:pic>
+        <p:nvPicPr>
+          <p:cNvPr id="44" name="Google Shape;482;g89c571fa45_1_156">
+            <a:extLst>
+              <a:ext uri="{FF2B5EF4-FFF2-40B4-BE49-F238E27FC236}">
+                <a16:creationId xmlns:a16="http://schemas.microsoft.com/office/drawing/2014/main" id="{C64BE79D-0326-47AB-AB1A-B47AB7890055}"/>
+              </a:ext>
+            </a:extLst>
+          </p:cNvPr>
+          <p:cNvPicPr preferRelativeResize="0"/>
+          <p:nvPr/>
+        </p:nvPicPr>
+        <p:blipFill>
+          <a:blip r:embed="rId3">
+            <a:alphaModFix/>
+          </a:blip>
+          <a:stretch>
+            <a:fillRect/>
+          </a:stretch>
+        </p:blipFill>
+        <p:spPr>
+          <a:xfrm rot="5400000">
+            <a:off x="1054030" y="5453074"/>
+            <a:ext cx="466638" cy="926115"/>
+          </a:xfrm>
+          <a:prstGeom prst="rect">
+            <a:avLst/>
+          </a:prstGeom>
+          <a:noFill/>
+          <a:ln>
+            <a:noFill/>
+          </a:ln>
+        </p:spPr>
+      </p:pic>
+      <p:sp>
+        <p:nvSpPr>
+          <p:cNvPr id="45" name="Google Shape;146;g89c571fa45_1_278">
+            <a:extLst>
+              <a:ext uri="{FF2B5EF4-FFF2-40B4-BE49-F238E27FC236}">
+                <a16:creationId xmlns:a16="http://schemas.microsoft.com/office/drawing/2014/main" id="{D65A8C91-D480-47FE-95DF-528760590DC5}"/>
+              </a:ext>
+            </a:extLst>
+          </p:cNvPr>
+          <p:cNvSpPr/>
+          <p:nvPr/>
+        </p:nvSpPr>
+        <p:spPr>
+          <a:xfrm flipH="1">
+            <a:off x="4232357" y="5378353"/>
+            <a:ext cx="694494" cy="621324"/>
+          </a:xfrm>
+          <a:prstGeom prst="lightningBolt">
+            <a:avLst/>
+          </a:prstGeom>
+          <a:solidFill>
+            <a:srgbClr val="FFFF00"/>
+          </a:solidFill>
+          <a:ln>
+            <a:noFill/>
+          </a:ln>
+        </p:spPr>
+        <p:txBody>
+          <a:bodyPr spcFirstLastPara="1" wrap="square" lIns="91425" tIns="45700" rIns="91425" bIns="45700" anchor="ctr" anchorCtr="0">
+            <a:noAutofit/>
+          </a:bodyPr>
+          <a:lstStyle/>
+          <a:p>
+            <a:pPr marL="0" marR="0" lvl="0" indent="0" algn="ctr" rtl="0">
+              <a:spcBef>
+                <a:spcPts val="0"/>
+              </a:spcBef>
+              <a:spcAft>
+                <a:spcPts val="0"/>
+              </a:spcAft>
+              <a:buNone/>
+            </a:pPr>
+            <a:endParaRPr sz="1800" b="0" i="0" u="none" strike="noStrike" cap="none">
+              <a:solidFill>
+                <a:schemeClr val="lt1"/>
+              </a:solidFill>
+              <a:latin typeface="Calibri"/>
+              <a:ea typeface="Calibri"/>
+              <a:cs typeface="Calibri"/>
+              <a:sym typeface="Calibri"/>
+            </a:endParaRPr>
+          </a:p>
+        </p:txBody>
+      </p:sp>
+      <p:cxnSp>
+        <p:nvCxnSpPr>
+          <p:cNvPr id="3" name="直線コネクタ 2">
+            <a:extLst>
+              <a:ext uri="{FF2B5EF4-FFF2-40B4-BE49-F238E27FC236}">
+                <a16:creationId xmlns:a16="http://schemas.microsoft.com/office/drawing/2014/main" id="{438B4456-9374-46D1-9D61-E864EE541221}"/>
+              </a:ext>
+            </a:extLst>
+          </p:cNvPr>
+          <p:cNvCxnSpPr/>
+          <p:nvPr/>
+        </p:nvCxnSpPr>
+        <p:spPr>
+          <a:xfrm>
+            <a:off x="1561514" y="2841674"/>
+            <a:ext cx="1547446" cy="0"/>
+          </a:xfrm>
+          <a:prstGeom prst="line">
+            <a:avLst/>
+          </a:prstGeom>
+        </p:spPr>
+        <p:style>
+          <a:lnRef idx="1">
+            <a:schemeClr val="dk1"/>
+          </a:lnRef>
+          <a:fillRef idx="0">
+            <a:schemeClr val="dk1"/>
+          </a:fillRef>
+          <a:effectRef idx="0">
+            <a:schemeClr val="dk1"/>
+          </a:effectRef>
+          <a:fontRef idx="minor">
+            <a:schemeClr val="tx1"/>
+          </a:fontRef>
+        </p:style>
+      </p:cxnSp>
+      <p:cxnSp>
+        <p:nvCxnSpPr>
+          <p:cNvPr id="48" name="直線コネクタ 47">
+            <a:extLst>
+              <a:ext uri="{FF2B5EF4-FFF2-40B4-BE49-F238E27FC236}">
+                <a16:creationId xmlns:a16="http://schemas.microsoft.com/office/drawing/2014/main" id="{2A3E60B7-06F8-4CE1-A326-3BF8224E0C86}"/>
+              </a:ext>
+            </a:extLst>
+          </p:cNvPr>
+          <p:cNvCxnSpPr/>
+          <p:nvPr/>
+        </p:nvCxnSpPr>
+        <p:spPr>
+          <a:xfrm>
+            <a:off x="1561514" y="3414933"/>
+            <a:ext cx="1547446" cy="0"/>
+          </a:xfrm>
+          <a:prstGeom prst="line">
+            <a:avLst/>
+          </a:prstGeom>
+        </p:spPr>
+        <p:style>
+          <a:lnRef idx="1">
+            <a:schemeClr val="dk1"/>
+          </a:lnRef>
+          <a:fillRef idx="0">
+            <a:schemeClr val="dk1"/>
+          </a:fillRef>
+          <a:effectRef idx="0">
+            <a:schemeClr val="dk1"/>
+          </a:effectRef>
+          <a:fontRef idx="minor">
+            <a:schemeClr val="tx1"/>
+          </a:fontRef>
+        </p:style>
+      </p:cxnSp>
+      <p:cxnSp>
+        <p:nvCxnSpPr>
+          <p:cNvPr id="49" name="直線コネクタ 48">
+            <a:extLst>
+              <a:ext uri="{FF2B5EF4-FFF2-40B4-BE49-F238E27FC236}">
+                <a16:creationId xmlns:a16="http://schemas.microsoft.com/office/drawing/2014/main" id="{02F34EB3-FA14-4CAC-9A83-16A4BBCE6F5F}"/>
+              </a:ext>
+            </a:extLst>
+          </p:cNvPr>
+          <p:cNvCxnSpPr/>
+          <p:nvPr/>
+        </p:nvCxnSpPr>
+        <p:spPr>
+          <a:xfrm>
+            <a:off x="1561514" y="3986706"/>
+            <a:ext cx="1547446" cy="0"/>
+          </a:xfrm>
+          <a:prstGeom prst="line">
+            <a:avLst/>
+          </a:prstGeom>
+        </p:spPr>
+        <p:style>
+          <a:lnRef idx="1">
+            <a:schemeClr val="dk1"/>
+          </a:lnRef>
+          <a:fillRef idx="0">
+            <a:schemeClr val="dk1"/>
+          </a:fillRef>
+          <a:effectRef idx="0">
+            <a:schemeClr val="dk1"/>
+          </a:effectRef>
+          <a:fontRef idx="minor">
+            <a:schemeClr val="tx1"/>
+          </a:fontRef>
+        </p:style>
+      </p:cxnSp>
+      <p:cxnSp>
+        <p:nvCxnSpPr>
+          <p:cNvPr id="50" name="直線コネクタ 49">
+            <a:extLst>
+              <a:ext uri="{FF2B5EF4-FFF2-40B4-BE49-F238E27FC236}">
+                <a16:creationId xmlns:a16="http://schemas.microsoft.com/office/drawing/2014/main" id="{E041706D-20F7-47ED-8CCD-31C06D46BDA1}"/>
+              </a:ext>
+            </a:extLst>
+          </p:cNvPr>
+          <p:cNvCxnSpPr/>
+          <p:nvPr/>
+        </p:nvCxnSpPr>
+        <p:spPr>
+          <a:xfrm>
+            <a:off x="1561514" y="4549413"/>
+            <a:ext cx="1547446" cy="0"/>
+          </a:xfrm>
+          <a:prstGeom prst="line">
+            <a:avLst/>
+          </a:prstGeom>
+        </p:spPr>
+        <p:style>
+          <a:lnRef idx="1">
+            <a:schemeClr val="dk1"/>
+          </a:lnRef>
+          <a:fillRef idx="0">
+            <a:schemeClr val="dk1"/>
+          </a:fillRef>
+          <a:effectRef idx="0">
+            <a:schemeClr val="dk1"/>
+          </a:effectRef>
+          <a:fontRef idx="minor">
+            <a:schemeClr val="tx1"/>
+          </a:fontRef>
+        </p:style>
+      </p:cxnSp>
+      <p:cxnSp>
+        <p:nvCxnSpPr>
+          <p:cNvPr id="51" name="直線コネクタ 50">
+            <a:extLst>
+              <a:ext uri="{FF2B5EF4-FFF2-40B4-BE49-F238E27FC236}">
+                <a16:creationId xmlns:a16="http://schemas.microsoft.com/office/drawing/2014/main" id="{C00356E6-C946-4BCD-8BA8-5BDC624068CA}"/>
+              </a:ext>
+            </a:extLst>
+          </p:cNvPr>
+          <p:cNvCxnSpPr>
+            <a:cxnSpLocks/>
+          </p:cNvCxnSpPr>
+          <p:nvPr/>
+        </p:nvCxnSpPr>
+        <p:spPr>
+          <a:xfrm>
+            <a:off x="1561514" y="5111039"/>
+            <a:ext cx="1758461" cy="0"/>
+          </a:xfrm>
+          <a:prstGeom prst="line">
+            <a:avLst/>
+          </a:prstGeom>
+        </p:spPr>
+        <p:style>
+          <a:lnRef idx="1">
+            <a:schemeClr val="dk1"/>
+          </a:lnRef>
+          <a:fillRef idx="0">
+            <a:schemeClr val="dk1"/>
+          </a:fillRef>
+          <a:effectRef idx="0">
+            <a:schemeClr val="dk1"/>
+          </a:effectRef>
+          <a:fontRef idx="minor">
+            <a:schemeClr val="tx1"/>
+          </a:fontRef>
+        </p:style>
+      </p:cxnSp>
+    </p:spTree>
+  </p:cSld>
+  <p:clrMapOvr>
+    <a:masterClrMapping/>
+  </p:clrMapOvr>
+</p:sld>
+</file>
+
+<file path=ppt/slides/slide5.xml><?xml version="1.0" encoding="utf-8"?>
+<p:sld xmlns:a="http://schemas.openxmlformats.org/drawingml/2006/main" xmlns:r="http://schemas.openxmlformats.org/officeDocument/2006/relationships" xmlns:p="http://schemas.openxmlformats.org/presentationml/2006/main">
+  <p:cSld>
+    <p:bg>
+      <p:bgPr>
+        <a:solidFill>
+          <a:srgbClr val="3F3F3F"/>
+        </a:solidFill>
+        <a:effectLst/>
+      </p:bgPr>
+    </p:bg>
+    <p:spTree>
+      <p:nvGrpSpPr>
+        <p:cNvPr id="1" name="Shape 150"/>
+        <p:cNvGrpSpPr/>
+        <p:nvPr/>
+      </p:nvGrpSpPr>
+      <p:grpSpPr>
+        <a:xfrm>
+          <a:off x="0" y="0"/>
+          <a:ext cx="0" cy="0"/>
+          <a:chOff x="0" y="0"/>
+          <a:chExt cx="0" cy="0"/>
+        </a:xfrm>
+      </p:grpSpPr>
+      <p:sp>
+        <p:nvSpPr>
+          <p:cNvPr id="151" name="Google Shape;151;p4"/>
+          <p:cNvSpPr/>
+          <p:nvPr/>
+        </p:nvSpPr>
+        <p:spPr>
+          <a:xfrm>
+            <a:off x="0" y="1690689"/>
+            <a:ext cx="12192000" cy="5167312"/>
+          </a:xfrm>
+          <a:prstGeom prst="roundRect">
+            <a:avLst>
+              <a:gd name="adj" fmla="val 15977"/>
+            </a:avLst>
+          </a:prstGeom>
+          <a:solidFill>
+            <a:srgbClr val="D9D9D9"/>
+          </a:solidFill>
+          <a:ln>
+            <a:noFill/>
+          </a:ln>
+        </p:spPr>
+        <p:txBody>
+          <a:bodyPr spcFirstLastPara="1" wrap="square" lIns="91425" tIns="45700" rIns="91425" bIns="45700" anchor="ctr" anchorCtr="0">
+            <a:noAutofit/>
+          </a:bodyPr>
+          <a:lstStyle/>
+          <a:p>
+            <a:pPr marL="0" marR="0" lvl="0" indent="0" algn="ctr" rtl="0">
+              <a:spcBef>
+                <a:spcPts val="0"/>
+              </a:spcBef>
+              <a:spcAft>
+                <a:spcPts val="0"/>
+              </a:spcAft>
+              <a:buNone/>
+            </a:pPr>
+            <a:endParaRPr sz="1800" b="0" i="0" u="none" strike="noStrike" cap="none">
+              <a:solidFill>
+                <a:schemeClr val="lt1"/>
+              </a:solidFill>
+              <a:latin typeface="Calibri"/>
+              <a:ea typeface="Calibri"/>
+              <a:cs typeface="Calibri"/>
+              <a:sym typeface="Calibri"/>
+            </a:endParaRPr>
+          </a:p>
+        </p:txBody>
+      </p:sp>
+      <p:sp>
+        <p:nvSpPr>
+          <p:cNvPr id="152" name="Google Shape;152;p4"/>
+          <p:cNvSpPr/>
+          <p:nvPr/>
+        </p:nvSpPr>
+        <p:spPr>
+          <a:xfrm>
+            <a:off x="0" y="1825626"/>
+            <a:ext cx="12192000" cy="5032500"/>
+          </a:xfrm>
+          <a:prstGeom prst="roundRect">
+            <a:avLst>
+              <a:gd name="adj" fmla="val 18344"/>
+            </a:avLst>
+          </a:prstGeom>
+          <a:solidFill>
+            <a:srgbClr val="F7F7F7"/>
+          </a:solidFill>
+          <a:ln>
+            <a:noFill/>
+          </a:ln>
+        </p:spPr>
+        <p:txBody>
+          <a:bodyPr spcFirstLastPara="1" wrap="square" lIns="91425" tIns="45700" rIns="91425" bIns="45700" anchor="ctr" anchorCtr="0">
+            <a:noAutofit/>
+          </a:bodyPr>
+          <a:lstStyle/>
+          <a:p>
+            <a:pPr marL="0" marR="0" lvl="0" indent="0" algn="ctr" rtl="0">
+              <a:spcBef>
+                <a:spcPts val="0"/>
+              </a:spcBef>
+              <a:spcAft>
+                <a:spcPts val="0"/>
+              </a:spcAft>
+              <a:buNone/>
+            </a:pPr>
+            <a:endParaRPr sz="1800" b="0" i="0" u="none" strike="noStrike" cap="none">
+              <a:solidFill>
+                <a:schemeClr val="lt1"/>
+              </a:solidFill>
+              <a:latin typeface="Calibri"/>
+              <a:ea typeface="Calibri"/>
+              <a:cs typeface="Calibri"/>
+              <a:sym typeface="Calibri"/>
+            </a:endParaRPr>
+          </a:p>
+        </p:txBody>
+      </p:sp>
+      <p:sp>
+        <p:nvSpPr>
+          <p:cNvPr id="153" name="Google Shape;153;p4"/>
+          <p:cNvSpPr/>
+          <p:nvPr/>
+        </p:nvSpPr>
+        <p:spPr>
+          <a:xfrm>
+            <a:off x="0" y="5993027"/>
+            <a:ext cx="12192000" cy="864973"/>
+          </a:xfrm>
+          <a:prstGeom prst="rect">
+            <a:avLst/>
+          </a:prstGeom>
+          <a:solidFill>
+            <a:srgbClr val="F7F7F7"/>
+          </a:solidFill>
+          <a:ln>
+            <a:noFill/>
+          </a:ln>
+        </p:spPr>
+        <p:txBody>
+          <a:bodyPr spcFirstLastPara="1" wrap="square" lIns="91425" tIns="45700" rIns="91425" bIns="45700" anchor="ctr" anchorCtr="0">
+            <a:noAutofit/>
+          </a:bodyPr>
+          <a:lstStyle/>
+          <a:p>
+            <a:pPr marL="0" marR="0" lvl="0" indent="0" algn="ctr" rtl="0">
+              <a:spcBef>
+                <a:spcPts val="0"/>
+              </a:spcBef>
+              <a:spcAft>
+                <a:spcPts val="0"/>
+              </a:spcAft>
+              <a:buNone/>
+            </a:pPr>
+            <a:endParaRPr sz="1800" b="0" i="0" u="none" strike="noStrike" cap="none">
+              <a:solidFill>
+                <a:schemeClr val="lt1"/>
+              </a:solidFill>
+              <a:latin typeface="Calibri"/>
+              <a:ea typeface="Calibri"/>
+              <a:cs typeface="Calibri"/>
+              <a:sym typeface="Calibri"/>
+            </a:endParaRPr>
+          </a:p>
+        </p:txBody>
+      </p:sp>
+      <p:sp>
+        <p:nvSpPr>
+          <p:cNvPr id="154" name="Google Shape;154;p4"/>
+          <p:cNvSpPr/>
+          <p:nvPr/>
+        </p:nvSpPr>
+        <p:spPr>
+          <a:xfrm>
+            <a:off x="1268825" y="4390275"/>
+            <a:ext cx="4586100" cy="2266500"/>
+          </a:xfrm>
+          <a:prstGeom prst="roundRect">
+            <a:avLst>
+              <a:gd name="adj" fmla="val 16667"/>
+            </a:avLst>
+          </a:prstGeom>
+          <a:noFill/>
+          <a:ln w="38100" cap="flat" cmpd="sng">
+            <a:solidFill>
+              <a:schemeClr val="accent1"/>
+            </a:solidFill>
+            <a:prstDash val="solid"/>
+            <a:round/>
+            <a:headEnd type="none" w="sm" len="sm"/>
+            <a:tailEnd type="none" w="sm" len="sm"/>
+          </a:ln>
+        </p:spPr>
+        <p:txBody>
+          <a:bodyPr spcFirstLastPara="1" wrap="square" lIns="91425" tIns="91425" rIns="91425" bIns="91425" anchor="ctr" anchorCtr="0">
+            <a:noAutofit/>
+          </a:bodyPr>
+          <a:lstStyle/>
+          <a:p>
+            <a:pPr marL="0" lvl="0" indent="0" algn="l" rtl="0">
+              <a:spcBef>
+                <a:spcPts val="0"/>
+              </a:spcBef>
+              <a:spcAft>
+                <a:spcPts val="0"/>
+              </a:spcAft>
+              <a:buNone/>
+            </a:pPr>
+            <a:endParaRPr>
+              <a:solidFill>
+                <a:schemeClr val="accent1"/>
+              </a:solidFill>
+            </a:endParaRPr>
+          </a:p>
+        </p:txBody>
+      </p:sp>
+      <p:sp>
+        <p:nvSpPr>
+          <p:cNvPr id="155" name="Google Shape;155;p4"/>
+          <p:cNvSpPr txBox="1">
+            <a:spLocks noGrp="1"/>
+          </p:cNvSpPr>
+          <p:nvPr>
+            <p:ph type="title"/>
+          </p:nvPr>
+        </p:nvSpPr>
+        <p:spPr>
+          <a:xfrm>
+            <a:off x="838200" y="365000"/>
+            <a:ext cx="10515600" cy="1325700"/>
+          </a:xfrm>
+          <a:prstGeom prst="rect">
+            <a:avLst/>
+          </a:prstGeom>
+          <a:noFill/>
+          <a:ln>
+            <a:noFill/>
+          </a:ln>
+        </p:spPr>
+        <p:txBody>
+          <a:bodyPr spcFirstLastPara="1" wrap="square" lIns="91425" tIns="45700" rIns="91425" bIns="45700" anchor="ctr" anchorCtr="0">
+            <a:normAutofit/>
+          </a:bodyPr>
+          <a:lstStyle/>
+          <a:p>
+            <a:pPr marL="0" lvl="0" indent="0" algn="l" rtl="0">
+              <a:lnSpc>
+                <a:spcPct val="90000"/>
+              </a:lnSpc>
+              <a:spcBef>
+                <a:spcPts val="0"/>
+              </a:spcBef>
+              <a:spcAft>
+                <a:spcPts val="0"/>
+              </a:spcAft>
+              <a:buClr>
+                <a:schemeClr val="lt1"/>
+              </a:buClr>
+              <a:buSzPts val="4400"/>
+              <a:buFont typeface="Calibri"/>
+              <a:buNone/>
+            </a:pPr>
+            <a:r>
+              <a:rPr lang="ja-JP" b="1">
+                <a:solidFill>
+                  <a:schemeClr val="lt1"/>
+                </a:solidFill>
+                <a:latin typeface="Calibri"/>
+                <a:ea typeface="Calibri"/>
+                <a:cs typeface="Calibri"/>
+                <a:sym typeface="Calibri"/>
+              </a:rPr>
+              <a:t>制作物</a:t>
+            </a:r>
+            <a:r>
+              <a:rPr lang="ja-JP" b="1">
+                <a:solidFill>
+                  <a:schemeClr val="lt1"/>
+                </a:solidFill>
+              </a:rPr>
+              <a:t>：概要</a:t>
+            </a:r>
+            <a:endParaRPr/>
+          </a:p>
+        </p:txBody>
+      </p:sp>
+      <p:grpSp>
+        <p:nvGrpSpPr>
+          <p:cNvPr id="156" name="Google Shape;156;p4"/>
+          <p:cNvGrpSpPr/>
+          <p:nvPr/>
+        </p:nvGrpSpPr>
+        <p:grpSpPr>
+          <a:xfrm rot="-2819268">
+            <a:off x="10263869" y="5248897"/>
+            <a:ext cx="1985986" cy="1049866"/>
+            <a:chOff x="9674942" y="5386312"/>
+            <a:chExt cx="1985987" cy="1049866"/>
+          </a:xfrm>
+        </p:grpSpPr>
+        <p:sp>
+          <p:nvSpPr>
+            <p:cNvPr id="157" name="Google Shape;157;p4"/>
+            <p:cNvSpPr/>
+            <p:nvPr/>
+          </p:nvSpPr>
+          <p:spPr>
+            <a:xfrm>
+              <a:off x="9674942" y="5619135"/>
+              <a:ext cx="501445" cy="811162"/>
+            </a:xfrm>
+            <a:prstGeom prst="roundRect">
+              <a:avLst>
+                <a:gd name="adj" fmla="val 32825"/>
+              </a:avLst>
+            </a:prstGeom>
+            <a:noFill/>
+            <a:ln w="57150" cap="flat" cmpd="sng">
+              <a:solidFill>
+                <a:srgbClr val="31538F"/>
+              </a:solidFill>
+              <a:prstDash val="solid"/>
+              <a:miter lim="800000"/>
+              <a:headEnd type="none" w="sm" len="sm"/>
+              <a:tailEnd type="none" w="sm" len="sm"/>
+            </a:ln>
+          </p:spPr>
+          <p:txBody>
+            <a:bodyPr spcFirstLastPara="1" wrap="square" lIns="91425" tIns="45700" rIns="91425" bIns="45700" anchor="ctr" anchorCtr="0">
+              <a:noAutofit/>
+            </a:bodyPr>
+            <a:lstStyle/>
+            <a:p>
+              <a:pPr marL="0" marR="0" lvl="0" indent="0" algn="ctr" rtl="0">
+                <a:lnSpc>
+                  <a:spcPct val="100000"/>
+                </a:lnSpc>
+                <a:spcBef>
+                  <a:spcPts val="0"/>
+                </a:spcBef>
+                <a:spcAft>
+                  <a:spcPts val="0"/>
+                </a:spcAft>
+                <a:buClr>
+                  <a:schemeClr val="lt1"/>
+                </a:buClr>
+                <a:buSzPts val="1800"/>
+                <a:buFont typeface="Calibri"/>
+                <a:buNone/>
+              </a:pPr>
+              <a:endParaRPr sz="1800" b="0" i="0" u="none" strike="noStrike" cap="none">
+                <a:solidFill>
+                  <a:srgbClr val="FFFFFF"/>
+                </a:solidFill>
+                <a:latin typeface="Calibri"/>
+                <a:ea typeface="Calibri"/>
+                <a:cs typeface="Calibri"/>
+                <a:sym typeface="Calibri"/>
+              </a:endParaRPr>
+            </a:p>
+          </p:txBody>
+        </p:sp>
+        <p:sp>
+          <p:nvSpPr>
+            <p:cNvPr id="158" name="Google Shape;158;p4"/>
+            <p:cNvSpPr/>
+            <p:nvPr/>
+          </p:nvSpPr>
+          <p:spPr>
+            <a:xfrm>
+              <a:off x="10176387" y="5625016"/>
+              <a:ext cx="1189952" cy="811162"/>
+            </a:xfrm>
+            <a:prstGeom prst="roundRect">
+              <a:avLst>
+                <a:gd name="adj" fmla="val 15702"/>
+              </a:avLst>
+            </a:prstGeom>
+            <a:noFill/>
+            <a:ln w="57150" cap="flat" cmpd="sng">
+              <a:solidFill>
+                <a:srgbClr val="31538F"/>
+              </a:solidFill>
+              <a:prstDash val="solid"/>
+              <a:miter lim="800000"/>
+              <a:headEnd type="none" w="sm" len="sm"/>
+              <a:tailEnd type="none" w="sm" len="sm"/>
+            </a:ln>
+          </p:spPr>
+          <p:txBody>
+            <a:bodyPr spcFirstLastPara="1" wrap="square" lIns="91425" tIns="45700" rIns="91425" bIns="45700" anchor="ctr" anchorCtr="0">
+              <a:noAutofit/>
+            </a:bodyPr>
+            <a:lstStyle/>
+            <a:p>
+              <a:pPr marL="0" marR="0" lvl="0" indent="0" algn="ctr" rtl="0">
+                <a:lnSpc>
+                  <a:spcPct val="100000"/>
+                </a:lnSpc>
+                <a:spcBef>
+                  <a:spcPts val="0"/>
+                </a:spcBef>
+                <a:spcAft>
+                  <a:spcPts val="0"/>
+                </a:spcAft>
+                <a:buClr>
+                  <a:schemeClr val="lt1"/>
+                </a:buClr>
+                <a:buSzPts val="1800"/>
+                <a:buFont typeface="Calibri"/>
+                <a:buNone/>
+              </a:pPr>
+              <a:endParaRPr sz="1800" b="0" i="0" u="none" strike="noStrike" cap="none">
+                <a:solidFill>
+                  <a:srgbClr val="FFFFFF"/>
+                </a:solidFill>
+                <a:latin typeface="Calibri"/>
+                <a:ea typeface="Calibri"/>
+                <a:cs typeface="Calibri"/>
+                <a:sym typeface="Calibri"/>
+              </a:endParaRPr>
+            </a:p>
+          </p:txBody>
+        </p:sp>
+        <p:sp>
+          <p:nvSpPr>
+            <p:cNvPr id="159" name="Google Shape;159;p4"/>
+            <p:cNvSpPr/>
+            <p:nvPr/>
+          </p:nvSpPr>
+          <p:spPr>
+            <a:xfrm>
+              <a:off x="10989120" y="5619134"/>
+              <a:ext cx="377219" cy="399701"/>
+            </a:xfrm>
+            <a:prstGeom prst="roundRect">
+              <a:avLst>
+                <a:gd name="adj" fmla="val 15702"/>
+              </a:avLst>
+            </a:prstGeom>
+            <a:noFill/>
+            <a:ln w="57150" cap="flat" cmpd="sng">
+              <a:solidFill>
+                <a:srgbClr val="31538F"/>
+              </a:solidFill>
+              <a:prstDash val="solid"/>
+              <a:miter lim="800000"/>
+              <a:headEnd type="none" w="sm" len="sm"/>
+              <a:tailEnd type="none" w="sm" len="sm"/>
+            </a:ln>
+          </p:spPr>
+          <p:txBody>
+            <a:bodyPr spcFirstLastPara="1" wrap="square" lIns="91425" tIns="45700" rIns="91425" bIns="45700" anchor="ctr" anchorCtr="0">
+              <a:noAutofit/>
+            </a:bodyPr>
+            <a:lstStyle/>
+            <a:p>
+              <a:pPr marL="0" marR="0" lvl="0" indent="0" algn="ctr" rtl="0">
+                <a:lnSpc>
+                  <a:spcPct val="100000"/>
+                </a:lnSpc>
+                <a:spcBef>
+                  <a:spcPts val="0"/>
+                </a:spcBef>
+                <a:spcAft>
+                  <a:spcPts val="0"/>
+                </a:spcAft>
+                <a:buClr>
+                  <a:schemeClr val="lt1"/>
+                </a:buClr>
+                <a:buSzPts val="1800"/>
+                <a:buFont typeface="Calibri"/>
+                <a:buNone/>
+              </a:pPr>
+              <a:endParaRPr sz="1800" b="0" i="0" u="none" strike="noStrike" cap="none">
+                <a:solidFill>
+                  <a:srgbClr val="FFFFFF"/>
+                </a:solidFill>
+                <a:latin typeface="Calibri"/>
+                <a:ea typeface="Calibri"/>
+                <a:cs typeface="Calibri"/>
+                <a:sym typeface="Calibri"/>
+              </a:endParaRPr>
+            </a:p>
+          </p:txBody>
+        </p:sp>
+        <p:cxnSp>
+          <p:nvCxnSpPr>
+            <p:cNvPr id="160" name="Google Shape;160;p4"/>
+            <p:cNvCxnSpPr/>
+            <p:nvPr/>
+          </p:nvCxnSpPr>
+          <p:spPr>
+            <a:xfrm>
+              <a:off x="10989120" y="5619134"/>
+              <a:ext cx="377219" cy="399701"/>
+            </a:xfrm>
+            <a:prstGeom prst="straightConnector1">
+              <a:avLst/>
+            </a:prstGeom>
+            <a:noFill/>
+            <a:ln w="57150" cap="flat" cmpd="sng">
+              <a:solidFill>
+                <a:srgbClr val="2F528F"/>
+              </a:solidFill>
+              <a:prstDash val="solid"/>
+              <a:miter lim="800000"/>
+              <a:headEnd type="none" w="sm" len="sm"/>
+              <a:tailEnd type="none" w="sm" len="sm"/>
+            </a:ln>
+          </p:spPr>
+        </p:cxnSp>
+        <p:sp>
+          <p:nvSpPr>
+            <p:cNvPr id="161" name="Google Shape;161;p4"/>
+            <p:cNvSpPr/>
+            <p:nvPr/>
+          </p:nvSpPr>
+          <p:spPr>
+            <a:xfrm rot="2831779">
+              <a:off x="11000274" y="5581042"/>
+              <a:ext cx="658780" cy="292900"/>
+            </a:xfrm>
+            <a:prstGeom prst="rect">
+              <a:avLst/>
+            </a:prstGeom>
+            <a:solidFill>
+              <a:srgbClr val="F7F7F7"/>
+            </a:solidFill>
+            <a:ln>
+              <a:noFill/>
+            </a:ln>
+          </p:spPr>
+          <p:txBody>
+            <a:bodyPr spcFirstLastPara="1" wrap="square" lIns="91425" tIns="45700" rIns="91425" bIns="45700" anchor="ctr" anchorCtr="0">
+              <a:noAutofit/>
+            </a:bodyPr>
+            <a:lstStyle/>
+            <a:p>
+              <a:pPr marL="0" marR="0" lvl="0" indent="0" algn="ctr" rtl="0">
+                <a:lnSpc>
+                  <a:spcPct val="100000"/>
+                </a:lnSpc>
+                <a:spcBef>
+                  <a:spcPts val="0"/>
+                </a:spcBef>
+                <a:spcAft>
+                  <a:spcPts val="0"/>
+                </a:spcAft>
+                <a:buClr>
+                  <a:schemeClr val="lt1"/>
+                </a:buClr>
+                <a:buSzPts val="1800"/>
+                <a:buFont typeface="Calibri"/>
+                <a:buNone/>
+              </a:pPr>
+              <a:endParaRPr sz="1800" b="0" i="0" u="none" strike="noStrike" cap="none">
+                <a:solidFill>
+                  <a:srgbClr val="FFFFFF"/>
+                </a:solidFill>
+                <a:latin typeface="Calibri"/>
+                <a:ea typeface="Calibri"/>
+                <a:cs typeface="Calibri"/>
+                <a:sym typeface="Calibri"/>
+              </a:endParaRPr>
+            </a:p>
+          </p:txBody>
+        </p:sp>
+        <p:sp>
+          <p:nvSpPr>
+            <p:cNvPr id="162" name="Google Shape;162;p4"/>
+            <p:cNvSpPr/>
+            <p:nvPr/>
+          </p:nvSpPr>
+          <p:spPr>
+            <a:xfrm>
+              <a:off x="10101660" y="5800275"/>
+              <a:ext cx="183263" cy="70173"/>
+            </a:xfrm>
+            <a:prstGeom prst="rect">
+              <a:avLst/>
+            </a:prstGeom>
+            <a:solidFill>
+              <a:srgbClr val="F7F7F7"/>
+            </a:solidFill>
+            <a:ln>
+              <a:noFill/>
+            </a:ln>
+          </p:spPr>
+          <p:txBody>
+            <a:bodyPr spcFirstLastPara="1" wrap="square" lIns="91425" tIns="45700" rIns="91425" bIns="45700" anchor="ctr" anchorCtr="0">
+              <a:noAutofit/>
+            </a:bodyPr>
+            <a:lstStyle/>
+            <a:p>
+              <a:pPr marL="0" marR="0" lvl="0" indent="0" algn="ctr" rtl="0">
+                <a:lnSpc>
+                  <a:spcPct val="100000"/>
+                </a:lnSpc>
+                <a:spcBef>
+                  <a:spcPts val="0"/>
+                </a:spcBef>
+                <a:spcAft>
+                  <a:spcPts val="0"/>
+                </a:spcAft>
+                <a:buClr>
+                  <a:schemeClr val="lt1"/>
+                </a:buClr>
+                <a:buSzPts val="1800"/>
+                <a:buFont typeface="Calibri"/>
+                <a:buNone/>
+              </a:pPr>
+              <a:endParaRPr sz="1800" b="0" i="0" u="none" strike="noStrike" cap="none">
+                <a:solidFill>
+                  <a:srgbClr val="FFFFFF"/>
+                </a:solidFill>
+                <a:latin typeface="Calibri"/>
+                <a:ea typeface="Calibri"/>
+                <a:cs typeface="Calibri"/>
+                <a:sym typeface="Calibri"/>
+              </a:endParaRPr>
+            </a:p>
+          </p:txBody>
+        </p:sp>
+        <p:sp>
+          <p:nvSpPr>
+            <p:cNvPr id="163" name="Google Shape;163;p4"/>
+            <p:cNvSpPr/>
+            <p:nvPr/>
+          </p:nvSpPr>
+          <p:spPr>
+            <a:xfrm>
+              <a:off x="10149252" y="5954543"/>
+              <a:ext cx="183263" cy="70173"/>
+            </a:xfrm>
+            <a:prstGeom prst="rect">
+              <a:avLst/>
+            </a:prstGeom>
+            <a:solidFill>
+              <a:srgbClr val="F7F7F7"/>
+            </a:solidFill>
+            <a:ln>
+              <a:noFill/>
+            </a:ln>
+          </p:spPr>
+          <p:txBody>
+            <a:bodyPr spcFirstLastPara="1" wrap="square" lIns="91425" tIns="45700" rIns="91425" bIns="45700" anchor="ctr" anchorCtr="0">
+              <a:noAutofit/>
+            </a:bodyPr>
+            <a:lstStyle/>
+            <a:p>
+              <a:pPr marL="0" marR="0" lvl="0" indent="0" algn="ctr" rtl="0">
+                <a:lnSpc>
+                  <a:spcPct val="100000"/>
+                </a:lnSpc>
+                <a:spcBef>
+                  <a:spcPts val="0"/>
+                </a:spcBef>
+                <a:spcAft>
+                  <a:spcPts val="0"/>
+                </a:spcAft>
+                <a:buClr>
+                  <a:schemeClr val="lt1"/>
+                </a:buClr>
+                <a:buSzPts val="1800"/>
+                <a:buFont typeface="Calibri"/>
+                <a:buNone/>
+              </a:pPr>
+              <a:endParaRPr sz="1800" b="0" i="0" u="none" strike="noStrike" cap="none">
+                <a:solidFill>
+                  <a:srgbClr val="FFFFFF"/>
+                </a:solidFill>
+                <a:latin typeface="Calibri"/>
+                <a:ea typeface="Calibri"/>
+                <a:cs typeface="Calibri"/>
+                <a:sym typeface="Calibri"/>
+              </a:endParaRPr>
+            </a:p>
+          </p:txBody>
+        </p:sp>
+        <p:sp>
+          <p:nvSpPr>
+            <p:cNvPr id="164" name="Google Shape;164;p4"/>
+            <p:cNvSpPr/>
+            <p:nvPr/>
+          </p:nvSpPr>
+          <p:spPr>
+            <a:xfrm>
+              <a:off x="10122117" y="6115286"/>
+              <a:ext cx="183263" cy="70173"/>
+            </a:xfrm>
+            <a:prstGeom prst="rect">
+              <a:avLst/>
+            </a:prstGeom>
+            <a:solidFill>
+              <a:srgbClr val="F7F7F7"/>
+            </a:solidFill>
+            <a:ln>
+              <a:noFill/>
+            </a:ln>
+          </p:spPr>
+          <p:txBody>
+            <a:bodyPr spcFirstLastPara="1" wrap="square" lIns="91425" tIns="45700" rIns="91425" bIns="45700" anchor="ctr" anchorCtr="0">
+              <a:noAutofit/>
+            </a:bodyPr>
+            <a:lstStyle/>
+            <a:p>
+              <a:pPr marL="0" marR="0" lvl="0" indent="0" algn="ctr" rtl="0">
+                <a:lnSpc>
+                  <a:spcPct val="100000"/>
+                </a:lnSpc>
+                <a:spcBef>
+                  <a:spcPts val="0"/>
+                </a:spcBef>
+                <a:spcAft>
+                  <a:spcPts val="0"/>
+                </a:spcAft>
+                <a:buClr>
+                  <a:schemeClr val="lt1"/>
+                </a:buClr>
+                <a:buSzPts val="1800"/>
+                <a:buFont typeface="Calibri"/>
+                <a:buNone/>
+              </a:pPr>
+              <a:endParaRPr sz="1800" b="0" i="0" u="none" strike="noStrike" cap="none">
+                <a:solidFill>
+                  <a:srgbClr val="FFFFFF"/>
+                </a:solidFill>
+                <a:latin typeface="Calibri"/>
+                <a:ea typeface="Calibri"/>
+                <a:cs typeface="Calibri"/>
+                <a:sym typeface="Calibri"/>
+              </a:endParaRPr>
+            </a:p>
+          </p:txBody>
+        </p:sp>
+        <p:sp>
+          <p:nvSpPr>
+            <p:cNvPr id="165" name="Google Shape;165;p4"/>
+            <p:cNvSpPr/>
+            <p:nvPr/>
+          </p:nvSpPr>
+          <p:spPr>
+            <a:xfrm>
+              <a:off x="10122118" y="6255458"/>
+              <a:ext cx="183263" cy="70173"/>
+            </a:xfrm>
+            <a:prstGeom prst="rect">
+              <a:avLst/>
+            </a:prstGeom>
+            <a:solidFill>
+              <a:srgbClr val="F7F7F7"/>
+            </a:solidFill>
+            <a:ln>
+              <a:noFill/>
+            </a:ln>
+          </p:spPr>
+          <p:txBody>
+            <a:bodyPr spcFirstLastPara="1" wrap="square" lIns="91425" tIns="45700" rIns="91425" bIns="45700" anchor="ctr" anchorCtr="0">
+              <a:noAutofit/>
+            </a:bodyPr>
+            <a:lstStyle/>
+            <a:p>
+              <a:pPr marL="0" marR="0" lvl="0" indent="0" algn="ctr" rtl="0">
+                <a:lnSpc>
+                  <a:spcPct val="100000"/>
+                </a:lnSpc>
+                <a:spcBef>
+                  <a:spcPts val="0"/>
+                </a:spcBef>
+                <a:spcAft>
+                  <a:spcPts val="0"/>
+                </a:spcAft>
+                <a:buClr>
+                  <a:schemeClr val="lt1"/>
+                </a:buClr>
+                <a:buSzPts val="1800"/>
+                <a:buFont typeface="Calibri"/>
+                <a:buNone/>
+              </a:pPr>
+              <a:endParaRPr sz="1800" b="0" i="0" u="none" strike="noStrike" cap="none">
+                <a:solidFill>
+                  <a:srgbClr val="FFFFFF"/>
+                </a:solidFill>
+                <a:latin typeface="Calibri"/>
+                <a:ea typeface="Calibri"/>
+                <a:cs typeface="Calibri"/>
+                <a:sym typeface="Calibri"/>
+              </a:endParaRPr>
+            </a:p>
+          </p:txBody>
+        </p:sp>
+      </p:grpSp>
+      <p:sp>
+        <p:nvSpPr>
+          <p:cNvPr id="166" name="Google Shape;166;p4"/>
+          <p:cNvSpPr txBox="1"/>
+          <p:nvPr/>
+        </p:nvSpPr>
+        <p:spPr>
+          <a:xfrm>
+            <a:off x="11009118" y="5493039"/>
+            <a:ext cx="729205" cy="707886"/>
+          </a:xfrm>
+          <a:prstGeom prst="rect">
+            <a:avLst/>
+          </a:prstGeom>
+          <a:noFill/>
+          <a:ln>
+            <a:noFill/>
+          </a:ln>
+        </p:spPr>
+        <p:txBody>
+          <a:bodyPr spcFirstLastPara="1" wrap="square" lIns="91425" tIns="45700" rIns="91425" bIns="45700" anchor="t" anchorCtr="0">
+            <a:spAutoFit/>
+          </a:bodyPr>
+          <a:lstStyle/>
+          <a:p>
+            <a:pPr marL="0" marR="0" lvl="0" indent="0" algn="ctr" rtl="0">
+              <a:lnSpc>
+                <a:spcPct val="100000"/>
+              </a:lnSpc>
+              <a:spcBef>
+                <a:spcPts val="0"/>
+              </a:spcBef>
+              <a:spcAft>
+                <a:spcPts val="0"/>
+              </a:spcAft>
+              <a:buClr>
+                <a:srgbClr val="4472C4"/>
+              </a:buClr>
+              <a:buSzPts val="4000"/>
+              <a:buFont typeface="Calibri"/>
+              <a:buNone/>
+            </a:pPr>
+            <a:r>
+              <a:rPr lang="ja-JP" sz="4000" b="1">
+                <a:solidFill>
+                  <a:srgbClr val="4472C4"/>
+                </a:solidFill>
+                <a:latin typeface="Calibri"/>
+                <a:ea typeface="Calibri"/>
+                <a:cs typeface="Calibri"/>
+                <a:sym typeface="Calibri"/>
+              </a:rPr>
+              <a:t>2</a:t>
+            </a:r>
+            <a:endParaRPr sz="4000" b="1" i="0" u="none" strike="noStrike" cap="none">
+              <a:solidFill>
+                <a:srgbClr val="4472C4"/>
+              </a:solidFill>
+              <a:latin typeface="Calibri"/>
+              <a:ea typeface="Calibri"/>
+              <a:cs typeface="Calibri"/>
+              <a:sym typeface="Calibri"/>
+            </a:endParaRPr>
+          </a:p>
+        </p:txBody>
+      </p:sp>
+      <p:sp>
+        <p:nvSpPr>
+          <p:cNvPr id="167" name="Google Shape;167;p4"/>
+          <p:cNvSpPr/>
+          <p:nvPr/>
+        </p:nvSpPr>
+        <p:spPr>
+          <a:xfrm>
+            <a:off x="8431494" y="674965"/>
+            <a:ext cx="407700" cy="407700"/>
+          </a:xfrm>
+          <a:prstGeom prst="ellipse">
+            <a:avLst/>
+          </a:prstGeom>
+          <a:solidFill>
+            <a:srgbClr val="D9D9D9"/>
+          </a:solidFill>
+          <a:ln w="12700" cap="flat" cmpd="sng">
+            <a:solidFill>
+              <a:srgbClr val="31538F"/>
+            </a:solidFill>
+            <a:prstDash val="solid"/>
+            <a:miter lim="800000"/>
+            <a:headEnd type="none" w="sm" len="sm"/>
+            <a:tailEnd type="none" w="sm" len="sm"/>
+          </a:ln>
+        </p:spPr>
+        <p:txBody>
+          <a:bodyPr spcFirstLastPara="1" wrap="square" lIns="91425" tIns="45700" rIns="91425" bIns="45700" anchor="ctr" anchorCtr="0">
+            <a:noAutofit/>
+          </a:bodyPr>
+          <a:lstStyle/>
+          <a:p>
+            <a:pPr marL="0" marR="0" lvl="0" indent="0" algn="ctr" rtl="0">
+              <a:spcBef>
+                <a:spcPts val="0"/>
+              </a:spcBef>
+              <a:spcAft>
+                <a:spcPts val="0"/>
+              </a:spcAft>
+              <a:buNone/>
+            </a:pPr>
+            <a:endParaRPr sz="1800" b="0" i="0" u="none" strike="noStrike" cap="none">
+              <a:solidFill>
+                <a:schemeClr val="lt1"/>
+              </a:solidFill>
+              <a:latin typeface="Calibri"/>
+              <a:ea typeface="Calibri"/>
+              <a:cs typeface="Calibri"/>
+              <a:sym typeface="Calibri"/>
+            </a:endParaRPr>
+          </a:p>
+        </p:txBody>
+      </p:sp>
+      <p:sp>
+        <p:nvSpPr>
+          <p:cNvPr id="168" name="Google Shape;168;p4"/>
+          <p:cNvSpPr/>
+          <p:nvPr/>
+        </p:nvSpPr>
+        <p:spPr>
+          <a:xfrm>
+            <a:off x="9269694" y="674965"/>
+            <a:ext cx="407700" cy="407700"/>
+          </a:xfrm>
+          <a:prstGeom prst="ellipse">
+            <a:avLst/>
+          </a:prstGeom>
+          <a:solidFill>
+            <a:srgbClr val="D9D9D9"/>
+          </a:solidFill>
+          <a:ln w="12700" cap="flat" cmpd="sng">
+            <a:solidFill>
+              <a:srgbClr val="31538F"/>
+            </a:solidFill>
+            <a:prstDash val="solid"/>
+            <a:miter lim="800000"/>
+            <a:headEnd type="none" w="sm" len="sm"/>
+            <a:tailEnd type="none" w="sm" len="sm"/>
+          </a:ln>
+        </p:spPr>
+        <p:txBody>
+          <a:bodyPr spcFirstLastPara="1" wrap="square" lIns="91425" tIns="45700" rIns="91425" bIns="45700" anchor="ctr" anchorCtr="0">
+            <a:noAutofit/>
+          </a:bodyPr>
+          <a:lstStyle/>
+          <a:p>
+            <a:pPr marL="0" marR="0" lvl="0" indent="0" algn="ctr" rtl="0">
+              <a:spcBef>
+                <a:spcPts val="0"/>
+              </a:spcBef>
+              <a:spcAft>
+                <a:spcPts val="0"/>
+              </a:spcAft>
+              <a:buNone/>
+            </a:pPr>
+            <a:endParaRPr sz="1800" b="0" i="0" u="none" strike="noStrike" cap="none">
+              <a:solidFill>
+                <a:schemeClr val="lt1"/>
+              </a:solidFill>
+              <a:latin typeface="Calibri"/>
+              <a:ea typeface="Calibri"/>
+              <a:cs typeface="Calibri"/>
+              <a:sym typeface="Calibri"/>
+            </a:endParaRPr>
+          </a:p>
+        </p:txBody>
+      </p:sp>
+      <p:sp>
+        <p:nvSpPr>
+          <p:cNvPr id="169" name="Google Shape;169;p4"/>
+          <p:cNvSpPr/>
+          <p:nvPr/>
+        </p:nvSpPr>
+        <p:spPr>
+          <a:xfrm>
+            <a:off x="10107894" y="674965"/>
+            <a:ext cx="407700" cy="407700"/>
+          </a:xfrm>
+          <a:prstGeom prst="ellipse">
+            <a:avLst/>
+          </a:prstGeom>
+          <a:solidFill>
+            <a:srgbClr val="D9D9D9"/>
+          </a:solidFill>
+          <a:ln w="12700" cap="flat" cmpd="sng">
+            <a:solidFill>
+              <a:srgbClr val="31538F"/>
+            </a:solidFill>
+            <a:prstDash val="solid"/>
+            <a:miter lim="800000"/>
+            <a:headEnd type="none" w="sm" len="sm"/>
+            <a:tailEnd type="none" w="sm" len="sm"/>
+          </a:ln>
+        </p:spPr>
+        <p:txBody>
+          <a:bodyPr spcFirstLastPara="1" wrap="square" lIns="91425" tIns="45700" rIns="91425" bIns="45700" anchor="ctr" anchorCtr="0">
+            <a:noAutofit/>
+          </a:bodyPr>
+          <a:lstStyle/>
+          <a:p>
+            <a:pPr marL="0" marR="0" lvl="0" indent="0" algn="ctr" rtl="0">
+              <a:spcBef>
+                <a:spcPts val="0"/>
+              </a:spcBef>
+              <a:spcAft>
+                <a:spcPts val="0"/>
+              </a:spcAft>
+              <a:buNone/>
+            </a:pPr>
+            <a:endParaRPr sz="1800" b="0" i="0" u="none" strike="noStrike" cap="none">
+              <a:solidFill>
+                <a:schemeClr val="lt1"/>
+              </a:solidFill>
+              <a:latin typeface="Calibri"/>
+              <a:ea typeface="Calibri"/>
+              <a:cs typeface="Calibri"/>
+              <a:sym typeface="Calibri"/>
+            </a:endParaRPr>
+          </a:p>
+        </p:txBody>
+      </p:sp>
+      <p:sp>
+        <p:nvSpPr>
+          <p:cNvPr id="170" name="Google Shape;170;p4"/>
+          <p:cNvSpPr/>
+          <p:nvPr/>
+        </p:nvSpPr>
+        <p:spPr>
+          <a:xfrm>
+            <a:off x="10946094" y="674965"/>
+            <a:ext cx="407700" cy="407700"/>
+          </a:xfrm>
+          <a:prstGeom prst="ellipse">
+            <a:avLst/>
+          </a:prstGeom>
+          <a:solidFill>
+            <a:srgbClr val="D9D9D9"/>
+          </a:solidFill>
+          <a:ln w="12700" cap="flat" cmpd="sng">
+            <a:solidFill>
+              <a:srgbClr val="31538F"/>
+            </a:solidFill>
+            <a:prstDash val="solid"/>
+            <a:miter lim="800000"/>
+            <a:headEnd type="none" w="sm" len="sm"/>
+            <a:tailEnd type="none" w="sm" len="sm"/>
+          </a:ln>
+        </p:spPr>
+        <p:txBody>
+          <a:bodyPr spcFirstLastPara="1" wrap="square" lIns="91425" tIns="45700" rIns="91425" bIns="45700" anchor="ctr" anchorCtr="0">
+            <a:noAutofit/>
+          </a:bodyPr>
+          <a:lstStyle/>
+          <a:p>
+            <a:pPr marL="0" marR="0" lvl="0" indent="0" algn="ctr" rtl="0">
+              <a:spcBef>
+                <a:spcPts val="0"/>
+              </a:spcBef>
+              <a:spcAft>
+                <a:spcPts val="0"/>
+              </a:spcAft>
+              <a:buNone/>
+            </a:pPr>
+            <a:endParaRPr sz="1800" b="0" i="0" u="none" strike="noStrike" cap="none">
+              <a:solidFill>
+                <a:schemeClr val="lt1"/>
+              </a:solidFill>
+              <a:latin typeface="Calibri"/>
+              <a:ea typeface="Calibri"/>
+              <a:cs typeface="Calibri"/>
+              <a:sym typeface="Calibri"/>
+            </a:endParaRPr>
+          </a:p>
+        </p:txBody>
+      </p:sp>
+      <p:sp>
+        <p:nvSpPr>
+          <p:cNvPr id="171" name="Google Shape;171;p4"/>
+          <p:cNvSpPr/>
+          <p:nvPr/>
+        </p:nvSpPr>
+        <p:spPr>
+          <a:xfrm>
+            <a:off x="8635376" y="838000"/>
+            <a:ext cx="2560800" cy="81600"/>
+          </a:xfrm>
+          <a:prstGeom prst="rect">
+            <a:avLst/>
+          </a:prstGeom>
+          <a:solidFill>
+            <a:srgbClr val="D9D9D9"/>
+          </a:solidFill>
+          <a:ln>
+            <a:noFill/>
+          </a:ln>
+        </p:spPr>
+        <p:txBody>
+          <a:bodyPr spcFirstLastPara="1" wrap="square" lIns="91425" tIns="45700" rIns="91425" bIns="45700" anchor="ctr" anchorCtr="0">
+            <a:noAutofit/>
+          </a:bodyPr>
+          <a:lstStyle/>
+          <a:p>
+            <a:pPr marL="0" marR="0" lvl="0" indent="0" algn="ctr" rtl="0">
+              <a:spcBef>
+                <a:spcPts val="0"/>
+              </a:spcBef>
+              <a:spcAft>
+                <a:spcPts val="0"/>
+              </a:spcAft>
+              <a:buNone/>
+            </a:pPr>
+            <a:endParaRPr sz="1800" b="0" i="0" u="none" strike="noStrike" cap="none">
+              <a:solidFill>
+                <a:schemeClr val="lt1"/>
+              </a:solidFill>
+              <a:latin typeface="Calibri"/>
+              <a:ea typeface="Calibri"/>
+              <a:cs typeface="Calibri"/>
+              <a:sym typeface="Calibri"/>
+            </a:endParaRPr>
+          </a:p>
+        </p:txBody>
+      </p:sp>
+      <p:sp>
+        <p:nvSpPr>
+          <p:cNvPr id="172" name="Google Shape;172;p4"/>
+          <p:cNvSpPr txBox="1"/>
+          <p:nvPr/>
+        </p:nvSpPr>
+        <p:spPr>
+          <a:xfrm>
+            <a:off x="8229033" y="262782"/>
+            <a:ext cx="1297500" cy="461700"/>
+          </a:xfrm>
+          <a:prstGeom prst="rect">
+            <a:avLst/>
+          </a:prstGeom>
+          <a:noFill/>
+          <a:ln>
+            <a:noFill/>
+          </a:ln>
+        </p:spPr>
+        <p:txBody>
+          <a:bodyPr spcFirstLastPara="1" wrap="square" lIns="91425" tIns="45700" rIns="91425" bIns="45700" anchor="t" anchorCtr="0">
+            <a:spAutoFit/>
+          </a:bodyPr>
+          <a:lstStyle/>
+          <a:p>
+            <a:pPr marL="0" marR="0" lvl="0" indent="0" algn="l" rtl="0">
+              <a:spcBef>
+                <a:spcPts val="0"/>
+              </a:spcBef>
+              <a:spcAft>
+                <a:spcPts val="0"/>
+              </a:spcAft>
+              <a:buNone/>
+            </a:pPr>
+            <a:r>
+              <a:rPr lang="ja-JP" sz="2400" b="1" i="0" u="none" strike="noStrike" cap="none">
+                <a:solidFill>
+                  <a:schemeClr val="lt1"/>
+                </a:solidFill>
+                <a:latin typeface="Calibri"/>
+                <a:ea typeface="Calibri"/>
+                <a:cs typeface="Calibri"/>
+                <a:sym typeface="Calibri"/>
+              </a:rPr>
+              <a:t>Progress</a:t>
+            </a:r>
+            <a:endParaRPr sz="2400" b="1">
+              <a:solidFill>
+                <a:schemeClr val="lt1"/>
+              </a:solidFill>
+              <a:latin typeface="Calibri"/>
+              <a:ea typeface="Calibri"/>
+              <a:cs typeface="Calibri"/>
+              <a:sym typeface="Calibri"/>
+            </a:endParaRPr>
+          </a:p>
+        </p:txBody>
+      </p:sp>
+      <p:sp>
+        <p:nvSpPr>
+          <p:cNvPr id="173" name="Google Shape;173;p4"/>
+          <p:cNvSpPr/>
+          <p:nvPr/>
+        </p:nvSpPr>
+        <p:spPr>
+          <a:xfrm>
+            <a:off x="8505634" y="749105"/>
+            <a:ext cx="259500" cy="259500"/>
+          </a:xfrm>
+          <a:prstGeom prst="ellipse">
+            <a:avLst/>
+          </a:prstGeom>
+          <a:solidFill>
+            <a:srgbClr val="2F5496"/>
+          </a:solidFill>
+          <a:ln>
+            <a:noFill/>
+          </a:ln>
+        </p:spPr>
+        <p:txBody>
+          <a:bodyPr spcFirstLastPara="1" wrap="square" lIns="91425" tIns="45700" rIns="91425" bIns="45700" anchor="ctr" anchorCtr="0">
+            <a:noAutofit/>
+          </a:bodyPr>
+          <a:lstStyle/>
+          <a:p>
+            <a:pPr marL="0" marR="0" lvl="0" indent="0" algn="ctr" rtl="0">
+              <a:spcBef>
+                <a:spcPts val="0"/>
+              </a:spcBef>
+              <a:spcAft>
+                <a:spcPts val="0"/>
+              </a:spcAft>
+              <a:buNone/>
+            </a:pPr>
+            <a:endParaRPr sz="1800">
+              <a:solidFill>
+                <a:schemeClr val="lt1"/>
+              </a:solidFill>
+              <a:latin typeface="Calibri"/>
+              <a:ea typeface="Calibri"/>
+              <a:cs typeface="Calibri"/>
+              <a:sym typeface="Calibri"/>
+            </a:endParaRPr>
+          </a:p>
+        </p:txBody>
+      </p:sp>
+      <p:sp>
+        <p:nvSpPr>
           <p:cNvPr id="174" name="Google Shape;174;p4"/>
           <p:cNvSpPr txBox="1"/>
           <p:nvPr/>
@@ -37379,7 +41989,7 @@
               <a:buNone/>
             </a:pPr>
             <a:r>
-              <a:rPr lang="ja-JP" sz="3000" b="1">
+              <a:rPr lang="ja-JP" sz="3000" b="1" dirty="0">
                 <a:solidFill>
                   <a:schemeClr val="accent1"/>
                 </a:solidFill>
@@ -37390,7 +42000,7 @@
               </a:rPr>
               <a:t>チケット予約システム</a:t>
             </a:r>
-            <a:endParaRPr sz="3000" b="1">
+            <a:endParaRPr sz="3000" b="1" dirty="0">
               <a:solidFill>
                 <a:schemeClr val="accent1"/>
               </a:solidFill>
@@ -38400,6 +43010,11 @@
         </p:txBody>
       </p:sp>
     </p:spTree>
+    <p:extLst>
+      <p:ext uri="{BB962C8B-B14F-4D97-AF65-F5344CB8AC3E}">
+        <p14:creationId xmlns:p14="http://schemas.microsoft.com/office/powerpoint/2010/main" val="3136314027"/>
+      </p:ext>
+    </p:extLst>
   </p:cSld>
   <p:clrMapOvr>
     <a:masterClrMapping/>
@@ -38407,7 +43022,7 @@
 </p:sld>
 </file>
 
-<file path=ppt/slides/slide5.xml><?xml version="1.0" encoding="utf-8"?>
+<file path=ppt/slides/slide6.xml><?xml version="1.0" encoding="utf-8"?>
 <p:sld xmlns:a="http://schemas.openxmlformats.org/drawingml/2006/main" xmlns:r="http://schemas.openxmlformats.org/officeDocument/2006/relationships" xmlns:p="http://schemas.openxmlformats.org/presentationml/2006/main">
   <p:cSld>
     <p:bg>
@@ -40383,7 +44998,7 @@
 </p:sld>
 </file>
 
-<file path=ppt/slides/slide6.xml><?xml version="1.0" encoding="utf-8"?>
+<file path=ppt/slides/slide7.xml><?xml version="1.0" encoding="utf-8"?>
 <p:sld xmlns:a="http://schemas.openxmlformats.org/drawingml/2006/main" xmlns:r="http://schemas.openxmlformats.org/officeDocument/2006/relationships" xmlns:p="http://schemas.openxmlformats.org/presentationml/2006/main">
   <p:cSld>
     <p:bg>
@@ -41902,7 +46517,7 @@
 </p:sld>
 </file>
 
-<file path=ppt/slides/slide7.xml><?xml version="1.0" encoding="utf-8"?>
+<file path=ppt/slides/slide8.xml><?xml version="1.0" encoding="utf-8"?>
 <p:sld xmlns:a="http://schemas.openxmlformats.org/drawingml/2006/main" xmlns:r="http://schemas.openxmlformats.org/officeDocument/2006/relationships" xmlns:p="http://schemas.openxmlformats.org/presentationml/2006/main">
   <p:cSld>
     <p:bg>
@@ -44414,7 +49029,7 @@
 </p:sld>
 </file>
 
-<file path=ppt/slides/slide8.xml><?xml version="1.0" encoding="utf-8"?>
+<file path=ppt/slides/slide9.xml><?xml version="1.0" encoding="utf-8"?>
 <p:sld xmlns:a="http://schemas.openxmlformats.org/drawingml/2006/main" xmlns:r="http://schemas.openxmlformats.org/officeDocument/2006/relationships" xmlns:p="http://schemas.openxmlformats.org/presentationml/2006/main">
   <p:cSld>
     <p:bg>
@@ -45418,1794 +50033,6 @@
               <a:cs typeface="Calibri"/>
               <a:sym typeface="Calibri"/>
             </a:endParaRPr>
-          </a:p>
-        </p:txBody>
-      </p:sp>
-    </p:spTree>
-  </p:cSld>
-  <p:clrMapOvr>
-    <a:masterClrMapping/>
-  </p:clrMapOvr>
-</p:sld>
-</file>
-
-<file path=ppt/slides/slide9.xml><?xml version="1.0" encoding="utf-8"?>
-<p:sld xmlns:a="http://schemas.openxmlformats.org/drawingml/2006/main" xmlns:r="http://schemas.openxmlformats.org/officeDocument/2006/relationships" xmlns:p="http://schemas.openxmlformats.org/presentationml/2006/main">
-  <p:cSld>
-    <p:bg>
-      <p:bgPr>
-        <a:solidFill>
-          <a:srgbClr val="3F3F3F"/>
-        </a:solidFill>
-        <a:effectLst/>
-      </p:bgPr>
-    </p:bg>
-    <p:spTree>
-      <p:nvGrpSpPr>
-        <p:cNvPr id="1" name="Shape 306"/>
-        <p:cNvGrpSpPr/>
-        <p:nvPr/>
-      </p:nvGrpSpPr>
-      <p:grpSpPr>
-        <a:xfrm>
-          <a:off x="0" y="0"/>
-          <a:ext cx="0" cy="0"/>
-          <a:chOff x="0" y="0"/>
-          <a:chExt cx="0" cy="0"/>
-        </a:xfrm>
-      </p:grpSpPr>
-      <p:sp>
-        <p:nvSpPr>
-          <p:cNvPr id="307" name="Google Shape;307;g89c571fa45_1_52"/>
-          <p:cNvSpPr txBox="1">
-            <a:spLocks noGrp="1"/>
-          </p:cNvSpPr>
-          <p:nvPr>
-            <p:ph type="title"/>
-          </p:nvPr>
-        </p:nvSpPr>
-        <p:spPr>
-          <a:xfrm>
-            <a:off x="838200" y="365000"/>
-            <a:ext cx="10515600" cy="1325700"/>
-          </a:xfrm>
-          <a:prstGeom prst="rect">
-            <a:avLst/>
-          </a:prstGeom>
-          <a:noFill/>
-          <a:ln>
-            <a:noFill/>
-          </a:ln>
-        </p:spPr>
-        <p:txBody>
-          <a:bodyPr spcFirstLastPara="1" wrap="square" lIns="91425" tIns="45700" rIns="91425" bIns="45700" anchor="ctr" anchorCtr="0">
-            <a:noAutofit/>
-          </a:bodyPr>
-          <a:lstStyle/>
-          <a:p>
-            <a:pPr marL="0" lvl="0" indent="0" algn="l" rtl="0">
-              <a:lnSpc>
-                <a:spcPct val="90000"/>
-              </a:lnSpc>
-              <a:spcBef>
-                <a:spcPts val="0"/>
-              </a:spcBef>
-              <a:spcAft>
-                <a:spcPts val="0"/>
-              </a:spcAft>
-              <a:buClr>
-                <a:schemeClr val="lt1"/>
-              </a:buClr>
-              <a:buSzPts val="4400"/>
-              <a:buFont typeface="Calibri"/>
-              <a:buNone/>
-            </a:pPr>
-            <a:r>
-              <a:rPr lang="ja-JP" b="1">
-                <a:solidFill>
-                  <a:schemeClr val="lt1"/>
-                </a:solidFill>
-              </a:rPr>
-              <a:t>工夫点</a:t>
-            </a:r>
-            <a:endParaRPr/>
-          </a:p>
-        </p:txBody>
-      </p:sp>
-      <p:sp>
-        <p:nvSpPr>
-          <p:cNvPr id="308" name="Google Shape;308;g89c571fa45_1_52"/>
-          <p:cNvSpPr txBox="1">
-            <a:spLocks noGrp="1"/>
-          </p:cNvSpPr>
-          <p:nvPr>
-            <p:ph type="body" idx="1"/>
-          </p:nvPr>
-        </p:nvSpPr>
-        <p:spPr>
-          <a:xfrm>
-            <a:off x="838200" y="1825625"/>
-            <a:ext cx="10515600" cy="4351200"/>
-          </a:xfrm>
-          <a:prstGeom prst="rect">
-            <a:avLst/>
-          </a:prstGeom>
-          <a:noFill/>
-          <a:ln>
-            <a:noFill/>
-          </a:ln>
-        </p:spPr>
-        <p:txBody>
-          <a:bodyPr spcFirstLastPara="1" wrap="square" lIns="91425" tIns="45700" rIns="91425" bIns="45700" anchor="t" anchorCtr="0">
-            <a:noAutofit/>
-          </a:bodyPr>
-          <a:lstStyle/>
-          <a:p>
-            <a:pPr marL="228600" lvl="0" indent="-50800" algn="l" rtl="0">
-              <a:lnSpc>
-                <a:spcPct val="90000"/>
-              </a:lnSpc>
-              <a:spcBef>
-                <a:spcPts val="0"/>
-              </a:spcBef>
-              <a:spcAft>
-                <a:spcPts val="0"/>
-              </a:spcAft>
-              <a:buClr>
-                <a:schemeClr val="dk1"/>
-              </a:buClr>
-              <a:buSzPts val="2800"/>
-              <a:buNone/>
-            </a:pPr>
-            <a:endParaRPr/>
-          </a:p>
-        </p:txBody>
-      </p:sp>
-      <p:sp>
-        <p:nvSpPr>
-          <p:cNvPr id="309" name="Google Shape;309;g89c571fa45_1_52"/>
-          <p:cNvSpPr/>
-          <p:nvPr/>
-        </p:nvSpPr>
-        <p:spPr>
-          <a:xfrm>
-            <a:off x="0" y="1690689"/>
-            <a:ext cx="12192000" cy="5167200"/>
-          </a:xfrm>
-          <a:prstGeom prst="roundRect">
-            <a:avLst>
-              <a:gd name="adj" fmla="val 15977"/>
-            </a:avLst>
-          </a:prstGeom>
-          <a:solidFill>
-            <a:srgbClr val="D9D9D9"/>
-          </a:solidFill>
-          <a:ln>
-            <a:noFill/>
-          </a:ln>
-        </p:spPr>
-        <p:txBody>
-          <a:bodyPr spcFirstLastPara="1" wrap="square" lIns="91425" tIns="45700" rIns="91425" bIns="45700" anchor="ctr" anchorCtr="0">
-            <a:noAutofit/>
-          </a:bodyPr>
-          <a:lstStyle/>
-          <a:p>
-            <a:pPr marL="0" marR="0" lvl="0" indent="0" algn="ctr" rtl="0">
-              <a:spcBef>
-                <a:spcPts val="0"/>
-              </a:spcBef>
-              <a:spcAft>
-                <a:spcPts val="0"/>
-              </a:spcAft>
-              <a:buNone/>
-            </a:pPr>
-            <a:endParaRPr sz="1800" b="0" i="0" u="none" strike="noStrike" cap="none">
-              <a:solidFill>
-                <a:schemeClr val="lt1"/>
-              </a:solidFill>
-              <a:latin typeface="Calibri"/>
-              <a:ea typeface="Calibri"/>
-              <a:cs typeface="Calibri"/>
-              <a:sym typeface="Calibri"/>
-            </a:endParaRPr>
-          </a:p>
-        </p:txBody>
-      </p:sp>
-      <p:sp>
-        <p:nvSpPr>
-          <p:cNvPr id="310" name="Google Shape;310;g89c571fa45_1_52"/>
-          <p:cNvSpPr/>
-          <p:nvPr/>
-        </p:nvSpPr>
-        <p:spPr>
-          <a:xfrm>
-            <a:off x="0" y="1825626"/>
-            <a:ext cx="12192000" cy="5032500"/>
-          </a:xfrm>
-          <a:prstGeom prst="roundRect">
-            <a:avLst>
-              <a:gd name="adj" fmla="val 18344"/>
-            </a:avLst>
-          </a:prstGeom>
-          <a:solidFill>
-            <a:srgbClr val="F7F7F7"/>
-          </a:solidFill>
-          <a:ln>
-            <a:noFill/>
-          </a:ln>
-        </p:spPr>
-        <p:txBody>
-          <a:bodyPr spcFirstLastPara="1" wrap="square" lIns="91425" tIns="45700" rIns="91425" bIns="45700" anchor="ctr" anchorCtr="0">
-            <a:noAutofit/>
-          </a:bodyPr>
-          <a:lstStyle/>
-          <a:p>
-            <a:pPr marL="0" marR="0" lvl="0" indent="0" algn="ctr" rtl="0">
-              <a:spcBef>
-                <a:spcPts val="0"/>
-              </a:spcBef>
-              <a:spcAft>
-                <a:spcPts val="0"/>
-              </a:spcAft>
-              <a:buNone/>
-            </a:pPr>
-            <a:endParaRPr sz="1800" b="0" i="0" u="none" strike="noStrike" cap="none">
-              <a:solidFill>
-                <a:schemeClr val="lt1"/>
-              </a:solidFill>
-              <a:latin typeface="Calibri"/>
-              <a:ea typeface="Calibri"/>
-              <a:cs typeface="Calibri"/>
-              <a:sym typeface="Calibri"/>
-            </a:endParaRPr>
-          </a:p>
-        </p:txBody>
-      </p:sp>
-      <p:sp>
-        <p:nvSpPr>
-          <p:cNvPr id="311" name="Google Shape;311;g89c571fa45_1_52"/>
-          <p:cNvSpPr/>
-          <p:nvPr/>
-        </p:nvSpPr>
-        <p:spPr>
-          <a:xfrm>
-            <a:off x="0" y="5993027"/>
-            <a:ext cx="12192000" cy="864900"/>
-          </a:xfrm>
-          <a:prstGeom prst="rect">
-            <a:avLst/>
-          </a:prstGeom>
-          <a:solidFill>
-            <a:srgbClr val="F7F7F7"/>
-          </a:solidFill>
-          <a:ln>
-            <a:noFill/>
-          </a:ln>
-        </p:spPr>
-        <p:txBody>
-          <a:bodyPr spcFirstLastPara="1" wrap="square" lIns="91425" tIns="45700" rIns="91425" bIns="45700" anchor="ctr" anchorCtr="0">
-            <a:noAutofit/>
-          </a:bodyPr>
-          <a:lstStyle/>
-          <a:p>
-            <a:pPr marL="0" marR="0" lvl="0" indent="0" algn="ctr" rtl="0">
-              <a:spcBef>
-                <a:spcPts val="0"/>
-              </a:spcBef>
-              <a:spcAft>
-                <a:spcPts val="0"/>
-              </a:spcAft>
-              <a:buNone/>
-            </a:pPr>
-            <a:endParaRPr sz="1800" b="0" i="0" u="none" strike="noStrike" cap="none">
-              <a:solidFill>
-                <a:schemeClr val="lt1"/>
-              </a:solidFill>
-              <a:latin typeface="Calibri"/>
-              <a:ea typeface="Calibri"/>
-              <a:cs typeface="Calibri"/>
-              <a:sym typeface="Calibri"/>
-            </a:endParaRPr>
-          </a:p>
-        </p:txBody>
-      </p:sp>
-      <p:grpSp>
-        <p:nvGrpSpPr>
-          <p:cNvPr id="312" name="Google Shape;312;g89c571fa45_1_52"/>
-          <p:cNvGrpSpPr/>
-          <p:nvPr/>
-        </p:nvGrpSpPr>
-        <p:grpSpPr>
-          <a:xfrm rot="-2819133">
-            <a:off x="10264304" y="5249251"/>
-            <a:ext cx="1986003" cy="1049930"/>
-            <a:chOff x="9674942" y="5386312"/>
-            <a:chExt cx="1985953" cy="1049904"/>
-          </a:xfrm>
-        </p:grpSpPr>
-        <p:sp>
-          <p:nvSpPr>
-            <p:cNvPr id="313" name="Google Shape;313;g89c571fa45_1_52"/>
-            <p:cNvSpPr/>
-            <p:nvPr/>
-          </p:nvSpPr>
-          <p:spPr>
-            <a:xfrm>
-              <a:off x="9674942" y="5619135"/>
-              <a:ext cx="501300" cy="811200"/>
-            </a:xfrm>
-            <a:prstGeom prst="roundRect">
-              <a:avLst>
-                <a:gd name="adj" fmla="val 32825"/>
-              </a:avLst>
-            </a:prstGeom>
-            <a:noFill/>
-            <a:ln w="57150" cap="flat" cmpd="sng">
-              <a:solidFill>
-                <a:srgbClr val="31538F"/>
-              </a:solidFill>
-              <a:prstDash val="solid"/>
-              <a:miter lim="800000"/>
-              <a:headEnd type="none" w="sm" len="sm"/>
-              <a:tailEnd type="none" w="sm" len="sm"/>
-            </a:ln>
-          </p:spPr>
-          <p:txBody>
-            <a:bodyPr spcFirstLastPara="1" wrap="square" lIns="91425" tIns="45700" rIns="91425" bIns="45700" anchor="ctr" anchorCtr="0">
-              <a:noAutofit/>
-            </a:bodyPr>
-            <a:lstStyle/>
-            <a:p>
-              <a:pPr marL="0" marR="0" lvl="0" indent="0" algn="ctr" rtl="0">
-                <a:lnSpc>
-                  <a:spcPct val="100000"/>
-                </a:lnSpc>
-                <a:spcBef>
-                  <a:spcPts val="0"/>
-                </a:spcBef>
-                <a:spcAft>
-                  <a:spcPts val="0"/>
-                </a:spcAft>
-                <a:buClr>
-                  <a:schemeClr val="lt1"/>
-                </a:buClr>
-                <a:buSzPts val="1800"/>
-                <a:buFont typeface="Calibri"/>
-                <a:buNone/>
-              </a:pPr>
-              <a:endParaRPr sz="1800" b="0" i="0" u="none" strike="noStrike" cap="none">
-                <a:solidFill>
-                  <a:srgbClr val="FFFFFF"/>
-                </a:solidFill>
-                <a:latin typeface="Calibri"/>
-                <a:ea typeface="Calibri"/>
-                <a:cs typeface="Calibri"/>
-                <a:sym typeface="Calibri"/>
-              </a:endParaRPr>
-            </a:p>
-          </p:txBody>
-        </p:sp>
-        <p:sp>
-          <p:nvSpPr>
-            <p:cNvPr id="314" name="Google Shape;314;g89c571fa45_1_52"/>
-            <p:cNvSpPr/>
-            <p:nvPr/>
-          </p:nvSpPr>
-          <p:spPr>
-            <a:xfrm>
-              <a:off x="10176387" y="5625016"/>
-              <a:ext cx="1190100" cy="811200"/>
-            </a:xfrm>
-            <a:prstGeom prst="roundRect">
-              <a:avLst>
-                <a:gd name="adj" fmla="val 15702"/>
-              </a:avLst>
-            </a:prstGeom>
-            <a:noFill/>
-            <a:ln w="57150" cap="flat" cmpd="sng">
-              <a:solidFill>
-                <a:srgbClr val="31538F"/>
-              </a:solidFill>
-              <a:prstDash val="solid"/>
-              <a:miter lim="800000"/>
-              <a:headEnd type="none" w="sm" len="sm"/>
-              <a:tailEnd type="none" w="sm" len="sm"/>
-            </a:ln>
-          </p:spPr>
-          <p:txBody>
-            <a:bodyPr spcFirstLastPara="1" wrap="square" lIns="91425" tIns="45700" rIns="91425" bIns="45700" anchor="ctr" anchorCtr="0">
-              <a:noAutofit/>
-            </a:bodyPr>
-            <a:lstStyle/>
-            <a:p>
-              <a:pPr marL="0" marR="0" lvl="0" indent="0" algn="ctr" rtl="0">
-                <a:lnSpc>
-                  <a:spcPct val="100000"/>
-                </a:lnSpc>
-                <a:spcBef>
-                  <a:spcPts val="0"/>
-                </a:spcBef>
-                <a:spcAft>
-                  <a:spcPts val="0"/>
-                </a:spcAft>
-                <a:buClr>
-                  <a:schemeClr val="lt1"/>
-                </a:buClr>
-                <a:buSzPts val="1800"/>
-                <a:buFont typeface="Calibri"/>
-                <a:buNone/>
-              </a:pPr>
-              <a:endParaRPr sz="1800" b="0" i="0" u="none" strike="noStrike" cap="none">
-                <a:solidFill>
-                  <a:srgbClr val="FFFFFF"/>
-                </a:solidFill>
-                <a:latin typeface="Calibri"/>
-                <a:ea typeface="Calibri"/>
-                <a:cs typeface="Calibri"/>
-                <a:sym typeface="Calibri"/>
-              </a:endParaRPr>
-            </a:p>
-          </p:txBody>
-        </p:sp>
-        <p:sp>
-          <p:nvSpPr>
-            <p:cNvPr id="315" name="Google Shape;315;g89c571fa45_1_52"/>
-            <p:cNvSpPr/>
-            <p:nvPr/>
-          </p:nvSpPr>
-          <p:spPr>
-            <a:xfrm>
-              <a:off x="10989120" y="5619134"/>
-              <a:ext cx="377100" cy="399600"/>
-            </a:xfrm>
-            <a:prstGeom prst="roundRect">
-              <a:avLst>
-                <a:gd name="adj" fmla="val 15702"/>
-              </a:avLst>
-            </a:prstGeom>
-            <a:noFill/>
-            <a:ln w="57150" cap="flat" cmpd="sng">
-              <a:solidFill>
-                <a:srgbClr val="31538F"/>
-              </a:solidFill>
-              <a:prstDash val="solid"/>
-              <a:miter lim="800000"/>
-              <a:headEnd type="none" w="sm" len="sm"/>
-              <a:tailEnd type="none" w="sm" len="sm"/>
-            </a:ln>
-          </p:spPr>
-          <p:txBody>
-            <a:bodyPr spcFirstLastPara="1" wrap="square" lIns="91425" tIns="45700" rIns="91425" bIns="45700" anchor="ctr" anchorCtr="0">
-              <a:noAutofit/>
-            </a:bodyPr>
-            <a:lstStyle/>
-            <a:p>
-              <a:pPr marL="0" marR="0" lvl="0" indent="0" algn="ctr" rtl="0">
-                <a:lnSpc>
-                  <a:spcPct val="100000"/>
-                </a:lnSpc>
-                <a:spcBef>
-                  <a:spcPts val="0"/>
-                </a:spcBef>
-                <a:spcAft>
-                  <a:spcPts val="0"/>
-                </a:spcAft>
-                <a:buClr>
-                  <a:schemeClr val="lt1"/>
-                </a:buClr>
-                <a:buSzPts val="1800"/>
-                <a:buFont typeface="Calibri"/>
-                <a:buNone/>
-              </a:pPr>
-              <a:endParaRPr sz="1800" b="0" i="0" u="none" strike="noStrike" cap="none">
-                <a:solidFill>
-                  <a:srgbClr val="FFFFFF"/>
-                </a:solidFill>
-                <a:latin typeface="Calibri"/>
-                <a:ea typeface="Calibri"/>
-                <a:cs typeface="Calibri"/>
-                <a:sym typeface="Calibri"/>
-              </a:endParaRPr>
-            </a:p>
-          </p:txBody>
-        </p:sp>
-        <p:cxnSp>
-          <p:nvCxnSpPr>
-            <p:cNvPr id="316" name="Google Shape;316;g89c571fa45_1_52"/>
-            <p:cNvCxnSpPr/>
-            <p:nvPr/>
-          </p:nvCxnSpPr>
-          <p:spPr>
-            <a:xfrm>
-              <a:off x="10989120" y="5619134"/>
-              <a:ext cx="377100" cy="399600"/>
-            </a:xfrm>
-            <a:prstGeom prst="straightConnector1">
-              <a:avLst/>
-            </a:prstGeom>
-            <a:noFill/>
-            <a:ln w="57150" cap="flat" cmpd="sng">
-              <a:solidFill>
-                <a:srgbClr val="2F528F"/>
-              </a:solidFill>
-              <a:prstDash val="solid"/>
-              <a:miter lim="800000"/>
-              <a:headEnd type="none" w="sm" len="sm"/>
-              <a:tailEnd type="none" w="sm" len="sm"/>
-            </a:ln>
-          </p:spPr>
-        </p:cxnSp>
-        <p:sp>
-          <p:nvSpPr>
-            <p:cNvPr id="317" name="Google Shape;317;g89c571fa45_1_52"/>
-            <p:cNvSpPr/>
-            <p:nvPr/>
-          </p:nvSpPr>
-          <p:spPr>
-            <a:xfrm rot="2831773">
-              <a:off x="11000331" y="5581039"/>
-              <a:ext cx="658730" cy="292746"/>
-            </a:xfrm>
-            <a:prstGeom prst="rect">
-              <a:avLst/>
-            </a:prstGeom>
-            <a:solidFill>
-              <a:srgbClr val="F7F7F7"/>
-            </a:solidFill>
-            <a:ln>
-              <a:noFill/>
-            </a:ln>
-          </p:spPr>
-          <p:txBody>
-            <a:bodyPr spcFirstLastPara="1" wrap="square" lIns="91425" tIns="45700" rIns="91425" bIns="45700" anchor="ctr" anchorCtr="0">
-              <a:noAutofit/>
-            </a:bodyPr>
-            <a:lstStyle/>
-            <a:p>
-              <a:pPr marL="0" marR="0" lvl="0" indent="0" algn="ctr" rtl="0">
-                <a:lnSpc>
-                  <a:spcPct val="100000"/>
-                </a:lnSpc>
-                <a:spcBef>
-                  <a:spcPts val="0"/>
-                </a:spcBef>
-                <a:spcAft>
-                  <a:spcPts val="0"/>
-                </a:spcAft>
-                <a:buClr>
-                  <a:schemeClr val="lt1"/>
-                </a:buClr>
-                <a:buSzPts val="1800"/>
-                <a:buFont typeface="Calibri"/>
-                <a:buNone/>
-              </a:pPr>
-              <a:endParaRPr sz="1800" b="0" i="0" u="none" strike="noStrike" cap="none">
-                <a:solidFill>
-                  <a:srgbClr val="FFFFFF"/>
-                </a:solidFill>
-                <a:latin typeface="Calibri"/>
-                <a:ea typeface="Calibri"/>
-                <a:cs typeface="Calibri"/>
-                <a:sym typeface="Calibri"/>
-              </a:endParaRPr>
-            </a:p>
-          </p:txBody>
-        </p:sp>
-        <p:sp>
-          <p:nvSpPr>
-            <p:cNvPr id="318" name="Google Shape;318;g89c571fa45_1_52"/>
-            <p:cNvSpPr/>
-            <p:nvPr/>
-          </p:nvSpPr>
-          <p:spPr>
-            <a:xfrm>
-              <a:off x="10101660" y="5800275"/>
-              <a:ext cx="183300" cy="70200"/>
-            </a:xfrm>
-            <a:prstGeom prst="rect">
-              <a:avLst/>
-            </a:prstGeom>
-            <a:solidFill>
-              <a:srgbClr val="F7F7F7"/>
-            </a:solidFill>
-            <a:ln>
-              <a:noFill/>
-            </a:ln>
-          </p:spPr>
-          <p:txBody>
-            <a:bodyPr spcFirstLastPara="1" wrap="square" lIns="91425" tIns="45700" rIns="91425" bIns="45700" anchor="ctr" anchorCtr="0">
-              <a:noAutofit/>
-            </a:bodyPr>
-            <a:lstStyle/>
-            <a:p>
-              <a:pPr marL="0" marR="0" lvl="0" indent="0" algn="ctr" rtl="0">
-                <a:lnSpc>
-                  <a:spcPct val="100000"/>
-                </a:lnSpc>
-                <a:spcBef>
-                  <a:spcPts val="0"/>
-                </a:spcBef>
-                <a:spcAft>
-                  <a:spcPts val="0"/>
-                </a:spcAft>
-                <a:buClr>
-                  <a:schemeClr val="lt1"/>
-                </a:buClr>
-                <a:buSzPts val="1800"/>
-                <a:buFont typeface="Calibri"/>
-                <a:buNone/>
-              </a:pPr>
-              <a:endParaRPr sz="1800" b="0" i="0" u="none" strike="noStrike" cap="none">
-                <a:solidFill>
-                  <a:srgbClr val="FFFFFF"/>
-                </a:solidFill>
-                <a:latin typeface="Calibri"/>
-                <a:ea typeface="Calibri"/>
-                <a:cs typeface="Calibri"/>
-                <a:sym typeface="Calibri"/>
-              </a:endParaRPr>
-            </a:p>
-          </p:txBody>
-        </p:sp>
-        <p:sp>
-          <p:nvSpPr>
-            <p:cNvPr id="319" name="Google Shape;319;g89c571fa45_1_52"/>
-            <p:cNvSpPr/>
-            <p:nvPr/>
-          </p:nvSpPr>
-          <p:spPr>
-            <a:xfrm>
-              <a:off x="10149252" y="5954543"/>
-              <a:ext cx="183300" cy="70200"/>
-            </a:xfrm>
-            <a:prstGeom prst="rect">
-              <a:avLst/>
-            </a:prstGeom>
-            <a:solidFill>
-              <a:srgbClr val="F7F7F7"/>
-            </a:solidFill>
-            <a:ln>
-              <a:noFill/>
-            </a:ln>
-          </p:spPr>
-          <p:txBody>
-            <a:bodyPr spcFirstLastPara="1" wrap="square" lIns="91425" tIns="45700" rIns="91425" bIns="45700" anchor="ctr" anchorCtr="0">
-              <a:noAutofit/>
-            </a:bodyPr>
-            <a:lstStyle/>
-            <a:p>
-              <a:pPr marL="0" marR="0" lvl="0" indent="0" algn="ctr" rtl="0">
-                <a:lnSpc>
-                  <a:spcPct val="100000"/>
-                </a:lnSpc>
-                <a:spcBef>
-                  <a:spcPts val="0"/>
-                </a:spcBef>
-                <a:spcAft>
-                  <a:spcPts val="0"/>
-                </a:spcAft>
-                <a:buClr>
-                  <a:schemeClr val="lt1"/>
-                </a:buClr>
-                <a:buSzPts val="1800"/>
-                <a:buFont typeface="Calibri"/>
-                <a:buNone/>
-              </a:pPr>
-              <a:endParaRPr sz="1800" b="0" i="0" u="none" strike="noStrike" cap="none">
-                <a:solidFill>
-                  <a:srgbClr val="FFFFFF"/>
-                </a:solidFill>
-                <a:latin typeface="Calibri"/>
-                <a:ea typeface="Calibri"/>
-                <a:cs typeface="Calibri"/>
-                <a:sym typeface="Calibri"/>
-              </a:endParaRPr>
-            </a:p>
-          </p:txBody>
-        </p:sp>
-        <p:sp>
-          <p:nvSpPr>
-            <p:cNvPr id="320" name="Google Shape;320;g89c571fa45_1_52"/>
-            <p:cNvSpPr/>
-            <p:nvPr/>
-          </p:nvSpPr>
-          <p:spPr>
-            <a:xfrm>
-              <a:off x="10122117" y="6115286"/>
-              <a:ext cx="183300" cy="70200"/>
-            </a:xfrm>
-            <a:prstGeom prst="rect">
-              <a:avLst/>
-            </a:prstGeom>
-            <a:solidFill>
-              <a:srgbClr val="F7F7F7"/>
-            </a:solidFill>
-            <a:ln>
-              <a:noFill/>
-            </a:ln>
-          </p:spPr>
-          <p:txBody>
-            <a:bodyPr spcFirstLastPara="1" wrap="square" lIns="91425" tIns="45700" rIns="91425" bIns="45700" anchor="ctr" anchorCtr="0">
-              <a:noAutofit/>
-            </a:bodyPr>
-            <a:lstStyle/>
-            <a:p>
-              <a:pPr marL="0" marR="0" lvl="0" indent="0" algn="ctr" rtl="0">
-                <a:lnSpc>
-                  <a:spcPct val="100000"/>
-                </a:lnSpc>
-                <a:spcBef>
-                  <a:spcPts val="0"/>
-                </a:spcBef>
-                <a:spcAft>
-                  <a:spcPts val="0"/>
-                </a:spcAft>
-                <a:buClr>
-                  <a:schemeClr val="lt1"/>
-                </a:buClr>
-                <a:buSzPts val="1800"/>
-                <a:buFont typeface="Calibri"/>
-                <a:buNone/>
-              </a:pPr>
-              <a:endParaRPr sz="1800" b="0" i="0" u="none" strike="noStrike" cap="none">
-                <a:solidFill>
-                  <a:srgbClr val="FFFFFF"/>
-                </a:solidFill>
-                <a:latin typeface="Calibri"/>
-                <a:ea typeface="Calibri"/>
-                <a:cs typeface="Calibri"/>
-                <a:sym typeface="Calibri"/>
-              </a:endParaRPr>
-            </a:p>
-          </p:txBody>
-        </p:sp>
-        <p:sp>
-          <p:nvSpPr>
-            <p:cNvPr id="321" name="Google Shape;321;g89c571fa45_1_52"/>
-            <p:cNvSpPr/>
-            <p:nvPr/>
-          </p:nvSpPr>
-          <p:spPr>
-            <a:xfrm>
-              <a:off x="10122118" y="6255458"/>
-              <a:ext cx="183300" cy="70200"/>
-            </a:xfrm>
-            <a:prstGeom prst="rect">
-              <a:avLst/>
-            </a:prstGeom>
-            <a:solidFill>
-              <a:srgbClr val="F7F7F7"/>
-            </a:solidFill>
-            <a:ln>
-              <a:noFill/>
-            </a:ln>
-          </p:spPr>
-          <p:txBody>
-            <a:bodyPr spcFirstLastPara="1" wrap="square" lIns="91425" tIns="45700" rIns="91425" bIns="45700" anchor="ctr" anchorCtr="0">
-              <a:noAutofit/>
-            </a:bodyPr>
-            <a:lstStyle/>
-            <a:p>
-              <a:pPr marL="0" marR="0" lvl="0" indent="0" algn="ctr" rtl="0">
-                <a:lnSpc>
-                  <a:spcPct val="100000"/>
-                </a:lnSpc>
-                <a:spcBef>
-                  <a:spcPts val="0"/>
-                </a:spcBef>
-                <a:spcAft>
-                  <a:spcPts val="0"/>
-                </a:spcAft>
-                <a:buClr>
-                  <a:schemeClr val="lt1"/>
-                </a:buClr>
-                <a:buSzPts val="1800"/>
-                <a:buFont typeface="Calibri"/>
-                <a:buNone/>
-              </a:pPr>
-              <a:endParaRPr sz="1800" b="0" i="0" u="none" strike="noStrike" cap="none">
-                <a:solidFill>
-                  <a:srgbClr val="FFFFFF"/>
-                </a:solidFill>
-                <a:latin typeface="Calibri"/>
-                <a:ea typeface="Calibri"/>
-                <a:cs typeface="Calibri"/>
-                <a:sym typeface="Calibri"/>
-              </a:endParaRPr>
-            </a:p>
-          </p:txBody>
-        </p:sp>
-      </p:grpSp>
-      <p:sp>
-        <p:nvSpPr>
-          <p:cNvPr id="322" name="Google Shape;322;g89c571fa45_1_52"/>
-          <p:cNvSpPr txBox="1"/>
-          <p:nvPr/>
-        </p:nvSpPr>
-        <p:spPr>
-          <a:xfrm>
-            <a:off x="11009118" y="5493039"/>
-            <a:ext cx="729300" cy="708000"/>
-          </a:xfrm>
-          <a:prstGeom prst="rect">
-            <a:avLst/>
-          </a:prstGeom>
-          <a:noFill/>
-          <a:ln>
-            <a:noFill/>
-          </a:ln>
-        </p:spPr>
-        <p:txBody>
-          <a:bodyPr spcFirstLastPara="1" wrap="square" lIns="91425" tIns="45700" rIns="91425" bIns="45700" anchor="t" anchorCtr="0">
-            <a:noAutofit/>
-          </a:bodyPr>
-          <a:lstStyle/>
-          <a:p>
-            <a:pPr marL="0" marR="0" lvl="0" indent="0" algn="ctr" rtl="0">
-              <a:lnSpc>
-                <a:spcPct val="100000"/>
-              </a:lnSpc>
-              <a:spcBef>
-                <a:spcPts val="0"/>
-              </a:spcBef>
-              <a:spcAft>
-                <a:spcPts val="0"/>
-              </a:spcAft>
-              <a:buClr>
-                <a:srgbClr val="4472C4"/>
-              </a:buClr>
-              <a:buSzPts val="4000"/>
-              <a:buFont typeface="Calibri"/>
-              <a:buNone/>
-            </a:pPr>
-            <a:r>
-              <a:rPr lang="ja-JP" sz="4000" b="1">
-                <a:solidFill>
-                  <a:srgbClr val="4472C4"/>
-                </a:solidFill>
-                <a:latin typeface="Calibri"/>
-                <a:ea typeface="Calibri"/>
-                <a:cs typeface="Calibri"/>
-                <a:sym typeface="Calibri"/>
-              </a:rPr>
-              <a:t>7</a:t>
-            </a:r>
-            <a:endParaRPr sz="4000" b="1" i="0" u="none" strike="noStrike" cap="none">
-              <a:solidFill>
-                <a:srgbClr val="4472C4"/>
-              </a:solidFill>
-              <a:latin typeface="Calibri"/>
-              <a:ea typeface="Calibri"/>
-              <a:cs typeface="Calibri"/>
-              <a:sym typeface="Calibri"/>
-            </a:endParaRPr>
-          </a:p>
-        </p:txBody>
-      </p:sp>
-      <p:sp>
-        <p:nvSpPr>
-          <p:cNvPr id="323" name="Google Shape;323;g89c571fa45_1_52"/>
-          <p:cNvSpPr/>
-          <p:nvPr/>
-        </p:nvSpPr>
-        <p:spPr>
-          <a:xfrm>
-            <a:off x="8431494" y="674965"/>
-            <a:ext cx="407700" cy="407700"/>
-          </a:xfrm>
-          <a:prstGeom prst="ellipse">
-            <a:avLst/>
-          </a:prstGeom>
-          <a:solidFill>
-            <a:srgbClr val="D9D9D9"/>
-          </a:solidFill>
-          <a:ln w="12700" cap="flat" cmpd="sng">
-            <a:solidFill>
-              <a:srgbClr val="31538F"/>
-            </a:solidFill>
-            <a:prstDash val="solid"/>
-            <a:miter lim="800000"/>
-            <a:headEnd type="none" w="sm" len="sm"/>
-            <a:tailEnd type="none" w="sm" len="sm"/>
-          </a:ln>
-        </p:spPr>
-        <p:txBody>
-          <a:bodyPr spcFirstLastPara="1" wrap="square" lIns="91425" tIns="45700" rIns="91425" bIns="45700" anchor="ctr" anchorCtr="0">
-            <a:noAutofit/>
-          </a:bodyPr>
-          <a:lstStyle/>
-          <a:p>
-            <a:pPr marL="0" marR="0" lvl="0" indent="0" algn="ctr" rtl="0">
-              <a:spcBef>
-                <a:spcPts val="0"/>
-              </a:spcBef>
-              <a:spcAft>
-                <a:spcPts val="0"/>
-              </a:spcAft>
-              <a:buNone/>
-            </a:pPr>
-            <a:endParaRPr sz="1800" b="0" i="0" u="none" strike="noStrike" cap="none">
-              <a:solidFill>
-                <a:schemeClr val="lt1"/>
-              </a:solidFill>
-              <a:latin typeface="Calibri"/>
-              <a:ea typeface="Calibri"/>
-              <a:cs typeface="Calibri"/>
-              <a:sym typeface="Calibri"/>
-            </a:endParaRPr>
-          </a:p>
-        </p:txBody>
-      </p:sp>
-      <p:sp>
-        <p:nvSpPr>
-          <p:cNvPr id="324" name="Google Shape;324;g89c571fa45_1_52"/>
-          <p:cNvSpPr/>
-          <p:nvPr/>
-        </p:nvSpPr>
-        <p:spPr>
-          <a:xfrm>
-            <a:off x="9269694" y="674965"/>
-            <a:ext cx="407700" cy="407700"/>
-          </a:xfrm>
-          <a:prstGeom prst="ellipse">
-            <a:avLst/>
-          </a:prstGeom>
-          <a:solidFill>
-            <a:srgbClr val="D9D9D9"/>
-          </a:solidFill>
-          <a:ln w="12700" cap="flat" cmpd="sng">
-            <a:solidFill>
-              <a:srgbClr val="31538F"/>
-            </a:solidFill>
-            <a:prstDash val="solid"/>
-            <a:miter lim="800000"/>
-            <a:headEnd type="none" w="sm" len="sm"/>
-            <a:tailEnd type="none" w="sm" len="sm"/>
-          </a:ln>
-        </p:spPr>
-        <p:txBody>
-          <a:bodyPr spcFirstLastPara="1" wrap="square" lIns="91425" tIns="45700" rIns="91425" bIns="45700" anchor="ctr" anchorCtr="0">
-            <a:noAutofit/>
-          </a:bodyPr>
-          <a:lstStyle/>
-          <a:p>
-            <a:pPr marL="0" marR="0" lvl="0" indent="0" algn="ctr" rtl="0">
-              <a:spcBef>
-                <a:spcPts val="0"/>
-              </a:spcBef>
-              <a:spcAft>
-                <a:spcPts val="0"/>
-              </a:spcAft>
-              <a:buNone/>
-            </a:pPr>
-            <a:endParaRPr sz="1800" b="0" i="0" u="none" strike="noStrike" cap="none">
-              <a:solidFill>
-                <a:schemeClr val="lt1"/>
-              </a:solidFill>
-              <a:latin typeface="Calibri"/>
-              <a:ea typeface="Calibri"/>
-              <a:cs typeface="Calibri"/>
-              <a:sym typeface="Calibri"/>
-            </a:endParaRPr>
-          </a:p>
-        </p:txBody>
-      </p:sp>
-      <p:sp>
-        <p:nvSpPr>
-          <p:cNvPr id="325" name="Google Shape;325;g89c571fa45_1_52"/>
-          <p:cNvSpPr/>
-          <p:nvPr/>
-        </p:nvSpPr>
-        <p:spPr>
-          <a:xfrm>
-            <a:off x="10107894" y="674965"/>
-            <a:ext cx="407700" cy="407700"/>
-          </a:xfrm>
-          <a:prstGeom prst="ellipse">
-            <a:avLst/>
-          </a:prstGeom>
-          <a:solidFill>
-            <a:srgbClr val="D9D9D9"/>
-          </a:solidFill>
-          <a:ln w="12700" cap="flat" cmpd="sng">
-            <a:solidFill>
-              <a:srgbClr val="31538F"/>
-            </a:solidFill>
-            <a:prstDash val="solid"/>
-            <a:miter lim="800000"/>
-            <a:headEnd type="none" w="sm" len="sm"/>
-            <a:tailEnd type="none" w="sm" len="sm"/>
-          </a:ln>
-        </p:spPr>
-        <p:txBody>
-          <a:bodyPr spcFirstLastPara="1" wrap="square" lIns="91425" tIns="45700" rIns="91425" bIns="45700" anchor="ctr" anchorCtr="0">
-            <a:noAutofit/>
-          </a:bodyPr>
-          <a:lstStyle/>
-          <a:p>
-            <a:pPr marL="0" marR="0" lvl="0" indent="0" algn="ctr" rtl="0">
-              <a:spcBef>
-                <a:spcPts val="0"/>
-              </a:spcBef>
-              <a:spcAft>
-                <a:spcPts val="0"/>
-              </a:spcAft>
-              <a:buNone/>
-            </a:pPr>
-            <a:endParaRPr sz="1800" b="0" i="0" u="none" strike="noStrike" cap="none">
-              <a:solidFill>
-                <a:schemeClr val="lt1"/>
-              </a:solidFill>
-              <a:latin typeface="Calibri"/>
-              <a:ea typeface="Calibri"/>
-              <a:cs typeface="Calibri"/>
-              <a:sym typeface="Calibri"/>
-            </a:endParaRPr>
-          </a:p>
-        </p:txBody>
-      </p:sp>
-      <p:sp>
-        <p:nvSpPr>
-          <p:cNvPr id="326" name="Google Shape;326;g89c571fa45_1_52"/>
-          <p:cNvSpPr/>
-          <p:nvPr/>
-        </p:nvSpPr>
-        <p:spPr>
-          <a:xfrm>
-            <a:off x="10946094" y="674965"/>
-            <a:ext cx="407700" cy="407700"/>
-          </a:xfrm>
-          <a:prstGeom prst="ellipse">
-            <a:avLst/>
-          </a:prstGeom>
-          <a:solidFill>
-            <a:srgbClr val="D9D9D9"/>
-          </a:solidFill>
-          <a:ln w="12700" cap="flat" cmpd="sng">
-            <a:solidFill>
-              <a:srgbClr val="31538F"/>
-            </a:solidFill>
-            <a:prstDash val="solid"/>
-            <a:miter lim="800000"/>
-            <a:headEnd type="none" w="sm" len="sm"/>
-            <a:tailEnd type="none" w="sm" len="sm"/>
-          </a:ln>
-        </p:spPr>
-        <p:txBody>
-          <a:bodyPr spcFirstLastPara="1" wrap="square" lIns="91425" tIns="45700" rIns="91425" bIns="45700" anchor="ctr" anchorCtr="0">
-            <a:noAutofit/>
-          </a:bodyPr>
-          <a:lstStyle/>
-          <a:p>
-            <a:pPr marL="0" marR="0" lvl="0" indent="0" algn="ctr" rtl="0">
-              <a:spcBef>
-                <a:spcPts val="0"/>
-              </a:spcBef>
-              <a:spcAft>
-                <a:spcPts val="0"/>
-              </a:spcAft>
-              <a:buNone/>
-            </a:pPr>
-            <a:endParaRPr sz="1800" b="0" i="0" u="none" strike="noStrike" cap="none">
-              <a:solidFill>
-                <a:schemeClr val="lt1"/>
-              </a:solidFill>
-              <a:latin typeface="Calibri"/>
-              <a:ea typeface="Calibri"/>
-              <a:cs typeface="Calibri"/>
-              <a:sym typeface="Calibri"/>
-            </a:endParaRPr>
-          </a:p>
-        </p:txBody>
-      </p:sp>
-      <p:sp>
-        <p:nvSpPr>
-          <p:cNvPr id="327" name="Google Shape;327;g89c571fa45_1_52"/>
-          <p:cNvSpPr/>
-          <p:nvPr/>
-        </p:nvSpPr>
-        <p:spPr>
-          <a:xfrm>
-            <a:off x="8635376" y="838000"/>
-            <a:ext cx="2560800" cy="81600"/>
-          </a:xfrm>
-          <a:prstGeom prst="rect">
-            <a:avLst/>
-          </a:prstGeom>
-          <a:solidFill>
-            <a:srgbClr val="D9D9D9"/>
-          </a:solidFill>
-          <a:ln>
-            <a:noFill/>
-          </a:ln>
-        </p:spPr>
-        <p:txBody>
-          <a:bodyPr spcFirstLastPara="1" wrap="square" lIns="91425" tIns="45700" rIns="91425" bIns="45700" anchor="ctr" anchorCtr="0">
-            <a:noAutofit/>
-          </a:bodyPr>
-          <a:lstStyle/>
-          <a:p>
-            <a:pPr marL="0" marR="0" lvl="0" indent="0" algn="ctr" rtl="0">
-              <a:spcBef>
-                <a:spcPts val="0"/>
-              </a:spcBef>
-              <a:spcAft>
-                <a:spcPts val="0"/>
-              </a:spcAft>
-              <a:buNone/>
-            </a:pPr>
-            <a:endParaRPr sz="1800" b="0" i="0" u="none" strike="noStrike" cap="none">
-              <a:solidFill>
-                <a:schemeClr val="lt1"/>
-              </a:solidFill>
-              <a:latin typeface="Calibri"/>
-              <a:ea typeface="Calibri"/>
-              <a:cs typeface="Calibri"/>
-              <a:sym typeface="Calibri"/>
-            </a:endParaRPr>
-          </a:p>
-        </p:txBody>
-      </p:sp>
-      <p:sp>
-        <p:nvSpPr>
-          <p:cNvPr id="328" name="Google Shape;328;g89c571fa45_1_52"/>
-          <p:cNvSpPr txBox="1"/>
-          <p:nvPr/>
-        </p:nvSpPr>
-        <p:spPr>
-          <a:xfrm>
-            <a:off x="8229033" y="262782"/>
-            <a:ext cx="1297500" cy="461700"/>
-          </a:xfrm>
-          <a:prstGeom prst="rect">
-            <a:avLst/>
-          </a:prstGeom>
-          <a:noFill/>
-          <a:ln>
-            <a:noFill/>
-          </a:ln>
-        </p:spPr>
-        <p:txBody>
-          <a:bodyPr spcFirstLastPara="1" wrap="square" lIns="91425" tIns="45700" rIns="91425" bIns="45700" anchor="t" anchorCtr="0">
-            <a:noAutofit/>
-          </a:bodyPr>
-          <a:lstStyle/>
-          <a:p>
-            <a:pPr marL="0" marR="0" lvl="0" indent="0" algn="l" rtl="0">
-              <a:spcBef>
-                <a:spcPts val="0"/>
-              </a:spcBef>
-              <a:spcAft>
-                <a:spcPts val="0"/>
-              </a:spcAft>
-              <a:buNone/>
-            </a:pPr>
-            <a:r>
-              <a:rPr lang="ja-JP" sz="2400" b="1" i="0" u="none" strike="noStrike" cap="none">
-                <a:solidFill>
-                  <a:schemeClr val="lt1"/>
-                </a:solidFill>
-                <a:latin typeface="Calibri"/>
-                <a:ea typeface="Calibri"/>
-                <a:cs typeface="Calibri"/>
-                <a:sym typeface="Calibri"/>
-              </a:rPr>
-              <a:t>Progress</a:t>
-            </a:r>
-            <a:endParaRPr sz="2400" b="1">
-              <a:solidFill>
-                <a:schemeClr val="lt1"/>
-              </a:solidFill>
-              <a:latin typeface="Calibri"/>
-              <a:ea typeface="Calibri"/>
-              <a:cs typeface="Calibri"/>
-              <a:sym typeface="Calibri"/>
-            </a:endParaRPr>
-          </a:p>
-        </p:txBody>
-      </p:sp>
-      <p:sp>
-        <p:nvSpPr>
-          <p:cNvPr id="329" name="Google Shape;329;g89c571fa45_1_52"/>
-          <p:cNvSpPr/>
-          <p:nvPr/>
-        </p:nvSpPr>
-        <p:spPr>
-          <a:xfrm>
-            <a:off x="9343809" y="749055"/>
-            <a:ext cx="259500" cy="259500"/>
-          </a:xfrm>
-          <a:prstGeom prst="ellipse">
-            <a:avLst/>
-          </a:prstGeom>
-          <a:solidFill>
-            <a:srgbClr val="2F5496"/>
-          </a:solidFill>
-          <a:ln>
-            <a:noFill/>
-          </a:ln>
-        </p:spPr>
-        <p:txBody>
-          <a:bodyPr spcFirstLastPara="1" wrap="square" lIns="91425" tIns="45700" rIns="91425" bIns="45700" anchor="ctr" anchorCtr="0">
-            <a:noAutofit/>
-          </a:bodyPr>
-          <a:lstStyle/>
-          <a:p>
-            <a:pPr marL="0" marR="0" lvl="0" indent="0" algn="ctr" rtl="0">
-              <a:spcBef>
-                <a:spcPts val="0"/>
-              </a:spcBef>
-              <a:spcAft>
-                <a:spcPts val="0"/>
-              </a:spcAft>
-              <a:buNone/>
-            </a:pPr>
-            <a:endParaRPr sz="1800">
-              <a:solidFill>
-                <a:schemeClr val="lt1"/>
-              </a:solidFill>
-              <a:latin typeface="Calibri"/>
-              <a:ea typeface="Calibri"/>
-              <a:cs typeface="Calibri"/>
-              <a:sym typeface="Calibri"/>
-            </a:endParaRPr>
-          </a:p>
-        </p:txBody>
-      </p:sp>
-      <p:sp>
-        <p:nvSpPr>
-          <p:cNvPr id="330" name="Google Shape;330;g89c571fa45_1_52"/>
-          <p:cNvSpPr txBox="1"/>
-          <p:nvPr/>
-        </p:nvSpPr>
-        <p:spPr>
-          <a:xfrm>
-            <a:off x="6582588" y="2234075"/>
-            <a:ext cx="4906200" cy="4351200"/>
-          </a:xfrm>
-          <a:prstGeom prst="rect">
-            <a:avLst/>
-          </a:prstGeom>
-          <a:noFill/>
-          <a:ln>
-            <a:noFill/>
-          </a:ln>
-        </p:spPr>
-        <p:txBody>
-          <a:bodyPr spcFirstLastPara="1" wrap="square" lIns="91425" tIns="91425" rIns="91425" bIns="91425" anchor="t" anchorCtr="0">
-            <a:noAutofit/>
-          </a:bodyPr>
-          <a:lstStyle/>
-          <a:p>
-            <a:pPr marL="0" lvl="0" indent="0" algn="l" rtl="0">
-              <a:spcBef>
-                <a:spcPts val="0"/>
-              </a:spcBef>
-              <a:spcAft>
-                <a:spcPts val="0"/>
-              </a:spcAft>
-              <a:buNone/>
-            </a:pPr>
-            <a:r>
-              <a:rPr lang="ja-JP" sz="2400" b="1">
-                <a:solidFill>
-                  <a:srgbClr val="3C78D8"/>
-                </a:solidFill>
-                <a:latin typeface="Meiryo"/>
-                <a:ea typeface="Meiryo"/>
-                <a:cs typeface="Meiryo"/>
-                <a:sym typeface="Meiryo"/>
-              </a:rPr>
-              <a:t>チームワーク</a:t>
-            </a:r>
-            <a:endParaRPr sz="2400" b="1">
-              <a:solidFill>
-                <a:srgbClr val="3C78D8"/>
-              </a:solidFill>
-              <a:latin typeface="Meiryo"/>
-              <a:ea typeface="Meiryo"/>
-              <a:cs typeface="Meiryo"/>
-              <a:sym typeface="Meiryo"/>
-            </a:endParaRPr>
-          </a:p>
-          <a:p>
-            <a:pPr marL="0" lvl="0" indent="0" algn="l" rtl="0">
-              <a:spcBef>
-                <a:spcPts val="0"/>
-              </a:spcBef>
-              <a:spcAft>
-                <a:spcPts val="0"/>
-              </a:spcAft>
-              <a:buNone/>
-            </a:pPr>
-            <a:endParaRPr sz="2400" b="1">
-              <a:solidFill>
-                <a:srgbClr val="3C78D8"/>
-              </a:solidFill>
-              <a:latin typeface="Meiryo"/>
-              <a:ea typeface="Meiryo"/>
-              <a:cs typeface="Meiryo"/>
-              <a:sym typeface="Meiryo"/>
-            </a:endParaRPr>
-          </a:p>
-          <a:p>
-            <a:pPr marL="0" lvl="0" indent="0" algn="l" rtl="0">
-              <a:spcBef>
-                <a:spcPts val="0"/>
-              </a:spcBef>
-              <a:spcAft>
-                <a:spcPts val="0"/>
-              </a:spcAft>
-              <a:buNone/>
-            </a:pPr>
-            <a:r>
-              <a:rPr lang="ja-JP" sz="2400">
-                <a:latin typeface="Meiryo"/>
-                <a:ea typeface="Meiryo"/>
-                <a:cs typeface="Meiryo"/>
-                <a:sym typeface="Meiryo"/>
-              </a:rPr>
-              <a:t>・作業中に不明点が見つかったら　すぐにチーム内で報告・相談を　行っていた</a:t>
-            </a:r>
-            <a:endParaRPr sz="2400">
-              <a:latin typeface="Meiryo"/>
-              <a:ea typeface="Meiryo"/>
-              <a:cs typeface="Meiryo"/>
-              <a:sym typeface="Meiryo"/>
-            </a:endParaRPr>
-          </a:p>
-          <a:p>
-            <a:pPr marL="0" lvl="0" indent="0" algn="l" rtl="0">
-              <a:spcBef>
-                <a:spcPts val="0"/>
-              </a:spcBef>
-              <a:spcAft>
-                <a:spcPts val="0"/>
-              </a:spcAft>
-              <a:buNone/>
-            </a:pPr>
-            <a:endParaRPr sz="2400">
-              <a:latin typeface="Meiryo"/>
-              <a:ea typeface="Meiryo"/>
-              <a:cs typeface="Meiryo"/>
-              <a:sym typeface="Meiryo"/>
-            </a:endParaRPr>
-          </a:p>
-        </p:txBody>
-      </p:sp>
-      <p:sp>
-        <p:nvSpPr>
-          <p:cNvPr id="331" name="Google Shape;331;g89c571fa45_1_52"/>
-          <p:cNvSpPr txBox="1"/>
-          <p:nvPr/>
-        </p:nvSpPr>
-        <p:spPr>
-          <a:xfrm>
-            <a:off x="1050225" y="2234075"/>
-            <a:ext cx="4906200" cy="4494300"/>
-          </a:xfrm>
-          <a:prstGeom prst="rect">
-            <a:avLst/>
-          </a:prstGeom>
-          <a:noFill/>
-          <a:ln>
-            <a:noFill/>
-          </a:ln>
-        </p:spPr>
-        <p:txBody>
-          <a:bodyPr spcFirstLastPara="1" wrap="square" lIns="91425" tIns="91425" rIns="91425" bIns="91425" anchor="t" anchorCtr="0">
-            <a:noAutofit/>
-          </a:bodyPr>
-          <a:lstStyle/>
-          <a:p>
-            <a:pPr marL="0" lvl="0" indent="0" algn="l" rtl="0">
-              <a:spcBef>
-                <a:spcPts val="0"/>
-              </a:spcBef>
-              <a:spcAft>
-                <a:spcPts val="0"/>
-              </a:spcAft>
-              <a:buNone/>
-            </a:pPr>
-            <a:r>
-              <a:rPr lang="ja-JP" sz="2400" b="1">
-                <a:solidFill>
-                  <a:srgbClr val="3C78D8"/>
-                </a:solidFill>
-                <a:latin typeface="Meiryo"/>
-                <a:ea typeface="Meiryo"/>
-                <a:cs typeface="Meiryo"/>
-                <a:sym typeface="Meiryo"/>
-              </a:rPr>
-              <a:t>技術面</a:t>
-            </a:r>
-            <a:endParaRPr sz="2400" b="1">
-              <a:solidFill>
-                <a:srgbClr val="3C78D8"/>
-              </a:solidFill>
-              <a:latin typeface="Meiryo"/>
-              <a:ea typeface="Meiryo"/>
-              <a:cs typeface="Meiryo"/>
-              <a:sym typeface="Meiryo"/>
-            </a:endParaRPr>
-          </a:p>
-          <a:p>
-            <a:pPr marL="0" lvl="0" indent="0" algn="l" rtl="0">
-              <a:spcBef>
-                <a:spcPts val="0"/>
-              </a:spcBef>
-              <a:spcAft>
-                <a:spcPts val="0"/>
-              </a:spcAft>
-              <a:buClr>
-                <a:schemeClr val="dk1"/>
-              </a:buClr>
-              <a:buSzPts val="1100"/>
-              <a:buFont typeface="Arial"/>
-              <a:buNone/>
-            </a:pPr>
-            <a:endParaRPr sz="2400" b="1">
-              <a:solidFill>
-                <a:srgbClr val="3C78D8"/>
-              </a:solidFill>
-              <a:latin typeface="Meiryo"/>
-              <a:ea typeface="Meiryo"/>
-              <a:cs typeface="Meiryo"/>
-              <a:sym typeface="Meiryo"/>
-            </a:endParaRPr>
-          </a:p>
-          <a:p>
-            <a:pPr marL="0" lvl="0" indent="0" algn="l" rtl="0">
-              <a:spcBef>
-                <a:spcPts val="0"/>
-              </a:spcBef>
-              <a:spcAft>
-                <a:spcPts val="0"/>
-              </a:spcAft>
-              <a:buClr>
-                <a:schemeClr val="dk1"/>
-              </a:buClr>
-              <a:buSzPts val="1100"/>
-              <a:buFont typeface="Arial"/>
-              <a:buNone/>
-            </a:pPr>
-            <a:r>
-              <a:rPr lang="ja-JP" sz="2400">
-                <a:solidFill>
-                  <a:schemeClr val="dk1"/>
-                </a:solidFill>
-                <a:latin typeface="Meiryo"/>
-                <a:ea typeface="Meiryo"/>
-                <a:cs typeface="Meiryo"/>
-                <a:sym typeface="Meiryo"/>
-              </a:rPr>
-              <a:t>・機能ごとに作業を分担</a:t>
-            </a:r>
-            <a:endParaRPr sz="2400">
-              <a:solidFill>
-                <a:schemeClr val="dk1"/>
-              </a:solidFill>
-              <a:latin typeface="Meiryo"/>
-              <a:ea typeface="Meiryo"/>
-              <a:cs typeface="Meiryo"/>
-              <a:sym typeface="Meiryo"/>
-            </a:endParaRPr>
-          </a:p>
-          <a:p>
-            <a:pPr marL="0" lvl="0" indent="0" algn="l" rtl="0">
-              <a:spcBef>
-                <a:spcPts val="0"/>
-              </a:spcBef>
-              <a:spcAft>
-                <a:spcPts val="0"/>
-              </a:spcAft>
-              <a:buClr>
-                <a:schemeClr val="dk1"/>
-              </a:buClr>
-              <a:buSzPts val="1100"/>
-              <a:buFont typeface="Arial"/>
-              <a:buNone/>
-            </a:pPr>
-            <a:endParaRPr sz="2400">
-              <a:solidFill>
-                <a:schemeClr val="dk1"/>
-              </a:solidFill>
-              <a:latin typeface="Meiryo"/>
-              <a:ea typeface="Meiryo"/>
-              <a:cs typeface="Meiryo"/>
-              <a:sym typeface="Meiryo"/>
-            </a:endParaRPr>
-          </a:p>
-          <a:p>
-            <a:pPr marL="0" lvl="0" indent="0" algn="l" rtl="0">
-              <a:spcBef>
-                <a:spcPts val="0"/>
-              </a:spcBef>
-              <a:spcAft>
-                <a:spcPts val="0"/>
-              </a:spcAft>
-              <a:buNone/>
-            </a:pPr>
-            <a:r>
-              <a:rPr lang="ja-JP" sz="2400">
-                <a:solidFill>
-                  <a:schemeClr val="dk1"/>
-                </a:solidFill>
-                <a:latin typeface="Meiryo"/>
-                <a:ea typeface="Meiryo"/>
-                <a:cs typeface="Meiryo"/>
-                <a:sym typeface="Meiryo"/>
-              </a:rPr>
-              <a:t>・システムに機能を</a:t>
-            </a:r>
-            <a:endParaRPr sz="2400">
-              <a:solidFill>
-                <a:schemeClr val="dk1"/>
-              </a:solidFill>
-              <a:latin typeface="Meiryo"/>
-              <a:ea typeface="Meiryo"/>
-              <a:cs typeface="Meiryo"/>
-              <a:sym typeface="Meiryo"/>
-            </a:endParaRPr>
-          </a:p>
-          <a:p>
-            <a:pPr marL="0" lvl="0" indent="0" algn="l" rtl="0">
-              <a:spcBef>
-                <a:spcPts val="0"/>
-              </a:spcBef>
-              <a:spcAft>
-                <a:spcPts val="0"/>
-              </a:spcAft>
-              <a:buNone/>
-            </a:pPr>
-            <a:r>
-              <a:rPr lang="ja-JP" sz="2400">
-                <a:solidFill>
-                  <a:schemeClr val="dk1"/>
-                </a:solidFill>
-                <a:latin typeface="Meiryo"/>
-                <a:ea typeface="Meiryo"/>
-                <a:cs typeface="Meiryo"/>
-                <a:sym typeface="Meiryo"/>
-              </a:rPr>
-              <a:t>　追加しやすいように設計</a:t>
-            </a:r>
-            <a:endParaRPr sz="2400">
-              <a:solidFill>
-                <a:schemeClr val="dk1"/>
-              </a:solidFill>
-              <a:latin typeface="Meiryo"/>
-              <a:ea typeface="Meiryo"/>
-              <a:cs typeface="Meiryo"/>
-              <a:sym typeface="Meiryo"/>
-            </a:endParaRPr>
-          </a:p>
-          <a:p>
-            <a:pPr marL="0" lvl="0" indent="0" algn="l" rtl="0">
-              <a:spcBef>
-                <a:spcPts val="0"/>
-              </a:spcBef>
-              <a:spcAft>
-                <a:spcPts val="0"/>
-              </a:spcAft>
-              <a:buNone/>
-            </a:pPr>
-            <a:endParaRPr sz="1000">
-              <a:solidFill>
-                <a:schemeClr val="dk1"/>
-              </a:solidFill>
-              <a:latin typeface="Meiryo"/>
-              <a:ea typeface="Meiryo"/>
-              <a:cs typeface="Meiryo"/>
-              <a:sym typeface="Meiryo"/>
-            </a:endParaRPr>
-          </a:p>
-          <a:p>
-            <a:pPr marL="0" lvl="0" indent="0" algn="l" rtl="0">
-              <a:spcBef>
-                <a:spcPts val="0"/>
-              </a:spcBef>
-              <a:spcAft>
-                <a:spcPts val="0"/>
-              </a:spcAft>
-              <a:buNone/>
-            </a:pPr>
-            <a:r>
-              <a:rPr lang="ja-JP" sz="2400">
-                <a:solidFill>
-                  <a:schemeClr val="dk1"/>
-                </a:solidFill>
-                <a:latin typeface="Meiryo"/>
-                <a:ea typeface="Meiryo"/>
-                <a:cs typeface="Meiryo"/>
-                <a:sym typeface="Meiryo"/>
-              </a:rPr>
-              <a:t>　　　  GUI（第二反復）</a:t>
-            </a:r>
-            <a:endParaRPr sz="2400">
-              <a:solidFill>
-                <a:schemeClr val="dk1"/>
-              </a:solidFill>
-              <a:latin typeface="Meiryo"/>
-              <a:ea typeface="Meiryo"/>
-              <a:cs typeface="Meiryo"/>
-              <a:sym typeface="Meiryo"/>
-            </a:endParaRPr>
-          </a:p>
-          <a:p>
-            <a:pPr marL="0" lvl="0" indent="0" algn="l" rtl="0">
-              <a:spcBef>
-                <a:spcPts val="0"/>
-              </a:spcBef>
-              <a:spcAft>
-                <a:spcPts val="0"/>
-              </a:spcAft>
-              <a:buNone/>
-            </a:pPr>
-            <a:r>
-              <a:rPr lang="ja-JP" sz="2400">
-                <a:solidFill>
-                  <a:schemeClr val="dk1"/>
-                </a:solidFill>
-                <a:latin typeface="Meiryo"/>
-                <a:ea typeface="Meiryo"/>
-                <a:cs typeface="Meiryo"/>
-                <a:sym typeface="Meiryo"/>
-              </a:rPr>
-              <a:t>　　　  DB（第三反復）</a:t>
-            </a:r>
-            <a:endParaRPr sz="2400">
-              <a:solidFill>
-                <a:schemeClr val="dk1"/>
-              </a:solidFill>
-              <a:latin typeface="Meiryo"/>
-              <a:ea typeface="Meiryo"/>
-              <a:cs typeface="Meiryo"/>
-              <a:sym typeface="Meiryo"/>
-            </a:endParaRPr>
-          </a:p>
-          <a:p>
-            <a:pPr marL="0" lvl="0" indent="0" algn="l" rtl="0">
-              <a:spcBef>
-                <a:spcPts val="0"/>
-              </a:spcBef>
-              <a:spcAft>
-                <a:spcPts val="0"/>
-              </a:spcAft>
-              <a:buNone/>
-            </a:pPr>
-            <a:endParaRPr>
-              <a:latin typeface="Calibri"/>
-              <a:ea typeface="Calibri"/>
-              <a:cs typeface="Calibri"/>
-              <a:sym typeface="Calibri"/>
-            </a:endParaRPr>
-          </a:p>
-        </p:txBody>
-      </p:sp>
-      <p:cxnSp>
-        <p:nvCxnSpPr>
-          <p:cNvPr id="332" name="Google Shape;332;g89c571fa45_1_52"/>
-          <p:cNvCxnSpPr/>
-          <p:nvPr/>
-        </p:nvCxnSpPr>
-        <p:spPr>
-          <a:xfrm>
-            <a:off x="6096000" y="2626725"/>
-            <a:ext cx="0" cy="3366300"/>
-          </a:xfrm>
-          <a:prstGeom prst="straightConnector1">
-            <a:avLst/>
-          </a:prstGeom>
-          <a:noFill/>
-          <a:ln w="9525" cap="flat" cmpd="sng">
-            <a:solidFill>
-              <a:srgbClr val="000000"/>
-            </a:solidFill>
-            <a:prstDash val="solid"/>
-            <a:round/>
-            <a:headEnd type="none" w="med" len="med"/>
-            <a:tailEnd type="none" w="med" len="med"/>
-          </a:ln>
-        </p:spPr>
-      </p:cxnSp>
-      <p:sp>
-        <p:nvSpPr>
-          <p:cNvPr id="333" name="Google Shape;333;g89c571fa45_1_52"/>
-          <p:cNvSpPr/>
-          <p:nvPr/>
-        </p:nvSpPr>
-        <p:spPr>
-          <a:xfrm rot="5400000">
-            <a:off x="1649775" y="4630761"/>
-            <a:ext cx="259500" cy="259500"/>
-          </a:xfrm>
-          <a:prstGeom prst="bentUpArrow">
-            <a:avLst>
-              <a:gd name="adj1" fmla="val 25000"/>
-              <a:gd name="adj2" fmla="val 25000"/>
-              <a:gd name="adj3" fmla="val 25000"/>
-            </a:avLst>
-          </a:prstGeom>
-          <a:solidFill>
-            <a:srgbClr val="3F3F3F"/>
-          </a:solidFill>
-          <a:ln w="9525" cap="flat" cmpd="sng">
-            <a:solidFill>
-              <a:schemeClr val="dk2"/>
-            </a:solidFill>
-            <a:prstDash val="solid"/>
-            <a:round/>
-            <a:headEnd type="none" w="sm" len="sm"/>
-            <a:tailEnd type="none" w="sm" len="sm"/>
-          </a:ln>
-        </p:spPr>
-        <p:txBody>
-          <a:bodyPr spcFirstLastPara="1" wrap="square" lIns="91425" tIns="91425" rIns="91425" bIns="91425" anchor="ctr" anchorCtr="0">
-            <a:noAutofit/>
-          </a:bodyPr>
-          <a:lstStyle/>
-          <a:p>
-            <a:pPr marL="0" lvl="0" indent="0" algn="l" rtl="0">
-              <a:spcBef>
-                <a:spcPts val="0"/>
-              </a:spcBef>
-              <a:spcAft>
-                <a:spcPts val="0"/>
-              </a:spcAft>
-              <a:buNone/>
-            </a:pPr>
-            <a:endParaRPr/>
-          </a:p>
-        </p:txBody>
-      </p:sp>
-      <p:sp>
-        <p:nvSpPr>
-          <p:cNvPr id="334" name="Google Shape;334;g89c571fa45_1_52"/>
-          <p:cNvSpPr/>
-          <p:nvPr/>
-        </p:nvSpPr>
-        <p:spPr>
-          <a:xfrm rot="5400000">
-            <a:off x="1649775" y="5014511"/>
-            <a:ext cx="259500" cy="259500"/>
-          </a:xfrm>
-          <a:prstGeom prst="bentUpArrow">
-            <a:avLst>
-              <a:gd name="adj1" fmla="val 25000"/>
-              <a:gd name="adj2" fmla="val 25000"/>
-              <a:gd name="adj3" fmla="val 25000"/>
-            </a:avLst>
-          </a:prstGeom>
-          <a:solidFill>
-            <a:srgbClr val="3F3F3F"/>
-          </a:solidFill>
-          <a:ln w="9525" cap="flat" cmpd="sng">
-            <a:solidFill>
-              <a:schemeClr val="dk2"/>
-            </a:solidFill>
-            <a:prstDash val="solid"/>
-            <a:round/>
-            <a:headEnd type="none" w="sm" len="sm"/>
-            <a:tailEnd type="none" w="sm" len="sm"/>
-          </a:ln>
-        </p:spPr>
-        <p:txBody>
-          <a:bodyPr spcFirstLastPara="1" wrap="square" lIns="91425" tIns="91425" rIns="91425" bIns="91425" anchor="ctr" anchorCtr="0">
-            <a:noAutofit/>
-          </a:bodyPr>
-          <a:lstStyle/>
-          <a:p>
-            <a:pPr marL="0" lvl="0" indent="0" algn="l" rtl="0">
-              <a:spcBef>
-                <a:spcPts val="0"/>
-              </a:spcBef>
-              <a:spcAft>
-                <a:spcPts val="0"/>
-              </a:spcAft>
-              <a:buNone/>
-            </a:pPr>
-            <a:endParaRPr/>
           </a:p>
         </p:txBody>
       </p:sp>

--- a/成果発表会発表資料.pptx
+++ b/成果発表会発表資料.pptx
@@ -6,7 +6,7 @@
     <p:sldMasterId id="2147483651" r:id="rId2"/>
   </p:sldMasterIdLst>
   <p:notesMasterIdLst>
-    <p:notesMasterId r:id="rId23"/>
+    <p:notesMasterId r:id="rId24"/>
   </p:notesMasterIdLst>
   <p:sldIdLst>
     <p:sldId id="256" r:id="rId3"/>
@@ -29,6 +29,7 @@
     <p:sldId id="271" r:id="rId20"/>
     <p:sldId id="272" r:id="rId21"/>
     <p:sldId id="273" r:id="rId22"/>
+    <p:sldId id="282" r:id="rId23"/>
   </p:sldIdLst>
   <p:sldSz cx="12192000" cy="6858000"/>
   <p:notesSz cx="6858000" cy="9144000"/>
@@ -266,7 +267,7 @@
       <p15:sldGuideLst xmlns:p15="http://schemas.microsoft.com/office/powerpoint/2012/main"/>
     </p:ext>
     <p:ext uri="http://customooxmlschemas.google.com/">
-      <go:slidesCustomData xmlns:go="http://customooxmlschemas.google.com/" xmlns:p15="http://schemas.microsoft.com/office/powerpoint/2012/main" xmlns:p14="http://schemas.microsoft.com/office/powerpoint/2010/main" xmlns:com="http://schemas.openxmlformats.org/drawingml/2006/compatibility" xmlns:pvml="urn:schemas-microsoft-com:office:powerpoint" xmlns:v="urn:schemas-microsoft-com:vml" xmlns:o="urn:schemas-microsoft-com:office:office" xmlns:dgm="http://schemas.openxmlformats.org/drawingml/2006/diagram" xmlns:c="http://schemas.openxmlformats.org/drawingml/2006/chart" xmlns:mv="urn:schemas-microsoft-com:mac:vml" xmlns:mc="http://schemas.openxmlformats.org/markup-compatibility/2006" xmlns="" r:id="rId25" roundtripDataSignature="AMtx7mhSD1MLApTgUqu6n1YFMsXsJD0f0w=="/>
+      <go:slidesCustomData xmlns="" xmlns:mc="http://schemas.openxmlformats.org/markup-compatibility/2006" xmlns:mv="urn:schemas-microsoft-com:mac:vml" xmlns:c="http://schemas.openxmlformats.org/drawingml/2006/chart" xmlns:dgm="http://schemas.openxmlformats.org/drawingml/2006/diagram" xmlns:o="urn:schemas-microsoft-com:office:office" xmlns:v="urn:schemas-microsoft-com:vml" xmlns:pvml="urn:schemas-microsoft-com:office:powerpoint" xmlns:com="http://schemas.openxmlformats.org/drawingml/2006/compatibility" xmlns:p14="http://schemas.microsoft.com/office/powerpoint/2010/main" xmlns:p15="http://schemas.microsoft.com/office/powerpoint/2012/main" xmlns:go="http://customooxmlschemas.google.com/" r:id="rId25" roundtripDataSignature="AMtx7mhSD1MLApTgUqu6n1YFMsXsJD0f0w=="/>
     </p:ext>
   </p:extLst>
 </p:presentation>
@@ -1715,7 +1716,215 @@
               </a:spcAft>
               <a:buNone/>
             </a:pPr>
-            <a:endParaRPr/>
+            <a:r>
+              <a:rPr lang="ja-JP" altLang="en-US" dirty="0"/>
+              <a:t>次に大石が発表いたします。</a:t>
+            </a:r>
+            <a:endParaRPr lang="en-US" altLang="ja-JP" dirty="0"/>
+          </a:p>
+          <a:p>
+            <a:pPr marL="0" lvl="0" indent="0" algn="l" rtl="0">
+              <a:spcBef>
+                <a:spcPts val="0"/>
+              </a:spcBef>
+              <a:spcAft>
+                <a:spcPts val="0"/>
+              </a:spcAft>
+              <a:buNone/>
+            </a:pPr>
+            <a:r>
+              <a:rPr lang="ja-JP" altLang="en-US" dirty="0"/>
+              <a:t>今回私は主に、</a:t>
+            </a:r>
+            <a:r>
+              <a:rPr lang="en-US" altLang="ja-JP" dirty="0"/>
+              <a:t>DB</a:t>
+            </a:r>
+            <a:r>
+              <a:rPr lang="ja-JP" altLang="en-US" dirty="0"/>
+              <a:t>の導入・実装とシステムテストを担当いたしました。</a:t>
+            </a:r>
+            <a:endParaRPr lang="en-US" altLang="ja-JP" dirty="0"/>
+          </a:p>
+          <a:p>
+            <a:pPr marL="0" lvl="0" indent="0" algn="l" rtl="0">
+              <a:spcBef>
+                <a:spcPts val="0"/>
+              </a:spcBef>
+              <a:spcAft>
+                <a:spcPts val="0"/>
+              </a:spcAft>
+              <a:buNone/>
+            </a:pPr>
+            <a:endParaRPr lang="en-US" altLang="ja-JP" dirty="0"/>
+          </a:p>
+          <a:p>
+            <a:pPr marL="0" lvl="0" indent="0" algn="l" rtl="0">
+              <a:spcBef>
+                <a:spcPts val="0"/>
+              </a:spcBef>
+              <a:spcAft>
+                <a:spcPts val="0"/>
+              </a:spcAft>
+              <a:buNone/>
+            </a:pPr>
+            <a:r>
+              <a:rPr lang="ja-JP" altLang="en-US" dirty="0"/>
+              <a:t>課題として、作業目的や内容共有が甘かったことが挙げられます。</a:t>
+            </a:r>
+            <a:endParaRPr lang="en-US" altLang="ja-JP" dirty="0"/>
+          </a:p>
+          <a:p>
+            <a:pPr marL="0" lvl="0" indent="0" algn="l" rtl="0">
+              <a:spcBef>
+                <a:spcPts val="0"/>
+              </a:spcBef>
+              <a:spcAft>
+                <a:spcPts val="0"/>
+              </a:spcAft>
+              <a:buNone/>
+            </a:pPr>
+            <a:r>
+              <a:rPr lang="ja-JP" altLang="en-US" dirty="0"/>
+              <a:t>これらは、報告・連絡・相談の頻度や、分析・設計段階のモデルの精度の向上で改善できると思われます。</a:t>
+            </a:r>
+            <a:endParaRPr lang="en-US" altLang="ja-JP" dirty="0"/>
+          </a:p>
+          <a:p>
+            <a:pPr marL="0" lvl="0" indent="0" algn="l" rtl="0">
+              <a:spcBef>
+                <a:spcPts val="0"/>
+              </a:spcBef>
+              <a:spcAft>
+                <a:spcPts val="0"/>
+              </a:spcAft>
+              <a:buNone/>
+            </a:pPr>
+            <a:endParaRPr lang="en-US" altLang="ja-JP" dirty="0"/>
+          </a:p>
+          <a:p>
+            <a:pPr marL="0" lvl="0" indent="0" algn="l" rtl="0">
+              <a:spcBef>
+                <a:spcPts val="0"/>
+              </a:spcBef>
+              <a:spcAft>
+                <a:spcPts val="0"/>
+              </a:spcAft>
+              <a:buNone/>
+            </a:pPr>
+            <a:r>
+              <a:rPr lang="ja-JP" altLang="en-US" dirty="0"/>
+              <a:t>また、ミニプロジェクトに取り組むにあたり、私の持っている知識は、全て講義資料によるものでした。</a:t>
+            </a:r>
+            <a:endParaRPr lang="en-US" altLang="ja-JP" dirty="0"/>
+          </a:p>
+          <a:p>
+            <a:pPr marL="0" lvl="0" indent="0" algn="l" rtl="0">
+              <a:spcBef>
+                <a:spcPts val="0"/>
+              </a:spcBef>
+              <a:spcAft>
+                <a:spcPts val="0"/>
+              </a:spcAft>
+              <a:buNone/>
+            </a:pPr>
+            <a:r>
+              <a:rPr lang="ja-JP" altLang="en-US" dirty="0"/>
+              <a:t>講師の方に感謝するとともに、今回</a:t>
+            </a:r>
+            <a:r>
+              <a:rPr lang="en-US" altLang="ja-JP" dirty="0"/>
+              <a:t>DB</a:t>
+            </a:r>
+            <a:r>
+              <a:rPr lang="ja-JP" altLang="en-US"/>
+              <a:t>の導入時に行ったような、自力で情報を収集する力を強化していきます。</a:t>
+            </a:r>
+            <a:endParaRPr lang="en-US" altLang="ja-JP" dirty="0"/>
+          </a:p>
+          <a:p>
+            <a:pPr marL="0" lvl="0" indent="0" algn="l" rtl="0">
+              <a:spcBef>
+                <a:spcPts val="0"/>
+              </a:spcBef>
+              <a:spcAft>
+                <a:spcPts val="0"/>
+              </a:spcAft>
+              <a:buNone/>
+            </a:pPr>
+            <a:endParaRPr lang="en-US" altLang="ja-JP" dirty="0"/>
+          </a:p>
+          <a:p>
+            <a:pPr marL="0" lvl="0" indent="0" algn="l" rtl="0">
+              <a:spcBef>
+                <a:spcPts val="0"/>
+              </a:spcBef>
+              <a:spcAft>
+                <a:spcPts val="0"/>
+              </a:spcAft>
+              <a:buNone/>
+            </a:pPr>
+            <a:r>
+              <a:rPr lang="ja-JP" altLang="en-US" dirty="0"/>
+              <a:t>以上を踏まえ、今後の意気込みとして、</a:t>
+            </a:r>
+            <a:endParaRPr lang="en-US" altLang="ja-JP" dirty="0"/>
+          </a:p>
+          <a:p>
+            <a:pPr marL="0" lvl="0" indent="0" algn="l" rtl="0">
+              <a:spcBef>
+                <a:spcPts val="0"/>
+              </a:spcBef>
+              <a:spcAft>
+                <a:spcPts val="0"/>
+              </a:spcAft>
+              <a:buNone/>
+            </a:pPr>
+            <a:r>
+              <a:rPr lang="ja-JP" altLang="en-US" dirty="0"/>
+              <a:t>信頼関係を築き、全体を把握して動けるような人材になれるよう努めたいです。</a:t>
+            </a:r>
+            <a:endParaRPr lang="en-US" altLang="ja-JP" dirty="0"/>
+          </a:p>
+          <a:p>
+            <a:pPr marL="0" lvl="0" indent="0" algn="l" rtl="0">
+              <a:spcBef>
+                <a:spcPts val="0"/>
+              </a:spcBef>
+              <a:spcAft>
+                <a:spcPts val="0"/>
+              </a:spcAft>
+              <a:buNone/>
+            </a:pPr>
+            <a:endParaRPr lang="en-US" altLang="ja-JP" dirty="0"/>
+          </a:p>
+          <a:p>
+            <a:pPr marL="0" lvl="0" indent="0" algn="l" rtl="0">
+              <a:spcBef>
+                <a:spcPts val="0"/>
+              </a:spcBef>
+              <a:spcAft>
+                <a:spcPts val="0"/>
+              </a:spcAft>
+              <a:buNone/>
+            </a:pPr>
+            <a:endParaRPr lang="en-US" altLang="ja-JP" dirty="0"/>
+          </a:p>
+          <a:p>
+            <a:pPr marL="0" lvl="0" indent="0" algn="l" rtl="0">
+              <a:spcBef>
+                <a:spcPts val="0"/>
+              </a:spcBef>
+              <a:spcAft>
+                <a:spcPts val="0"/>
+              </a:spcAft>
+              <a:buNone/>
+            </a:pPr>
+            <a:r>
+              <a:rPr lang="ja-JP" altLang="en-US" dirty="0"/>
+              <a:t>以上です。</a:t>
+            </a:r>
+            <a:endParaRPr dirty="0"/>
           </a:p>
         </p:txBody>
       </p:sp>
@@ -2073,6 +2282,115 @@
         </p:spPr>
       </p:sp>
     </p:spTree>
+  </p:cSld>
+  <p:clrMapOvr>
+    <a:masterClrMapping/>
+  </p:clrMapOvr>
+</p:notes>
+</file>
+
+<file path=ppt/notesSlides/notesSlide21.xml><?xml version="1.0" encoding="utf-8"?>
+<p:notes xmlns:a="http://schemas.openxmlformats.org/drawingml/2006/main" xmlns:r="http://schemas.openxmlformats.org/officeDocument/2006/relationships" xmlns:p="http://schemas.openxmlformats.org/presentationml/2006/main" showMasterSp="0" showMasterPhAnim="0">
+  <p:cSld>
+    <p:spTree>
+      <p:nvGrpSpPr>
+        <p:cNvPr id="1" name="Shape 107"/>
+        <p:cNvGrpSpPr/>
+        <p:nvPr/>
+      </p:nvGrpSpPr>
+      <p:grpSpPr>
+        <a:xfrm>
+          <a:off x="0" y="0"/>
+          <a:ext cx="0" cy="0"/>
+          <a:chOff x="0" y="0"/>
+          <a:chExt cx="0" cy="0"/>
+        </a:xfrm>
+      </p:grpSpPr>
+      <p:sp>
+        <p:nvSpPr>
+          <p:cNvPr id="108" name="Google Shape;108;p2:notes"/>
+          <p:cNvSpPr txBox="1">
+            <a:spLocks noGrp="1"/>
+          </p:cNvSpPr>
+          <p:nvPr>
+            <p:ph type="body" idx="1"/>
+          </p:nvPr>
+        </p:nvSpPr>
+        <p:spPr>
+          <a:xfrm>
+            <a:off x="685800" y="4343400"/>
+            <a:ext cx="5486400" cy="4114800"/>
+          </a:xfrm>
+          <a:prstGeom prst="rect">
+            <a:avLst/>
+          </a:prstGeom>
+        </p:spPr>
+        <p:txBody>
+          <a:bodyPr spcFirstLastPara="1" wrap="square" lIns="91425" tIns="91425" rIns="91425" bIns="91425" anchor="t" anchorCtr="0">
+            <a:noAutofit/>
+          </a:bodyPr>
+          <a:lstStyle/>
+          <a:p>
+            <a:pPr marL="0" lvl="0" indent="0" algn="l" rtl="0">
+              <a:spcBef>
+                <a:spcPts val="0"/>
+              </a:spcBef>
+              <a:spcAft>
+                <a:spcPts val="0"/>
+              </a:spcAft>
+              <a:buNone/>
+            </a:pPr>
+            <a:endParaRPr/>
+          </a:p>
+        </p:txBody>
+      </p:sp>
+      <p:sp>
+        <p:nvSpPr>
+          <p:cNvPr id="109" name="Google Shape;109;p2:notes"/>
+          <p:cNvSpPr>
+            <a:spLocks noGrp="1" noRot="1" noChangeAspect="1"/>
+          </p:cNvSpPr>
+          <p:nvPr>
+            <p:ph type="sldImg" idx="2"/>
+          </p:nvPr>
+        </p:nvSpPr>
+        <p:spPr>
+          <a:xfrm>
+            <a:off x="381000" y="685800"/>
+            <a:ext cx="6096000" cy="3429000"/>
+          </a:xfrm>
+          <a:custGeom>
+            <a:avLst/>
+            <a:gdLst/>
+            <a:ahLst/>
+            <a:cxnLst/>
+            <a:rect l="l" t="t" r="r" b="b"/>
+            <a:pathLst>
+              <a:path w="120000" h="120000" extrusionOk="0">
+                <a:moveTo>
+                  <a:pt x="0" y="0"/>
+                </a:moveTo>
+                <a:lnTo>
+                  <a:pt x="120000" y="0"/>
+                </a:lnTo>
+                <a:lnTo>
+                  <a:pt x="120000" y="120000"/>
+                </a:lnTo>
+                <a:lnTo>
+                  <a:pt x="0" y="120000"/>
+                </a:lnTo>
+                <a:close/>
+              </a:path>
+            </a:pathLst>
+          </a:custGeom>
+        </p:spPr>
+      </p:sp>
+    </p:spTree>
+    <p:extLst>
+      <p:ext uri="{BB962C8B-B14F-4D97-AF65-F5344CB8AC3E}">
+        <p14:creationId xmlns:p14="http://schemas.microsoft.com/office/powerpoint/2010/main" val="428777659"/>
+      </p:ext>
+    </p:extLst>
   </p:cSld>
   <p:clrMapOvr>
     <a:masterClrMapping/>
@@ -2666,7 +2984,67 @@
               </a:spcAft>
               <a:buNone/>
             </a:pPr>
-            <a:endParaRPr/>
+            <a:r>
+              <a:rPr lang="ja-JP" altLang="en-US" dirty="0"/>
+              <a:t>それでは、成果物のデモンストレーションを行います。</a:t>
+            </a:r>
+            <a:endParaRPr lang="en-US" altLang="ja-JP" dirty="0"/>
+          </a:p>
+          <a:p>
+            <a:pPr marL="0" lvl="0" indent="0" algn="l" rtl="0">
+              <a:spcBef>
+                <a:spcPts val="0"/>
+              </a:spcBef>
+              <a:spcAft>
+                <a:spcPts val="0"/>
+              </a:spcAft>
+              <a:buNone/>
+            </a:pPr>
+            <a:r>
+              <a:rPr lang="ja-JP" altLang="en-US" dirty="0"/>
+              <a:t>本デモンストレーションでは、</a:t>
+            </a:r>
+            <a:r>
+              <a:rPr lang="en-US" altLang="ja-JP" dirty="0"/>
+              <a:t>GUI</a:t>
+            </a:r>
+            <a:r>
+              <a:rPr lang="ja-JP" altLang="en-US" dirty="0"/>
+              <a:t>上で</a:t>
+            </a:r>
+            <a:endParaRPr lang="en-US" altLang="ja-JP" dirty="0"/>
+          </a:p>
+          <a:p>
+            <a:pPr marL="0" lvl="0" indent="0" algn="l" rtl="0">
+              <a:spcBef>
+                <a:spcPts val="0"/>
+              </a:spcBef>
+              <a:spcAft>
+                <a:spcPts val="0"/>
+              </a:spcAft>
+              <a:buNone/>
+            </a:pPr>
+            <a:r>
+              <a:rPr lang="ja-JP" altLang="en-US" dirty="0"/>
+              <a:t>ログイン、　チケット一覧の表示、枚数指定をした予約、予約内容の確認、キャンセルを行います。</a:t>
+            </a:r>
+            <a:endParaRPr lang="en-US" altLang="ja-JP" dirty="0"/>
+          </a:p>
+          <a:p>
+            <a:pPr marL="0" lvl="0" indent="0" algn="l" rtl="0">
+              <a:spcBef>
+                <a:spcPts val="0"/>
+              </a:spcBef>
+              <a:spcAft>
+                <a:spcPts val="0"/>
+              </a:spcAft>
+              <a:buNone/>
+            </a:pPr>
+            <a:r>
+              <a:rPr lang="ja-JP" altLang="en-US" dirty="0"/>
+              <a:t>なお、データベースを表示しますので、併せてご確認ください。</a:t>
+            </a:r>
+            <a:endParaRPr dirty="0"/>
           </a:p>
         </p:txBody>
       </p:sp>
@@ -2770,7 +3148,143 @@
               </a:spcAft>
               <a:buNone/>
             </a:pPr>
-            <a:endParaRPr/>
+            <a:r>
+              <a:rPr lang="ja-JP" altLang="en-US" dirty="0"/>
+              <a:t>成果物のメトリクスによる評価を示します。</a:t>
+            </a:r>
+            <a:endParaRPr lang="en-US" altLang="ja-JP" dirty="0"/>
+          </a:p>
+          <a:p>
+            <a:pPr marL="0" lvl="0" indent="0" algn="l" rtl="0">
+              <a:spcBef>
+                <a:spcPts val="0"/>
+              </a:spcBef>
+              <a:spcAft>
+                <a:spcPts val="0"/>
+              </a:spcAft>
+              <a:buNone/>
+            </a:pPr>
+            <a:r>
+              <a:rPr lang="ja-JP" altLang="en-US" dirty="0"/>
+              <a:t>平均値より、評価基準をおおむね達成したことが確認できます。</a:t>
+            </a:r>
+            <a:endParaRPr lang="en-US" altLang="ja-JP" dirty="0"/>
+          </a:p>
+          <a:p>
+            <a:pPr marL="0" lvl="0" indent="0" algn="l" rtl="0">
+              <a:spcBef>
+                <a:spcPts val="0"/>
+              </a:spcBef>
+              <a:spcAft>
+                <a:spcPts val="0"/>
+              </a:spcAft>
+              <a:buNone/>
+            </a:pPr>
+            <a:r>
+              <a:rPr lang="ja-JP" altLang="en-US" dirty="0"/>
+              <a:t>最大値を見てみると、</a:t>
+            </a:r>
+            <a:endParaRPr lang="en-US" altLang="ja-JP" dirty="0"/>
+          </a:p>
+          <a:p>
+            <a:pPr marL="0" lvl="0" indent="0" algn="l" rtl="0">
+              <a:spcBef>
+                <a:spcPts val="0"/>
+              </a:spcBef>
+              <a:spcAft>
+                <a:spcPts val="0"/>
+              </a:spcAft>
+              <a:buNone/>
+            </a:pPr>
+            <a:r>
+              <a:rPr lang="ja-JP" altLang="en-US" dirty="0"/>
+              <a:t>フィールド数、メソッド数、コード数、メソッドの凝集性</a:t>
+            </a:r>
+            <a:endParaRPr lang="en-US" altLang="ja-JP" dirty="0"/>
+          </a:p>
+          <a:p>
+            <a:pPr marL="0" lvl="0" indent="0" algn="l" rtl="0">
+              <a:spcBef>
+                <a:spcPts val="0"/>
+              </a:spcBef>
+              <a:spcAft>
+                <a:spcPts val="0"/>
+              </a:spcAft>
+              <a:buNone/>
+            </a:pPr>
+            <a:r>
+              <a:rPr lang="ja-JP" altLang="en-US" dirty="0"/>
+              <a:t>の</a:t>
+            </a:r>
+            <a:r>
+              <a:rPr lang="en-US" altLang="ja-JP" dirty="0"/>
+              <a:t>4</a:t>
+            </a:r>
+            <a:r>
+              <a:rPr lang="ja-JP" altLang="en-US" dirty="0"/>
+              <a:t>点が目安を超過しております。</a:t>
+            </a:r>
+            <a:endParaRPr lang="en-US" altLang="ja-JP" dirty="0"/>
+          </a:p>
+          <a:p>
+            <a:pPr marL="0" lvl="0" indent="0" algn="l" rtl="0">
+              <a:spcBef>
+                <a:spcPts val="0"/>
+              </a:spcBef>
+              <a:spcAft>
+                <a:spcPts val="0"/>
+              </a:spcAft>
+              <a:buNone/>
+            </a:pPr>
+            <a:endParaRPr lang="en-US" altLang="ja-JP" dirty="0"/>
+          </a:p>
+          <a:p>
+            <a:pPr marL="0" lvl="0" indent="0" algn="l" rtl="0">
+              <a:spcBef>
+                <a:spcPts val="0"/>
+              </a:spcBef>
+              <a:spcAft>
+                <a:spcPts val="0"/>
+              </a:spcAft>
+              <a:buNone/>
+            </a:pPr>
+            <a:r>
+              <a:rPr lang="ja-JP" altLang="en-US" dirty="0"/>
+              <a:t>これらは、</a:t>
+            </a:r>
+            <a:r>
+              <a:rPr lang="en-US" altLang="ja-JP" dirty="0"/>
+              <a:t>GUI</a:t>
+            </a:r>
+            <a:r>
+              <a:rPr lang="ja-JP" altLang="en-US" dirty="0"/>
+              <a:t>や</a:t>
+            </a:r>
+            <a:r>
+              <a:rPr lang="en-US" altLang="ja-JP" dirty="0"/>
+              <a:t>DB</a:t>
+            </a:r>
+            <a:r>
+              <a:rPr lang="ja-JP" altLang="en-US" dirty="0"/>
+              <a:t>の導入にかかわるクラスが原因でした。</a:t>
+            </a:r>
+            <a:endParaRPr lang="en-US" altLang="ja-JP" dirty="0"/>
+          </a:p>
+          <a:p>
+            <a:pPr marL="0" lvl="0" indent="0" algn="l" rtl="0">
+              <a:spcBef>
+                <a:spcPts val="0"/>
+              </a:spcBef>
+              <a:spcAft>
+                <a:spcPts val="0"/>
+              </a:spcAft>
+              <a:buNone/>
+            </a:pPr>
+            <a:r>
+              <a:rPr lang="ja-JP" altLang="en-US" dirty="0"/>
+              <a:t>導入に関する知識を深めることで、今後改善できると思われます。</a:t>
+            </a:r>
+            <a:endParaRPr dirty="0"/>
           </a:p>
         </p:txBody>
       </p:sp>
@@ -39348,6 +39862,1431 @@
 </p:sld>
 </file>
 
+<file path=ppt/slides/slide21.xml><?xml version="1.0" encoding="utf-8"?>
+<p:sld xmlns:a="http://schemas.openxmlformats.org/drawingml/2006/main" xmlns:r="http://schemas.openxmlformats.org/officeDocument/2006/relationships" xmlns:p="http://schemas.openxmlformats.org/presentationml/2006/main">
+  <p:cSld>
+    <p:bg>
+      <p:bgPr>
+        <a:solidFill>
+          <a:srgbClr val="414141"/>
+        </a:solidFill>
+        <a:effectLst/>
+      </p:bgPr>
+    </p:bg>
+    <p:spTree>
+      <p:nvGrpSpPr>
+        <p:cNvPr id="1" name="Shape 110"/>
+        <p:cNvGrpSpPr/>
+        <p:nvPr/>
+      </p:nvGrpSpPr>
+      <p:grpSpPr>
+        <a:xfrm>
+          <a:off x="0" y="0"/>
+          <a:ext cx="0" cy="0"/>
+          <a:chOff x="0" y="0"/>
+          <a:chExt cx="0" cy="0"/>
+        </a:xfrm>
+      </p:grpSpPr>
+      <p:sp>
+        <p:nvSpPr>
+          <p:cNvPr id="111" name="Google Shape;111;p2"/>
+          <p:cNvSpPr txBox="1">
+            <a:spLocks noGrp="1"/>
+          </p:cNvSpPr>
+          <p:nvPr>
+            <p:ph type="title"/>
+          </p:nvPr>
+        </p:nvSpPr>
+        <p:spPr>
+          <a:xfrm>
+            <a:off x="1202880" y="1493876"/>
+            <a:ext cx="2318796" cy="4376572"/>
+          </a:xfrm>
+          <a:prstGeom prst="rect">
+            <a:avLst/>
+          </a:prstGeom>
+          <a:noFill/>
+          <a:ln>
+            <a:noFill/>
+          </a:ln>
+        </p:spPr>
+        <p:txBody>
+          <a:bodyPr spcFirstLastPara="1" wrap="square" lIns="91425" tIns="45700" rIns="91425" bIns="45700" anchor="ctr" anchorCtr="0">
+            <a:normAutofit/>
+          </a:bodyPr>
+          <a:lstStyle/>
+          <a:p>
+            <a:pPr marL="0" lvl="0" indent="0" algn="l" rtl="0">
+              <a:lnSpc>
+                <a:spcPct val="90000"/>
+              </a:lnSpc>
+              <a:spcBef>
+                <a:spcPts val="0"/>
+              </a:spcBef>
+              <a:spcAft>
+                <a:spcPts val="0"/>
+              </a:spcAft>
+              <a:buClr>
+                <a:schemeClr val="lt1"/>
+              </a:buClr>
+              <a:buSzPts val="6000"/>
+              <a:buFont typeface="Calibri"/>
+              <a:buNone/>
+            </a:pPr>
+            <a:r>
+              <a:rPr lang="ja-JP" sz="6000" b="1">
+                <a:latin typeface="Calibri"/>
+                <a:ea typeface="Calibri"/>
+                <a:cs typeface="Calibri"/>
+                <a:sym typeface="Calibri"/>
+              </a:rPr>
+              <a:t>目  次</a:t>
+            </a:r>
+            <a:endParaRPr sz="6000" b="1"/>
+          </a:p>
+        </p:txBody>
+      </p:sp>
+      <p:sp>
+        <p:nvSpPr>
+          <p:cNvPr id="112" name="Google Shape;112;p2"/>
+          <p:cNvSpPr/>
+          <p:nvPr/>
+        </p:nvSpPr>
+        <p:spPr>
+          <a:xfrm>
+            <a:off x="4907636" y="0"/>
+            <a:ext cx="7281316" cy="6858000"/>
+          </a:xfrm>
+          <a:custGeom>
+            <a:avLst/>
+            <a:gdLst/>
+            <a:ahLst/>
+            <a:cxnLst/>
+            <a:rect l="l" t="t" r="r" b="b"/>
+            <a:pathLst>
+              <a:path w="7281316" h="6858000" extrusionOk="0">
+                <a:moveTo>
+                  <a:pt x="361354" y="0"/>
+                </a:moveTo>
+                <a:lnTo>
+                  <a:pt x="7281316" y="0"/>
+                </a:lnTo>
+                <a:lnTo>
+                  <a:pt x="7281316" y="6858000"/>
+                </a:lnTo>
+                <a:lnTo>
+                  <a:pt x="696735" y="6858000"/>
+                </a:lnTo>
+                <a:lnTo>
+                  <a:pt x="690849" y="6842426"/>
+                </a:lnTo>
+                <a:cubicBezTo>
+                  <a:pt x="-65870" y="4704140"/>
+                  <a:pt x="-226206" y="2374054"/>
+                  <a:pt x="335637" y="94722"/>
+                </a:cubicBezTo>
+                <a:close/>
+              </a:path>
+            </a:pathLst>
+          </a:custGeom>
+          <a:solidFill>
+            <a:schemeClr val="lt1">
+              <a:alpha val="80000"/>
+            </a:schemeClr>
+          </a:solidFill>
+          <a:ln>
+            <a:noFill/>
+          </a:ln>
+        </p:spPr>
+        <p:txBody>
+          <a:bodyPr spcFirstLastPara="1" wrap="square" lIns="91425" tIns="45700" rIns="91425" bIns="45700" anchor="ctr" anchorCtr="0">
+            <a:noAutofit/>
+          </a:bodyPr>
+          <a:lstStyle/>
+          <a:p>
+            <a:pPr marL="0" marR="0" lvl="0" indent="0" algn="ctr" rtl="0">
+              <a:spcBef>
+                <a:spcPts val="0"/>
+              </a:spcBef>
+              <a:spcAft>
+                <a:spcPts val="0"/>
+              </a:spcAft>
+              <a:buNone/>
+            </a:pPr>
+            <a:endParaRPr sz="1800" b="0" i="0" u="none" strike="noStrike" cap="none">
+              <a:solidFill>
+                <a:schemeClr val="lt1"/>
+              </a:solidFill>
+              <a:latin typeface="Calibri"/>
+              <a:ea typeface="Calibri"/>
+              <a:cs typeface="Calibri"/>
+              <a:sym typeface="Calibri"/>
+            </a:endParaRPr>
+          </a:p>
+        </p:txBody>
+      </p:sp>
+      <p:sp>
+        <p:nvSpPr>
+          <p:cNvPr id="113" name="Google Shape;113;p2"/>
+          <p:cNvSpPr/>
+          <p:nvPr/>
+        </p:nvSpPr>
+        <p:spPr>
+          <a:xfrm>
+            <a:off x="5189558" y="0"/>
+            <a:ext cx="6999394" cy="6858000"/>
+          </a:xfrm>
+          <a:custGeom>
+            <a:avLst/>
+            <a:gdLst/>
+            <a:ahLst/>
+            <a:cxnLst/>
+            <a:rect l="l" t="t" r="r" b="b"/>
+            <a:pathLst>
+              <a:path w="6999394" h="6858000" extrusionOk="0">
+                <a:moveTo>
+                  <a:pt x="6999394" y="0"/>
+                </a:moveTo>
+                <a:lnTo>
+                  <a:pt x="6999394" y="6858000"/>
+                </a:lnTo>
+                <a:lnTo>
+                  <a:pt x="717029" y="6858000"/>
+                </a:lnTo>
+                <a:lnTo>
+                  <a:pt x="623642" y="6599363"/>
+                </a:lnTo>
+                <a:cubicBezTo>
+                  <a:pt x="-67685" y="4563346"/>
+                  <a:pt x="-206622" y="2355719"/>
+                  <a:pt x="319533" y="193787"/>
+                </a:cubicBezTo>
+                <a:lnTo>
+                  <a:pt x="371685" y="1"/>
+                </a:lnTo>
+                <a:close/>
+              </a:path>
+            </a:pathLst>
+          </a:custGeom>
+          <a:solidFill>
+            <a:schemeClr val="lt1">
+              <a:alpha val="80000"/>
+            </a:schemeClr>
+          </a:solidFill>
+          <a:ln>
+            <a:noFill/>
+          </a:ln>
+        </p:spPr>
+        <p:txBody>
+          <a:bodyPr spcFirstLastPara="1" wrap="square" lIns="91425" tIns="45700" rIns="91425" bIns="45700" anchor="ctr" anchorCtr="0">
+            <a:noAutofit/>
+          </a:bodyPr>
+          <a:lstStyle/>
+          <a:p>
+            <a:pPr marL="0" marR="0" lvl="0" indent="0" algn="ctr" rtl="0">
+              <a:spcBef>
+                <a:spcPts val="0"/>
+              </a:spcBef>
+              <a:spcAft>
+                <a:spcPts val="0"/>
+              </a:spcAft>
+              <a:buNone/>
+            </a:pPr>
+            <a:endParaRPr sz="1800" b="0" i="0" u="none" strike="noStrike" cap="none">
+              <a:solidFill>
+                <a:schemeClr val="lt1"/>
+              </a:solidFill>
+              <a:latin typeface="Calibri"/>
+              <a:ea typeface="Calibri"/>
+              <a:cs typeface="Calibri"/>
+              <a:sym typeface="Calibri"/>
+            </a:endParaRPr>
+          </a:p>
+        </p:txBody>
+      </p:sp>
+      <p:sp>
+        <p:nvSpPr>
+          <p:cNvPr id="114" name="Google Shape;114;p2"/>
+          <p:cNvSpPr txBox="1">
+            <a:spLocks noGrp="1"/>
+          </p:cNvSpPr>
+          <p:nvPr>
+            <p:ph type="body" idx="1"/>
+          </p:nvPr>
+        </p:nvSpPr>
+        <p:spPr>
+          <a:xfrm>
+            <a:off x="6096000" y="1399032"/>
+            <a:ext cx="4237464" cy="4471416"/>
+          </a:xfrm>
+          <a:prstGeom prst="rect">
+            <a:avLst/>
+          </a:prstGeom>
+          <a:noFill/>
+          <a:ln>
+            <a:noFill/>
+          </a:ln>
+        </p:spPr>
+        <p:txBody>
+          <a:bodyPr spcFirstLastPara="1" wrap="square" lIns="91425" tIns="45700" rIns="91425" bIns="45700" anchor="ctr" anchorCtr="0">
+            <a:normAutofit/>
+          </a:bodyPr>
+          <a:lstStyle/>
+          <a:p>
+            <a:pPr marL="228600" lvl="0" indent="-234950" algn="l" rtl="0">
+              <a:lnSpc>
+                <a:spcPct val="114000"/>
+              </a:lnSpc>
+              <a:spcBef>
+                <a:spcPts val="0"/>
+              </a:spcBef>
+              <a:spcAft>
+                <a:spcPts val="0"/>
+              </a:spcAft>
+              <a:buClr>
+                <a:schemeClr val="dk1"/>
+              </a:buClr>
+              <a:buSzPts val="3700"/>
+              <a:buFont typeface="Meiryo"/>
+              <a:buChar char="✔"/>
+            </a:pPr>
+            <a:r>
+              <a:rPr lang="ja-JP" altLang="en-US" sz="3700" dirty="0">
+                <a:solidFill>
+                  <a:schemeClr val="dk1"/>
+                </a:solidFill>
+                <a:latin typeface="Meiryo"/>
+                <a:ea typeface="Meiryo"/>
+                <a:cs typeface="Meiryo"/>
+                <a:sym typeface="Meiryo"/>
+              </a:rPr>
+              <a:t>チーム紹介</a:t>
+            </a:r>
+            <a:endParaRPr lang="en-US" altLang="ja-JP" sz="3700" dirty="0">
+              <a:solidFill>
+                <a:schemeClr val="dk1"/>
+              </a:solidFill>
+              <a:latin typeface="Meiryo"/>
+              <a:ea typeface="Meiryo"/>
+              <a:cs typeface="Meiryo"/>
+              <a:sym typeface="Meiryo"/>
+            </a:endParaRPr>
+          </a:p>
+          <a:p>
+            <a:pPr marL="228600" lvl="0" indent="-234950" algn="l" rtl="0">
+              <a:lnSpc>
+                <a:spcPct val="114000"/>
+              </a:lnSpc>
+              <a:spcBef>
+                <a:spcPts val="0"/>
+              </a:spcBef>
+              <a:spcAft>
+                <a:spcPts val="0"/>
+              </a:spcAft>
+              <a:buClr>
+                <a:schemeClr val="dk1"/>
+              </a:buClr>
+              <a:buSzPts val="3700"/>
+              <a:buFont typeface="Meiryo"/>
+              <a:buChar char="✔"/>
+            </a:pPr>
+            <a:r>
+              <a:rPr lang="ja-JP" sz="3700" dirty="0">
+                <a:solidFill>
+                  <a:schemeClr val="dk1"/>
+                </a:solidFill>
+                <a:latin typeface="Meiryo"/>
+                <a:ea typeface="Meiryo"/>
+                <a:cs typeface="Meiryo"/>
+                <a:sym typeface="Meiryo"/>
+              </a:rPr>
+              <a:t>制作物</a:t>
+            </a:r>
+            <a:endParaRPr lang="en-US" altLang="ja-JP" sz="3700" dirty="0">
+              <a:solidFill>
+                <a:schemeClr val="dk1"/>
+              </a:solidFill>
+              <a:latin typeface="Meiryo"/>
+              <a:ea typeface="Meiryo"/>
+              <a:cs typeface="Meiryo"/>
+              <a:sym typeface="Meiryo"/>
+            </a:endParaRPr>
+          </a:p>
+          <a:p>
+            <a:pPr marL="228600" lvl="0" indent="-234950" algn="l" rtl="0">
+              <a:lnSpc>
+                <a:spcPct val="114000"/>
+              </a:lnSpc>
+              <a:spcBef>
+                <a:spcPts val="0"/>
+              </a:spcBef>
+              <a:spcAft>
+                <a:spcPts val="0"/>
+              </a:spcAft>
+              <a:buClr>
+                <a:schemeClr val="dk1"/>
+              </a:buClr>
+              <a:buSzPts val="3700"/>
+              <a:buFont typeface="Meiryo"/>
+              <a:buChar char="✔"/>
+            </a:pPr>
+            <a:r>
+              <a:rPr lang="ja-JP" altLang="en-US" sz="3700" dirty="0">
+                <a:solidFill>
+                  <a:schemeClr val="dk1"/>
+                </a:solidFill>
+                <a:latin typeface="Meiryo"/>
+                <a:ea typeface="Meiryo"/>
+                <a:cs typeface="Meiryo"/>
+                <a:sym typeface="Meiryo"/>
+              </a:rPr>
+              <a:t>工夫点</a:t>
+            </a:r>
+            <a:endParaRPr lang="en-US" altLang="ja-JP" sz="3700" dirty="0">
+              <a:solidFill>
+                <a:schemeClr val="dk1"/>
+              </a:solidFill>
+              <a:latin typeface="Meiryo"/>
+              <a:ea typeface="Meiryo"/>
+              <a:cs typeface="Meiryo"/>
+              <a:sym typeface="Meiryo"/>
+            </a:endParaRPr>
+          </a:p>
+          <a:p>
+            <a:pPr marL="228600" lvl="0" indent="-234950" algn="l" rtl="0">
+              <a:lnSpc>
+                <a:spcPct val="114000"/>
+              </a:lnSpc>
+              <a:spcBef>
+                <a:spcPts val="0"/>
+              </a:spcBef>
+              <a:spcAft>
+                <a:spcPts val="0"/>
+              </a:spcAft>
+              <a:buClr>
+                <a:schemeClr val="dk1"/>
+              </a:buClr>
+              <a:buSzPts val="3700"/>
+              <a:buFont typeface="Meiryo"/>
+              <a:buChar char="✔"/>
+            </a:pPr>
+            <a:r>
+              <a:rPr lang="ja-JP" altLang="en-US" sz="3700" dirty="0">
+                <a:solidFill>
+                  <a:schemeClr val="dk1"/>
+                </a:solidFill>
+                <a:latin typeface="Meiryo"/>
+                <a:ea typeface="Meiryo"/>
+                <a:cs typeface="Meiryo"/>
+                <a:sym typeface="Meiryo"/>
+              </a:rPr>
+              <a:t>課題・対策</a:t>
+            </a:r>
+            <a:endParaRPr lang="en-US" altLang="ja-JP" sz="3700" dirty="0">
+              <a:solidFill>
+                <a:schemeClr val="dk1"/>
+              </a:solidFill>
+              <a:latin typeface="Meiryo"/>
+              <a:ea typeface="Meiryo"/>
+              <a:cs typeface="Meiryo"/>
+              <a:sym typeface="Meiryo"/>
+            </a:endParaRPr>
+          </a:p>
+          <a:p>
+            <a:pPr marL="228600" lvl="0" indent="-234950" algn="l" rtl="0">
+              <a:lnSpc>
+                <a:spcPct val="114000"/>
+              </a:lnSpc>
+              <a:spcBef>
+                <a:spcPts val="0"/>
+              </a:spcBef>
+              <a:spcAft>
+                <a:spcPts val="0"/>
+              </a:spcAft>
+              <a:buClr>
+                <a:schemeClr val="dk1"/>
+              </a:buClr>
+              <a:buSzPts val="3700"/>
+              <a:buFont typeface="Meiryo"/>
+              <a:buChar char="✔"/>
+            </a:pPr>
+            <a:r>
+              <a:rPr lang="ja-JP" altLang="en-US" sz="3700" dirty="0">
+                <a:solidFill>
+                  <a:schemeClr val="dk1"/>
+                </a:solidFill>
+                <a:latin typeface="Meiryo"/>
+                <a:ea typeface="Meiryo"/>
+                <a:cs typeface="Meiryo"/>
+                <a:sym typeface="Meiryo"/>
+              </a:rPr>
+              <a:t>個人の振り返り</a:t>
+            </a:r>
+            <a:endParaRPr sz="3700" dirty="0">
+              <a:solidFill>
+                <a:schemeClr val="dk1"/>
+              </a:solidFill>
+              <a:latin typeface="Meiryo"/>
+              <a:ea typeface="Meiryo"/>
+              <a:cs typeface="Meiryo"/>
+              <a:sym typeface="Meiryo"/>
+            </a:endParaRPr>
+          </a:p>
+        </p:txBody>
+      </p:sp>
+      <p:grpSp>
+        <p:nvGrpSpPr>
+          <p:cNvPr id="115" name="Google Shape;115;p2"/>
+          <p:cNvGrpSpPr/>
+          <p:nvPr/>
+        </p:nvGrpSpPr>
+        <p:grpSpPr>
+          <a:xfrm rot="-2819268">
+            <a:off x="10263869" y="5248897"/>
+            <a:ext cx="1985986" cy="1049866"/>
+            <a:chOff x="9674942" y="5386312"/>
+            <a:chExt cx="1985987" cy="1049866"/>
+          </a:xfrm>
+        </p:grpSpPr>
+        <p:sp>
+          <p:nvSpPr>
+            <p:cNvPr id="116" name="Google Shape;116;p2"/>
+            <p:cNvSpPr/>
+            <p:nvPr/>
+          </p:nvSpPr>
+          <p:spPr>
+            <a:xfrm>
+              <a:off x="9674942" y="5619135"/>
+              <a:ext cx="501445" cy="811162"/>
+            </a:xfrm>
+            <a:prstGeom prst="roundRect">
+              <a:avLst>
+                <a:gd name="adj" fmla="val 32825"/>
+              </a:avLst>
+            </a:prstGeom>
+            <a:noFill/>
+            <a:ln w="57150" cap="flat" cmpd="sng">
+              <a:solidFill>
+                <a:srgbClr val="31538F"/>
+              </a:solidFill>
+              <a:prstDash val="solid"/>
+              <a:miter lim="800000"/>
+              <a:headEnd type="none" w="sm" len="sm"/>
+              <a:tailEnd type="none" w="sm" len="sm"/>
+            </a:ln>
+          </p:spPr>
+          <p:txBody>
+            <a:bodyPr spcFirstLastPara="1" wrap="square" lIns="91425" tIns="45700" rIns="91425" bIns="45700" anchor="ctr" anchorCtr="0">
+              <a:noAutofit/>
+            </a:bodyPr>
+            <a:lstStyle/>
+            <a:p>
+              <a:pPr marL="0" marR="0" lvl="0" indent="0" algn="ctr" rtl="0">
+                <a:spcBef>
+                  <a:spcPts val="0"/>
+                </a:spcBef>
+                <a:spcAft>
+                  <a:spcPts val="0"/>
+                </a:spcAft>
+                <a:buNone/>
+              </a:pPr>
+              <a:endParaRPr sz="1800" b="0" i="0" u="none" strike="noStrike" cap="none">
+                <a:solidFill>
+                  <a:schemeClr val="lt1"/>
+                </a:solidFill>
+                <a:latin typeface="Calibri"/>
+                <a:ea typeface="Calibri"/>
+                <a:cs typeface="Calibri"/>
+                <a:sym typeface="Calibri"/>
+              </a:endParaRPr>
+            </a:p>
+          </p:txBody>
+        </p:sp>
+        <p:sp>
+          <p:nvSpPr>
+            <p:cNvPr id="117" name="Google Shape;117;p2"/>
+            <p:cNvSpPr/>
+            <p:nvPr/>
+          </p:nvSpPr>
+          <p:spPr>
+            <a:xfrm>
+              <a:off x="10176387" y="5625016"/>
+              <a:ext cx="1189952" cy="811162"/>
+            </a:xfrm>
+            <a:prstGeom prst="roundRect">
+              <a:avLst>
+                <a:gd name="adj" fmla="val 15702"/>
+              </a:avLst>
+            </a:prstGeom>
+            <a:noFill/>
+            <a:ln w="57150" cap="flat" cmpd="sng">
+              <a:solidFill>
+                <a:srgbClr val="31538F"/>
+              </a:solidFill>
+              <a:prstDash val="solid"/>
+              <a:miter lim="800000"/>
+              <a:headEnd type="none" w="sm" len="sm"/>
+              <a:tailEnd type="none" w="sm" len="sm"/>
+            </a:ln>
+          </p:spPr>
+          <p:txBody>
+            <a:bodyPr spcFirstLastPara="1" wrap="square" lIns="91425" tIns="45700" rIns="91425" bIns="45700" anchor="ctr" anchorCtr="0">
+              <a:noAutofit/>
+            </a:bodyPr>
+            <a:lstStyle/>
+            <a:p>
+              <a:pPr marL="0" marR="0" lvl="0" indent="0" algn="ctr" rtl="0">
+                <a:spcBef>
+                  <a:spcPts val="0"/>
+                </a:spcBef>
+                <a:spcAft>
+                  <a:spcPts val="0"/>
+                </a:spcAft>
+                <a:buNone/>
+              </a:pPr>
+              <a:endParaRPr sz="1800" b="0" i="0" u="none" strike="noStrike" cap="none">
+                <a:solidFill>
+                  <a:schemeClr val="lt1"/>
+                </a:solidFill>
+                <a:latin typeface="Calibri"/>
+                <a:ea typeface="Calibri"/>
+                <a:cs typeface="Calibri"/>
+                <a:sym typeface="Calibri"/>
+              </a:endParaRPr>
+            </a:p>
+          </p:txBody>
+        </p:sp>
+        <p:sp>
+          <p:nvSpPr>
+            <p:cNvPr id="118" name="Google Shape;118;p2"/>
+            <p:cNvSpPr/>
+            <p:nvPr/>
+          </p:nvSpPr>
+          <p:spPr>
+            <a:xfrm>
+              <a:off x="10989120" y="5619134"/>
+              <a:ext cx="377219" cy="399701"/>
+            </a:xfrm>
+            <a:prstGeom prst="roundRect">
+              <a:avLst>
+                <a:gd name="adj" fmla="val 15702"/>
+              </a:avLst>
+            </a:prstGeom>
+            <a:noFill/>
+            <a:ln w="57150" cap="flat" cmpd="sng">
+              <a:solidFill>
+                <a:srgbClr val="31538F"/>
+              </a:solidFill>
+              <a:prstDash val="solid"/>
+              <a:miter lim="800000"/>
+              <a:headEnd type="none" w="sm" len="sm"/>
+              <a:tailEnd type="none" w="sm" len="sm"/>
+            </a:ln>
+          </p:spPr>
+          <p:txBody>
+            <a:bodyPr spcFirstLastPara="1" wrap="square" lIns="91425" tIns="45700" rIns="91425" bIns="45700" anchor="ctr" anchorCtr="0">
+              <a:noAutofit/>
+            </a:bodyPr>
+            <a:lstStyle/>
+            <a:p>
+              <a:pPr marL="0" marR="0" lvl="0" indent="0" algn="ctr" rtl="0">
+                <a:spcBef>
+                  <a:spcPts val="0"/>
+                </a:spcBef>
+                <a:spcAft>
+                  <a:spcPts val="0"/>
+                </a:spcAft>
+                <a:buNone/>
+              </a:pPr>
+              <a:endParaRPr sz="1800" b="0" i="0" u="none" strike="noStrike" cap="none">
+                <a:solidFill>
+                  <a:schemeClr val="lt1"/>
+                </a:solidFill>
+                <a:latin typeface="Calibri"/>
+                <a:ea typeface="Calibri"/>
+                <a:cs typeface="Calibri"/>
+                <a:sym typeface="Calibri"/>
+              </a:endParaRPr>
+            </a:p>
+          </p:txBody>
+        </p:sp>
+        <p:cxnSp>
+          <p:nvCxnSpPr>
+            <p:cNvPr id="119" name="Google Shape;119;p2"/>
+            <p:cNvCxnSpPr/>
+            <p:nvPr/>
+          </p:nvCxnSpPr>
+          <p:spPr>
+            <a:xfrm>
+              <a:off x="10989120" y="5619134"/>
+              <a:ext cx="377219" cy="399701"/>
+            </a:xfrm>
+            <a:prstGeom prst="straightConnector1">
+              <a:avLst/>
+            </a:prstGeom>
+            <a:noFill/>
+            <a:ln w="57150" cap="flat" cmpd="sng">
+              <a:solidFill>
+                <a:srgbClr val="2F528F"/>
+              </a:solidFill>
+              <a:prstDash val="solid"/>
+              <a:miter lim="800000"/>
+              <a:headEnd type="none" w="sm" len="sm"/>
+              <a:tailEnd type="none" w="sm" len="sm"/>
+            </a:ln>
+          </p:spPr>
+        </p:cxnSp>
+        <p:sp>
+          <p:nvSpPr>
+            <p:cNvPr id="120" name="Google Shape;120;p2"/>
+            <p:cNvSpPr/>
+            <p:nvPr/>
+          </p:nvSpPr>
+          <p:spPr>
+            <a:xfrm rot="2831779">
+              <a:off x="11000274" y="5581042"/>
+              <a:ext cx="658780" cy="292900"/>
+            </a:xfrm>
+            <a:prstGeom prst="rect">
+              <a:avLst/>
+            </a:prstGeom>
+            <a:solidFill>
+              <a:srgbClr val="F7F7F7"/>
+            </a:solidFill>
+            <a:ln>
+              <a:noFill/>
+            </a:ln>
+          </p:spPr>
+          <p:txBody>
+            <a:bodyPr spcFirstLastPara="1" wrap="square" lIns="91425" tIns="45700" rIns="91425" bIns="45700" anchor="ctr" anchorCtr="0">
+              <a:noAutofit/>
+            </a:bodyPr>
+            <a:lstStyle/>
+            <a:p>
+              <a:pPr marL="0" marR="0" lvl="0" indent="0" algn="ctr" rtl="0">
+                <a:spcBef>
+                  <a:spcPts val="0"/>
+                </a:spcBef>
+                <a:spcAft>
+                  <a:spcPts val="0"/>
+                </a:spcAft>
+                <a:buNone/>
+              </a:pPr>
+              <a:endParaRPr sz="1800" b="0" i="0" u="none" strike="noStrike" cap="none">
+                <a:solidFill>
+                  <a:schemeClr val="lt1"/>
+                </a:solidFill>
+                <a:latin typeface="Calibri"/>
+                <a:ea typeface="Calibri"/>
+                <a:cs typeface="Calibri"/>
+                <a:sym typeface="Calibri"/>
+              </a:endParaRPr>
+            </a:p>
+          </p:txBody>
+        </p:sp>
+        <p:sp>
+          <p:nvSpPr>
+            <p:cNvPr id="121" name="Google Shape;121;p2"/>
+            <p:cNvSpPr/>
+            <p:nvPr/>
+          </p:nvSpPr>
+          <p:spPr>
+            <a:xfrm>
+              <a:off x="10101660" y="5800275"/>
+              <a:ext cx="183263" cy="70173"/>
+            </a:xfrm>
+            <a:prstGeom prst="rect">
+              <a:avLst/>
+            </a:prstGeom>
+            <a:solidFill>
+              <a:srgbClr val="F7F7F7"/>
+            </a:solidFill>
+            <a:ln>
+              <a:noFill/>
+            </a:ln>
+          </p:spPr>
+          <p:txBody>
+            <a:bodyPr spcFirstLastPara="1" wrap="square" lIns="91425" tIns="45700" rIns="91425" bIns="45700" anchor="ctr" anchorCtr="0">
+              <a:noAutofit/>
+            </a:bodyPr>
+            <a:lstStyle/>
+            <a:p>
+              <a:pPr marL="0" marR="0" lvl="0" indent="0" algn="ctr" rtl="0">
+                <a:spcBef>
+                  <a:spcPts val="0"/>
+                </a:spcBef>
+                <a:spcAft>
+                  <a:spcPts val="0"/>
+                </a:spcAft>
+                <a:buNone/>
+              </a:pPr>
+              <a:endParaRPr sz="1800" b="0" i="0" u="none" strike="noStrike" cap="none">
+                <a:solidFill>
+                  <a:schemeClr val="lt1"/>
+                </a:solidFill>
+                <a:latin typeface="Calibri"/>
+                <a:ea typeface="Calibri"/>
+                <a:cs typeface="Calibri"/>
+                <a:sym typeface="Calibri"/>
+              </a:endParaRPr>
+            </a:p>
+          </p:txBody>
+        </p:sp>
+        <p:sp>
+          <p:nvSpPr>
+            <p:cNvPr id="122" name="Google Shape;122;p2"/>
+            <p:cNvSpPr/>
+            <p:nvPr/>
+          </p:nvSpPr>
+          <p:spPr>
+            <a:xfrm>
+              <a:off x="10149252" y="5954543"/>
+              <a:ext cx="183263" cy="70173"/>
+            </a:xfrm>
+            <a:prstGeom prst="rect">
+              <a:avLst/>
+            </a:prstGeom>
+            <a:solidFill>
+              <a:srgbClr val="F7F7F7"/>
+            </a:solidFill>
+            <a:ln>
+              <a:noFill/>
+            </a:ln>
+          </p:spPr>
+          <p:txBody>
+            <a:bodyPr spcFirstLastPara="1" wrap="square" lIns="91425" tIns="45700" rIns="91425" bIns="45700" anchor="ctr" anchorCtr="0">
+              <a:noAutofit/>
+            </a:bodyPr>
+            <a:lstStyle/>
+            <a:p>
+              <a:pPr marL="0" marR="0" lvl="0" indent="0" algn="ctr" rtl="0">
+                <a:spcBef>
+                  <a:spcPts val="0"/>
+                </a:spcBef>
+                <a:spcAft>
+                  <a:spcPts val="0"/>
+                </a:spcAft>
+                <a:buNone/>
+              </a:pPr>
+              <a:endParaRPr sz="1800" b="0" i="0" u="none" strike="noStrike" cap="none">
+                <a:solidFill>
+                  <a:schemeClr val="lt1"/>
+                </a:solidFill>
+                <a:latin typeface="Calibri"/>
+                <a:ea typeface="Calibri"/>
+                <a:cs typeface="Calibri"/>
+                <a:sym typeface="Calibri"/>
+              </a:endParaRPr>
+            </a:p>
+          </p:txBody>
+        </p:sp>
+        <p:sp>
+          <p:nvSpPr>
+            <p:cNvPr id="123" name="Google Shape;123;p2"/>
+            <p:cNvSpPr/>
+            <p:nvPr/>
+          </p:nvSpPr>
+          <p:spPr>
+            <a:xfrm>
+              <a:off x="10122117" y="6115286"/>
+              <a:ext cx="183263" cy="70173"/>
+            </a:xfrm>
+            <a:prstGeom prst="rect">
+              <a:avLst/>
+            </a:prstGeom>
+            <a:solidFill>
+              <a:srgbClr val="F7F7F7"/>
+            </a:solidFill>
+            <a:ln>
+              <a:noFill/>
+            </a:ln>
+          </p:spPr>
+          <p:txBody>
+            <a:bodyPr spcFirstLastPara="1" wrap="square" lIns="91425" tIns="45700" rIns="91425" bIns="45700" anchor="ctr" anchorCtr="0">
+              <a:noAutofit/>
+            </a:bodyPr>
+            <a:lstStyle/>
+            <a:p>
+              <a:pPr marL="0" marR="0" lvl="0" indent="0" algn="ctr" rtl="0">
+                <a:spcBef>
+                  <a:spcPts val="0"/>
+                </a:spcBef>
+                <a:spcAft>
+                  <a:spcPts val="0"/>
+                </a:spcAft>
+                <a:buNone/>
+              </a:pPr>
+              <a:endParaRPr sz="1800" b="0" i="0" u="none" strike="noStrike" cap="none">
+                <a:solidFill>
+                  <a:schemeClr val="lt1"/>
+                </a:solidFill>
+                <a:latin typeface="Calibri"/>
+                <a:ea typeface="Calibri"/>
+                <a:cs typeface="Calibri"/>
+                <a:sym typeface="Calibri"/>
+              </a:endParaRPr>
+            </a:p>
+          </p:txBody>
+        </p:sp>
+        <p:sp>
+          <p:nvSpPr>
+            <p:cNvPr id="124" name="Google Shape;124;p2"/>
+            <p:cNvSpPr/>
+            <p:nvPr/>
+          </p:nvSpPr>
+          <p:spPr>
+            <a:xfrm>
+              <a:off x="10122118" y="6255458"/>
+              <a:ext cx="183263" cy="70173"/>
+            </a:xfrm>
+            <a:prstGeom prst="rect">
+              <a:avLst/>
+            </a:prstGeom>
+            <a:solidFill>
+              <a:srgbClr val="F7F7F7"/>
+            </a:solidFill>
+            <a:ln>
+              <a:noFill/>
+            </a:ln>
+          </p:spPr>
+          <p:txBody>
+            <a:bodyPr spcFirstLastPara="1" wrap="square" lIns="91425" tIns="45700" rIns="91425" bIns="45700" anchor="ctr" anchorCtr="0">
+              <a:noAutofit/>
+            </a:bodyPr>
+            <a:lstStyle/>
+            <a:p>
+              <a:pPr marL="0" marR="0" lvl="0" indent="0" algn="ctr" rtl="0">
+                <a:spcBef>
+                  <a:spcPts val="0"/>
+                </a:spcBef>
+                <a:spcAft>
+                  <a:spcPts val="0"/>
+                </a:spcAft>
+                <a:buNone/>
+              </a:pPr>
+              <a:endParaRPr sz="1800" b="0" i="0" u="none" strike="noStrike" cap="none">
+                <a:solidFill>
+                  <a:schemeClr val="lt1"/>
+                </a:solidFill>
+                <a:latin typeface="Calibri"/>
+                <a:ea typeface="Calibri"/>
+                <a:cs typeface="Calibri"/>
+                <a:sym typeface="Calibri"/>
+              </a:endParaRPr>
+            </a:p>
+          </p:txBody>
+        </p:sp>
+      </p:grpSp>
+      <p:sp>
+        <p:nvSpPr>
+          <p:cNvPr id="125" name="Google Shape;125;p2"/>
+          <p:cNvSpPr txBox="1"/>
+          <p:nvPr/>
+        </p:nvSpPr>
+        <p:spPr>
+          <a:xfrm>
+            <a:off x="11009118" y="5493039"/>
+            <a:ext cx="729205" cy="707886"/>
+          </a:xfrm>
+          <a:prstGeom prst="rect">
+            <a:avLst/>
+          </a:prstGeom>
+          <a:noFill/>
+          <a:ln>
+            <a:noFill/>
+          </a:ln>
+        </p:spPr>
+        <p:txBody>
+          <a:bodyPr spcFirstLastPara="1" wrap="square" lIns="91425" tIns="45700" rIns="91425" bIns="45700" anchor="t" anchorCtr="0">
+            <a:spAutoFit/>
+          </a:bodyPr>
+          <a:lstStyle/>
+          <a:p>
+            <a:pPr marL="0" marR="0" lvl="0" indent="0" algn="ctr" rtl="0">
+              <a:spcBef>
+                <a:spcPts val="0"/>
+              </a:spcBef>
+              <a:spcAft>
+                <a:spcPts val="0"/>
+              </a:spcAft>
+              <a:buNone/>
+            </a:pPr>
+            <a:r>
+              <a:rPr lang="ja-JP" sz="4000" b="1" i="0" u="none" strike="noStrike" cap="none">
+                <a:solidFill>
+                  <a:schemeClr val="accent1"/>
+                </a:solidFill>
+                <a:latin typeface="Calibri"/>
+                <a:ea typeface="Calibri"/>
+                <a:cs typeface="Calibri"/>
+                <a:sym typeface="Calibri"/>
+              </a:rPr>
+              <a:t>1</a:t>
+            </a:r>
+            <a:endParaRPr sz="4000" b="1" i="0" u="none" strike="noStrike" cap="none">
+              <a:solidFill>
+                <a:schemeClr val="accent1"/>
+              </a:solidFill>
+              <a:latin typeface="Calibri"/>
+              <a:ea typeface="Calibri"/>
+              <a:cs typeface="Calibri"/>
+              <a:sym typeface="Calibri"/>
+            </a:endParaRPr>
+          </a:p>
+        </p:txBody>
+      </p:sp>
+      <p:sp>
+        <p:nvSpPr>
+          <p:cNvPr id="17" name="Google Shape;114;p2">
+            <a:extLst>
+              <a:ext uri="{FF2B5EF4-FFF2-40B4-BE49-F238E27FC236}">
+                <a16:creationId xmlns:a16="http://schemas.microsoft.com/office/drawing/2014/main" id="{F2B184C3-9A87-45C0-814F-5F8F0A11E774}"/>
+              </a:ext>
+            </a:extLst>
+          </p:cNvPr>
+          <p:cNvSpPr txBox="1">
+            <a:spLocks/>
+          </p:cNvSpPr>
+          <p:nvPr/>
+        </p:nvSpPr>
+        <p:spPr>
+          <a:xfrm>
+            <a:off x="10057340" y="1726428"/>
+            <a:ext cx="893926" cy="4471416"/>
+          </a:xfrm>
+          <a:prstGeom prst="rect">
+            <a:avLst/>
+          </a:prstGeom>
+          <a:noFill/>
+          <a:ln>
+            <a:noFill/>
+          </a:ln>
+        </p:spPr>
+        <p:txBody>
+          <a:bodyPr spcFirstLastPara="1" wrap="square" lIns="91425" tIns="45700" rIns="91425" bIns="45700" anchor="ctr" anchorCtr="0">
+            <a:normAutofit/>
+          </a:bodyPr>
+          <a:lstStyle>
+            <a:defPPr marR="0" lvl="0" algn="l" rtl="0">
+              <a:lnSpc>
+                <a:spcPct val="100000"/>
+              </a:lnSpc>
+              <a:spcBef>
+                <a:spcPts val="0"/>
+              </a:spcBef>
+              <a:spcAft>
+                <a:spcPts val="0"/>
+              </a:spcAft>
+            </a:defPPr>
+            <a:lvl1pPr marL="457200" marR="0" lvl="0" indent="-342900" algn="l" rtl="0">
+              <a:lnSpc>
+                <a:spcPct val="90000"/>
+              </a:lnSpc>
+              <a:spcBef>
+                <a:spcPts val="1000"/>
+              </a:spcBef>
+              <a:spcAft>
+                <a:spcPts val="0"/>
+              </a:spcAft>
+              <a:buClr>
+                <a:schemeClr val="lt1"/>
+              </a:buClr>
+              <a:buSzPts val="1800"/>
+              <a:buFont typeface="Arial"/>
+              <a:buChar char="•"/>
+              <a:defRPr sz="2800" b="0" i="0" u="none" strike="noStrike" cap="none">
+                <a:solidFill>
+                  <a:schemeClr val="lt1"/>
+                </a:solidFill>
+                <a:latin typeface="Calibri"/>
+                <a:ea typeface="Calibri"/>
+                <a:cs typeface="Calibri"/>
+                <a:sym typeface="Calibri"/>
+              </a:defRPr>
+            </a:lvl1pPr>
+            <a:lvl2pPr marL="914400" marR="0" lvl="1" indent="-342900" algn="l" rtl="0">
+              <a:lnSpc>
+                <a:spcPct val="90000"/>
+              </a:lnSpc>
+              <a:spcBef>
+                <a:spcPts val="500"/>
+              </a:spcBef>
+              <a:spcAft>
+                <a:spcPts val="0"/>
+              </a:spcAft>
+              <a:buClr>
+                <a:schemeClr val="lt1"/>
+              </a:buClr>
+              <a:buSzPts val="1800"/>
+              <a:buFont typeface="Arial"/>
+              <a:buChar char="•"/>
+              <a:defRPr sz="2400" b="0" i="0" u="none" strike="noStrike" cap="none">
+                <a:solidFill>
+                  <a:schemeClr val="lt1"/>
+                </a:solidFill>
+                <a:latin typeface="Calibri"/>
+                <a:ea typeface="Calibri"/>
+                <a:cs typeface="Calibri"/>
+                <a:sym typeface="Calibri"/>
+              </a:defRPr>
+            </a:lvl2pPr>
+            <a:lvl3pPr marL="1371600" marR="0" lvl="2" indent="-342900" algn="l" rtl="0">
+              <a:lnSpc>
+                <a:spcPct val="90000"/>
+              </a:lnSpc>
+              <a:spcBef>
+                <a:spcPts val="500"/>
+              </a:spcBef>
+              <a:spcAft>
+                <a:spcPts val="0"/>
+              </a:spcAft>
+              <a:buClr>
+                <a:schemeClr val="lt1"/>
+              </a:buClr>
+              <a:buSzPts val="1800"/>
+              <a:buFont typeface="Arial"/>
+              <a:buChar char="•"/>
+              <a:defRPr sz="2000" b="0" i="0" u="none" strike="noStrike" cap="none">
+                <a:solidFill>
+                  <a:schemeClr val="lt1"/>
+                </a:solidFill>
+                <a:latin typeface="Calibri"/>
+                <a:ea typeface="Calibri"/>
+                <a:cs typeface="Calibri"/>
+                <a:sym typeface="Calibri"/>
+              </a:defRPr>
+            </a:lvl3pPr>
+            <a:lvl4pPr marL="1828800" marR="0" lvl="3" indent="-342900" algn="l" rtl="0">
+              <a:lnSpc>
+                <a:spcPct val="90000"/>
+              </a:lnSpc>
+              <a:spcBef>
+                <a:spcPts val="500"/>
+              </a:spcBef>
+              <a:spcAft>
+                <a:spcPts val="0"/>
+              </a:spcAft>
+              <a:buClr>
+                <a:schemeClr val="lt1"/>
+              </a:buClr>
+              <a:buSzPts val="1800"/>
+              <a:buFont typeface="Arial"/>
+              <a:buChar char="•"/>
+              <a:defRPr sz="1800" b="0" i="0" u="none" strike="noStrike" cap="none">
+                <a:solidFill>
+                  <a:schemeClr val="lt1"/>
+                </a:solidFill>
+                <a:latin typeface="Calibri"/>
+                <a:ea typeface="Calibri"/>
+                <a:cs typeface="Calibri"/>
+                <a:sym typeface="Calibri"/>
+              </a:defRPr>
+            </a:lvl4pPr>
+            <a:lvl5pPr marL="2286000" marR="0" lvl="4" indent="-342900" algn="l" rtl="0">
+              <a:lnSpc>
+                <a:spcPct val="90000"/>
+              </a:lnSpc>
+              <a:spcBef>
+                <a:spcPts val="500"/>
+              </a:spcBef>
+              <a:spcAft>
+                <a:spcPts val="0"/>
+              </a:spcAft>
+              <a:buClr>
+                <a:schemeClr val="lt1"/>
+              </a:buClr>
+              <a:buSzPts val="1800"/>
+              <a:buFont typeface="Arial"/>
+              <a:buChar char="•"/>
+              <a:defRPr sz="1800" b="0" i="0" u="none" strike="noStrike" cap="none">
+                <a:solidFill>
+                  <a:schemeClr val="lt1"/>
+                </a:solidFill>
+                <a:latin typeface="Calibri"/>
+                <a:ea typeface="Calibri"/>
+                <a:cs typeface="Calibri"/>
+                <a:sym typeface="Calibri"/>
+              </a:defRPr>
+            </a:lvl5pPr>
+            <a:lvl6pPr marL="2743200" marR="0" lvl="5" indent="-342900" algn="l" rtl="0">
+              <a:lnSpc>
+                <a:spcPct val="90000"/>
+              </a:lnSpc>
+              <a:spcBef>
+                <a:spcPts val="500"/>
+              </a:spcBef>
+              <a:spcAft>
+                <a:spcPts val="0"/>
+              </a:spcAft>
+              <a:buClr>
+                <a:schemeClr val="lt1"/>
+              </a:buClr>
+              <a:buSzPts val="1800"/>
+              <a:buFont typeface="Arial"/>
+              <a:buChar char="•"/>
+              <a:defRPr sz="1800" b="0" i="0" u="none" strike="noStrike" cap="none">
+                <a:solidFill>
+                  <a:schemeClr val="lt1"/>
+                </a:solidFill>
+                <a:latin typeface="Calibri"/>
+                <a:ea typeface="Calibri"/>
+                <a:cs typeface="Calibri"/>
+                <a:sym typeface="Calibri"/>
+              </a:defRPr>
+            </a:lvl6pPr>
+            <a:lvl7pPr marL="3200400" marR="0" lvl="6" indent="-342900" algn="l" rtl="0">
+              <a:lnSpc>
+                <a:spcPct val="90000"/>
+              </a:lnSpc>
+              <a:spcBef>
+                <a:spcPts val="500"/>
+              </a:spcBef>
+              <a:spcAft>
+                <a:spcPts val="0"/>
+              </a:spcAft>
+              <a:buClr>
+                <a:schemeClr val="lt1"/>
+              </a:buClr>
+              <a:buSzPts val="1800"/>
+              <a:buFont typeface="Arial"/>
+              <a:buChar char="•"/>
+              <a:defRPr sz="1800" b="0" i="0" u="none" strike="noStrike" cap="none">
+                <a:solidFill>
+                  <a:schemeClr val="lt1"/>
+                </a:solidFill>
+                <a:latin typeface="Calibri"/>
+                <a:ea typeface="Calibri"/>
+                <a:cs typeface="Calibri"/>
+                <a:sym typeface="Calibri"/>
+              </a:defRPr>
+            </a:lvl7pPr>
+            <a:lvl8pPr marL="3657600" marR="0" lvl="7" indent="-342900" algn="l" rtl="0">
+              <a:lnSpc>
+                <a:spcPct val="90000"/>
+              </a:lnSpc>
+              <a:spcBef>
+                <a:spcPts val="500"/>
+              </a:spcBef>
+              <a:spcAft>
+                <a:spcPts val="0"/>
+              </a:spcAft>
+              <a:buClr>
+                <a:schemeClr val="lt1"/>
+              </a:buClr>
+              <a:buSzPts val="1800"/>
+              <a:buFont typeface="Arial"/>
+              <a:buChar char="•"/>
+              <a:defRPr sz="1800" b="0" i="0" u="none" strike="noStrike" cap="none">
+                <a:solidFill>
+                  <a:schemeClr val="lt1"/>
+                </a:solidFill>
+                <a:latin typeface="Calibri"/>
+                <a:ea typeface="Calibri"/>
+                <a:cs typeface="Calibri"/>
+                <a:sym typeface="Calibri"/>
+              </a:defRPr>
+            </a:lvl8pPr>
+            <a:lvl9pPr marL="4114800" marR="0" lvl="8" indent="-342900" algn="l" rtl="0">
+              <a:lnSpc>
+                <a:spcPct val="90000"/>
+              </a:lnSpc>
+              <a:spcBef>
+                <a:spcPts val="500"/>
+              </a:spcBef>
+              <a:spcAft>
+                <a:spcPts val="0"/>
+              </a:spcAft>
+              <a:buClr>
+                <a:schemeClr val="lt1"/>
+              </a:buClr>
+              <a:buSzPts val="1800"/>
+              <a:buFont typeface="Arial"/>
+              <a:buChar char="•"/>
+              <a:defRPr sz="1800" b="0" i="0" u="none" strike="noStrike" cap="none">
+                <a:solidFill>
+                  <a:schemeClr val="lt1"/>
+                </a:solidFill>
+                <a:latin typeface="Calibri"/>
+                <a:ea typeface="Calibri"/>
+                <a:cs typeface="Calibri"/>
+                <a:sym typeface="Calibri"/>
+              </a:defRPr>
+            </a:lvl9pPr>
+          </a:lstStyle>
+          <a:p>
+            <a:pPr marL="0" indent="0" algn="r">
+              <a:lnSpc>
+                <a:spcPct val="114000"/>
+              </a:lnSpc>
+              <a:spcBef>
+                <a:spcPts val="0"/>
+              </a:spcBef>
+              <a:buClr>
+                <a:schemeClr val="dk1"/>
+              </a:buClr>
+              <a:buSzPts val="3700"/>
+              <a:buNone/>
+            </a:pPr>
+            <a:r>
+              <a:rPr lang="en-US" altLang="ja-JP" sz="3700" dirty="0">
+                <a:solidFill>
+                  <a:schemeClr val="dk1"/>
+                </a:solidFill>
+                <a:latin typeface="Meiryo"/>
+                <a:ea typeface="Meiryo"/>
+                <a:cs typeface="Meiryo"/>
+                <a:sym typeface="Meiryo"/>
+              </a:rPr>
+              <a:t>2</a:t>
+            </a:r>
+          </a:p>
+          <a:p>
+            <a:pPr marL="0" indent="0" algn="r">
+              <a:lnSpc>
+                <a:spcPct val="114000"/>
+              </a:lnSpc>
+              <a:spcBef>
+                <a:spcPts val="0"/>
+              </a:spcBef>
+              <a:buClr>
+                <a:schemeClr val="dk1"/>
+              </a:buClr>
+              <a:buSzPts val="3700"/>
+              <a:buNone/>
+            </a:pPr>
+            <a:r>
+              <a:rPr lang="en-US" altLang="ja-JP" sz="3700" dirty="0">
+                <a:solidFill>
+                  <a:schemeClr val="dk1"/>
+                </a:solidFill>
+                <a:latin typeface="Meiryo"/>
+                <a:ea typeface="Meiryo"/>
+                <a:cs typeface="Meiryo"/>
+                <a:sym typeface="Meiryo"/>
+              </a:rPr>
+              <a:t>4</a:t>
+            </a:r>
+          </a:p>
+          <a:p>
+            <a:pPr marL="0" indent="0" algn="r">
+              <a:lnSpc>
+                <a:spcPct val="114000"/>
+              </a:lnSpc>
+              <a:spcBef>
+                <a:spcPts val="0"/>
+              </a:spcBef>
+              <a:buClr>
+                <a:schemeClr val="dk1"/>
+              </a:buClr>
+              <a:buSzPts val="3700"/>
+              <a:buNone/>
+            </a:pPr>
+            <a:r>
+              <a:rPr lang="en-US" altLang="ja-JP" sz="3700" dirty="0">
+                <a:solidFill>
+                  <a:schemeClr val="dk1"/>
+                </a:solidFill>
+                <a:latin typeface="Meiryo"/>
+                <a:ea typeface="Meiryo"/>
+                <a:cs typeface="Meiryo"/>
+                <a:sym typeface="Meiryo"/>
+              </a:rPr>
+              <a:t>9</a:t>
+            </a:r>
+          </a:p>
+          <a:p>
+            <a:pPr marL="0" indent="0" algn="r">
+              <a:lnSpc>
+                <a:spcPct val="114000"/>
+              </a:lnSpc>
+              <a:spcBef>
+                <a:spcPts val="0"/>
+              </a:spcBef>
+              <a:buClr>
+                <a:schemeClr val="dk1"/>
+              </a:buClr>
+              <a:buSzPts val="3700"/>
+              <a:buNone/>
+            </a:pPr>
+            <a:r>
+              <a:rPr lang="en-US" altLang="ja-JP" sz="3700" dirty="0">
+                <a:solidFill>
+                  <a:schemeClr val="dk1"/>
+                </a:solidFill>
+                <a:latin typeface="Meiryo"/>
+                <a:ea typeface="Meiryo"/>
+                <a:cs typeface="Meiryo"/>
+                <a:sym typeface="Meiryo"/>
+              </a:rPr>
+              <a:t>11</a:t>
+            </a:r>
+          </a:p>
+          <a:p>
+            <a:pPr marL="0" indent="0" algn="r">
+              <a:lnSpc>
+                <a:spcPct val="114000"/>
+              </a:lnSpc>
+              <a:spcBef>
+                <a:spcPts val="0"/>
+              </a:spcBef>
+              <a:buClr>
+                <a:schemeClr val="dk1"/>
+              </a:buClr>
+              <a:buSzPts val="3700"/>
+              <a:buNone/>
+            </a:pPr>
+            <a:r>
+              <a:rPr lang="en-US" altLang="ja-JP" sz="3700" dirty="0">
+                <a:solidFill>
+                  <a:schemeClr val="dk1"/>
+                </a:solidFill>
+                <a:latin typeface="Meiryo"/>
+                <a:ea typeface="Meiryo"/>
+                <a:cs typeface="Meiryo"/>
+                <a:sym typeface="Meiryo"/>
+              </a:rPr>
+              <a:t>14</a:t>
+            </a:r>
+          </a:p>
+          <a:p>
+            <a:pPr marL="0" indent="0" algn="r">
+              <a:lnSpc>
+                <a:spcPct val="114000"/>
+              </a:lnSpc>
+              <a:spcBef>
+                <a:spcPts val="0"/>
+              </a:spcBef>
+              <a:buClr>
+                <a:schemeClr val="dk1"/>
+              </a:buClr>
+              <a:buSzPts val="3700"/>
+              <a:buNone/>
+            </a:pPr>
+            <a:endParaRPr lang="ja-JP" altLang="en-US" sz="3700" dirty="0">
+              <a:solidFill>
+                <a:schemeClr val="dk1"/>
+              </a:solidFill>
+              <a:latin typeface="Meiryo"/>
+              <a:ea typeface="Meiryo"/>
+              <a:cs typeface="Meiryo"/>
+              <a:sym typeface="Meiryo"/>
+            </a:endParaRPr>
+          </a:p>
+        </p:txBody>
+      </p:sp>
+    </p:spTree>
+    <p:extLst>
+      <p:ext uri="{BB962C8B-B14F-4D97-AF65-F5344CB8AC3E}">
+        <p14:creationId xmlns:p14="http://schemas.microsoft.com/office/powerpoint/2010/main" val="2386315736"/>
+      </p:ext>
+    </p:extLst>
+  </p:cSld>
+  <p:clrMapOvr>
+    <a:masterClrMapping/>
+  </p:clrMapOvr>
+</p:sld>
+</file>
+
 <file path=ppt/slides/slide3.xml><?xml version="1.0" encoding="utf-8"?>
 <p:sld xmlns:a="http://schemas.openxmlformats.org/drawingml/2006/main" xmlns:r="http://schemas.openxmlformats.org/officeDocument/2006/relationships" xmlns:p="http://schemas.openxmlformats.org/presentationml/2006/main">
   <p:cSld>
@@ -51523,7 +53462,7 @@
               <a:buNone/>
             </a:pPr>
             <a:r>
-              <a:rPr lang="ja-JP" b="1">
+              <a:rPr lang="ja-JP" b="1" dirty="0">
                 <a:solidFill>
                   <a:schemeClr val="lt1"/>
                 </a:solidFill>
@@ -51534,7 +53473,19 @@
               </a:rPr>
               <a:t>制作物</a:t>
             </a:r>
-            <a:endParaRPr/>
+            <a:r>
+              <a:rPr lang="ja-JP" altLang="en-US" b="1" dirty="0">
+                <a:solidFill>
+                  <a:schemeClr val="lt1"/>
+                </a:solidFill>
+                <a:latin typeface="Calibri"/>
+                <a:ea typeface="Calibri"/>
+                <a:cs typeface="Calibri"/>
+                <a:sym typeface="Calibri"/>
+              </a:rPr>
+              <a:t>：評価</a:t>
+            </a:r>
+            <a:endParaRPr dirty="0"/>
           </a:p>
         </p:txBody>
       </p:sp>
